--- a/lecture_10/Middleware and Authentication.pptx
+++ b/lecture_10/Middleware and Authentication.pptx
@@ -13,10 +13,10 @@
     <p:sldMasterId id="2147483761" r:id="rId9"/>
   </p:sldMasterIdLst>
   <p:notesMasterIdLst>
-    <p:notesMasterId r:id="rId36"/>
+    <p:notesMasterId r:id="rId42"/>
   </p:notesMasterIdLst>
   <p:handoutMasterIdLst>
-    <p:handoutMasterId r:id="rId37"/>
+    <p:handoutMasterId r:id="rId43"/>
   </p:handoutMasterIdLst>
   <p:sldIdLst>
     <p:sldId id="293" r:id="rId10"/>
@@ -33,18 +33,24 @@
     <p:sldId id="395" r:id="rId21"/>
     <p:sldId id="396" r:id="rId22"/>
     <p:sldId id="397" r:id="rId23"/>
-    <p:sldId id="398" r:id="rId24"/>
-    <p:sldId id="399" r:id="rId25"/>
-    <p:sldId id="388" r:id="rId26"/>
-    <p:sldId id="400" r:id="rId27"/>
-    <p:sldId id="402" r:id="rId28"/>
-    <p:sldId id="403" r:id="rId29"/>
-    <p:sldId id="404" r:id="rId30"/>
-    <p:sldId id="405" r:id="rId31"/>
-    <p:sldId id="406" r:id="rId32"/>
-    <p:sldId id="407" r:id="rId33"/>
-    <p:sldId id="408" r:id="rId34"/>
-    <p:sldId id="401" r:id="rId35"/>
+    <p:sldId id="409" r:id="rId24"/>
+    <p:sldId id="410" r:id="rId25"/>
+    <p:sldId id="411" r:id="rId26"/>
+    <p:sldId id="412" r:id="rId27"/>
+    <p:sldId id="398" r:id="rId28"/>
+    <p:sldId id="413" r:id="rId29"/>
+    <p:sldId id="415" r:id="rId30"/>
+    <p:sldId id="414" r:id="rId31"/>
+    <p:sldId id="388" r:id="rId32"/>
+    <p:sldId id="400" r:id="rId33"/>
+    <p:sldId id="402" r:id="rId34"/>
+    <p:sldId id="403" r:id="rId35"/>
+    <p:sldId id="404" r:id="rId36"/>
+    <p:sldId id="405" r:id="rId37"/>
+    <p:sldId id="406" r:id="rId38"/>
+    <p:sldId id="407" r:id="rId39"/>
+    <p:sldId id="408" r:id="rId40"/>
+    <p:sldId id="401" r:id="rId41"/>
   </p:sldIdLst>
   <p:sldSz cx="12188825" cy="6858000"/>
   <p:notesSz cx="6858000" cy="9144000"/>
@@ -273,7 +279,7 @@
           <a:p>
             <a:fld id="{DD7909B4-0034-084A-82BA-DE59354427DE}" type="datetime1">
               <a:rPr lang="en-US" smtClean="0"/>
-              <a:t>1/11/20</a:t>
+              <a:t>4/16/20</a:t>
             </a:fld>
             <a:endParaRPr lang="en-US"/>
           </a:p>
@@ -439,7 +445,7 @@
           <a:p>
             <a:fld id="{9BAEE3B6-A6CF-1B42-910E-8E290E739F0F}" type="datetime1">
               <a:rPr lang="en-US" smtClean="0"/>
-              <a:t>1/11/20</a:t>
+              <a:t>4/16/20</a:t>
             </a:fld>
             <a:endParaRPr lang="en-US"/>
           </a:p>
@@ -705,6 +711,2694 @@
     </a:lvl9pPr>
   </p:notesStyle>
 </p:notesMaster>
+</file>
+
+<file path=ppt/notesSlides/notesSlide1.xml><?xml version="1.0" encoding="utf-8"?>
+<p:notes xmlns:a="http://schemas.openxmlformats.org/drawingml/2006/main" xmlns:r="http://schemas.openxmlformats.org/officeDocument/2006/relationships" xmlns:p="http://schemas.openxmlformats.org/presentationml/2006/main">
+  <p:cSld>
+    <p:spTree>
+      <p:nvGrpSpPr>
+        <p:cNvPr id="1" name=""/>
+        <p:cNvGrpSpPr/>
+        <p:nvPr/>
+      </p:nvGrpSpPr>
+      <p:grpSpPr>
+        <a:xfrm>
+          <a:off x="0" y="0"/>
+          <a:ext cx="0" cy="0"/>
+          <a:chOff x="0" y="0"/>
+          <a:chExt cx="0" cy="0"/>
+        </a:xfrm>
+      </p:grpSpPr>
+      <p:sp>
+        <p:nvSpPr>
+          <p:cNvPr id="2" name="Slide Image Placeholder 1"/>
+          <p:cNvSpPr>
+            <a:spLocks noGrp="1" noRot="1" noChangeAspect="1"/>
+          </p:cNvSpPr>
+          <p:nvPr>
+            <p:ph type="sldImg"/>
+          </p:nvPr>
+        </p:nvSpPr>
+        <p:spPr/>
+      </p:sp>
+      <p:sp>
+        <p:nvSpPr>
+          <p:cNvPr id="3" name="Notes Placeholder 2"/>
+          <p:cNvSpPr>
+            <a:spLocks noGrp="1"/>
+          </p:cNvSpPr>
+          <p:nvPr>
+            <p:ph type="body" idx="1"/>
+          </p:nvPr>
+        </p:nvSpPr>
+        <p:spPr/>
+        <p:txBody>
+          <a:bodyPr/>
+          <a:lstStyle/>
+          <a:p>
+            <a:endParaRPr lang="en-US"/>
+          </a:p>
+        </p:txBody>
+      </p:sp>
+      <p:sp>
+        <p:nvSpPr>
+          <p:cNvPr id="4" name="Slide Number Placeholder 3"/>
+          <p:cNvSpPr>
+            <a:spLocks noGrp="1"/>
+          </p:cNvSpPr>
+          <p:nvPr>
+            <p:ph type="sldNum" sz="quarter" idx="5"/>
+          </p:nvPr>
+        </p:nvSpPr>
+        <p:spPr/>
+        <p:txBody>
+          <a:bodyPr/>
+          <a:lstStyle/>
+          <a:p>
+            <a:fld id="{A6961DC2-A28F-4C81-9966-8D7B3191DD23}" type="slidenum">
+              <a:rPr lang="en-US" smtClean="0"/>
+              <a:t>1</a:t>
+            </a:fld>
+            <a:endParaRPr lang="en-US"/>
+          </a:p>
+        </p:txBody>
+      </p:sp>
+    </p:spTree>
+    <p:extLst>
+      <p:ext uri="{BB962C8B-B14F-4D97-AF65-F5344CB8AC3E}">
+        <p14:creationId xmlns:p14="http://schemas.microsoft.com/office/powerpoint/2010/main" val="3499829870"/>
+      </p:ext>
+    </p:extLst>
+  </p:cSld>
+  <p:clrMapOvr>
+    <a:masterClrMapping/>
+  </p:clrMapOvr>
+</p:notes>
+</file>
+
+<file path=ppt/notesSlides/notesSlide10.xml><?xml version="1.0" encoding="utf-8"?>
+<p:notes xmlns:a="http://schemas.openxmlformats.org/drawingml/2006/main" xmlns:r="http://schemas.openxmlformats.org/officeDocument/2006/relationships" xmlns:p="http://schemas.openxmlformats.org/presentationml/2006/main">
+  <p:cSld>
+    <p:spTree>
+      <p:nvGrpSpPr>
+        <p:cNvPr id="1" name=""/>
+        <p:cNvGrpSpPr/>
+        <p:nvPr/>
+      </p:nvGrpSpPr>
+      <p:grpSpPr>
+        <a:xfrm>
+          <a:off x="0" y="0"/>
+          <a:ext cx="0" cy="0"/>
+          <a:chOff x="0" y="0"/>
+          <a:chExt cx="0" cy="0"/>
+        </a:xfrm>
+      </p:grpSpPr>
+      <p:sp>
+        <p:nvSpPr>
+          <p:cNvPr id="2" name="Slide Image Placeholder 1"/>
+          <p:cNvSpPr>
+            <a:spLocks noGrp="1" noRot="1" noChangeAspect="1"/>
+          </p:cNvSpPr>
+          <p:nvPr>
+            <p:ph type="sldImg"/>
+          </p:nvPr>
+        </p:nvSpPr>
+        <p:spPr/>
+      </p:sp>
+      <p:sp>
+        <p:nvSpPr>
+          <p:cNvPr id="3" name="Notes Placeholder 2"/>
+          <p:cNvSpPr>
+            <a:spLocks noGrp="1"/>
+          </p:cNvSpPr>
+          <p:nvPr>
+            <p:ph type="body" idx="1"/>
+          </p:nvPr>
+        </p:nvSpPr>
+        <p:spPr/>
+        <p:txBody>
+          <a:bodyPr/>
+          <a:lstStyle/>
+          <a:p>
+            <a:endParaRPr lang="en-US"/>
+          </a:p>
+        </p:txBody>
+      </p:sp>
+      <p:sp>
+        <p:nvSpPr>
+          <p:cNvPr id="4" name="Slide Number Placeholder 3"/>
+          <p:cNvSpPr>
+            <a:spLocks noGrp="1"/>
+          </p:cNvSpPr>
+          <p:nvPr>
+            <p:ph type="sldNum" sz="quarter" idx="5"/>
+          </p:nvPr>
+        </p:nvSpPr>
+        <p:spPr/>
+        <p:txBody>
+          <a:bodyPr/>
+          <a:lstStyle/>
+          <a:p>
+            <a:fld id="{A6961DC2-A28F-4C81-9966-8D7B3191DD23}" type="slidenum">
+              <a:rPr lang="en-US" smtClean="0"/>
+              <a:t>10</a:t>
+            </a:fld>
+            <a:endParaRPr lang="en-US"/>
+          </a:p>
+        </p:txBody>
+      </p:sp>
+    </p:spTree>
+    <p:extLst>
+      <p:ext uri="{BB962C8B-B14F-4D97-AF65-F5344CB8AC3E}">
+        <p14:creationId xmlns:p14="http://schemas.microsoft.com/office/powerpoint/2010/main" val="757558483"/>
+      </p:ext>
+    </p:extLst>
+  </p:cSld>
+  <p:clrMapOvr>
+    <a:masterClrMapping/>
+  </p:clrMapOvr>
+</p:notes>
+</file>
+
+<file path=ppt/notesSlides/notesSlide11.xml><?xml version="1.0" encoding="utf-8"?>
+<p:notes xmlns:a="http://schemas.openxmlformats.org/drawingml/2006/main" xmlns:r="http://schemas.openxmlformats.org/officeDocument/2006/relationships" xmlns:p="http://schemas.openxmlformats.org/presentationml/2006/main">
+  <p:cSld>
+    <p:spTree>
+      <p:nvGrpSpPr>
+        <p:cNvPr id="1" name=""/>
+        <p:cNvGrpSpPr/>
+        <p:nvPr/>
+      </p:nvGrpSpPr>
+      <p:grpSpPr>
+        <a:xfrm>
+          <a:off x="0" y="0"/>
+          <a:ext cx="0" cy="0"/>
+          <a:chOff x="0" y="0"/>
+          <a:chExt cx="0" cy="0"/>
+        </a:xfrm>
+      </p:grpSpPr>
+      <p:sp>
+        <p:nvSpPr>
+          <p:cNvPr id="2" name="Slide Image Placeholder 1"/>
+          <p:cNvSpPr>
+            <a:spLocks noGrp="1" noRot="1" noChangeAspect="1"/>
+          </p:cNvSpPr>
+          <p:nvPr>
+            <p:ph type="sldImg"/>
+          </p:nvPr>
+        </p:nvSpPr>
+        <p:spPr/>
+      </p:sp>
+      <p:sp>
+        <p:nvSpPr>
+          <p:cNvPr id="3" name="Notes Placeholder 2"/>
+          <p:cNvSpPr>
+            <a:spLocks noGrp="1"/>
+          </p:cNvSpPr>
+          <p:nvPr>
+            <p:ph type="body" idx="1"/>
+          </p:nvPr>
+        </p:nvSpPr>
+        <p:spPr/>
+        <p:txBody>
+          <a:bodyPr/>
+          <a:lstStyle/>
+          <a:p>
+            <a:endParaRPr lang="en-US"/>
+          </a:p>
+        </p:txBody>
+      </p:sp>
+      <p:sp>
+        <p:nvSpPr>
+          <p:cNvPr id="4" name="Slide Number Placeholder 3"/>
+          <p:cNvSpPr>
+            <a:spLocks noGrp="1"/>
+          </p:cNvSpPr>
+          <p:nvPr>
+            <p:ph type="sldNum" sz="quarter" idx="5"/>
+          </p:nvPr>
+        </p:nvSpPr>
+        <p:spPr/>
+        <p:txBody>
+          <a:bodyPr/>
+          <a:lstStyle/>
+          <a:p>
+            <a:fld id="{A6961DC2-A28F-4C81-9966-8D7B3191DD23}" type="slidenum">
+              <a:rPr lang="en-US" smtClean="0"/>
+              <a:t>11</a:t>
+            </a:fld>
+            <a:endParaRPr lang="en-US"/>
+          </a:p>
+        </p:txBody>
+      </p:sp>
+    </p:spTree>
+    <p:extLst>
+      <p:ext uri="{BB962C8B-B14F-4D97-AF65-F5344CB8AC3E}">
+        <p14:creationId xmlns:p14="http://schemas.microsoft.com/office/powerpoint/2010/main" val="1068562565"/>
+      </p:ext>
+    </p:extLst>
+  </p:cSld>
+  <p:clrMapOvr>
+    <a:masterClrMapping/>
+  </p:clrMapOvr>
+</p:notes>
+</file>
+
+<file path=ppt/notesSlides/notesSlide12.xml><?xml version="1.0" encoding="utf-8"?>
+<p:notes xmlns:a="http://schemas.openxmlformats.org/drawingml/2006/main" xmlns:r="http://schemas.openxmlformats.org/officeDocument/2006/relationships" xmlns:p="http://schemas.openxmlformats.org/presentationml/2006/main">
+  <p:cSld>
+    <p:spTree>
+      <p:nvGrpSpPr>
+        <p:cNvPr id="1" name=""/>
+        <p:cNvGrpSpPr/>
+        <p:nvPr/>
+      </p:nvGrpSpPr>
+      <p:grpSpPr>
+        <a:xfrm>
+          <a:off x="0" y="0"/>
+          <a:ext cx="0" cy="0"/>
+          <a:chOff x="0" y="0"/>
+          <a:chExt cx="0" cy="0"/>
+        </a:xfrm>
+      </p:grpSpPr>
+      <p:sp>
+        <p:nvSpPr>
+          <p:cNvPr id="2" name="Slide Image Placeholder 1"/>
+          <p:cNvSpPr>
+            <a:spLocks noGrp="1" noRot="1" noChangeAspect="1"/>
+          </p:cNvSpPr>
+          <p:nvPr>
+            <p:ph type="sldImg"/>
+          </p:nvPr>
+        </p:nvSpPr>
+        <p:spPr/>
+      </p:sp>
+      <p:sp>
+        <p:nvSpPr>
+          <p:cNvPr id="3" name="Notes Placeholder 2"/>
+          <p:cNvSpPr>
+            <a:spLocks noGrp="1"/>
+          </p:cNvSpPr>
+          <p:nvPr>
+            <p:ph type="body" idx="1"/>
+          </p:nvPr>
+        </p:nvSpPr>
+        <p:spPr/>
+        <p:txBody>
+          <a:bodyPr/>
+          <a:lstStyle/>
+          <a:p>
+            <a:endParaRPr lang="en-US"/>
+          </a:p>
+        </p:txBody>
+      </p:sp>
+      <p:sp>
+        <p:nvSpPr>
+          <p:cNvPr id="4" name="Slide Number Placeholder 3"/>
+          <p:cNvSpPr>
+            <a:spLocks noGrp="1"/>
+          </p:cNvSpPr>
+          <p:nvPr>
+            <p:ph type="sldNum" sz="quarter" idx="5"/>
+          </p:nvPr>
+        </p:nvSpPr>
+        <p:spPr/>
+        <p:txBody>
+          <a:bodyPr/>
+          <a:lstStyle/>
+          <a:p>
+            <a:fld id="{A6961DC2-A28F-4C81-9966-8D7B3191DD23}" type="slidenum">
+              <a:rPr lang="en-US" smtClean="0"/>
+              <a:t>12</a:t>
+            </a:fld>
+            <a:endParaRPr lang="en-US"/>
+          </a:p>
+        </p:txBody>
+      </p:sp>
+    </p:spTree>
+    <p:extLst>
+      <p:ext uri="{BB962C8B-B14F-4D97-AF65-F5344CB8AC3E}">
+        <p14:creationId xmlns:p14="http://schemas.microsoft.com/office/powerpoint/2010/main" val="541938982"/>
+      </p:ext>
+    </p:extLst>
+  </p:cSld>
+  <p:clrMapOvr>
+    <a:masterClrMapping/>
+  </p:clrMapOvr>
+</p:notes>
+</file>
+
+<file path=ppt/notesSlides/notesSlide13.xml><?xml version="1.0" encoding="utf-8"?>
+<p:notes xmlns:a="http://schemas.openxmlformats.org/drawingml/2006/main" xmlns:r="http://schemas.openxmlformats.org/officeDocument/2006/relationships" xmlns:p="http://schemas.openxmlformats.org/presentationml/2006/main">
+  <p:cSld>
+    <p:spTree>
+      <p:nvGrpSpPr>
+        <p:cNvPr id="1" name=""/>
+        <p:cNvGrpSpPr/>
+        <p:nvPr/>
+      </p:nvGrpSpPr>
+      <p:grpSpPr>
+        <a:xfrm>
+          <a:off x="0" y="0"/>
+          <a:ext cx="0" cy="0"/>
+          <a:chOff x="0" y="0"/>
+          <a:chExt cx="0" cy="0"/>
+        </a:xfrm>
+      </p:grpSpPr>
+      <p:sp>
+        <p:nvSpPr>
+          <p:cNvPr id="2" name="Slide Image Placeholder 1"/>
+          <p:cNvSpPr>
+            <a:spLocks noGrp="1" noRot="1" noChangeAspect="1"/>
+          </p:cNvSpPr>
+          <p:nvPr>
+            <p:ph type="sldImg"/>
+          </p:nvPr>
+        </p:nvSpPr>
+        <p:spPr/>
+      </p:sp>
+      <p:sp>
+        <p:nvSpPr>
+          <p:cNvPr id="3" name="Notes Placeholder 2"/>
+          <p:cNvSpPr>
+            <a:spLocks noGrp="1"/>
+          </p:cNvSpPr>
+          <p:nvPr>
+            <p:ph type="body" idx="1"/>
+          </p:nvPr>
+        </p:nvSpPr>
+        <p:spPr/>
+        <p:txBody>
+          <a:bodyPr/>
+          <a:lstStyle/>
+          <a:p>
+            <a:endParaRPr lang="en-US"/>
+          </a:p>
+        </p:txBody>
+      </p:sp>
+      <p:sp>
+        <p:nvSpPr>
+          <p:cNvPr id="4" name="Slide Number Placeholder 3"/>
+          <p:cNvSpPr>
+            <a:spLocks noGrp="1"/>
+          </p:cNvSpPr>
+          <p:nvPr>
+            <p:ph type="sldNum" sz="quarter" idx="5"/>
+          </p:nvPr>
+        </p:nvSpPr>
+        <p:spPr/>
+        <p:txBody>
+          <a:bodyPr/>
+          <a:lstStyle/>
+          <a:p>
+            <a:fld id="{A6961DC2-A28F-4C81-9966-8D7B3191DD23}" type="slidenum">
+              <a:rPr lang="en-US" smtClean="0"/>
+              <a:t>13</a:t>
+            </a:fld>
+            <a:endParaRPr lang="en-US"/>
+          </a:p>
+        </p:txBody>
+      </p:sp>
+    </p:spTree>
+    <p:extLst>
+      <p:ext uri="{BB962C8B-B14F-4D97-AF65-F5344CB8AC3E}">
+        <p14:creationId xmlns:p14="http://schemas.microsoft.com/office/powerpoint/2010/main" val="1849920587"/>
+      </p:ext>
+    </p:extLst>
+  </p:cSld>
+  <p:clrMapOvr>
+    <a:masterClrMapping/>
+  </p:clrMapOvr>
+</p:notes>
+</file>
+
+<file path=ppt/notesSlides/notesSlide14.xml><?xml version="1.0" encoding="utf-8"?>
+<p:notes xmlns:a="http://schemas.openxmlformats.org/drawingml/2006/main" xmlns:r="http://schemas.openxmlformats.org/officeDocument/2006/relationships" xmlns:p="http://schemas.openxmlformats.org/presentationml/2006/main">
+  <p:cSld>
+    <p:spTree>
+      <p:nvGrpSpPr>
+        <p:cNvPr id="1" name=""/>
+        <p:cNvGrpSpPr/>
+        <p:nvPr/>
+      </p:nvGrpSpPr>
+      <p:grpSpPr>
+        <a:xfrm>
+          <a:off x="0" y="0"/>
+          <a:ext cx="0" cy="0"/>
+          <a:chOff x="0" y="0"/>
+          <a:chExt cx="0" cy="0"/>
+        </a:xfrm>
+      </p:grpSpPr>
+      <p:sp>
+        <p:nvSpPr>
+          <p:cNvPr id="2" name="Slide Image Placeholder 1"/>
+          <p:cNvSpPr>
+            <a:spLocks noGrp="1" noRot="1" noChangeAspect="1"/>
+          </p:cNvSpPr>
+          <p:nvPr>
+            <p:ph type="sldImg"/>
+          </p:nvPr>
+        </p:nvSpPr>
+        <p:spPr/>
+      </p:sp>
+      <p:sp>
+        <p:nvSpPr>
+          <p:cNvPr id="3" name="Notes Placeholder 2"/>
+          <p:cNvSpPr>
+            <a:spLocks noGrp="1"/>
+          </p:cNvSpPr>
+          <p:nvPr>
+            <p:ph type="body" idx="1"/>
+          </p:nvPr>
+        </p:nvSpPr>
+        <p:spPr/>
+        <p:txBody>
+          <a:bodyPr/>
+          <a:lstStyle/>
+          <a:p>
+            <a:endParaRPr lang="en-US"/>
+          </a:p>
+        </p:txBody>
+      </p:sp>
+      <p:sp>
+        <p:nvSpPr>
+          <p:cNvPr id="4" name="Slide Number Placeholder 3"/>
+          <p:cNvSpPr>
+            <a:spLocks noGrp="1"/>
+          </p:cNvSpPr>
+          <p:nvPr>
+            <p:ph type="sldNum" sz="quarter" idx="5"/>
+          </p:nvPr>
+        </p:nvSpPr>
+        <p:spPr/>
+        <p:txBody>
+          <a:bodyPr/>
+          <a:lstStyle/>
+          <a:p>
+            <a:fld id="{A6961DC2-A28F-4C81-9966-8D7B3191DD23}" type="slidenum">
+              <a:rPr lang="en-US" smtClean="0"/>
+              <a:t>14</a:t>
+            </a:fld>
+            <a:endParaRPr lang="en-US"/>
+          </a:p>
+        </p:txBody>
+      </p:sp>
+    </p:spTree>
+    <p:extLst>
+      <p:ext uri="{BB962C8B-B14F-4D97-AF65-F5344CB8AC3E}">
+        <p14:creationId xmlns:p14="http://schemas.microsoft.com/office/powerpoint/2010/main" val="235262574"/>
+      </p:ext>
+    </p:extLst>
+  </p:cSld>
+  <p:clrMapOvr>
+    <a:masterClrMapping/>
+  </p:clrMapOvr>
+</p:notes>
+</file>
+
+<file path=ppt/notesSlides/notesSlide15.xml><?xml version="1.0" encoding="utf-8"?>
+<p:notes xmlns:a="http://schemas.openxmlformats.org/drawingml/2006/main" xmlns:r="http://schemas.openxmlformats.org/officeDocument/2006/relationships" xmlns:p="http://schemas.openxmlformats.org/presentationml/2006/main">
+  <p:cSld>
+    <p:spTree>
+      <p:nvGrpSpPr>
+        <p:cNvPr id="1" name=""/>
+        <p:cNvGrpSpPr/>
+        <p:nvPr/>
+      </p:nvGrpSpPr>
+      <p:grpSpPr>
+        <a:xfrm>
+          <a:off x="0" y="0"/>
+          <a:ext cx="0" cy="0"/>
+          <a:chOff x="0" y="0"/>
+          <a:chExt cx="0" cy="0"/>
+        </a:xfrm>
+      </p:grpSpPr>
+      <p:sp>
+        <p:nvSpPr>
+          <p:cNvPr id="2" name="Slide Image Placeholder 1"/>
+          <p:cNvSpPr>
+            <a:spLocks noGrp="1" noRot="1" noChangeAspect="1"/>
+          </p:cNvSpPr>
+          <p:nvPr>
+            <p:ph type="sldImg"/>
+          </p:nvPr>
+        </p:nvSpPr>
+        <p:spPr/>
+      </p:sp>
+      <p:sp>
+        <p:nvSpPr>
+          <p:cNvPr id="3" name="Notes Placeholder 2"/>
+          <p:cNvSpPr>
+            <a:spLocks noGrp="1"/>
+          </p:cNvSpPr>
+          <p:nvPr>
+            <p:ph type="body" idx="1"/>
+          </p:nvPr>
+        </p:nvSpPr>
+        <p:spPr/>
+        <p:txBody>
+          <a:bodyPr/>
+          <a:lstStyle/>
+          <a:p>
+            <a:endParaRPr lang="en-US"/>
+          </a:p>
+        </p:txBody>
+      </p:sp>
+      <p:sp>
+        <p:nvSpPr>
+          <p:cNvPr id="4" name="Slide Number Placeholder 3"/>
+          <p:cNvSpPr>
+            <a:spLocks noGrp="1"/>
+          </p:cNvSpPr>
+          <p:nvPr>
+            <p:ph type="sldNum" sz="quarter" idx="5"/>
+          </p:nvPr>
+        </p:nvSpPr>
+        <p:spPr/>
+        <p:txBody>
+          <a:bodyPr/>
+          <a:lstStyle/>
+          <a:p>
+            <a:fld id="{A6961DC2-A28F-4C81-9966-8D7B3191DD23}" type="slidenum">
+              <a:rPr lang="en-US" smtClean="0"/>
+              <a:t>15</a:t>
+            </a:fld>
+            <a:endParaRPr lang="en-US"/>
+          </a:p>
+        </p:txBody>
+      </p:sp>
+    </p:spTree>
+    <p:extLst>
+      <p:ext uri="{BB962C8B-B14F-4D97-AF65-F5344CB8AC3E}">
+        <p14:creationId xmlns:p14="http://schemas.microsoft.com/office/powerpoint/2010/main" val="3452512610"/>
+      </p:ext>
+    </p:extLst>
+  </p:cSld>
+  <p:clrMapOvr>
+    <a:masterClrMapping/>
+  </p:clrMapOvr>
+</p:notes>
+</file>
+
+<file path=ppt/notesSlides/notesSlide16.xml><?xml version="1.0" encoding="utf-8"?>
+<p:notes xmlns:a="http://schemas.openxmlformats.org/drawingml/2006/main" xmlns:r="http://schemas.openxmlformats.org/officeDocument/2006/relationships" xmlns:p="http://schemas.openxmlformats.org/presentationml/2006/main">
+  <p:cSld>
+    <p:spTree>
+      <p:nvGrpSpPr>
+        <p:cNvPr id="1" name=""/>
+        <p:cNvGrpSpPr/>
+        <p:nvPr/>
+      </p:nvGrpSpPr>
+      <p:grpSpPr>
+        <a:xfrm>
+          <a:off x="0" y="0"/>
+          <a:ext cx="0" cy="0"/>
+          <a:chOff x="0" y="0"/>
+          <a:chExt cx="0" cy="0"/>
+        </a:xfrm>
+      </p:grpSpPr>
+      <p:sp>
+        <p:nvSpPr>
+          <p:cNvPr id="2" name="Slide Image Placeholder 1"/>
+          <p:cNvSpPr>
+            <a:spLocks noGrp="1" noRot="1" noChangeAspect="1"/>
+          </p:cNvSpPr>
+          <p:nvPr>
+            <p:ph type="sldImg"/>
+          </p:nvPr>
+        </p:nvSpPr>
+        <p:spPr/>
+      </p:sp>
+      <p:sp>
+        <p:nvSpPr>
+          <p:cNvPr id="3" name="Notes Placeholder 2"/>
+          <p:cNvSpPr>
+            <a:spLocks noGrp="1"/>
+          </p:cNvSpPr>
+          <p:nvPr>
+            <p:ph type="body" idx="1"/>
+          </p:nvPr>
+        </p:nvSpPr>
+        <p:spPr/>
+        <p:txBody>
+          <a:bodyPr/>
+          <a:lstStyle/>
+          <a:p>
+            <a:endParaRPr lang="en-US"/>
+          </a:p>
+        </p:txBody>
+      </p:sp>
+      <p:sp>
+        <p:nvSpPr>
+          <p:cNvPr id="4" name="Slide Number Placeholder 3"/>
+          <p:cNvSpPr>
+            <a:spLocks noGrp="1"/>
+          </p:cNvSpPr>
+          <p:nvPr>
+            <p:ph type="sldNum" sz="quarter" idx="5"/>
+          </p:nvPr>
+        </p:nvSpPr>
+        <p:spPr/>
+        <p:txBody>
+          <a:bodyPr/>
+          <a:lstStyle/>
+          <a:p>
+            <a:fld id="{A6961DC2-A28F-4C81-9966-8D7B3191DD23}" type="slidenum">
+              <a:rPr lang="en-US" smtClean="0"/>
+              <a:t>16</a:t>
+            </a:fld>
+            <a:endParaRPr lang="en-US"/>
+          </a:p>
+        </p:txBody>
+      </p:sp>
+    </p:spTree>
+    <p:extLst>
+      <p:ext uri="{BB962C8B-B14F-4D97-AF65-F5344CB8AC3E}">
+        <p14:creationId xmlns:p14="http://schemas.microsoft.com/office/powerpoint/2010/main" val="4020348836"/>
+      </p:ext>
+    </p:extLst>
+  </p:cSld>
+  <p:clrMapOvr>
+    <a:masterClrMapping/>
+  </p:clrMapOvr>
+</p:notes>
+</file>
+
+<file path=ppt/notesSlides/notesSlide17.xml><?xml version="1.0" encoding="utf-8"?>
+<p:notes xmlns:a="http://schemas.openxmlformats.org/drawingml/2006/main" xmlns:r="http://schemas.openxmlformats.org/officeDocument/2006/relationships" xmlns:p="http://schemas.openxmlformats.org/presentationml/2006/main">
+  <p:cSld>
+    <p:spTree>
+      <p:nvGrpSpPr>
+        <p:cNvPr id="1" name=""/>
+        <p:cNvGrpSpPr/>
+        <p:nvPr/>
+      </p:nvGrpSpPr>
+      <p:grpSpPr>
+        <a:xfrm>
+          <a:off x="0" y="0"/>
+          <a:ext cx="0" cy="0"/>
+          <a:chOff x="0" y="0"/>
+          <a:chExt cx="0" cy="0"/>
+        </a:xfrm>
+      </p:grpSpPr>
+      <p:sp>
+        <p:nvSpPr>
+          <p:cNvPr id="2" name="Slide Image Placeholder 1"/>
+          <p:cNvSpPr>
+            <a:spLocks noGrp="1" noRot="1" noChangeAspect="1"/>
+          </p:cNvSpPr>
+          <p:nvPr>
+            <p:ph type="sldImg"/>
+          </p:nvPr>
+        </p:nvSpPr>
+        <p:spPr/>
+      </p:sp>
+      <p:sp>
+        <p:nvSpPr>
+          <p:cNvPr id="3" name="Notes Placeholder 2"/>
+          <p:cNvSpPr>
+            <a:spLocks noGrp="1"/>
+          </p:cNvSpPr>
+          <p:nvPr>
+            <p:ph type="body" idx="1"/>
+          </p:nvPr>
+        </p:nvSpPr>
+        <p:spPr/>
+        <p:txBody>
+          <a:bodyPr/>
+          <a:lstStyle/>
+          <a:p>
+            <a:endParaRPr lang="en-US"/>
+          </a:p>
+        </p:txBody>
+      </p:sp>
+      <p:sp>
+        <p:nvSpPr>
+          <p:cNvPr id="4" name="Slide Number Placeholder 3"/>
+          <p:cNvSpPr>
+            <a:spLocks noGrp="1"/>
+          </p:cNvSpPr>
+          <p:nvPr>
+            <p:ph type="sldNum" sz="quarter" idx="5"/>
+          </p:nvPr>
+        </p:nvSpPr>
+        <p:spPr/>
+        <p:txBody>
+          <a:bodyPr/>
+          <a:lstStyle/>
+          <a:p>
+            <a:fld id="{A6961DC2-A28F-4C81-9966-8D7B3191DD23}" type="slidenum">
+              <a:rPr lang="en-US" smtClean="0"/>
+              <a:t>17</a:t>
+            </a:fld>
+            <a:endParaRPr lang="en-US"/>
+          </a:p>
+        </p:txBody>
+      </p:sp>
+    </p:spTree>
+    <p:extLst>
+      <p:ext uri="{BB962C8B-B14F-4D97-AF65-F5344CB8AC3E}">
+        <p14:creationId xmlns:p14="http://schemas.microsoft.com/office/powerpoint/2010/main" val="3896008495"/>
+      </p:ext>
+    </p:extLst>
+  </p:cSld>
+  <p:clrMapOvr>
+    <a:masterClrMapping/>
+  </p:clrMapOvr>
+</p:notes>
+</file>
+
+<file path=ppt/notesSlides/notesSlide18.xml><?xml version="1.0" encoding="utf-8"?>
+<p:notes xmlns:a="http://schemas.openxmlformats.org/drawingml/2006/main" xmlns:r="http://schemas.openxmlformats.org/officeDocument/2006/relationships" xmlns:p="http://schemas.openxmlformats.org/presentationml/2006/main">
+  <p:cSld>
+    <p:spTree>
+      <p:nvGrpSpPr>
+        <p:cNvPr id="1" name=""/>
+        <p:cNvGrpSpPr/>
+        <p:nvPr/>
+      </p:nvGrpSpPr>
+      <p:grpSpPr>
+        <a:xfrm>
+          <a:off x="0" y="0"/>
+          <a:ext cx="0" cy="0"/>
+          <a:chOff x="0" y="0"/>
+          <a:chExt cx="0" cy="0"/>
+        </a:xfrm>
+      </p:grpSpPr>
+      <p:sp>
+        <p:nvSpPr>
+          <p:cNvPr id="2" name="Slide Image Placeholder 1"/>
+          <p:cNvSpPr>
+            <a:spLocks noGrp="1" noRot="1" noChangeAspect="1"/>
+          </p:cNvSpPr>
+          <p:nvPr>
+            <p:ph type="sldImg"/>
+          </p:nvPr>
+        </p:nvSpPr>
+        <p:spPr/>
+      </p:sp>
+      <p:sp>
+        <p:nvSpPr>
+          <p:cNvPr id="3" name="Notes Placeholder 2"/>
+          <p:cNvSpPr>
+            <a:spLocks noGrp="1"/>
+          </p:cNvSpPr>
+          <p:nvPr>
+            <p:ph type="body" idx="1"/>
+          </p:nvPr>
+        </p:nvSpPr>
+        <p:spPr/>
+        <p:txBody>
+          <a:bodyPr/>
+          <a:lstStyle/>
+          <a:p>
+            <a:endParaRPr lang="en-US"/>
+          </a:p>
+        </p:txBody>
+      </p:sp>
+      <p:sp>
+        <p:nvSpPr>
+          <p:cNvPr id="4" name="Slide Number Placeholder 3"/>
+          <p:cNvSpPr>
+            <a:spLocks noGrp="1"/>
+          </p:cNvSpPr>
+          <p:nvPr>
+            <p:ph type="sldNum" sz="quarter" idx="5"/>
+          </p:nvPr>
+        </p:nvSpPr>
+        <p:spPr/>
+        <p:txBody>
+          <a:bodyPr/>
+          <a:lstStyle/>
+          <a:p>
+            <a:fld id="{A6961DC2-A28F-4C81-9966-8D7B3191DD23}" type="slidenum">
+              <a:rPr lang="en-US" smtClean="0"/>
+              <a:t>18</a:t>
+            </a:fld>
+            <a:endParaRPr lang="en-US"/>
+          </a:p>
+        </p:txBody>
+      </p:sp>
+    </p:spTree>
+    <p:extLst>
+      <p:ext uri="{BB962C8B-B14F-4D97-AF65-F5344CB8AC3E}">
+        <p14:creationId xmlns:p14="http://schemas.microsoft.com/office/powerpoint/2010/main" val="2268534570"/>
+      </p:ext>
+    </p:extLst>
+  </p:cSld>
+  <p:clrMapOvr>
+    <a:masterClrMapping/>
+  </p:clrMapOvr>
+</p:notes>
+</file>
+
+<file path=ppt/notesSlides/notesSlide19.xml><?xml version="1.0" encoding="utf-8"?>
+<p:notes xmlns:a="http://schemas.openxmlformats.org/drawingml/2006/main" xmlns:r="http://schemas.openxmlformats.org/officeDocument/2006/relationships" xmlns:p="http://schemas.openxmlformats.org/presentationml/2006/main">
+  <p:cSld>
+    <p:spTree>
+      <p:nvGrpSpPr>
+        <p:cNvPr id="1" name=""/>
+        <p:cNvGrpSpPr/>
+        <p:nvPr/>
+      </p:nvGrpSpPr>
+      <p:grpSpPr>
+        <a:xfrm>
+          <a:off x="0" y="0"/>
+          <a:ext cx="0" cy="0"/>
+          <a:chOff x="0" y="0"/>
+          <a:chExt cx="0" cy="0"/>
+        </a:xfrm>
+      </p:grpSpPr>
+      <p:sp>
+        <p:nvSpPr>
+          <p:cNvPr id="2" name="Slide Image Placeholder 1"/>
+          <p:cNvSpPr>
+            <a:spLocks noGrp="1" noRot="1" noChangeAspect="1"/>
+          </p:cNvSpPr>
+          <p:nvPr>
+            <p:ph type="sldImg"/>
+          </p:nvPr>
+        </p:nvSpPr>
+        <p:spPr/>
+      </p:sp>
+      <p:sp>
+        <p:nvSpPr>
+          <p:cNvPr id="3" name="Notes Placeholder 2"/>
+          <p:cNvSpPr>
+            <a:spLocks noGrp="1"/>
+          </p:cNvSpPr>
+          <p:nvPr>
+            <p:ph type="body" idx="1"/>
+          </p:nvPr>
+        </p:nvSpPr>
+        <p:spPr/>
+        <p:txBody>
+          <a:bodyPr/>
+          <a:lstStyle/>
+          <a:p>
+            <a:endParaRPr lang="en-US"/>
+          </a:p>
+        </p:txBody>
+      </p:sp>
+      <p:sp>
+        <p:nvSpPr>
+          <p:cNvPr id="4" name="Slide Number Placeholder 3"/>
+          <p:cNvSpPr>
+            <a:spLocks noGrp="1"/>
+          </p:cNvSpPr>
+          <p:nvPr>
+            <p:ph type="sldNum" sz="quarter" idx="5"/>
+          </p:nvPr>
+        </p:nvSpPr>
+        <p:spPr/>
+        <p:txBody>
+          <a:bodyPr/>
+          <a:lstStyle/>
+          <a:p>
+            <a:fld id="{A6961DC2-A28F-4C81-9966-8D7B3191DD23}" type="slidenum">
+              <a:rPr lang="en-US" smtClean="0"/>
+              <a:t>19</a:t>
+            </a:fld>
+            <a:endParaRPr lang="en-US"/>
+          </a:p>
+        </p:txBody>
+      </p:sp>
+    </p:spTree>
+    <p:extLst>
+      <p:ext uri="{BB962C8B-B14F-4D97-AF65-F5344CB8AC3E}">
+        <p14:creationId xmlns:p14="http://schemas.microsoft.com/office/powerpoint/2010/main" val="896063996"/>
+      </p:ext>
+    </p:extLst>
+  </p:cSld>
+  <p:clrMapOvr>
+    <a:masterClrMapping/>
+  </p:clrMapOvr>
+</p:notes>
+</file>
+
+<file path=ppt/notesSlides/notesSlide2.xml><?xml version="1.0" encoding="utf-8"?>
+<p:notes xmlns:a="http://schemas.openxmlformats.org/drawingml/2006/main" xmlns:r="http://schemas.openxmlformats.org/officeDocument/2006/relationships" xmlns:p="http://schemas.openxmlformats.org/presentationml/2006/main">
+  <p:cSld>
+    <p:spTree>
+      <p:nvGrpSpPr>
+        <p:cNvPr id="1" name=""/>
+        <p:cNvGrpSpPr/>
+        <p:nvPr/>
+      </p:nvGrpSpPr>
+      <p:grpSpPr>
+        <a:xfrm>
+          <a:off x="0" y="0"/>
+          <a:ext cx="0" cy="0"/>
+          <a:chOff x="0" y="0"/>
+          <a:chExt cx="0" cy="0"/>
+        </a:xfrm>
+      </p:grpSpPr>
+      <p:sp>
+        <p:nvSpPr>
+          <p:cNvPr id="2" name="Slide Image Placeholder 1"/>
+          <p:cNvSpPr>
+            <a:spLocks noGrp="1" noRot="1" noChangeAspect="1"/>
+          </p:cNvSpPr>
+          <p:nvPr>
+            <p:ph type="sldImg"/>
+          </p:nvPr>
+        </p:nvSpPr>
+        <p:spPr/>
+      </p:sp>
+      <p:sp>
+        <p:nvSpPr>
+          <p:cNvPr id="3" name="Notes Placeholder 2"/>
+          <p:cNvSpPr>
+            <a:spLocks noGrp="1"/>
+          </p:cNvSpPr>
+          <p:nvPr>
+            <p:ph type="body" idx="1"/>
+          </p:nvPr>
+        </p:nvSpPr>
+        <p:spPr/>
+        <p:txBody>
+          <a:bodyPr/>
+          <a:lstStyle/>
+          <a:p>
+            <a:endParaRPr lang="en-US"/>
+          </a:p>
+        </p:txBody>
+      </p:sp>
+      <p:sp>
+        <p:nvSpPr>
+          <p:cNvPr id="4" name="Slide Number Placeholder 3"/>
+          <p:cNvSpPr>
+            <a:spLocks noGrp="1"/>
+          </p:cNvSpPr>
+          <p:nvPr>
+            <p:ph type="sldNum" sz="quarter" idx="5"/>
+          </p:nvPr>
+        </p:nvSpPr>
+        <p:spPr/>
+        <p:txBody>
+          <a:bodyPr/>
+          <a:lstStyle/>
+          <a:p>
+            <a:fld id="{A6961DC2-A28F-4C81-9966-8D7B3191DD23}" type="slidenum">
+              <a:rPr lang="en-US" smtClean="0"/>
+              <a:t>2</a:t>
+            </a:fld>
+            <a:endParaRPr lang="en-US"/>
+          </a:p>
+        </p:txBody>
+      </p:sp>
+    </p:spTree>
+    <p:extLst>
+      <p:ext uri="{BB962C8B-B14F-4D97-AF65-F5344CB8AC3E}">
+        <p14:creationId xmlns:p14="http://schemas.microsoft.com/office/powerpoint/2010/main" val="3133731344"/>
+      </p:ext>
+    </p:extLst>
+  </p:cSld>
+  <p:clrMapOvr>
+    <a:masterClrMapping/>
+  </p:clrMapOvr>
+</p:notes>
+</file>
+
+<file path=ppt/notesSlides/notesSlide20.xml><?xml version="1.0" encoding="utf-8"?>
+<p:notes xmlns:a="http://schemas.openxmlformats.org/drawingml/2006/main" xmlns:r="http://schemas.openxmlformats.org/officeDocument/2006/relationships" xmlns:p="http://schemas.openxmlformats.org/presentationml/2006/main">
+  <p:cSld>
+    <p:spTree>
+      <p:nvGrpSpPr>
+        <p:cNvPr id="1" name=""/>
+        <p:cNvGrpSpPr/>
+        <p:nvPr/>
+      </p:nvGrpSpPr>
+      <p:grpSpPr>
+        <a:xfrm>
+          <a:off x="0" y="0"/>
+          <a:ext cx="0" cy="0"/>
+          <a:chOff x="0" y="0"/>
+          <a:chExt cx="0" cy="0"/>
+        </a:xfrm>
+      </p:grpSpPr>
+      <p:sp>
+        <p:nvSpPr>
+          <p:cNvPr id="2" name="Slide Image Placeholder 1"/>
+          <p:cNvSpPr>
+            <a:spLocks noGrp="1" noRot="1" noChangeAspect="1"/>
+          </p:cNvSpPr>
+          <p:nvPr>
+            <p:ph type="sldImg"/>
+          </p:nvPr>
+        </p:nvSpPr>
+        <p:spPr/>
+      </p:sp>
+      <p:sp>
+        <p:nvSpPr>
+          <p:cNvPr id="3" name="Notes Placeholder 2"/>
+          <p:cNvSpPr>
+            <a:spLocks noGrp="1"/>
+          </p:cNvSpPr>
+          <p:nvPr>
+            <p:ph type="body" idx="1"/>
+          </p:nvPr>
+        </p:nvSpPr>
+        <p:spPr/>
+        <p:txBody>
+          <a:bodyPr/>
+          <a:lstStyle/>
+          <a:p>
+            <a:endParaRPr lang="en-US"/>
+          </a:p>
+        </p:txBody>
+      </p:sp>
+      <p:sp>
+        <p:nvSpPr>
+          <p:cNvPr id="4" name="Slide Number Placeholder 3"/>
+          <p:cNvSpPr>
+            <a:spLocks noGrp="1"/>
+          </p:cNvSpPr>
+          <p:nvPr>
+            <p:ph type="sldNum" sz="quarter" idx="5"/>
+          </p:nvPr>
+        </p:nvSpPr>
+        <p:spPr/>
+        <p:txBody>
+          <a:bodyPr/>
+          <a:lstStyle/>
+          <a:p>
+            <a:fld id="{A6961DC2-A28F-4C81-9966-8D7B3191DD23}" type="slidenum">
+              <a:rPr lang="en-US" smtClean="0"/>
+              <a:t>20</a:t>
+            </a:fld>
+            <a:endParaRPr lang="en-US"/>
+          </a:p>
+        </p:txBody>
+      </p:sp>
+    </p:spTree>
+    <p:extLst>
+      <p:ext uri="{BB962C8B-B14F-4D97-AF65-F5344CB8AC3E}">
+        <p14:creationId xmlns:p14="http://schemas.microsoft.com/office/powerpoint/2010/main" val="4057971620"/>
+      </p:ext>
+    </p:extLst>
+  </p:cSld>
+  <p:clrMapOvr>
+    <a:masterClrMapping/>
+  </p:clrMapOvr>
+</p:notes>
+</file>
+
+<file path=ppt/notesSlides/notesSlide21.xml><?xml version="1.0" encoding="utf-8"?>
+<p:notes xmlns:a="http://schemas.openxmlformats.org/drawingml/2006/main" xmlns:r="http://schemas.openxmlformats.org/officeDocument/2006/relationships" xmlns:p="http://schemas.openxmlformats.org/presentationml/2006/main">
+  <p:cSld>
+    <p:spTree>
+      <p:nvGrpSpPr>
+        <p:cNvPr id="1" name=""/>
+        <p:cNvGrpSpPr/>
+        <p:nvPr/>
+      </p:nvGrpSpPr>
+      <p:grpSpPr>
+        <a:xfrm>
+          <a:off x="0" y="0"/>
+          <a:ext cx="0" cy="0"/>
+          <a:chOff x="0" y="0"/>
+          <a:chExt cx="0" cy="0"/>
+        </a:xfrm>
+      </p:grpSpPr>
+      <p:sp>
+        <p:nvSpPr>
+          <p:cNvPr id="2" name="Slide Image Placeholder 1"/>
+          <p:cNvSpPr>
+            <a:spLocks noGrp="1" noRot="1" noChangeAspect="1"/>
+          </p:cNvSpPr>
+          <p:nvPr>
+            <p:ph type="sldImg"/>
+          </p:nvPr>
+        </p:nvSpPr>
+        <p:spPr/>
+      </p:sp>
+      <p:sp>
+        <p:nvSpPr>
+          <p:cNvPr id="3" name="Notes Placeholder 2"/>
+          <p:cNvSpPr>
+            <a:spLocks noGrp="1"/>
+          </p:cNvSpPr>
+          <p:nvPr>
+            <p:ph type="body" idx="1"/>
+          </p:nvPr>
+        </p:nvSpPr>
+        <p:spPr/>
+        <p:txBody>
+          <a:bodyPr/>
+          <a:lstStyle/>
+          <a:p>
+            <a:endParaRPr lang="en-US"/>
+          </a:p>
+        </p:txBody>
+      </p:sp>
+      <p:sp>
+        <p:nvSpPr>
+          <p:cNvPr id="4" name="Slide Number Placeholder 3"/>
+          <p:cNvSpPr>
+            <a:spLocks noGrp="1"/>
+          </p:cNvSpPr>
+          <p:nvPr>
+            <p:ph type="sldNum" sz="quarter" idx="5"/>
+          </p:nvPr>
+        </p:nvSpPr>
+        <p:spPr/>
+        <p:txBody>
+          <a:bodyPr/>
+          <a:lstStyle/>
+          <a:p>
+            <a:fld id="{A6961DC2-A28F-4C81-9966-8D7B3191DD23}" type="slidenum">
+              <a:rPr lang="en-US" smtClean="0"/>
+              <a:t>21</a:t>
+            </a:fld>
+            <a:endParaRPr lang="en-US"/>
+          </a:p>
+        </p:txBody>
+      </p:sp>
+    </p:spTree>
+    <p:extLst>
+      <p:ext uri="{BB962C8B-B14F-4D97-AF65-F5344CB8AC3E}">
+        <p14:creationId xmlns:p14="http://schemas.microsoft.com/office/powerpoint/2010/main" val="88626897"/>
+      </p:ext>
+    </p:extLst>
+  </p:cSld>
+  <p:clrMapOvr>
+    <a:masterClrMapping/>
+  </p:clrMapOvr>
+</p:notes>
+</file>
+
+<file path=ppt/notesSlides/notesSlide22.xml><?xml version="1.0" encoding="utf-8"?>
+<p:notes xmlns:a="http://schemas.openxmlformats.org/drawingml/2006/main" xmlns:r="http://schemas.openxmlformats.org/officeDocument/2006/relationships" xmlns:p="http://schemas.openxmlformats.org/presentationml/2006/main">
+  <p:cSld>
+    <p:spTree>
+      <p:nvGrpSpPr>
+        <p:cNvPr id="1" name=""/>
+        <p:cNvGrpSpPr/>
+        <p:nvPr/>
+      </p:nvGrpSpPr>
+      <p:grpSpPr>
+        <a:xfrm>
+          <a:off x="0" y="0"/>
+          <a:ext cx="0" cy="0"/>
+          <a:chOff x="0" y="0"/>
+          <a:chExt cx="0" cy="0"/>
+        </a:xfrm>
+      </p:grpSpPr>
+      <p:sp>
+        <p:nvSpPr>
+          <p:cNvPr id="2" name="Slide Image Placeholder 1"/>
+          <p:cNvSpPr>
+            <a:spLocks noGrp="1" noRot="1" noChangeAspect="1"/>
+          </p:cNvSpPr>
+          <p:nvPr>
+            <p:ph type="sldImg"/>
+          </p:nvPr>
+        </p:nvSpPr>
+        <p:spPr/>
+      </p:sp>
+      <p:sp>
+        <p:nvSpPr>
+          <p:cNvPr id="3" name="Notes Placeholder 2"/>
+          <p:cNvSpPr>
+            <a:spLocks noGrp="1"/>
+          </p:cNvSpPr>
+          <p:nvPr>
+            <p:ph type="body" idx="1"/>
+          </p:nvPr>
+        </p:nvSpPr>
+        <p:spPr/>
+        <p:txBody>
+          <a:bodyPr/>
+          <a:lstStyle/>
+          <a:p>
+            <a:endParaRPr lang="en-US"/>
+          </a:p>
+        </p:txBody>
+      </p:sp>
+      <p:sp>
+        <p:nvSpPr>
+          <p:cNvPr id="4" name="Slide Number Placeholder 3"/>
+          <p:cNvSpPr>
+            <a:spLocks noGrp="1"/>
+          </p:cNvSpPr>
+          <p:nvPr>
+            <p:ph type="sldNum" sz="quarter" idx="5"/>
+          </p:nvPr>
+        </p:nvSpPr>
+        <p:spPr/>
+        <p:txBody>
+          <a:bodyPr/>
+          <a:lstStyle/>
+          <a:p>
+            <a:fld id="{A6961DC2-A28F-4C81-9966-8D7B3191DD23}" type="slidenum">
+              <a:rPr lang="en-US" smtClean="0"/>
+              <a:t>22</a:t>
+            </a:fld>
+            <a:endParaRPr lang="en-US"/>
+          </a:p>
+        </p:txBody>
+      </p:sp>
+    </p:spTree>
+    <p:extLst>
+      <p:ext uri="{BB962C8B-B14F-4D97-AF65-F5344CB8AC3E}">
+        <p14:creationId xmlns:p14="http://schemas.microsoft.com/office/powerpoint/2010/main" val="200812808"/>
+      </p:ext>
+    </p:extLst>
+  </p:cSld>
+  <p:clrMapOvr>
+    <a:masterClrMapping/>
+  </p:clrMapOvr>
+</p:notes>
+</file>
+
+<file path=ppt/notesSlides/notesSlide23.xml><?xml version="1.0" encoding="utf-8"?>
+<p:notes xmlns:a="http://schemas.openxmlformats.org/drawingml/2006/main" xmlns:r="http://schemas.openxmlformats.org/officeDocument/2006/relationships" xmlns:p="http://schemas.openxmlformats.org/presentationml/2006/main">
+  <p:cSld>
+    <p:spTree>
+      <p:nvGrpSpPr>
+        <p:cNvPr id="1" name=""/>
+        <p:cNvGrpSpPr/>
+        <p:nvPr/>
+      </p:nvGrpSpPr>
+      <p:grpSpPr>
+        <a:xfrm>
+          <a:off x="0" y="0"/>
+          <a:ext cx="0" cy="0"/>
+          <a:chOff x="0" y="0"/>
+          <a:chExt cx="0" cy="0"/>
+        </a:xfrm>
+      </p:grpSpPr>
+      <p:sp>
+        <p:nvSpPr>
+          <p:cNvPr id="2" name="Slide Image Placeholder 1"/>
+          <p:cNvSpPr>
+            <a:spLocks noGrp="1" noRot="1" noChangeAspect="1"/>
+          </p:cNvSpPr>
+          <p:nvPr>
+            <p:ph type="sldImg"/>
+          </p:nvPr>
+        </p:nvSpPr>
+        <p:spPr/>
+      </p:sp>
+      <p:sp>
+        <p:nvSpPr>
+          <p:cNvPr id="3" name="Notes Placeholder 2"/>
+          <p:cNvSpPr>
+            <a:spLocks noGrp="1"/>
+          </p:cNvSpPr>
+          <p:nvPr>
+            <p:ph type="body" idx="1"/>
+          </p:nvPr>
+        </p:nvSpPr>
+        <p:spPr/>
+        <p:txBody>
+          <a:bodyPr/>
+          <a:lstStyle/>
+          <a:p>
+            <a:endParaRPr lang="en-US"/>
+          </a:p>
+        </p:txBody>
+      </p:sp>
+      <p:sp>
+        <p:nvSpPr>
+          <p:cNvPr id="4" name="Slide Number Placeholder 3"/>
+          <p:cNvSpPr>
+            <a:spLocks noGrp="1"/>
+          </p:cNvSpPr>
+          <p:nvPr>
+            <p:ph type="sldNum" sz="quarter" idx="5"/>
+          </p:nvPr>
+        </p:nvSpPr>
+        <p:spPr/>
+        <p:txBody>
+          <a:bodyPr/>
+          <a:lstStyle/>
+          <a:p>
+            <a:fld id="{A6961DC2-A28F-4C81-9966-8D7B3191DD23}" type="slidenum">
+              <a:rPr lang="en-US" smtClean="0"/>
+              <a:t>23</a:t>
+            </a:fld>
+            <a:endParaRPr lang="en-US"/>
+          </a:p>
+        </p:txBody>
+      </p:sp>
+    </p:spTree>
+    <p:extLst>
+      <p:ext uri="{BB962C8B-B14F-4D97-AF65-F5344CB8AC3E}">
+        <p14:creationId xmlns:p14="http://schemas.microsoft.com/office/powerpoint/2010/main" val="2133701285"/>
+      </p:ext>
+    </p:extLst>
+  </p:cSld>
+  <p:clrMapOvr>
+    <a:masterClrMapping/>
+  </p:clrMapOvr>
+</p:notes>
+</file>
+
+<file path=ppt/notesSlides/notesSlide24.xml><?xml version="1.0" encoding="utf-8"?>
+<p:notes xmlns:a="http://schemas.openxmlformats.org/drawingml/2006/main" xmlns:r="http://schemas.openxmlformats.org/officeDocument/2006/relationships" xmlns:p="http://schemas.openxmlformats.org/presentationml/2006/main">
+  <p:cSld>
+    <p:spTree>
+      <p:nvGrpSpPr>
+        <p:cNvPr id="1" name=""/>
+        <p:cNvGrpSpPr/>
+        <p:nvPr/>
+      </p:nvGrpSpPr>
+      <p:grpSpPr>
+        <a:xfrm>
+          <a:off x="0" y="0"/>
+          <a:ext cx="0" cy="0"/>
+          <a:chOff x="0" y="0"/>
+          <a:chExt cx="0" cy="0"/>
+        </a:xfrm>
+      </p:grpSpPr>
+      <p:sp>
+        <p:nvSpPr>
+          <p:cNvPr id="2" name="Slide Image Placeholder 1"/>
+          <p:cNvSpPr>
+            <a:spLocks noGrp="1" noRot="1" noChangeAspect="1"/>
+          </p:cNvSpPr>
+          <p:nvPr>
+            <p:ph type="sldImg"/>
+          </p:nvPr>
+        </p:nvSpPr>
+        <p:spPr/>
+      </p:sp>
+      <p:sp>
+        <p:nvSpPr>
+          <p:cNvPr id="3" name="Notes Placeholder 2"/>
+          <p:cNvSpPr>
+            <a:spLocks noGrp="1"/>
+          </p:cNvSpPr>
+          <p:nvPr>
+            <p:ph type="body" idx="1"/>
+          </p:nvPr>
+        </p:nvSpPr>
+        <p:spPr/>
+        <p:txBody>
+          <a:bodyPr/>
+          <a:lstStyle/>
+          <a:p>
+            <a:endParaRPr lang="en-US"/>
+          </a:p>
+        </p:txBody>
+      </p:sp>
+      <p:sp>
+        <p:nvSpPr>
+          <p:cNvPr id="4" name="Slide Number Placeholder 3"/>
+          <p:cNvSpPr>
+            <a:spLocks noGrp="1"/>
+          </p:cNvSpPr>
+          <p:nvPr>
+            <p:ph type="sldNum" sz="quarter" idx="5"/>
+          </p:nvPr>
+        </p:nvSpPr>
+        <p:spPr/>
+        <p:txBody>
+          <a:bodyPr/>
+          <a:lstStyle/>
+          <a:p>
+            <a:fld id="{A6961DC2-A28F-4C81-9966-8D7B3191DD23}" type="slidenum">
+              <a:rPr lang="en-US" smtClean="0"/>
+              <a:t>24</a:t>
+            </a:fld>
+            <a:endParaRPr lang="en-US"/>
+          </a:p>
+        </p:txBody>
+      </p:sp>
+    </p:spTree>
+    <p:extLst>
+      <p:ext uri="{BB962C8B-B14F-4D97-AF65-F5344CB8AC3E}">
+        <p14:creationId xmlns:p14="http://schemas.microsoft.com/office/powerpoint/2010/main" val="1626912055"/>
+      </p:ext>
+    </p:extLst>
+  </p:cSld>
+  <p:clrMapOvr>
+    <a:masterClrMapping/>
+  </p:clrMapOvr>
+</p:notes>
+</file>
+
+<file path=ppt/notesSlides/notesSlide25.xml><?xml version="1.0" encoding="utf-8"?>
+<p:notes xmlns:a="http://schemas.openxmlformats.org/drawingml/2006/main" xmlns:r="http://schemas.openxmlformats.org/officeDocument/2006/relationships" xmlns:p="http://schemas.openxmlformats.org/presentationml/2006/main">
+  <p:cSld>
+    <p:spTree>
+      <p:nvGrpSpPr>
+        <p:cNvPr id="1" name=""/>
+        <p:cNvGrpSpPr/>
+        <p:nvPr/>
+      </p:nvGrpSpPr>
+      <p:grpSpPr>
+        <a:xfrm>
+          <a:off x="0" y="0"/>
+          <a:ext cx="0" cy="0"/>
+          <a:chOff x="0" y="0"/>
+          <a:chExt cx="0" cy="0"/>
+        </a:xfrm>
+      </p:grpSpPr>
+      <p:sp>
+        <p:nvSpPr>
+          <p:cNvPr id="2" name="Slide Image Placeholder 1"/>
+          <p:cNvSpPr>
+            <a:spLocks noGrp="1" noRot="1" noChangeAspect="1"/>
+          </p:cNvSpPr>
+          <p:nvPr>
+            <p:ph type="sldImg"/>
+          </p:nvPr>
+        </p:nvSpPr>
+        <p:spPr/>
+      </p:sp>
+      <p:sp>
+        <p:nvSpPr>
+          <p:cNvPr id="3" name="Notes Placeholder 2"/>
+          <p:cNvSpPr>
+            <a:spLocks noGrp="1"/>
+          </p:cNvSpPr>
+          <p:nvPr>
+            <p:ph type="body" idx="1"/>
+          </p:nvPr>
+        </p:nvSpPr>
+        <p:spPr/>
+        <p:txBody>
+          <a:bodyPr/>
+          <a:lstStyle/>
+          <a:p>
+            <a:endParaRPr lang="en-US"/>
+          </a:p>
+        </p:txBody>
+      </p:sp>
+      <p:sp>
+        <p:nvSpPr>
+          <p:cNvPr id="4" name="Slide Number Placeholder 3"/>
+          <p:cNvSpPr>
+            <a:spLocks noGrp="1"/>
+          </p:cNvSpPr>
+          <p:nvPr>
+            <p:ph type="sldNum" sz="quarter" idx="5"/>
+          </p:nvPr>
+        </p:nvSpPr>
+        <p:spPr/>
+        <p:txBody>
+          <a:bodyPr/>
+          <a:lstStyle/>
+          <a:p>
+            <a:fld id="{A6961DC2-A28F-4C81-9966-8D7B3191DD23}" type="slidenum">
+              <a:rPr lang="en-US" smtClean="0"/>
+              <a:t>25</a:t>
+            </a:fld>
+            <a:endParaRPr lang="en-US"/>
+          </a:p>
+        </p:txBody>
+      </p:sp>
+    </p:spTree>
+    <p:extLst>
+      <p:ext uri="{BB962C8B-B14F-4D97-AF65-F5344CB8AC3E}">
+        <p14:creationId xmlns:p14="http://schemas.microsoft.com/office/powerpoint/2010/main" val="2823526478"/>
+      </p:ext>
+    </p:extLst>
+  </p:cSld>
+  <p:clrMapOvr>
+    <a:masterClrMapping/>
+  </p:clrMapOvr>
+</p:notes>
+</file>
+
+<file path=ppt/notesSlides/notesSlide26.xml><?xml version="1.0" encoding="utf-8"?>
+<p:notes xmlns:a="http://schemas.openxmlformats.org/drawingml/2006/main" xmlns:r="http://schemas.openxmlformats.org/officeDocument/2006/relationships" xmlns:p="http://schemas.openxmlformats.org/presentationml/2006/main">
+  <p:cSld>
+    <p:spTree>
+      <p:nvGrpSpPr>
+        <p:cNvPr id="1" name=""/>
+        <p:cNvGrpSpPr/>
+        <p:nvPr/>
+      </p:nvGrpSpPr>
+      <p:grpSpPr>
+        <a:xfrm>
+          <a:off x="0" y="0"/>
+          <a:ext cx="0" cy="0"/>
+          <a:chOff x="0" y="0"/>
+          <a:chExt cx="0" cy="0"/>
+        </a:xfrm>
+      </p:grpSpPr>
+      <p:sp>
+        <p:nvSpPr>
+          <p:cNvPr id="2" name="Slide Image Placeholder 1"/>
+          <p:cNvSpPr>
+            <a:spLocks noGrp="1" noRot="1" noChangeAspect="1"/>
+          </p:cNvSpPr>
+          <p:nvPr>
+            <p:ph type="sldImg"/>
+          </p:nvPr>
+        </p:nvSpPr>
+        <p:spPr/>
+      </p:sp>
+      <p:sp>
+        <p:nvSpPr>
+          <p:cNvPr id="3" name="Notes Placeholder 2"/>
+          <p:cNvSpPr>
+            <a:spLocks noGrp="1"/>
+          </p:cNvSpPr>
+          <p:nvPr>
+            <p:ph type="body" idx="1"/>
+          </p:nvPr>
+        </p:nvSpPr>
+        <p:spPr/>
+        <p:txBody>
+          <a:bodyPr/>
+          <a:lstStyle/>
+          <a:p>
+            <a:endParaRPr lang="en-US"/>
+          </a:p>
+        </p:txBody>
+      </p:sp>
+      <p:sp>
+        <p:nvSpPr>
+          <p:cNvPr id="4" name="Slide Number Placeholder 3"/>
+          <p:cNvSpPr>
+            <a:spLocks noGrp="1"/>
+          </p:cNvSpPr>
+          <p:nvPr>
+            <p:ph type="sldNum" sz="quarter" idx="5"/>
+          </p:nvPr>
+        </p:nvSpPr>
+        <p:spPr/>
+        <p:txBody>
+          <a:bodyPr/>
+          <a:lstStyle/>
+          <a:p>
+            <a:fld id="{A6961DC2-A28F-4C81-9966-8D7B3191DD23}" type="slidenum">
+              <a:rPr lang="en-US" smtClean="0"/>
+              <a:t>26</a:t>
+            </a:fld>
+            <a:endParaRPr lang="en-US"/>
+          </a:p>
+        </p:txBody>
+      </p:sp>
+    </p:spTree>
+    <p:extLst>
+      <p:ext uri="{BB962C8B-B14F-4D97-AF65-F5344CB8AC3E}">
+        <p14:creationId xmlns:p14="http://schemas.microsoft.com/office/powerpoint/2010/main" val="1921340548"/>
+      </p:ext>
+    </p:extLst>
+  </p:cSld>
+  <p:clrMapOvr>
+    <a:masterClrMapping/>
+  </p:clrMapOvr>
+</p:notes>
+</file>
+
+<file path=ppt/notesSlides/notesSlide27.xml><?xml version="1.0" encoding="utf-8"?>
+<p:notes xmlns:a="http://schemas.openxmlformats.org/drawingml/2006/main" xmlns:r="http://schemas.openxmlformats.org/officeDocument/2006/relationships" xmlns:p="http://schemas.openxmlformats.org/presentationml/2006/main">
+  <p:cSld>
+    <p:spTree>
+      <p:nvGrpSpPr>
+        <p:cNvPr id="1" name=""/>
+        <p:cNvGrpSpPr/>
+        <p:nvPr/>
+      </p:nvGrpSpPr>
+      <p:grpSpPr>
+        <a:xfrm>
+          <a:off x="0" y="0"/>
+          <a:ext cx="0" cy="0"/>
+          <a:chOff x="0" y="0"/>
+          <a:chExt cx="0" cy="0"/>
+        </a:xfrm>
+      </p:grpSpPr>
+      <p:sp>
+        <p:nvSpPr>
+          <p:cNvPr id="2" name="Slide Image Placeholder 1"/>
+          <p:cNvSpPr>
+            <a:spLocks noGrp="1" noRot="1" noChangeAspect="1"/>
+          </p:cNvSpPr>
+          <p:nvPr>
+            <p:ph type="sldImg"/>
+          </p:nvPr>
+        </p:nvSpPr>
+        <p:spPr/>
+      </p:sp>
+      <p:sp>
+        <p:nvSpPr>
+          <p:cNvPr id="3" name="Notes Placeholder 2"/>
+          <p:cNvSpPr>
+            <a:spLocks noGrp="1"/>
+          </p:cNvSpPr>
+          <p:nvPr>
+            <p:ph type="body" idx="1"/>
+          </p:nvPr>
+        </p:nvSpPr>
+        <p:spPr/>
+        <p:txBody>
+          <a:bodyPr/>
+          <a:lstStyle/>
+          <a:p>
+            <a:endParaRPr lang="en-US"/>
+          </a:p>
+        </p:txBody>
+      </p:sp>
+      <p:sp>
+        <p:nvSpPr>
+          <p:cNvPr id="4" name="Slide Number Placeholder 3"/>
+          <p:cNvSpPr>
+            <a:spLocks noGrp="1"/>
+          </p:cNvSpPr>
+          <p:nvPr>
+            <p:ph type="sldNum" sz="quarter" idx="5"/>
+          </p:nvPr>
+        </p:nvSpPr>
+        <p:spPr/>
+        <p:txBody>
+          <a:bodyPr/>
+          <a:lstStyle/>
+          <a:p>
+            <a:fld id="{A6961DC2-A28F-4C81-9966-8D7B3191DD23}" type="slidenum">
+              <a:rPr lang="en-US" smtClean="0"/>
+              <a:t>27</a:t>
+            </a:fld>
+            <a:endParaRPr lang="en-US"/>
+          </a:p>
+        </p:txBody>
+      </p:sp>
+    </p:spTree>
+    <p:extLst>
+      <p:ext uri="{BB962C8B-B14F-4D97-AF65-F5344CB8AC3E}">
+        <p14:creationId xmlns:p14="http://schemas.microsoft.com/office/powerpoint/2010/main" val="3543970366"/>
+      </p:ext>
+    </p:extLst>
+  </p:cSld>
+  <p:clrMapOvr>
+    <a:masterClrMapping/>
+  </p:clrMapOvr>
+</p:notes>
+</file>
+
+<file path=ppt/notesSlides/notesSlide28.xml><?xml version="1.0" encoding="utf-8"?>
+<p:notes xmlns:a="http://schemas.openxmlformats.org/drawingml/2006/main" xmlns:r="http://schemas.openxmlformats.org/officeDocument/2006/relationships" xmlns:p="http://schemas.openxmlformats.org/presentationml/2006/main">
+  <p:cSld>
+    <p:spTree>
+      <p:nvGrpSpPr>
+        <p:cNvPr id="1" name=""/>
+        <p:cNvGrpSpPr/>
+        <p:nvPr/>
+      </p:nvGrpSpPr>
+      <p:grpSpPr>
+        <a:xfrm>
+          <a:off x="0" y="0"/>
+          <a:ext cx="0" cy="0"/>
+          <a:chOff x="0" y="0"/>
+          <a:chExt cx="0" cy="0"/>
+        </a:xfrm>
+      </p:grpSpPr>
+      <p:sp>
+        <p:nvSpPr>
+          <p:cNvPr id="2" name="Slide Image Placeholder 1"/>
+          <p:cNvSpPr>
+            <a:spLocks noGrp="1" noRot="1" noChangeAspect="1"/>
+          </p:cNvSpPr>
+          <p:nvPr>
+            <p:ph type="sldImg"/>
+          </p:nvPr>
+        </p:nvSpPr>
+        <p:spPr/>
+      </p:sp>
+      <p:sp>
+        <p:nvSpPr>
+          <p:cNvPr id="3" name="Notes Placeholder 2"/>
+          <p:cNvSpPr>
+            <a:spLocks noGrp="1"/>
+          </p:cNvSpPr>
+          <p:nvPr>
+            <p:ph type="body" idx="1"/>
+          </p:nvPr>
+        </p:nvSpPr>
+        <p:spPr/>
+        <p:txBody>
+          <a:bodyPr/>
+          <a:lstStyle/>
+          <a:p>
+            <a:endParaRPr lang="en-US"/>
+          </a:p>
+        </p:txBody>
+      </p:sp>
+      <p:sp>
+        <p:nvSpPr>
+          <p:cNvPr id="4" name="Slide Number Placeholder 3"/>
+          <p:cNvSpPr>
+            <a:spLocks noGrp="1"/>
+          </p:cNvSpPr>
+          <p:nvPr>
+            <p:ph type="sldNum" sz="quarter" idx="5"/>
+          </p:nvPr>
+        </p:nvSpPr>
+        <p:spPr/>
+        <p:txBody>
+          <a:bodyPr/>
+          <a:lstStyle/>
+          <a:p>
+            <a:fld id="{A6961DC2-A28F-4C81-9966-8D7B3191DD23}" type="slidenum">
+              <a:rPr lang="en-US" smtClean="0"/>
+              <a:t>28</a:t>
+            </a:fld>
+            <a:endParaRPr lang="en-US"/>
+          </a:p>
+        </p:txBody>
+      </p:sp>
+    </p:spTree>
+    <p:extLst>
+      <p:ext uri="{BB962C8B-B14F-4D97-AF65-F5344CB8AC3E}">
+        <p14:creationId xmlns:p14="http://schemas.microsoft.com/office/powerpoint/2010/main" val="450576023"/>
+      </p:ext>
+    </p:extLst>
+  </p:cSld>
+  <p:clrMapOvr>
+    <a:masterClrMapping/>
+  </p:clrMapOvr>
+</p:notes>
+</file>
+
+<file path=ppt/notesSlides/notesSlide29.xml><?xml version="1.0" encoding="utf-8"?>
+<p:notes xmlns:a="http://schemas.openxmlformats.org/drawingml/2006/main" xmlns:r="http://schemas.openxmlformats.org/officeDocument/2006/relationships" xmlns:p="http://schemas.openxmlformats.org/presentationml/2006/main">
+  <p:cSld>
+    <p:spTree>
+      <p:nvGrpSpPr>
+        <p:cNvPr id="1" name=""/>
+        <p:cNvGrpSpPr/>
+        <p:nvPr/>
+      </p:nvGrpSpPr>
+      <p:grpSpPr>
+        <a:xfrm>
+          <a:off x="0" y="0"/>
+          <a:ext cx="0" cy="0"/>
+          <a:chOff x="0" y="0"/>
+          <a:chExt cx="0" cy="0"/>
+        </a:xfrm>
+      </p:grpSpPr>
+      <p:sp>
+        <p:nvSpPr>
+          <p:cNvPr id="2" name="Slide Image Placeholder 1"/>
+          <p:cNvSpPr>
+            <a:spLocks noGrp="1" noRot="1" noChangeAspect="1"/>
+          </p:cNvSpPr>
+          <p:nvPr>
+            <p:ph type="sldImg"/>
+          </p:nvPr>
+        </p:nvSpPr>
+        <p:spPr/>
+      </p:sp>
+      <p:sp>
+        <p:nvSpPr>
+          <p:cNvPr id="3" name="Notes Placeholder 2"/>
+          <p:cNvSpPr>
+            <a:spLocks noGrp="1"/>
+          </p:cNvSpPr>
+          <p:nvPr>
+            <p:ph type="body" idx="1"/>
+          </p:nvPr>
+        </p:nvSpPr>
+        <p:spPr/>
+        <p:txBody>
+          <a:bodyPr/>
+          <a:lstStyle/>
+          <a:p>
+            <a:endParaRPr lang="en-US"/>
+          </a:p>
+        </p:txBody>
+      </p:sp>
+      <p:sp>
+        <p:nvSpPr>
+          <p:cNvPr id="4" name="Slide Number Placeholder 3"/>
+          <p:cNvSpPr>
+            <a:spLocks noGrp="1"/>
+          </p:cNvSpPr>
+          <p:nvPr>
+            <p:ph type="sldNum" sz="quarter" idx="5"/>
+          </p:nvPr>
+        </p:nvSpPr>
+        <p:spPr/>
+        <p:txBody>
+          <a:bodyPr/>
+          <a:lstStyle/>
+          <a:p>
+            <a:fld id="{A6961DC2-A28F-4C81-9966-8D7B3191DD23}" type="slidenum">
+              <a:rPr lang="en-US" smtClean="0"/>
+              <a:t>29</a:t>
+            </a:fld>
+            <a:endParaRPr lang="en-US"/>
+          </a:p>
+        </p:txBody>
+      </p:sp>
+    </p:spTree>
+    <p:extLst>
+      <p:ext uri="{BB962C8B-B14F-4D97-AF65-F5344CB8AC3E}">
+        <p14:creationId xmlns:p14="http://schemas.microsoft.com/office/powerpoint/2010/main" val="3689486936"/>
+      </p:ext>
+    </p:extLst>
+  </p:cSld>
+  <p:clrMapOvr>
+    <a:masterClrMapping/>
+  </p:clrMapOvr>
+</p:notes>
+</file>
+
+<file path=ppt/notesSlides/notesSlide3.xml><?xml version="1.0" encoding="utf-8"?>
+<p:notes xmlns:a="http://schemas.openxmlformats.org/drawingml/2006/main" xmlns:r="http://schemas.openxmlformats.org/officeDocument/2006/relationships" xmlns:p="http://schemas.openxmlformats.org/presentationml/2006/main">
+  <p:cSld>
+    <p:spTree>
+      <p:nvGrpSpPr>
+        <p:cNvPr id="1" name=""/>
+        <p:cNvGrpSpPr/>
+        <p:nvPr/>
+      </p:nvGrpSpPr>
+      <p:grpSpPr>
+        <a:xfrm>
+          <a:off x="0" y="0"/>
+          <a:ext cx="0" cy="0"/>
+          <a:chOff x="0" y="0"/>
+          <a:chExt cx="0" cy="0"/>
+        </a:xfrm>
+      </p:grpSpPr>
+      <p:sp>
+        <p:nvSpPr>
+          <p:cNvPr id="2" name="Slide Image Placeholder 1"/>
+          <p:cNvSpPr>
+            <a:spLocks noGrp="1" noRot="1" noChangeAspect="1"/>
+          </p:cNvSpPr>
+          <p:nvPr>
+            <p:ph type="sldImg"/>
+          </p:nvPr>
+        </p:nvSpPr>
+        <p:spPr/>
+      </p:sp>
+      <p:sp>
+        <p:nvSpPr>
+          <p:cNvPr id="3" name="Notes Placeholder 2"/>
+          <p:cNvSpPr>
+            <a:spLocks noGrp="1"/>
+          </p:cNvSpPr>
+          <p:nvPr>
+            <p:ph type="body" idx="1"/>
+          </p:nvPr>
+        </p:nvSpPr>
+        <p:spPr/>
+        <p:txBody>
+          <a:bodyPr/>
+          <a:lstStyle/>
+          <a:p>
+            <a:endParaRPr lang="en-US"/>
+          </a:p>
+        </p:txBody>
+      </p:sp>
+      <p:sp>
+        <p:nvSpPr>
+          <p:cNvPr id="4" name="Slide Number Placeholder 3"/>
+          <p:cNvSpPr>
+            <a:spLocks noGrp="1"/>
+          </p:cNvSpPr>
+          <p:nvPr>
+            <p:ph type="sldNum" sz="quarter" idx="5"/>
+          </p:nvPr>
+        </p:nvSpPr>
+        <p:spPr/>
+        <p:txBody>
+          <a:bodyPr/>
+          <a:lstStyle/>
+          <a:p>
+            <a:fld id="{A6961DC2-A28F-4C81-9966-8D7B3191DD23}" type="slidenum">
+              <a:rPr lang="en-US" smtClean="0"/>
+              <a:t>3</a:t>
+            </a:fld>
+            <a:endParaRPr lang="en-US"/>
+          </a:p>
+        </p:txBody>
+      </p:sp>
+    </p:spTree>
+    <p:extLst>
+      <p:ext uri="{BB962C8B-B14F-4D97-AF65-F5344CB8AC3E}">
+        <p14:creationId xmlns:p14="http://schemas.microsoft.com/office/powerpoint/2010/main" val="3357410983"/>
+      </p:ext>
+    </p:extLst>
+  </p:cSld>
+  <p:clrMapOvr>
+    <a:masterClrMapping/>
+  </p:clrMapOvr>
+</p:notes>
+</file>
+
+<file path=ppt/notesSlides/notesSlide30.xml><?xml version="1.0" encoding="utf-8"?>
+<p:notes xmlns:a="http://schemas.openxmlformats.org/drawingml/2006/main" xmlns:r="http://schemas.openxmlformats.org/officeDocument/2006/relationships" xmlns:p="http://schemas.openxmlformats.org/presentationml/2006/main">
+  <p:cSld>
+    <p:spTree>
+      <p:nvGrpSpPr>
+        <p:cNvPr id="1" name=""/>
+        <p:cNvGrpSpPr/>
+        <p:nvPr/>
+      </p:nvGrpSpPr>
+      <p:grpSpPr>
+        <a:xfrm>
+          <a:off x="0" y="0"/>
+          <a:ext cx="0" cy="0"/>
+          <a:chOff x="0" y="0"/>
+          <a:chExt cx="0" cy="0"/>
+        </a:xfrm>
+      </p:grpSpPr>
+      <p:sp>
+        <p:nvSpPr>
+          <p:cNvPr id="2" name="Slide Image Placeholder 1"/>
+          <p:cNvSpPr>
+            <a:spLocks noGrp="1" noRot="1" noChangeAspect="1"/>
+          </p:cNvSpPr>
+          <p:nvPr>
+            <p:ph type="sldImg"/>
+          </p:nvPr>
+        </p:nvSpPr>
+        <p:spPr/>
+      </p:sp>
+      <p:sp>
+        <p:nvSpPr>
+          <p:cNvPr id="3" name="Notes Placeholder 2"/>
+          <p:cNvSpPr>
+            <a:spLocks noGrp="1"/>
+          </p:cNvSpPr>
+          <p:nvPr>
+            <p:ph type="body" idx="1"/>
+          </p:nvPr>
+        </p:nvSpPr>
+        <p:spPr/>
+        <p:txBody>
+          <a:bodyPr/>
+          <a:lstStyle/>
+          <a:p>
+            <a:endParaRPr lang="en-US"/>
+          </a:p>
+        </p:txBody>
+      </p:sp>
+      <p:sp>
+        <p:nvSpPr>
+          <p:cNvPr id="4" name="Slide Number Placeholder 3"/>
+          <p:cNvSpPr>
+            <a:spLocks noGrp="1"/>
+          </p:cNvSpPr>
+          <p:nvPr>
+            <p:ph type="sldNum" sz="quarter" idx="5"/>
+          </p:nvPr>
+        </p:nvSpPr>
+        <p:spPr/>
+        <p:txBody>
+          <a:bodyPr/>
+          <a:lstStyle/>
+          <a:p>
+            <a:fld id="{A6961DC2-A28F-4C81-9966-8D7B3191DD23}" type="slidenum">
+              <a:rPr lang="en-US" smtClean="0"/>
+              <a:t>30</a:t>
+            </a:fld>
+            <a:endParaRPr lang="en-US"/>
+          </a:p>
+        </p:txBody>
+      </p:sp>
+    </p:spTree>
+    <p:extLst>
+      <p:ext uri="{BB962C8B-B14F-4D97-AF65-F5344CB8AC3E}">
+        <p14:creationId xmlns:p14="http://schemas.microsoft.com/office/powerpoint/2010/main" val="807686748"/>
+      </p:ext>
+    </p:extLst>
+  </p:cSld>
+  <p:clrMapOvr>
+    <a:masterClrMapping/>
+  </p:clrMapOvr>
+</p:notes>
+</file>
+
+<file path=ppt/notesSlides/notesSlide31.xml><?xml version="1.0" encoding="utf-8"?>
+<p:notes xmlns:a="http://schemas.openxmlformats.org/drawingml/2006/main" xmlns:r="http://schemas.openxmlformats.org/officeDocument/2006/relationships" xmlns:p="http://schemas.openxmlformats.org/presentationml/2006/main">
+  <p:cSld>
+    <p:spTree>
+      <p:nvGrpSpPr>
+        <p:cNvPr id="1" name=""/>
+        <p:cNvGrpSpPr/>
+        <p:nvPr/>
+      </p:nvGrpSpPr>
+      <p:grpSpPr>
+        <a:xfrm>
+          <a:off x="0" y="0"/>
+          <a:ext cx="0" cy="0"/>
+          <a:chOff x="0" y="0"/>
+          <a:chExt cx="0" cy="0"/>
+        </a:xfrm>
+      </p:grpSpPr>
+      <p:sp>
+        <p:nvSpPr>
+          <p:cNvPr id="2" name="Slide Image Placeholder 1"/>
+          <p:cNvSpPr>
+            <a:spLocks noGrp="1" noRot="1" noChangeAspect="1"/>
+          </p:cNvSpPr>
+          <p:nvPr>
+            <p:ph type="sldImg"/>
+          </p:nvPr>
+        </p:nvSpPr>
+        <p:spPr/>
+      </p:sp>
+      <p:sp>
+        <p:nvSpPr>
+          <p:cNvPr id="3" name="Notes Placeholder 2"/>
+          <p:cNvSpPr>
+            <a:spLocks noGrp="1"/>
+          </p:cNvSpPr>
+          <p:nvPr>
+            <p:ph type="body" idx="1"/>
+          </p:nvPr>
+        </p:nvSpPr>
+        <p:spPr/>
+        <p:txBody>
+          <a:bodyPr/>
+          <a:lstStyle/>
+          <a:p>
+            <a:endParaRPr lang="en-US"/>
+          </a:p>
+        </p:txBody>
+      </p:sp>
+      <p:sp>
+        <p:nvSpPr>
+          <p:cNvPr id="4" name="Slide Number Placeholder 3"/>
+          <p:cNvSpPr>
+            <a:spLocks noGrp="1"/>
+          </p:cNvSpPr>
+          <p:nvPr>
+            <p:ph type="sldNum" sz="quarter" idx="5"/>
+          </p:nvPr>
+        </p:nvSpPr>
+        <p:spPr/>
+        <p:txBody>
+          <a:bodyPr/>
+          <a:lstStyle/>
+          <a:p>
+            <a:fld id="{A6961DC2-A28F-4C81-9966-8D7B3191DD23}" type="slidenum">
+              <a:rPr lang="en-US" smtClean="0"/>
+              <a:t>31</a:t>
+            </a:fld>
+            <a:endParaRPr lang="en-US"/>
+          </a:p>
+        </p:txBody>
+      </p:sp>
+    </p:spTree>
+    <p:extLst>
+      <p:ext uri="{BB962C8B-B14F-4D97-AF65-F5344CB8AC3E}">
+        <p14:creationId xmlns:p14="http://schemas.microsoft.com/office/powerpoint/2010/main" val="2605245826"/>
+      </p:ext>
+    </p:extLst>
+  </p:cSld>
+  <p:clrMapOvr>
+    <a:masterClrMapping/>
+  </p:clrMapOvr>
+</p:notes>
+</file>
+
+<file path=ppt/notesSlides/notesSlide32.xml><?xml version="1.0" encoding="utf-8"?>
+<p:notes xmlns:a="http://schemas.openxmlformats.org/drawingml/2006/main" xmlns:r="http://schemas.openxmlformats.org/officeDocument/2006/relationships" xmlns:p="http://schemas.openxmlformats.org/presentationml/2006/main">
+  <p:cSld>
+    <p:spTree>
+      <p:nvGrpSpPr>
+        <p:cNvPr id="1" name=""/>
+        <p:cNvGrpSpPr/>
+        <p:nvPr/>
+      </p:nvGrpSpPr>
+      <p:grpSpPr>
+        <a:xfrm>
+          <a:off x="0" y="0"/>
+          <a:ext cx="0" cy="0"/>
+          <a:chOff x="0" y="0"/>
+          <a:chExt cx="0" cy="0"/>
+        </a:xfrm>
+      </p:grpSpPr>
+      <p:sp>
+        <p:nvSpPr>
+          <p:cNvPr id="2" name="Slide Image Placeholder 1"/>
+          <p:cNvSpPr>
+            <a:spLocks noGrp="1" noRot="1" noChangeAspect="1"/>
+          </p:cNvSpPr>
+          <p:nvPr>
+            <p:ph type="sldImg"/>
+          </p:nvPr>
+        </p:nvSpPr>
+        <p:spPr/>
+      </p:sp>
+      <p:sp>
+        <p:nvSpPr>
+          <p:cNvPr id="3" name="Notes Placeholder 2"/>
+          <p:cNvSpPr>
+            <a:spLocks noGrp="1"/>
+          </p:cNvSpPr>
+          <p:nvPr>
+            <p:ph type="body" idx="1"/>
+          </p:nvPr>
+        </p:nvSpPr>
+        <p:spPr/>
+        <p:txBody>
+          <a:bodyPr/>
+          <a:lstStyle/>
+          <a:p>
+            <a:endParaRPr lang="en-US"/>
+          </a:p>
+        </p:txBody>
+      </p:sp>
+      <p:sp>
+        <p:nvSpPr>
+          <p:cNvPr id="4" name="Slide Number Placeholder 3"/>
+          <p:cNvSpPr>
+            <a:spLocks noGrp="1"/>
+          </p:cNvSpPr>
+          <p:nvPr>
+            <p:ph type="sldNum" sz="quarter" idx="5"/>
+          </p:nvPr>
+        </p:nvSpPr>
+        <p:spPr/>
+        <p:txBody>
+          <a:bodyPr/>
+          <a:lstStyle/>
+          <a:p>
+            <a:fld id="{A6961DC2-A28F-4C81-9966-8D7B3191DD23}" type="slidenum">
+              <a:rPr lang="en-US" smtClean="0"/>
+              <a:t>32</a:t>
+            </a:fld>
+            <a:endParaRPr lang="en-US"/>
+          </a:p>
+        </p:txBody>
+      </p:sp>
+    </p:spTree>
+    <p:extLst>
+      <p:ext uri="{BB962C8B-B14F-4D97-AF65-F5344CB8AC3E}">
+        <p14:creationId xmlns:p14="http://schemas.microsoft.com/office/powerpoint/2010/main" val="2460927983"/>
+      </p:ext>
+    </p:extLst>
+  </p:cSld>
+  <p:clrMapOvr>
+    <a:masterClrMapping/>
+  </p:clrMapOvr>
+</p:notes>
+</file>
+
+<file path=ppt/notesSlides/notesSlide4.xml><?xml version="1.0" encoding="utf-8"?>
+<p:notes xmlns:a="http://schemas.openxmlformats.org/drawingml/2006/main" xmlns:r="http://schemas.openxmlformats.org/officeDocument/2006/relationships" xmlns:p="http://schemas.openxmlformats.org/presentationml/2006/main">
+  <p:cSld>
+    <p:spTree>
+      <p:nvGrpSpPr>
+        <p:cNvPr id="1" name=""/>
+        <p:cNvGrpSpPr/>
+        <p:nvPr/>
+      </p:nvGrpSpPr>
+      <p:grpSpPr>
+        <a:xfrm>
+          <a:off x="0" y="0"/>
+          <a:ext cx="0" cy="0"/>
+          <a:chOff x="0" y="0"/>
+          <a:chExt cx="0" cy="0"/>
+        </a:xfrm>
+      </p:grpSpPr>
+      <p:sp>
+        <p:nvSpPr>
+          <p:cNvPr id="2" name="Slide Image Placeholder 1"/>
+          <p:cNvSpPr>
+            <a:spLocks noGrp="1" noRot="1" noChangeAspect="1"/>
+          </p:cNvSpPr>
+          <p:nvPr>
+            <p:ph type="sldImg"/>
+          </p:nvPr>
+        </p:nvSpPr>
+        <p:spPr/>
+      </p:sp>
+      <p:sp>
+        <p:nvSpPr>
+          <p:cNvPr id="3" name="Notes Placeholder 2"/>
+          <p:cNvSpPr>
+            <a:spLocks noGrp="1"/>
+          </p:cNvSpPr>
+          <p:nvPr>
+            <p:ph type="body" idx="1"/>
+          </p:nvPr>
+        </p:nvSpPr>
+        <p:spPr/>
+        <p:txBody>
+          <a:bodyPr/>
+          <a:lstStyle/>
+          <a:p>
+            <a:endParaRPr lang="en-US"/>
+          </a:p>
+        </p:txBody>
+      </p:sp>
+      <p:sp>
+        <p:nvSpPr>
+          <p:cNvPr id="4" name="Slide Number Placeholder 3"/>
+          <p:cNvSpPr>
+            <a:spLocks noGrp="1"/>
+          </p:cNvSpPr>
+          <p:nvPr>
+            <p:ph type="sldNum" sz="quarter" idx="5"/>
+          </p:nvPr>
+        </p:nvSpPr>
+        <p:spPr/>
+        <p:txBody>
+          <a:bodyPr/>
+          <a:lstStyle/>
+          <a:p>
+            <a:fld id="{A6961DC2-A28F-4C81-9966-8D7B3191DD23}" type="slidenum">
+              <a:rPr lang="en-US" smtClean="0"/>
+              <a:t>4</a:t>
+            </a:fld>
+            <a:endParaRPr lang="en-US"/>
+          </a:p>
+        </p:txBody>
+      </p:sp>
+    </p:spTree>
+    <p:extLst>
+      <p:ext uri="{BB962C8B-B14F-4D97-AF65-F5344CB8AC3E}">
+        <p14:creationId xmlns:p14="http://schemas.microsoft.com/office/powerpoint/2010/main" val="3783137998"/>
+      </p:ext>
+    </p:extLst>
+  </p:cSld>
+  <p:clrMapOvr>
+    <a:masterClrMapping/>
+  </p:clrMapOvr>
+</p:notes>
+</file>
+
+<file path=ppt/notesSlides/notesSlide5.xml><?xml version="1.0" encoding="utf-8"?>
+<p:notes xmlns:a="http://schemas.openxmlformats.org/drawingml/2006/main" xmlns:r="http://schemas.openxmlformats.org/officeDocument/2006/relationships" xmlns:p="http://schemas.openxmlformats.org/presentationml/2006/main">
+  <p:cSld>
+    <p:spTree>
+      <p:nvGrpSpPr>
+        <p:cNvPr id="1" name=""/>
+        <p:cNvGrpSpPr/>
+        <p:nvPr/>
+      </p:nvGrpSpPr>
+      <p:grpSpPr>
+        <a:xfrm>
+          <a:off x="0" y="0"/>
+          <a:ext cx="0" cy="0"/>
+          <a:chOff x="0" y="0"/>
+          <a:chExt cx="0" cy="0"/>
+        </a:xfrm>
+      </p:grpSpPr>
+      <p:sp>
+        <p:nvSpPr>
+          <p:cNvPr id="2" name="Slide Image Placeholder 1"/>
+          <p:cNvSpPr>
+            <a:spLocks noGrp="1" noRot="1" noChangeAspect="1"/>
+          </p:cNvSpPr>
+          <p:nvPr>
+            <p:ph type="sldImg"/>
+          </p:nvPr>
+        </p:nvSpPr>
+        <p:spPr/>
+      </p:sp>
+      <p:sp>
+        <p:nvSpPr>
+          <p:cNvPr id="3" name="Notes Placeholder 2"/>
+          <p:cNvSpPr>
+            <a:spLocks noGrp="1"/>
+          </p:cNvSpPr>
+          <p:nvPr>
+            <p:ph type="body" idx="1"/>
+          </p:nvPr>
+        </p:nvSpPr>
+        <p:spPr/>
+        <p:txBody>
+          <a:bodyPr/>
+          <a:lstStyle/>
+          <a:p>
+            <a:endParaRPr lang="en-US"/>
+          </a:p>
+        </p:txBody>
+      </p:sp>
+      <p:sp>
+        <p:nvSpPr>
+          <p:cNvPr id="4" name="Slide Number Placeholder 3"/>
+          <p:cNvSpPr>
+            <a:spLocks noGrp="1"/>
+          </p:cNvSpPr>
+          <p:nvPr>
+            <p:ph type="sldNum" sz="quarter" idx="5"/>
+          </p:nvPr>
+        </p:nvSpPr>
+        <p:spPr/>
+        <p:txBody>
+          <a:bodyPr/>
+          <a:lstStyle/>
+          <a:p>
+            <a:fld id="{A6961DC2-A28F-4C81-9966-8D7B3191DD23}" type="slidenum">
+              <a:rPr lang="en-US" smtClean="0"/>
+              <a:t>5</a:t>
+            </a:fld>
+            <a:endParaRPr lang="en-US"/>
+          </a:p>
+        </p:txBody>
+      </p:sp>
+    </p:spTree>
+    <p:extLst>
+      <p:ext uri="{BB962C8B-B14F-4D97-AF65-F5344CB8AC3E}">
+        <p14:creationId xmlns:p14="http://schemas.microsoft.com/office/powerpoint/2010/main" val="2689735757"/>
+      </p:ext>
+    </p:extLst>
+  </p:cSld>
+  <p:clrMapOvr>
+    <a:masterClrMapping/>
+  </p:clrMapOvr>
+</p:notes>
+</file>
+
+<file path=ppt/notesSlides/notesSlide6.xml><?xml version="1.0" encoding="utf-8"?>
+<p:notes xmlns:a="http://schemas.openxmlformats.org/drawingml/2006/main" xmlns:r="http://schemas.openxmlformats.org/officeDocument/2006/relationships" xmlns:p="http://schemas.openxmlformats.org/presentationml/2006/main">
+  <p:cSld>
+    <p:spTree>
+      <p:nvGrpSpPr>
+        <p:cNvPr id="1" name=""/>
+        <p:cNvGrpSpPr/>
+        <p:nvPr/>
+      </p:nvGrpSpPr>
+      <p:grpSpPr>
+        <a:xfrm>
+          <a:off x="0" y="0"/>
+          <a:ext cx="0" cy="0"/>
+          <a:chOff x="0" y="0"/>
+          <a:chExt cx="0" cy="0"/>
+        </a:xfrm>
+      </p:grpSpPr>
+      <p:sp>
+        <p:nvSpPr>
+          <p:cNvPr id="2" name="Slide Image Placeholder 1"/>
+          <p:cNvSpPr>
+            <a:spLocks noGrp="1" noRot="1" noChangeAspect="1"/>
+          </p:cNvSpPr>
+          <p:nvPr>
+            <p:ph type="sldImg"/>
+          </p:nvPr>
+        </p:nvSpPr>
+        <p:spPr/>
+      </p:sp>
+      <p:sp>
+        <p:nvSpPr>
+          <p:cNvPr id="3" name="Notes Placeholder 2"/>
+          <p:cNvSpPr>
+            <a:spLocks noGrp="1"/>
+          </p:cNvSpPr>
+          <p:nvPr>
+            <p:ph type="body" idx="1"/>
+          </p:nvPr>
+        </p:nvSpPr>
+        <p:spPr/>
+        <p:txBody>
+          <a:bodyPr/>
+          <a:lstStyle/>
+          <a:p>
+            <a:endParaRPr lang="en-US"/>
+          </a:p>
+        </p:txBody>
+      </p:sp>
+      <p:sp>
+        <p:nvSpPr>
+          <p:cNvPr id="4" name="Slide Number Placeholder 3"/>
+          <p:cNvSpPr>
+            <a:spLocks noGrp="1"/>
+          </p:cNvSpPr>
+          <p:nvPr>
+            <p:ph type="sldNum" sz="quarter" idx="5"/>
+          </p:nvPr>
+        </p:nvSpPr>
+        <p:spPr/>
+        <p:txBody>
+          <a:bodyPr/>
+          <a:lstStyle/>
+          <a:p>
+            <a:fld id="{A6961DC2-A28F-4C81-9966-8D7B3191DD23}" type="slidenum">
+              <a:rPr lang="en-US" smtClean="0"/>
+              <a:t>6</a:t>
+            </a:fld>
+            <a:endParaRPr lang="en-US"/>
+          </a:p>
+        </p:txBody>
+      </p:sp>
+    </p:spTree>
+    <p:extLst>
+      <p:ext uri="{BB962C8B-B14F-4D97-AF65-F5344CB8AC3E}">
+        <p14:creationId xmlns:p14="http://schemas.microsoft.com/office/powerpoint/2010/main" val="2673240093"/>
+      </p:ext>
+    </p:extLst>
+  </p:cSld>
+  <p:clrMapOvr>
+    <a:masterClrMapping/>
+  </p:clrMapOvr>
+</p:notes>
+</file>
+
+<file path=ppt/notesSlides/notesSlide7.xml><?xml version="1.0" encoding="utf-8"?>
+<p:notes xmlns:a="http://schemas.openxmlformats.org/drawingml/2006/main" xmlns:r="http://schemas.openxmlformats.org/officeDocument/2006/relationships" xmlns:p="http://schemas.openxmlformats.org/presentationml/2006/main">
+  <p:cSld>
+    <p:spTree>
+      <p:nvGrpSpPr>
+        <p:cNvPr id="1" name=""/>
+        <p:cNvGrpSpPr/>
+        <p:nvPr/>
+      </p:nvGrpSpPr>
+      <p:grpSpPr>
+        <a:xfrm>
+          <a:off x="0" y="0"/>
+          <a:ext cx="0" cy="0"/>
+          <a:chOff x="0" y="0"/>
+          <a:chExt cx="0" cy="0"/>
+        </a:xfrm>
+      </p:grpSpPr>
+      <p:sp>
+        <p:nvSpPr>
+          <p:cNvPr id="2" name="Slide Image Placeholder 1"/>
+          <p:cNvSpPr>
+            <a:spLocks noGrp="1" noRot="1" noChangeAspect="1"/>
+          </p:cNvSpPr>
+          <p:nvPr>
+            <p:ph type="sldImg"/>
+          </p:nvPr>
+        </p:nvSpPr>
+        <p:spPr/>
+      </p:sp>
+      <p:sp>
+        <p:nvSpPr>
+          <p:cNvPr id="3" name="Notes Placeholder 2"/>
+          <p:cNvSpPr>
+            <a:spLocks noGrp="1"/>
+          </p:cNvSpPr>
+          <p:nvPr>
+            <p:ph type="body" idx="1"/>
+          </p:nvPr>
+        </p:nvSpPr>
+        <p:spPr/>
+        <p:txBody>
+          <a:bodyPr/>
+          <a:lstStyle/>
+          <a:p>
+            <a:endParaRPr lang="en-US"/>
+          </a:p>
+        </p:txBody>
+      </p:sp>
+      <p:sp>
+        <p:nvSpPr>
+          <p:cNvPr id="4" name="Slide Number Placeholder 3"/>
+          <p:cNvSpPr>
+            <a:spLocks noGrp="1"/>
+          </p:cNvSpPr>
+          <p:nvPr>
+            <p:ph type="sldNum" sz="quarter" idx="5"/>
+          </p:nvPr>
+        </p:nvSpPr>
+        <p:spPr/>
+        <p:txBody>
+          <a:bodyPr/>
+          <a:lstStyle/>
+          <a:p>
+            <a:fld id="{A6961DC2-A28F-4C81-9966-8D7B3191DD23}" type="slidenum">
+              <a:rPr lang="en-US" smtClean="0"/>
+              <a:t>7</a:t>
+            </a:fld>
+            <a:endParaRPr lang="en-US"/>
+          </a:p>
+        </p:txBody>
+      </p:sp>
+    </p:spTree>
+    <p:extLst>
+      <p:ext uri="{BB962C8B-B14F-4D97-AF65-F5344CB8AC3E}">
+        <p14:creationId xmlns:p14="http://schemas.microsoft.com/office/powerpoint/2010/main" val="431821363"/>
+      </p:ext>
+    </p:extLst>
+  </p:cSld>
+  <p:clrMapOvr>
+    <a:masterClrMapping/>
+  </p:clrMapOvr>
+</p:notes>
+</file>
+
+<file path=ppt/notesSlides/notesSlide8.xml><?xml version="1.0" encoding="utf-8"?>
+<p:notes xmlns:a="http://schemas.openxmlformats.org/drawingml/2006/main" xmlns:r="http://schemas.openxmlformats.org/officeDocument/2006/relationships" xmlns:p="http://schemas.openxmlformats.org/presentationml/2006/main">
+  <p:cSld>
+    <p:spTree>
+      <p:nvGrpSpPr>
+        <p:cNvPr id="1" name=""/>
+        <p:cNvGrpSpPr/>
+        <p:nvPr/>
+      </p:nvGrpSpPr>
+      <p:grpSpPr>
+        <a:xfrm>
+          <a:off x="0" y="0"/>
+          <a:ext cx="0" cy="0"/>
+          <a:chOff x="0" y="0"/>
+          <a:chExt cx="0" cy="0"/>
+        </a:xfrm>
+      </p:grpSpPr>
+      <p:sp>
+        <p:nvSpPr>
+          <p:cNvPr id="2" name="Slide Image Placeholder 1"/>
+          <p:cNvSpPr>
+            <a:spLocks noGrp="1" noRot="1" noChangeAspect="1"/>
+          </p:cNvSpPr>
+          <p:nvPr>
+            <p:ph type="sldImg"/>
+          </p:nvPr>
+        </p:nvSpPr>
+        <p:spPr/>
+      </p:sp>
+      <p:sp>
+        <p:nvSpPr>
+          <p:cNvPr id="3" name="Notes Placeholder 2"/>
+          <p:cNvSpPr>
+            <a:spLocks noGrp="1"/>
+          </p:cNvSpPr>
+          <p:nvPr>
+            <p:ph type="body" idx="1"/>
+          </p:nvPr>
+        </p:nvSpPr>
+        <p:spPr/>
+        <p:txBody>
+          <a:bodyPr/>
+          <a:lstStyle/>
+          <a:p>
+            <a:endParaRPr lang="en-US"/>
+          </a:p>
+        </p:txBody>
+      </p:sp>
+      <p:sp>
+        <p:nvSpPr>
+          <p:cNvPr id="4" name="Slide Number Placeholder 3"/>
+          <p:cNvSpPr>
+            <a:spLocks noGrp="1"/>
+          </p:cNvSpPr>
+          <p:nvPr>
+            <p:ph type="sldNum" sz="quarter" idx="5"/>
+          </p:nvPr>
+        </p:nvSpPr>
+        <p:spPr/>
+        <p:txBody>
+          <a:bodyPr/>
+          <a:lstStyle/>
+          <a:p>
+            <a:fld id="{A6961DC2-A28F-4C81-9966-8D7B3191DD23}" type="slidenum">
+              <a:rPr lang="en-US" smtClean="0"/>
+              <a:t>8</a:t>
+            </a:fld>
+            <a:endParaRPr lang="en-US"/>
+          </a:p>
+        </p:txBody>
+      </p:sp>
+    </p:spTree>
+    <p:extLst>
+      <p:ext uri="{BB962C8B-B14F-4D97-AF65-F5344CB8AC3E}">
+        <p14:creationId xmlns:p14="http://schemas.microsoft.com/office/powerpoint/2010/main" val="2983692768"/>
+      </p:ext>
+    </p:extLst>
+  </p:cSld>
+  <p:clrMapOvr>
+    <a:masterClrMapping/>
+  </p:clrMapOvr>
+</p:notes>
+</file>
+
+<file path=ppt/notesSlides/notesSlide9.xml><?xml version="1.0" encoding="utf-8"?>
+<p:notes xmlns:a="http://schemas.openxmlformats.org/drawingml/2006/main" xmlns:r="http://schemas.openxmlformats.org/officeDocument/2006/relationships" xmlns:p="http://schemas.openxmlformats.org/presentationml/2006/main">
+  <p:cSld>
+    <p:spTree>
+      <p:nvGrpSpPr>
+        <p:cNvPr id="1" name=""/>
+        <p:cNvGrpSpPr/>
+        <p:nvPr/>
+      </p:nvGrpSpPr>
+      <p:grpSpPr>
+        <a:xfrm>
+          <a:off x="0" y="0"/>
+          <a:ext cx="0" cy="0"/>
+          <a:chOff x="0" y="0"/>
+          <a:chExt cx="0" cy="0"/>
+        </a:xfrm>
+      </p:grpSpPr>
+      <p:sp>
+        <p:nvSpPr>
+          <p:cNvPr id="2" name="Slide Image Placeholder 1"/>
+          <p:cNvSpPr>
+            <a:spLocks noGrp="1" noRot="1" noChangeAspect="1"/>
+          </p:cNvSpPr>
+          <p:nvPr>
+            <p:ph type="sldImg"/>
+          </p:nvPr>
+        </p:nvSpPr>
+        <p:spPr/>
+      </p:sp>
+      <p:sp>
+        <p:nvSpPr>
+          <p:cNvPr id="3" name="Notes Placeholder 2"/>
+          <p:cNvSpPr>
+            <a:spLocks noGrp="1"/>
+          </p:cNvSpPr>
+          <p:nvPr>
+            <p:ph type="body" idx="1"/>
+          </p:nvPr>
+        </p:nvSpPr>
+        <p:spPr/>
+        <p:txBody>
+          <a:bodyPr/>
+          <a:lstStyle/>
+          <a:p>
+            <a:endParaRPr lang="en-US"/>
+          </a:p>
+        </p:txBody>
+      </p:sp>
+      <p:sp>
+        <p:nvSpPr>
+          <p:cNvPr id="4" name="Slide Number Placeholder 3"/>
+          <p:cNvSpPr>
+            <a:spLocks noGrp="1"/>
+          </p:cNvSpPr>
+          <p:nvPr>
+            <p:ph type="sldNum" sz="quarter" idx="5"/>
+          </p:nvPr>
+        </p:nvSpPr>
+        <p:spPr/>
+        <p:txBody>
+          <a:bodyPr/>
+          <a:lstStyle/>
+          <a:p>
+            <a:fld id="{A6961DC2-A28F-4C81-9966-8D7B3191DD23}" type="slidenum">
+              <a:rPr lang="en-US" smtClean="0"/>
+              <a:t>9</a:t>
+            </a:fld>
+            <a:endParaRPr lang="en-US"/>
+          </a:p>
+        </p:txBody>
+      </p:sp>
+    </p:spTree>
+    <p:extLst>
+      <p:ext uri="{BB962C8B-B14F-4D97-AF65-F5344CB8AC3E}">
+        <p14:creationId xmlns:p14="http://schemas.microsoft.com/office/powerpoint/2010/main" val="1960911704"/>
+      </p:ext>
+    </p:extLst>
+  </p:cSld>
+  <p:clrMapOvr>
+    <a:masterClrMapping/>
+  </p:clrMapOvr>
+</p:notes>
 </file>
 
 <file path=ppt/slideLayouts/slideLayout1.xml><?xml version="1.0" encoding="utf-8"?>
@@ -16861,7 +19555,7 @@
           </p:nvPr>
         </p:nvPicPr>
         <p:blipFill rotWithShape="1">
-          <a:blip r:embed="rId2" cstate="screen">
+          <a:blip r:embed="rId3" cstate="screen">
             <a:extLst>
               <a:ext uri="{28A0092B-C50C-407E-A947-70E740481C1C}">
                 <a14:useLocalDpi xmlns:a14="http://schemas.microsoft.com/office/drawing/2010/main"/>
@@ -17626,7 +20320,7 @@
           </p:nvPr>
         </p:nvPicPr>
         <p:blipFill rotWithShape="1">
-          <a:blip r:embed="rId2" cstate="screen">
+          <a:blip r:embed="rId3" cstate="screen">
             <a:extLst>
               <a:ext uri="{28A0092B-C50C-407E-A947-70E740481C1C}">
                 <a14:useLocalDpi xmlns:a14="http://schemas.microsoft.com/office/drawing/2010/main"/>
@@ -17776,7 +20470,7 @@
           <p:nvPr/>
         </p:nvPicPr>
         <p:blipFill>
-          <a:blip r:embed="rId2">
+          <a:blip r:embed="rId3">
             <a:extLst>
               <a:ext uri="{28A0092B-C50C-407E-A947-70E740481C1C}">
                 <a14:useLocalDpi xmlns:a14="http://schemas.microsoft.com/office/drawing/2010/main" val="0"/>
@@ -17807,6 +20501,135 @@
   <p:clrMapOvr>
     <a:masterClrMapping/>
   </p:clrMapOvr>
+  <p:timing>
+    <p:tnLst>
+      <p:par>
+        <p:cTn id="1" dur="indefinite" restart="never" nodeType="tmRoot">
+          <p:childTnLst>
+            <p:seq concurrent="1" nextAc="seek">
+              <p:cTn id="2" dur="indefinite" nodeType="mainSeq">
+                <p:childTnLst>
+                  <p:par>
+                    <p:cTn id="3" fill="hold">
+                      <p:stCondLst>
+                        <p:cond delay="indefinite"/>
+                      </p:stCondLst>
+                      <p:childTnLst>
+                        <p:par>
+                          <p:cTn id="4" fill="hold">
+                            <p:stCondLst>
+                              <p:cond delay="0"/>
+                            </p:stCondLst>
+                            <p:childTnLst>
+                              <p:par>
+                                <p:cTn id="5" presetID="10" presetClass="entr" presetSubtype="0" fill="hold" grpId="0" nodeType="clickEffect">
+                                  <p:stCondLst>
+                                    <p:cond delay="0"/>
+                                  </p:stCondLst>
+                                  <p:childTnLst>
+                                    <p:set>
+                                      <p:cBhvr>
+                                        <p:cTn id="6" dur="1" fill="hold">
+                                          <p:stCondLst>
+                                            <p:cond delay="0"/>
+                                          </p:stCondLst>
+                                        </p:cTn>
+                                        <p:tgtEl>
+                                          <p:spTgt spid="2">
+                                            <p:txEl>
+                                              <p:pRg st="0" end="0"/>
+                                            </p:txEl>
+                                          </p:spTgt>
+                                        </p:tgtEl>
+                                        <p:attrNameLst>
+                                          <p:attrName>style.visibility</p:attrName>
+                                        </p:attrNameLst>
+                                      </p:cBhvr>
+                                      <p:to>
+                                        <p:strVal val="visible"/>
+                                      </p:to>
+                                    </p:set>
+                                    <p:animEffect transition="in" filter="fade">
+                                      <p:cBhvr>
+                                        <p:cTn id="7" dur="2000"/>
+                                        <p:tgtEl>
+                                          <p:spTgt spid="2">
+                                            <p:txEl>
+                                              <p:pRg st="0" end="0"/>
+                                            </p:txEl>
+                                          </p:spTgt>
+                                        </p:tgtEl>
+                                      </p:cBhvr>
+                                    </p:animEffect>
+                                  </p:childTnLst>
+                                </p:cTn>
+                              </p:par>
+                              <p:par>
+                                <p:cTn id="8" presetID="10" presetClass="entr" presetSubtype="0" fill="hold" nodeType="withEffect">
+                                  <p:stCondLst>
+                                    <p:cond delay="0"/>
+                                  </p:stCondLst>
+                                  <p:childTnLst>
+                                    <p:set>
+                                      <p:cBhvr>
+                                        <p:cTn id="9" dur="1" fill="hold">
+                                          <p:stCondLst>
+                                            <p:cond delay="0"/>
+                                          </p:stCondLst>
+                                        </p:cTn>
+                                        <p:tgtEl>
+                                          <p:spTgt spid="6"/>
+                                        </p:tgtEl>
+                                        <p:attrNameLst>
+                                          <p:attrName>style.visibility</p:attrName>
+                                        </p:attrNameLst>
+                                      </p:cBhvr>
+                                      <p:to>
+                                        <p:strVal val="visible"/>
+                                      </p:to>
+                                    </p:set>
+                                    <p:animEffect transition="in" filter="fade">
+                                      <p:cBhvr>
+                                        <p:cTn id="10" dur="2000"/>
+                                        <p:tgtEl>
+                                          <p:spTgt spid="6"/>
+                                        </p:tgtEl>
+                                      </p:cBhvr>
+                                    </p:animEffect>
+                                  </p:childTnLst>
+                                </p:cTn>
+                              </p:par>
+                            </p:childTnLst>
+                          </p:cTn>
+                        </p:par>
+                      </p:childTnLst>
+                    </p:cTn>
+                  </p:par>
+                </p:childTnLst>
+              </p:cTn>
+              <p:prevCondLst>
+                <p:cond evt="onPrev" delay="0">
+                  <p:tgtEl>
+                    <p:sldTgt/>
+                  </p:tgtEl>
+                </p:cond>
+              </p:prevCondLst>
+              <p:nextCondLst>
+                <p:cond evt="onNext" delay="0">
+                  <p:tgtEl>
+                    <p:sldTgt/>
+                  </p:tgtEl>
+                </p:cond>
+              </p:nextCondLst>
+            </p:seq>
+          </p:childTnLst>
+        </p:cTn>
+      </p:par>
+    </p:tnLst>
+    <p:bldLst>
+      <p:bldP spid="2" grpId="0" build="p"/>
+    </p:bldLst>
+  </p:timing>
 </p:sld>
 </file>
 
@@ -18121,26 +20944,7 @@
                 <a:ea typeface="Verdana" panose="020B0604030504040204" pitchFamily="34" charset="0"/>
                 <a:cs typeface="Verdana" panose="020B0604030504040204" pitchFamily="34" charset="0"/>
               </a:rPr>
-              <a:t>We will be using the </a:t>
-            </a:r>
-            <a:r>
-              <a:rPr lang="en-US" sz="2000" b="1" i="1" dirty="0">
-                <a:solidFill>
-                  <a:srgbClr val="AB263D"/>
-                </a:solidFill>
-                <a:latin typeface="Verdana" panose="020B0604030504040204" pitchFamily="34" charset="0"/>
-                <a:ea typeface="Verdana" panose="020B0604030504040204" pitchFamily="34" charset="0"/>
-                <a:cs typeface="Verdana" panose="020B0604030504040204" pitchFamily="34" charset="0"/>
-              </a:rPr>
-              <a:t>express-session</a:t>
-            </a:r>
-            <a:r>
-              <a:rPr lang="en-US" sz="2000" dirty="0">
-                <a:latin typeface="Verdana" panose="020B0604030504040204" pitchFamily="34" charset="0"/>
-                <a:ea typeface="Verdana" panose="020B0604030504040204" pitchFamily="34" charset="0"/>
-                <a:cs typeface="Verdana" panose="020B0604030504040204" pitchFamily="34" charset="0"/>
-              </a:rPr>
-              <a:t> middleware in order to easily handle our cookies.</a:t>
+              <a:t>There are two different ways we can deal with cookies.  We can use traditional cookies and then parse through them using the cookie-parser middleware or we can use express sessions to deal with cookies.  Let’s take a look at using the cookie-parser first. </a:t>
             </a:r>
           </a:p>
           <a:p>
@@ -18150,438 +20954,13 @@
               </a:buClr>
               <a:buNone/>
             </a:pPr>
-            <a:r>
-              <a:rPr lang="en-US" sz="2000" dirty="0">
-                <a:latin typeface="Verdana" panose="020B0604030504040204" pitchFamily="34" charset="0"/>
-                <a:ea typeface="Verdana" panose="020B0604030504040204" pitchFamily="34" charset="0"/>
-                <a:cs typeface="Verdana" panose="020B0604030504040204" pitchFamily="34" charset="0"/>
-              </a:rPr>
-              <a:t>The other case is to manually parse headers and parse objects as well as we can, which can get redundant.</a:t>
-            </a:r>
-          </a:p>
-          <a:p>
-            <a:pPr marL="0" indent="0">
-              <a:buClr>
-                <a:srgbClr val="C00000"/>
-              </a:buClr>
-              <a:buNone/>
-            </a:pPr>
-            <a:r>
-              <a:rPr lang="en-US" sz="2000" b="1" i="1" dirty="0" err="1">
-                <a:solidFill>
-                  <a:srgbClr val="AB263D"/>
-                </a:solidFill>
-                <a:latin typeface="Courier New" panose="02070309020205020404" pitchFamily="49" charset="0"/>
-                <a:ea typeface="Verdana" panose="020B0604030504040204" pitchFamily="34" charset="0"/>
-                <a:cs typeface="Courier New" panose="02070309020205020404" pitchFamily="49" charset="0"/>
-              </a:rPr>
-              <a:t>npm</a:t>
-            </a:r>
-            <a:r>
-              <a:rPr lang="en-US" sz="2000" b="1" i="1" dirty="0">
-                <a:solidFill>
-                  <a:srgbClr val="AB263D"/>
-                </a:solidFill>
-                <a:latin typeface="Courier New" panose="02070309020205020404" pitchFamily="49" charset="0"/>
-                <a:ea typeface="Verdana" panose="020B0604030504040204" pitchFamily="34" charset="0"/>
-                <a:cs typeface="Courier New" panose="02070309020205020404" pitchFamily="49" charset="0"/>
-              </a:rPr>
-              <a:t> install express-session </a:t>
-            </a:r>
-            <a:r>
-              <a:rPr lang="en-US" sz="2000" dirty="0">
-                <a:latin typeface="Verdana" panose="020B0604030504040204" pitchFamily="34" charset="0"/>
-                <a:ea typeface="Verdana" panose="020B0604030504040204" pitchFamily="34" charset="0"/>
-                <a:cs typeface="Verdana" panose="020B0604030504040204" pitchFamily="34" charset="0"/>
-              </a:rPr>
-              <a:t>We then use it in our </a:t>
-            </a:r>
-            <a:r>
-              <a:rPr lang="en-US" sz="2000" b="1" i="1" dirty="0" err="1">
-                <a:solidFill>
-                  <a:srgbClr val="AB263D"/>
-                </a:solidFill>
-                <a:latin typeface="Verdana" panose="020B0604030504040204" pitchFamily="34" charset="0"/>
-                <a:ea typeface="Verdana" panose="020B0604030504040204" pitchFamily="34" charset="0"/>
-                <a:cs typeface="Verdana" panose="020B0604030504040204" pitchFamily="34" charset="0"/>
-              </a:rPr>
-              <a:t>app.js</a:t>
-            </a:r>
-            <a:r>
-              <a:rPr lang="en-US" sz="2000" b="1" i="1" dirty="0">
-                <a:solidFill>
-                  <a:srgbClr val="AB263D"/>
-                </a:solidFill>
-                <a:latin typeface="Verdana" panose="020B0604030504040204" pitchFamily="34" charset="0"/>
-                <a:ea typeface="Verdana" panose="020B0604030504040204" pitchFamily="34" charset="0"/>
-                <a:cs typeface="Verdana" panose="020B0604030504040204" pitchFamily="34" charset="0"/>
-              </a:rPr>
-              <a:t> </a:t>
-            </a:r>
-            <a:r>
-              <a:rPr lang="en-US" sz="2000" dirty="0">
-                <a:latin typeface="Verdana" panose="020B0604030504040204" pitchFamily="34" charset="0"/>
-                <a:ea typeface="Verdana" panose="020B0604030504040204" pitchFamily="34" charset="0"/>
-                <a:cs typeface="Verdana" panose="020B0604030504040204" pitchFamily="34" charset="0"/>
-              </a:rPr>
-              <a:t>like so:</a:t>
-            </a:r>
-            <a:endParaRPr lang="en-US" sz="2000" b="1" i="1" dirty="0">
+            <a:endParaRPr lang="en-US" b="1" dirty="0">
               <a:solidFill>
                 <a:srgbClr val="AB263D"/>
               </a:solidFill>
-              <a:latin typeface="Courier New" panose="02070309020205020404" pitchFamily="49" charset="0"/>
+              <a:latin typeface="Verdana" panose="020B0604030504040204" pitchFamily="34" charset="0"/>
               <a:ea typeface="Verdana" panose="020B0604030504040204" pitchFamily="34" charset="0"/>
-              <a:cs typeface="Courier New" panose="02070309020205020404" pitchFamily="49" charset="0"/>
-            </a:endParaRPr>
-          </a:p>
-          <a:p>
-            <a:pPr marL="0" indent="0">
-              <a:buNone/>
-            </a:pPr>
-            <a:r>
-              <a:rPr lang="en-US" b="1" dirty="0" err="1">
-                <a:solidFill>
-                  <a:srgbClr val="001080"/>
-                </a:solidFill>
-                <a:latin typeface="Courier New" panose="02070309020205020404" pitchFamily="49" charset="0"/>
-                <a:cs typeface="Courier New" panose="02070309020205020404" pitchFamily="49" charset="0"/>
-              </a:rPr>
-              <a:t>app</a:t>
-            </a:r>
-            <a:r>
-              <a:rPr lang="en-US" b="1" dirty="0" err="1">
-                <a:solidFill>
-                  <a:srgbClr val="000000"/>
-                </a:solidFill>
-                <a:latin typeface="Courier New" panose="02070309020205020404" pitchFamily="49" charset="0"/>
-                <a:cs typeface="Courier New" panose="02070309020205020404" pitchFamily="49" charset="0"/>
-              </a:rPr>
-              <a:t>.</a:t>
-            </a:r>
-            <a:r>
-              <a:rPr lang="en-US" b="1" dirty="0" err="1">
-                <a:solidFill>
-                  <a:srgbClr val="795E26"/>
-                </a:solidFill>
-                <a:latin typeface="Courier New" panose="02070309020205020404" pitchFamily="49" charset="0"/>
-                <a:cs typeface="Courier New" panose="02070309020205020404" pitchFamily="49" charset="0"/>
-              </a:rPr>
-              <a:t>use</a:t>
-            </a:r>
-            <a:r>
-              <a:rPr lang="en-US" b="1" dirty="0">
-                <a:solidFill>
-                  <a:srgbClr val="000000"/>
-                </a:solidFill>
-                <a:latin typeface="Courier New" panose="02070309020205020404" pitchFamily="49" charset="0"/>
-                <a:cs typeface="Courier New" panose="02070309020205020404" pitchFamily="49" charset="0"/>
-              </a:rPr>
-              <a:t>(</a:t>
-            </a:r>
-          </a:p>
-          <a:p>
-            <a:pPr marL="0" indent="0">
-              <a:buNone/>
-            </a:pPr>
-            <a:r>
-              <a:rPr lang="en-US" b="1" dirty="0">
-                <a:solidFill>
-                  <a:srgbClr val="795E26"/>
-                </a:solidFill>
-                <a:latin typeface="Courier New" panose="02070309020205020404" pitchFamily="49" charset="0"/>
-                <a:cs typeface="Courier New" panose="02070309020205020404" pitchFamily="49" charset="0"/>
-              </a:rPr>
-              <a:t>  session</a:t>
-            </a:r>
-            <a:r>
-              <a:rPr lang="en-US" b="1" dirty="0">
-                <a:solidFill>
-                  <a:srgbClr val="000000"/>
-                </a:solidFill>
-                <a:latin typeface="Courier New" panose="02070309020205020404" pitchFamily="49" charset="0"/>
-                <a:cs typeface="Courier New" panose="02070309020205020404" pitchFamily="49" charset="0"/>
-              </a:rPr>
-              <a:t>({</a:t>
-            </a:r>
-          </a:p>
-          <a:p>
-            <a:pPr marL="0" indent="0">
-              <a:buNone/>
-            </a:pPr>
-            <a:r>
-              <a:rPr lang="en-US" b="1" dirty="0">
-                <a:solidFill>
-                  <a:srgbClr val="001080"/>
-                </a:solidFill>
-                <a:latin typeface="Courier New" panose="02070309020205020404" pitchFamily="49" charset="0"/>
-                <a:cs typeface="Courier New" panose="02070309020205020404" pitchFamily="49" charset="0"/>
-              </a:rPr>
-              <a:t>    name:</a:t>
-            </a:r>
-            <a:r>
-              <a:rPr lang="en-US" b="1" dirty="0">
-                <a:solidFill>
-                  <a:srgbClr val="000000"/>
-                </a:solidFill>
-                <a:latin typeface="Courier New" panose="02070309020205020404" pitchFamily="49" charset="0"/>
-                <a:cs typeface="Courier New" panose="02070309020205020404" pitchFamily="49" charset="0"/>
-              </a:rPr>
-              <a:t> </a:t>
-            </a:r>
-            <a:r>
-              <a:rPr lang="en-US" b="1" dirty="0">
-                <a:solidFill>
-                  <a:srgbClr val="A31515"/>
-                </a:solidFill>
-                <a:latin typeface="Courier New" panose="02070309020205020404" pitchFamily="49" charset="0"/>
-                <a:cs typeface="Courier New" panose="02070309020205020404" pitchFamily="49" charset="0"/>
-              </a:rPr>
-              <a:t>"</a:t>
-            </a:r>
-            <a:r>
-              <a:rPr lang="en-US" b="1" dirty="0" err="1">
-                <a:solidFill>
-                  <a:srgbClr val="A31515"/>
-                </a:solidFill>
-                <a:latin typeface="Courier New" panose="02070309020205020404" pitchFamily="49" charset="0"/>
-                <a:cs typeface="Courier New" panose="02070309020205020404" pitchFamily="49" charset="0"/>
-              </a:rPr>
-              <a:t>AuthCookie</a:t>
-            </a:r>
-            <a:r>
-              <a:rPr lang="en-US" b="1" dirty="0">
-                <a:solidFill>
-                  <a:srgbClr val="A31515"/>
-                </a:solidFill>
-                <a:latin typeface="Courier New" panose="02070309020205020404" pitchFamily="49" charset="0"/>
-                <a:cs typeface="Courier New" panose="02070309020205020404" pitchFamily="49" charset="0"/>
-              </a:rPr>
-              <a:t>"</a:t>
-            </a:r>
-            <a:r>
-              <a:rPr lang="en-US" b="1" dirty="0">
-                <a:solidFill>
-                  <a:srgbClr val="000000"/>
-                </a:solidFill>
-                <a:latin typeface="Courier New" panose="02070309020205020404" pitchFamily="49" charset="0"/>
-                <a:cs typeface="Courier New" panose="02070309020205020404" pitchFamily="49" charset="0"/>
-              </a:rPr>
-              <a:t>,</a:t>
-            </a:r>
-          </a:p>
-          <a:p>
-            <a:pPr marL="0" indent="0">
-              <a:buNone/>
-            </a:pPr>
-            <a:r>
-              <a:rPr lang="en-US" b="1" dirty="0">
-                <a:solidFill>
-                  <a:srgbClr val="001080"/>
-                </a:solidFill>
-                <a:latin typeface="Courier New" panose="02070309020205020404" pitchFamily="49" charset="0"/>
-                <a:cs typeface="Courier New" panose="02070309020205020404" pitchFamily="49" charset="0"/>
-              </a:rPr>
-              <a:t>    secret:</a:t>
-            </a:r>
-            <a:r>
-              <a:rPr lang="en-US" b="1" dirty="0">
-                <a:solidFill>
-                  <a:srgbClr val="000000"/>
-                </a:solidFill>
-                <a:latin typeface="Courier New" panose="02070309020205020404" pitchFamily="49" charset="0"/>
-                <a:cs typeface="Courier New" panose="02070309020205020404" pitchFamily="49" charset="0"/>
-              </a:rPr>
-              <a:t> </a:t>
-            </a:r>
-            <a:r>
-              <a:rPr lang="en-US" b="1" dirty="0">
-                <a:solidFill>
-                  <a:srgbClr val="A31515"/>
-                </a:solidFill>
-                <a:latin typeface="Courier New" panose="02070309020205020404" pitchFamily="49" charset="0"/>
-                <a:cs typeface="Courier New" panose="02070309020205020404" pitchFamily="49" charset="0"/>
-              </a:rPr>
-              <a:t>"some secret string!"</a:t>
-            </a:r>
-            <a:r>
-              <a:rPr lang="en-US" b="1" dirty="0">
-                <a:solidFill>
-                  <a:srgbClr val="000000"/>
-                </a:solidFill>
-                <a:latin typeface="Courier New" panose="02070309020205020404" pitchFamily="49" charset="0"/>
-                <a:cs typeface="Courier New" panose="02070309020205020404" pitchFamily="49" charset="0"/>
-              </a:rPr>
-              <a:t>,</a:t>
-            </a:r>
-          </a:p>
-          <a:p>
-            <a:pPr marL="0" indent="0">
-              <a:buNone/>
-            </a:pPr>
-            <a:r>
-              <a:rPr lang="en-US" b="1" dirty="0">
-                <a:solidFill>
-                  <a:srgbClr val="001080"/>
-                </a:solidFill>
-                <a:latin typeface="Courier New" panose="02070309020205020404" pitchFamily="49" charset="0"/>
-                <a:cs typeface="Courier New" panose="02070309020205020404" pitchFamily="49" charset="0"/>
-              </a:rPr>
-              <a:t>    resave:</a:t>
-            </a:r>
-            <a:r>
-              <a:rPr lang="en-US" b="1" dirty="0">
-                <a:solidFill>
-                  <a:srgbClr val="000000"/>
-                </a:solidFill>
-                <a:latin typeface="Courier New" panose="02070309020205020404" pitchFamily="49" charset="0"/>
-                <a:cs typeface="Courier New" panose="02070309020205020404" pitchFamily="49" charset="0"/>
-              </a:rPr>
-              <a:t> </a:t>
-            </a:r>
-            <a:r>
-              <a:rPr lang="en-US" b="1" dirty="0">
-                <a:solidFill>
-                  <a:srgbClr val="0000FF"/>
-                </a:solidFill>
-                <a:latin typeface="Courier New" panose="02070309020205020404" pitchFamily="49" charset="0"/>
-                <a:cs typeface="Courier New" panose="02070309020205020404" pitchFamily="49" charset="0"/>
-              </a:rPr>
-              <a:t>false</a:t>
-            </a:r>
-            <a:r>
-              <a:rPr lang="en-US" b="1" dirty="0">
-                <a:solidFill>
-                  <a:srgbClr val="000000"/>
-                </a:solidFill>
-                <a:latin typeface="Courier New" panose="02070309020205020404" pitchFamily="49" charset="0"/>
-                <a:cs typeface="Courier New" panose="02070309020205020404" pitchFamily="49" charset="0"/>
-              </a:rPr>
-              <a:t>,</a:t>
-            </a:r>
-          </a:p>
-          <a:p>
-            <a:pPr marL="0" indent="0">
-              <a:buNone/>
-            </a:pPr>
-            <a:r>
-              <a:rPr lang="en-US" b="1" dirty="0">
-                <a:solidFill>
-                  <a:srgbClr val="001080"/>
-                </a:solidFill>
-                <a:latin typeface="Courier New" panose="02070309020205020404" pitchFamily="49" charset="0"/>
-                <a:cs typeface="Courier New" panose="02070309020205020404" pitchFamily="49" charset="0"/>
-              </a:rPr>
-              <a:t>    </a:t>
-            </a:r>
-            <a:r>
-              <a:rPr lang="en-US" b="1" dirty="0" err="1">
-                <a:solidFill>
-                  <a:srgbClr val="001080"/>
-                </a:solidFill>
-                <a:latin typeface="Courier New" panose="02070309020205020404" pitchFamily="49" charset="0"/>
-                <a:cs typeface="Courier New" panose="02070309020205020404" pitchFamily="49" charset="0"/>
-              </a:rPr>
-              <a:t>saveUninitialized</a:t>
-            </a:r>
-            <a:r>
-              <a:rPr lang="en-US" b="1" dirty="0">
-                <a:solidFill>
-                  <a:srgbClr val="001080"/>
-                </a:solidFill>
-                <a:latin typeface="Courier New" panose="02070309020205020404" pitchFamily="49" charset="0"/>
-                <a:cs typeface="Courier New" panose="02070309020205020404" pitchFamily="49" charset="0"/>
-              </a:rPr>
-              <a:t>:</a:t>
-            </a:r>
-            <a:r>
-              <a:rPr lang="en-US" b="1" dirty="0">
-                <a:solidFill>
-                  <a:srgbClr val="000000"/>
-                </a:solidFill>
-                <a:latin typeface="Courier New" panose="02070309020205020404" pitchFamily="49" charset="0"/>
-                <a:cs typeface="Courier New" panose="02070309020205020404" pitchFamily="49" charset="0"/>
-              </a:rPr>
-              <a:t> </a:t>
-            </a:r>
-            <a:r>
-              <a:rPr lang="en-US" b="1" dirty="0">
-                <a:solidFill>
-                  <a:srgbClr val="0000FF"/>
-                </a:solidFill>
-                <a:latin typeface="Courier New" panose="02070309020205020404" pitchFamily="49" charset="0"/>
-                <a:cs typeface="Courier New" panose="02070309020205020404" pitchFamily="49" charset="0"/>
-              </a:rPr>
-              <a:t>true</a:t>
-            </a:r>
-            <a:endParaRPr lang="en-US" b="1" dirty="0">
-              <a:solidFill>
-                <a:srgbClr val="000000"/>
-              </a:solidFill>
-              <a:latin typeface="Courier New" panose="02070309020205020404" pitchFamily="49" charset="0"/>
-              <a:cs typeface="Courier New" panose="02070309020205020404" pitchFamily="49" charset="0"/>
-            </a:endParaRPr>
-          </a:p>
-          <a:p>
-            <a:pPr marL="0" indent="0">
-              <a:buNone/>
-            </a:pPr>
-            <a:r>
-              <a:rPr lang="en-US" b="1" dirty="0">
-                <a:solidFill>
-                  <a:srgbClr val="000000"/>
-                </a:solidFill>
-                <a:latin typeface="Courier New" panose="02070309020205020404" pitchFamily="49" charset="0"/>
-                <a:cs typeface="Courier New" panose="02070309020205020404" pitchFamily="49" charset="0"/>
-              </a:rPr>
-              <a:t>  })</a:t>
-            </a:r>
-          </a:p>
-          <a:p>
-            <a:pPr marL="0" indent="0">
-              <a:buNone/>
-            </a:pPr>
-            <a:r>
-              <a:rPr lang="en-US" b="1" dirty="0">
-                <a:solidFill>
-                  <a:srgbClr val="000000"/>
-                </a:solidFill>
-                <a:latin typeface="Courier New" panose="02070309020205020404" pitchFamily="49" charset="0"/>
-                <a:cs typeface="Courier New" panose="02070309020205020404" pitchFamily="49" charset="0"/>
-              </a:rPr>
-              <a:t>);</a:t>
-            </a:r>
-          </a:p>
-          <a:p>
-            <a:pPr marL="0" indent="0">
-              <a:buClr>
-                <a:srgbClr val="C00000"/>
-              </a:buClr>
-              <a:buNone/>
-            </a:pPr>
-            <a:endParaRPr lang="en-US" sz="2000" b="1" i="1" dirty="0">
-              <a:solidFill>
-                <a:srgbClr val="AB263D"/>
-              </a:solidFill>
-              <a:latin typeface="Courier New" panose="02070309020205020404" pitchFamily="49" charset="0"/>
-              <a:ea typeface="Verdana" panose="020B0604030504040204" pitchFamily="34" charset="0"/>
-              <a:cs typeface="Courier New" panose="02070309020205020404" pitchFamily="49" charset="0"/>
-            </a:endParaRPr>
-          </a:p>
-          <a:p>
-            <a:pPr marL="0" indent="0">
-              <a:buClr>
-                <a:srgbClr val="C00000"/>
-              </a:buClr>
-              <a:buNone/>
-            </a:pPr>
-            <a:endParaRPr lang="en-US" sz="2000" b="1" i="1" dirty="0">
-              <a:solidFill>
-                <a:srgbClr val="AB263D"/>
-              </a:solidFill>
-              <a:latin typeface="Courier New" panose="02070309020205020404" pitchFamily="49" charset="0"/>
-              <a:ea typeface="Verdana" panose="020B0604030504040204" pitchFamily="34" charset="0"/>
-              <a:cs typeface="Courier New" panose="02070309020205020404" pitchFamily="49" charset="0"/>
+              <a:cs typeface="Verdana" panose="020B0604030504040204" pitchFamily="34" charset="0"/>
             </a:endParaRPr>
           </a:p>
         </p:txBody>
@@ -18634,7 +21013,7 @@
                 <a:ea typeface="Verdana" panose="020B0604030504040204" pitchFamily="34" charset="0"/>
                 <a:cs typeface="Verdana" panose="020B0604030504040204" pitchFamily="34" charset="0"/>
               </a:rPr>
-              <a:t>Using express-session</a:t>
+              <a:t>What is a Cookie?</a:t>
             </a:r>
           </a:p>
         </p:txBody>
@@ -18642,7 +21021,7 @@
     </p:spTree>
     <p:extLst>
       <p:ext uri="{BB962C8B-B14F-4D97-AF65-F5344CB8AC3E}">
-        <p14:creationId xmlns:p14="http://schemas.microsoft.com/office/powerpoint/2010/main" val="206641713"/>
+        <p14:creationId xmlns:p14="http://schemas.microsoft.com/office/powerpoint/2010/main" val="2418835747"/>
       </p:ext>
     </p:extLst>
   </p:cSld>
@@ -18682,7 +21061,7 @@
         <p:spPr>
           <a:xfrm>
             <a:off x="302605" y="1288317"/>
-            <a:ext cx="5283186" cy="5003153"/>
+            <a:ext cx="11585731" cy="4385167"/>
           </a:xfrm>
         </p:spPr>
         <p:txBody>
@@ -18690,13 +21069,110 @@
           <a:lstStyle/>
           <a:p>
             <a:pPr marL="0" indent="0">
+              <a:buNone/>
+            </a:pPr>
+            <a:r>
+              <a:rPr lang="en-US" sz="2000" dirty="0">
+                <a:latin typeface="Verdana" panose="020B0604030504040204" pitchFamily="34" charset="0"/>
+                <a:ea typeface="Verdana" panose="020B0604030504040204" pitchFamily="34" charset="0"/>
+                <a:cs typeface="Verdana" panose="020B0604030504040204" pitchFamily="34" charset="0"/>
+              </a:rPr>
+              <a:t>We will be using the cookie-parser middleware in order to easily handle our cookies as an object. </a:t>
+            </a:r>
+          </a:p>
+          <a:p>
+            <a:pPr marL="0" indent="0">
+              <a:buNone/>
+            </a:pPr>
+            <a:r>
+              <a:rPr lang="en-US" sz="2000" dirty="0" err="1">
+                <a:latin typeface="Verdana" panose="020B0604030504040204" pitchFamily="34" charset="0"/>
+                <a:ea typeface="Verdana" panose="020B0604030504040204" pitchFamily="34" charset="0"/>
+                <a:cs typeface="Verdana" panose="020B0604030504040204" pitchFamily="34" charset="0"/>
+              </a:rPr>
+              <a:t>npm</a:t>
+            </a:r>
+            <a:r>
+              <a:rPr lang="en-US" sz="2000" dirty="0">
+                <a:latin typeface="Verdana" panose="020B0604030504040204" pitchFamily="34" charset="0"/>
+                <a:ea typeface="Verdana" panose="020B0604030504040204" pitchFamily="34" charset="0"/>
+                <a:cs typeface="Verdana" panose="020B0604030504040204" pitchFamily="34" charset="0"/>
+              </a:rPr>
+              <a:t> install cookie-parser </a:t>
+            </a:r>
+          </a:p>
+          <a:p>
+            <a:pPr marL="0" indent="0">
+              <a:buNone/>
+            </a:pPr>
+            <a:r>
+              <a:rPr lang="en-US" sz="2000" dirty="0">
+                <a:latin typeface="Verdana" panose="020B0604030504040204" pitchFamily="34" charset="0"/>
+                <a:ea typeface="Verdana" panose="020B0604030504040204" pitchFamily="34" charset="0"/>
+                <a:cs typeface="Verdana" panose="020B0604030504040204" pitchFamily="34" charset="0"/>
+              </a:rPr>
+              <a:t>We then apply the cookie-parser as a middleware, without a route path so that it applies to the whole application. </a:t>
+            </a:r>
+          </a:p>
+          <a:p>
+            <a:pPr marL="0" indent="0">
               <a:buClr>
                 <a:srgbClr val="C00000"/>
               </a:buClr>
               <a:buNone/>
             </a:pPr>
-            <a:r>
-              <a:rPr lang="en-US" b="1" dirty="0">
+            <a:endParaRPr lang="en-US" b="1" dirty="0">
+              <a:solidFill>
+                <a:srgbClr val="AB263D"/>
+              </a:solidFill>
+              <a:latin typeface="Verdana" panose="020B0604030504040204" pitchFamily="34" charset="0"/>
+              <a:ea typeface="Verdana" panose="020B0604030504040204" pitchFamily="34" charset="0"/>
+              <a:cs typeface="Verdana" panose="020B0604030504040204" pitchFamily="34" charset="0"/>
+            </a:endParaRPr>
+          </a:p>
+        </p:txBody>
+      </p:sp>
+      <p:sp>
+        <p:nvSpPr>
+          <p:cNvPr id="3" name="Slide Number Placeholder 2"/>
+          <p:cNvSpPr>
+            <a:spLocks noGrp="1"/>
+          </p:cNvSpPr>
+          <p:nvPr>
+            <p:ph type="sldNum" sz="quarter" idx="14"/>
+          </p:nvPr>
+        </p:nvSpPr>
+        <p:spPr/>
+        <p:txBody>
+          <a:bodyPr/>
+          <a:lstStyle/>
+          <a:p>
+            <a:fld id="{12342C3A-DD85-7843-B416-BD52AB030D59}" type="slidenum">
+              <a:rPr lang="en-US" smtClean="0"/>
+              <a:pPr/>
+              <a:t>16</a:t>
+            </a:fld>
+            <a:endParaRPr lang="en-US"/>
+          </a:p>
+        </p:txBody>
+      </p:sp>
+      <p:sp>
+        <p:nvSpPr>
+          <p:cNvPr id="4" name="Title 3"/>
+          <p:cNvSpPr>
+            <a:spLocks noGrp="1"/>
+          </p:cNvSpPr>
+          <p:nvPr>
+            <p:ph type="title"/>
+          </p:nvPr>
+        </p:nvSpPr>
+        <p:spPr/>
+        <p:txBody>
+          <a:bodyPr/>
+          <a:lstStyle/>
+          <a:p>
+            <a:r>
+              <a:rPr lang="en-US" dirty="0">
                 <a:solidFill>
                   <a:srgbClr val="AB263D"/>
                 </a:solidFill>
@@ -18704,307 +21180,49 @@
                 <a:ea typeface="Verdana" panose="020B0604030504040204" pitchFamily="34" charset="0"/>
                 <a:cs typeface="Verdana" panose="020B0604030504040204" pitchFamily="34" charset="0"/>
               </a:rPr>
-              <a:t>CLIENT-SIDE</a:t>
-            </a:r>
-          </a:p>
-          <a:p>
-            <a:pPr marL="0" indent="0">
-              <a:buNone/>
-            </a:pPr>
-            <a:r>
-              <a:rPr lang="en-US" dirty="0">
-                <a:latin typeface="Verdana" panose="020B0604030504040204" pitchFamily="34" charset="0"/>
-                <a:ea typeface="Verdana" panose="020B0604030504040204" pitchFamily="34" charset="0"/>
-                <a:cs typeface="Verdana" panose="020B0604030504040204" pitchFamily="34" charset="0"/>
-              </a:rPr>
-              <a:t>You can set by setting </a:t>
-            </a:r>
-            <a:r>
-              <a:rPr lang="en-US" b="1" i="1" dirty="0" err="1">
-                <a:solidFill>
-                  <a:srgbClr val="001080"/>
-                </a:solidFill>
-                <a:latin typeface="Courier New" panose="02070309020205020404" pitchFamily="49" charset="0"/>
-                <a:cs typeface="Courier New" panose="02070309020205020404" pitchFamily="49" charset="0"/>
-              </a:rPr>
-              <a:t>document</a:t>
-            </a:r>
-            <a:r>
-              <a:rPr lang="en-US" b="1" i="1" dirty="0" err="1">
-                <a:solidFill>
-                  <a:srgbClr val="000000"/>
-                </a:solidFill>
-                <a:latin typeface="Courier New" panose="02070309020205020404" pitchFamily="49" charset="0"/>
-                <a:cs typeface="Courier New" panose="02070309020205020404" pitchFamily="49" charset="0"/>
-              </a:rPr>
-              <a:t>.</a:t>
-            </a:r>
-            <a:r>
-              <a:rPr lang="en-US" b="1" i="1" dirty="0" err="1">
-                <a:solidFill>
-                  <a:srgbClr val="001080"/>
-                </a:solidFill>
-                <a:latin typeface="Courier New" panose="02070309020205020404" pitchFamily="49" charset="0"/>
-                <a:cs typeface="Courier New" panose="02070309020205020404" pitchFamily="49" charset="0"/>
-              </a:rPr>
-              <a:t>cookies</a:t>
-            </a:r>
-            <a:r>
-              <a:rPr lang="en-US" b="1" i="1" dirty="0">
-                <a:solidFill>
-                  <a:srgbClr val="000000"/>
-                </a:solidFill>
-                <a:latin typeface="Courier New" panose="02070309020205020404" pitchFamily="49" charset="0"/>
-                <a:cs typeface="Courier New" panose="02070309020205020404" pitchFamily="49" charset="0"/>
-              </a:rPr>
-              <a:t> = </a:t>
-            </a:r>
-            <a:r>
-              <a:rPr lang="en-US" b="1" i="1" dirty="0">
-                <a:solidFill>
-                  <a:srgbClr val="A31515"/>
-                </a:solidFill>
-                <a:latin typeface="Courier New" panose="02070309020205020404" pitchFamily="49" charset="0"/>
-                <a:cs typeface="Courier New" panose="02070309020205020404" pitchFamily="49" charset="0"/>
-              </a:rPr>
-              <a:t>'key=value'</a:t>
-            </a:r>
-            <a:endParaRPr lang="en-US" b="1" i="1" dirty="0">
+              <a:t>Installing the cookie-parser Package </a:t>
+            </a:r>
+            <a:endParaRPr lang="en-US" sz="4000" dirty="0">
               <a:solidFill>
                 <a:srgbClr val="AB263D"/>
               </a:solidFill>
-              <a:latin typeface="Courier New" panose="02070309020205020404" pitchFamily="49" charset="0"/>
+              <a:latin typeface="Verdana" panose="020B0604030504040204" pitchFamily="34" charset="0"/>
               <a:ea typeface="Verdana" panose="020B0604030504040204" pitchFamily="34" charset="0"/>
-              <a:cs typeface="Courier New" panose="02070309020205020404" pitchFamily="49" charset="0"/>
+              <a:cs typeface="Verdana" panose="020B0604030504040204" pitchFamily="34" charset="0"/>
             </a:endParaRPr>
           </a:p>
-          <a:p>
-            <a:pPr marL="0" indent="0">
-              <a:buClr>
-                <a:srgbClr val="C00000"/>
-              </a:buClr>
-              <a:buNone/>
-            </a:pPr>
-            <a:r>
-              <a:rPr lang="en-US" dirty="0">
-                <a:latin typeface="Verdana" panose="020B0604030504040204" pitchFamily="34" charset="0"/>
-                <a:ea typeface="Verdana" panose="020B0604030504040204" pitchFamily="34" charset="0"/>
-                <a:cs typeface="Verdana" panose="020B0604030504040204" pitchFamily="34" charset="0"/>
-              </a:rPr>
-              <a:t>Even though you are re-assigning, it will simply add it to your list of cookies.</a:t>
-            </a:r>
-          </a:p>
-          <a:p>
-            <a:pPr marL="0" indent="0">
-              <a:buClr>
-                <a:srgbClr val="C00000"/>
-              </a:buClr>
-              <a:buNone/>
-            </a:pPr>
-            <a:r>
-              <a:rPr lang="en-US" dirty="0">
-                <a:latin typeface="Verdana" panose="020B0604030504040204" pitchFamily="34" charset="0"/>
-                <a:ea typeface="Verdana" panose="020B0604030504040204" pitchFamily="34" charset="0"/>
-                <a:cs typeface="Verdana" panose="020B0604030504040204" pitchFamily="34" charset="0"/>
-              </a:rPr>
-              <a:t>You can get a list of all your cookies and their  values using the </a:t>
-            </a:r>
-            <a:r>
-              <a:rPr lang="en-US" b="1" i="1" dirty="0" err="1">
-                <a:solidFill>
-                  <a:srgbClr val="001080"/>
-                </a:solidFill>
-                <a:latin typeface="Courier New" panose="02070309020205020404" pitchFamily="49" charset="0"/>
-                <a:cs typeface="Courier New" panose="02070309020205020404" pitchFamily="49" charset="0"/>
-              </a:rPr>
-              <a:t>document</a:t>
-            </a:r>
-            <a:r>
-              <a:rPr lang="en-US" b="1" i="1" dirty="0" err="1">
-                <a:solidFill>
-                  <a:srgbClr val="000000"/>
-                </a:solidFill>
-                <a:latin typeface="Courier New" panose="02070309020205020404" pitchFamily="49" charset="0"/>
-                <a:cs typeface="Courier New" panose="02070309020205020404" pitchFamily="49" charset="0"/>
-              </a:rPr>
-              <a:t>.</a:t>
-            </a:r>
-            <a:r>
-              <a:rPr lang="en-US" b="1" i="1" dirty="0" err="1">
-                <a:solidFill>
-                  <a:srgbClr val="001080"/>
-                </a:solidFill>
-                <a:latin typeface="Courier New" panose="02070309020205020404" pitchFamily="49" charset="0"/>
-                <a:cs typeface="Courier New" panose="02070309020205020404" pitchFamily="49" charset="0"/>
-              </a:rPr>
-              <a:t>cookies</a:t>
-            </a:r>
-            <a:r>
-              <a:rPr lang="en-US" b="1" i="1" dirty="0">
-                <a:solidFill>
-                  <a:srgbClr val="001080"/>
-                </a:solidFill>
-                <a:latin typeface="Courier New" panose="02070309020205020404" pitchFamily="49" charset="0"/>
-                <a:cs typeface="Courier New" panose="02070309020205020404" pitchFamily="49" charset="0"/>
-              </a:rPr>
-              <a:t> </a:t>
-            </a:r>
-            <a:r>
-              <a:rPr lang="en-US" dirty="0">
-                <a:latin typeface="Verdana" panose="020B0604030504040204" pitchFamily="34" charset="0"/>
-                <a:ea typeface="Verdana" panose="020B0604030504040204" pitchFamily="34" charset="0"/>
-                <a:cs typeface="Verdana" panose="020B0604030504040204" pitchFamily="34" charset="0"/>
-              </a:rPr>
-              <a:t>and parsing it to find the cookie of your choice.</a:t>
-            </a:r>
-          </a:p>
-          <a:p>
-            <a:pPr marL="0" indent="0">
-              <a:buNone/>
-            </a:pPr>
-            <a:r>
-              <a:rPr lang="en-US" dirty="0">
-                <a:latin typeface="Verdana" panose="020B0604030504040204" pitchFamily="34" charset="0"/>
-                <a:ea typeface="Verdana" panose="020B0604030504040204" pitchFamily="34" charset="0"/>
-                <a:cs typeface="Verdana" panose="020B0604030504040204" pitchFamily="34" charset="0"/>
-              </a:rPr>
-              <a:t>Deleting cookies requires that you set the  cookie with an expiration; </a:t>
-            </a:r>
-            <a:r>
-              <a:rPr lang="en-US" dirty="0" err="1">
-                <a:latin typeface="Verdana" panose="020B0604030504040204" pitchFamily="34" charset="0"/>
-                <a:ea typeface="Verdana" panose="020B0604030504040204" pitchFamily="34" charset="0"/>
-                <a:cs typeface="Verdana" panose="020B0604030504040204" pitchFamily="34" charset="0"/>
-              </a:rPr>
-              <a:t>ie</a:t>
-            </a:r>
-            <a:r>
-              <a:rPr lang="en-US" dirty="0">
-                <a:latin typeface="Verdana" panose="020B0604030504040204" pitchFamily="34" charset="0"/>
-                <a:ea typeface="Verdana" panose="020B0604030504040204" pitchFamily="34" charset="0"/>
-                <a:cs typeface="Verdana" panose="020B0604030504040204" pitchFamily="34" charset="0"/>
-              </a:rPr>
-              <a:t>: </a:t>
-            </a:r>
-            <a:r>
-              <a:rPr lang="en-US" b="1" i="1" dirty="0" err="1">
-                <a:solidFill>
-                  <a:srgbClr val="001080"/>
-                </a:solidFill>
-                <a:latin typeface="Courier New" panose="02070309020205020404" pitchFamily="49" charset="0"/>
-                <a:cs typeface="Courier New" panose="02070309020205020404" pitchFamily="49" charset="0"/>
-              </a:rPr>
-              <a:t>document</a:t>
-            </a:r>
-            <a:r>
-              <a:rPr lang="en-US" b="1" i="1" dirty="0" err="1">
-                <a:solidFill>
-                  <a:srgbClr val="000000"/>
-                </a:solidFill>
-                <a:latin typeface="Courier New" panose="02070309020205020404" pitchFamily="49" charset="0"/>
-                <a:cs typeface="Courier New" panose="02070309020205020404" pitchFamily="49" charset="0"/>
-              </a:rPr>
-              <a:t>.</a:t>
-            </a:r>
-            <a:r>
-              <a:rPr lang="en-US" b="1" i="1" dirty="0" err="1">
-                <a:solidFill>
-                  <a:srgbClr val="001080"/>
-                </a:solidFill>
-                <a:latin typeface="Courier New" panose="02070309020205020404" pitchFamily="49" charset="0"/>
-                <a:cs typeface="Courier New" panose="02070309020205020404" pitchFamily="49" charset="0"/>
-              </a:rPr>
-              <a:t>cookies</a:t>
-            </a:r>
-            <a:r>
-              <a:rPr lang="en-US" b="1" i="1" dirty="0">
-                <a:solidFill>
-                  <a:srgbClr val="000000"/>
-                </a:solidFill>
-                <a:latin typeface="Courier New" panose="02070309020205020404" pitchFamily="49" charset="0"/>
-                <a:cs typeface="Courier New" panose="02070309020205020404" pitchFamily="49" charset="0"/>
-              </a:rPr>
-              <a:t> = </a:t>
-            </a:r>
-            <a:r>
-              <a:rPr lang="en-US" b="1" i="1" dirty="0">
-                <a:solidFill>
-                  <a:srgbClr val="A31515"/>
-                </a:solidFill>
-                <a:latin typeface="Courier New" panose="02070309020205020404" pitchFamily="49" charset="0"/>
-                <a:cs typeface="Courier New" panose="02070309020205020404" pitchFamily="49" charset="0"/>
-              </a:rPr>
-              <a:t>'key=value'</a:t>
-            </a:r>
-            <a:r>
-              <a:rPr lang="en-US" b="1" i="1" dirty="0">
-                <a:solidFill>
-                  <a:srgbClr val="000000"/>
-                </a:solidFill>
-                <a:latin typeface="Courier New" panose="02070309020205020404" pitchFamily="49" charset="0"/>
-                <a:cs typeface="Courier New" panose="02070309020205020404" pitchFamily="49" charset="0"/>
-              </a:rPr>
-              <a:t>; </a:t>
-            </a:r>
-            <a:r>
-              <a:rPr lang="en-US" b="1" i="1" dirty="0">
-                <a:solidFill>
-                  <a:srgbClr val="001080"/>
-                </a:solidFill>
-                <a:latin typeface="Courier New" panose="02070309020205020404" pitchFamily="49" charset="0"/>
-                <a:cs typeface="Courier New" panose="02070309020205020404" pitchFamily="49" charset="0"/>
-              </a:rPr>
-              <a:t>expires</a:t>
-            </a:r>
-            <a:r>
-              <a:rPr lang="en-US" b="1" i="1" dirty="0">
-                <a:solidFill>
-                  <a:srgbClr val="000000"/>
-                </a:solidFill>
-                <a:latin typeface="Courier New" panose="02070309020205020404" pitchFamily="49" charset="0"/>
-                <a:cs typeface="Courier New" panose="02070309020205020404" pitchFamily="49" charset="0"/>
-              </a:rPr>
-              <a:t>=</a:t>
-            </a:r>
-            <a:r>
-              <a:rPr lang="en-US" b="1" i="1" dirty="0">
-                <a:solidFill>
-                  <a:srgbClr val="A31515"/>
-                </a:solidFill>
-                <a:latin typeface="Courier New" panose="02070309020205020404" pitchFamily="49" charset="0"/>
-                <a:cs typeface="Courier New" panose="02070309020205020404" pitchFamily="49" charset="0"/>
-              </a:rPr>
-              <a:t>"Thu,01 Jan 1970 00:00:00 UTC"</a:t>
-            </a:r>
-            <a:r>
-              <a:rPr lang="en-US" b="1" i="1" dirty="0">
-                <a:solidFill>
-                  <a:srgbClr val="000000"/>
-                </a:solidFill>
-                <a:latin typeface="Courier New" panose="02070309020205020404" pitchFamily="49" charset="0"/>
-                <a:cs typeface="Courier New" panose="02070309020205020404" pitchFamily="49" charset="0"/>
-              </a:rPr>
-              <a:t>;</a:t>
-            </a:r>
-          </a:p>
-          <a:p>
-            <a:pPr marL="0" indent="0">
-              <a:buClr>
-                <a:srgbClr val="C00000"/>
-              </a:buClr>
-              <a:buNone/>
-            </a:pPr>
-            <a:endParaRPr lang="en-US" b="1" i="1" dirty="0">
-              <a:solidFill>
-                <a:srgbClr val="AB263D"/>
-              </a:solidFill>
-              <a:latin typeface="Courier New" panose="02070309020205020404" pitchFamily="49" charset="0"/>
-              <a:ea typeface="Verdana" panose="020B0604030504040204" pitchFamily="34" charset="0"/>
-              <a:cs typeface="Courier New" panose="02070309020205020404" pitchFamily="49" charset="0"/>
-            </a:endParaRPr>
-          </a:p>
         </p:txBody>
       </p:sp>
+    </p:spTree>
+    <p:extLst>
+      <p:ext uri="{BB962C8B-B14F-4D97-AF65-F5344CB8AC3E}">
+        <p14:creationId xmlns:p14="http://schemas.microsoft.com/office/powerpoint/2010/main" val="5456338"/>
+      </p:ext>
+    </p:extLst>
+  </p:cSld>
+  <p:clrMapOvr>
+    <a:masterClrMapping/>
+  </p:clrMapOvr>
+</p:sld>
+</file>
+
+<file path=ppt/slides/slide17.xml><?xml version="1.0" encoding="utf-8"?>
+<p:sld xmlns:a="http://schemas.openxmlformats.org/drawingml/2006/main" xmlns:r="http://schemas.openxmlformats.org/officeDocument/2006/relationships" xmlns:p="http://schemas.openxmlformats.org/presentationml/2006/main">
+  <p:cSld>
+    <p:spTree>
+      <p:nvGrpSpPr>
+        <p:cNvPr id="1" name=""/>
+        <p:cNvGrpSpPr/>
+        <p:nvPr/>
+      </p:nvGrpSpPr>
+      <p:grpSpPr>
+        <a:xfrm>
+          <a:off x="0" y="0"/>
+          <a:ext cx="0" cy="0"/>
+          <a:chOff x="0" y="0"/>
+          <a:chExt cx="0" cy="0"/>
+        </a:xfrm>
+      </p:grpSpPr>
       <p:sp>
         <p:nvSpPr>
           <p:cNvPr id="3" name="Slide Number Placeholder 2"/>
@@ -19023,7 +21241,7 @@
             <a:fld id="{12342C3A-DD85-7843-B416-BD52AB030D59}" type="slidenum">
               <a:rPr lang="en-US" smtClean="0"/>
               <a:pPr/>
-              <a:t>16</a:t>
+              <a:t>17</a:t>
             </a:fld>
             <a:endParaRPr lang="en-US"/>
           </a:p>
@@ -19047,23 +21265,31 @@
             <a:r>
               <a:rPr lang="en-US" dirty="0">
                 <a:solidFill>
-                  <a:srgbClr val="AB262E"/>
+                  <a:srgbClr val="AB263D"/>
                 </a:solidFill>
                 <a:latin typeface="Verdana" panose="020B0604030504040204" pitchFamily="34" charset="0"/>
                 <a:ea typeface="Verdana" panose="020B0604030504040204" pitchFamily="34" charset="0"/>
                 <a:cs typeface="Verdana" panose="020B0604030504040204" pitchFamily="34" charset="0"/>
               </a:rPr>
-              <a:t>Using Cookies with express-session</a:t>
-            </a:r>
+              <a:t>Using Cookies with the cookie-parser</a:t>
+            </a:r>
+            <a:endParaRPr lang="en-US" sz="4000" dirty="0">
+              <a:solidFill>
+                <a:srgbClr val="AB263D"/>
+              </a:solidFill>
+              <a:latin typeface="Verdana" panose="020B0604030504040204" pitchFamily="34" charset="0"/>
+              <a:ea typeface="Verdana" panose="020B0604030504040204" pitchFamily="34" charset="0"/>
+              <a:cs typeface="Verdana" panose="020B0604030504040204" pitchFamily="34" charset="0"/>
+            </a:endParaRPr>
           </a:p>
         </p:txBody>
       </p:sp>
       <p:sp>
         <p:nvSpPr>
-          <p:cNvPr id="5" name="Text Placeholder 1">
+          <p:cNvPr id="7" name="object 3">
             <a:extLst>
               <a:ext uri="{FF2B5EF4-FFF2-40B4-BE49-F238E27FC236}">
-                <a16:creationId xmlns:a16="http://schemas.microsoft.com/office/drawing/2014/main" id="{18DD60A8-4B32-EC46-80FD-F7DB3C0BA53B}"/>
+                <a16:creationId xmlns:a16="http://schemas.microsoft.com/office/drawing/2014/main" id="{D5DCB1E2-3E1E-1849-A167-0B6A61007F06}"/>
               </a:ext>
             </a:extLst>
           </p:cNvPr>
@@ -19074,119 +21300,91 @@
         </p:nvSpPr>
         <p:spPr>
           <a:xfrm>
-            <a:off x="6372709" y="1288316"/>
-            <a:ext cx="5513511" cy="5003153"/>
+            <a:off x="562701" y="1348195"/>
+            <a:ext cx="4867910" cy="4656403"/>
           </a:xfrm>
           <a:prstGeom prst="rect">
             <a:avLst/>
           </a:prstGeom>
         </p:spPr>
         <p:txBody>
-          <a:bodyPr vert="horz"/>
+          <a:bodyPr vert="horz" wrap="square" lIns="0" tIns="11430" rIns="0" bIns="0" rtlCol="0">
+            <a:spAutoFit/>
+          </a:bodyPr>
           <a:lstStyle>
-            <a:lvl1pPr marL="285750" indent="-285750" algn="l" defTabSz="457200" rtl="0" eaLnBrk="1" latinLnBrk="0" hangingPunct="1">
+            <a:lvl1pPr marL="342900" indent="-342900" algn="l" defTabSz="457200" rtl="0" eaLnBrk="1" latinLnBrk="0" hangingPunct="1">
               <a:spcBef>
-                <a:spcPts val="0"/>
+                <a:spcPct val="20000"/>
               </a:spcBef>
-              <a:spcAft>
-                <a:spcPts val="1200"/>
-              </a:spcAft>
-              <a:buClr>
-                <a:srgbClr val="AB262E"/>
-              </a:buClr>
-              <a:buFont typeface="Arial" panose="020B0604020202020204" pitchFamily="34" charset="0"/>
+              <a:buFont typeface="Arial"/>
               <a:buChar char="•"/>
-              <a:defRPr sz="1600" b="0" i="0" kern="1200">
+              <a:defRPr sz="2400" kern="1200">
                 <a:solidFill>
                   <a:schemeClr val="tx1"/>
                 </a:solidFill>
-                <a:latin typeface="Arial"/>
+                <a:latin typeface="Century Gothic"/>
                 <a:ea typeface="+mn-ea"/>
-                <a:cs typeface="Arial"/>
+                <a:cs typeface="Century Gothic"/>
               </a:defRPr>
             </a:lvl1pPr>
             <a:lvl2pPr marL="742950" indent="-285750" algn="l" defTabSz="457200" rtl="0" eaLnBrk="1" latinLnBrk="0" hangingPunct="1">
               <a:spcBef>
-                <a:spcPts val="0"/>
+                <a:spcPct val="20000"/>
               </a:spcBef>
-              <a:spcAft>
-                <a:spcPts val="1200"/>
-              </a:spcAft>
-              <a:buClr>
-                <a:srgbClr val="AB262E"/>
-              </a:buClr>
               <a:buFont typeface="Arial"/>
-              <a:buChar char="•"/>
-              <a:defRPr sz="1400" b="0" i="0" kern="1200">
+              <a:buChar char="–"/>
+              <a:defRPr sz="2200" kern="1200">
                 <a:solidFill>
                   <a:schemeClr val="tx1"/>
                 </a:solidFill>
-                <a:latin typeface="Arial"/>
+                <a:latin typeface="Century Gothic"/>
                 <a:ea typeface="+mn-ea"/>
-                <a:cs typeface="Arial"/>
+                <a:cs typeface="Century Gothic"/>
               </a:defRPr>
             </a:lvl2pPr>
             <a:lvl3pPr marL="1143000" indent="-228600" algn="l" defTabSz="457200" rtl="0" eaLnBrk="1" latinLnBrk="0" hangingPunct="1">
               <a:spcBef>
-                <a:spcPts val="0"/>
+                <a:spcPct val="20000"/>
               </a:spcBef>
-              <a:spcAft>
-                <a:spcPts val="1200"/>
-              </a:spcAft>
-              <a:buClr>
-                <a:srgbClr val="AB262E"/>
-              </a:buClr>
               <a:buFont typeface="Arial"/>
               <a:buChar char="•"/>
-              <a:defRPr sz="1200" b="0" i="0" kern="1200" baseline="0">
+              <a:defRPr sz="2000" kern="1200">
                 <a:solidFill>
                   <a:schemeClr val="tx1"/>
                 </a:solidFill>
-                <a:latin typeface="Arial"/>
+                <a:latin typeface="Century Gothic"/>
                 <a:ea typeface="+mn-ea"/>
-                <a:cs typeface="Arial"/>
+                <a:cs typeface="Century Gothic"/>
               </a:defRPr>
             </a:lvl3pPr>
-            <a:lvl4pPr marL="1657350" indent="-285750" algn="l" defTabSz="457200" rtl="0" eaLnBrk="1" latinLnBrk="0" hangingPunct="1">
+            <a:lvl4pPr marL="1600200" indent="-228600" algn="l" defTabSz="457200" rtl="0" eaLnBrk="1" latinLnBrk="0" hangingPunct="1">
               <a:spcBef>
-                <a:spcPts val="0"/>
+                <a:spcPct val="20000"/>
               </a:spcBef>
-              <a:spcAft>
-                <a:spcPts val="1200"/>
-              </a:spcAft>
-              <a:buClr>
-                <a:srgbClr val="AB262E"/>
-              </a:buClr>
               <a:buFont typeface="Arial"/>
-              <a:buChar char="•"/>
-              <a:defRPr sz="1000" b="0" i="0" kern="1200" baseline="0">
+              <a:buChar char="–"/>
+              <a:defRPr sz="1800" kern="1200">
                 <a:solidFill>
                   <a:schemeClr val="tx1"/>
                 </a:solidFill>
-                <a:latin typeface="Arial"/>
+                <a:latin typeface="Century Gothic"/>
                 <a:ea typeface="+mn-ea"/>
-                <a:cs typeface="Arial"/>
+                <a:cs typeface="Century Gothic"/>
               </a:defRPr>
             </a:lvl4pPr>
             <a:lvl5pPr marL="2057400" indent="-228600" algn="l" defTabSz="457200" rtl="0" eaLnBrk="1" latinLnBrk="0" hangingPunct="1">
               <a:spcBef>
-                <a:spcPts val="0"/>
+                <a:spcPct val="20000"/>
               </a:spcBef>
-              <a:spcAft>
-                <a:spcPts val="1200"/>
-              </a:spcAft>
-              <a:buClr>
-                <a:srgbClr val="AB262E"/>
-              </a:buClr>
               <a:buFont typeface="Arial"/>
-              <a:buChar char="•"/>
-              <a:defRPr sz="1000" b="0" i="0" kern="1200">
+              <a:buChar char="»"/>
+              <a:defRPr sz="1600" kern="1200">
                 <a:solidFill>
                   <a:schemeClr val="tx1"/>
                 </a:solidFill>
-                <a:latin typeface="Arial"/>
+                <a:latin typeface="Century Gothic"/>
                 <a:ea typeface="+mn-ea"/>
-                <a:cs typeface="Arial"/>
+                <a:cs typeface="Century Gothic"/>
               </a:defRPr>
             </a:lvl5pPr>
             <a:lvl6pPr marL="2514600" indent="-228600" algn="l" defTabSz="457200" rtl="0" eaLnBrk="1" latinLnBrk="0" hangingPunct="1">
@@ -19252,14 +21450,13 @@
           </a:lstStyle>
           <a:p>
             <a:pPr marL="0" indent="0">
-              <a:buClr>
-                <a:srgbClr val="C00000"/>
-              </a:buClr>
-              <a:buFont typeface="Arial" panose="020B0604020202020204" pitchFamily="34" charset="0"/>
+              <a:spcBef>
+                <a:spcPts val="90"/>
+              </a:spcBef>
               <a:buNone/>
             </a:pPr>
             <a:r>
-              <a:rPr lang="en-US" b="1" dirty="0">
+              <a:rPr lang="en-US" sz="2000" b="1" dirty="0">
                 <a:solidFill>
                   <a:srgbClr val="AB263D"/>
                 </a:solidFill>
@@ -19267,373 +21464,579 @@
                 <a:ea typeface="Verdana" panose="020B0604030504040204" pitchFamily="34" charset="0"/>
                 <a:cs typeface="Verdana" panose="020B0604030504040204" pitchFamily="34" charset="0"/>
               </a:rPr>
-              <a:t>SERVER-SIDE</a:t>
-            </a:r>
-          </a:p>
-          <a:p>
-            <a:pPr marL="0" indent="0">
-              <a:buClr>
-                <a:srgbClr val="C00000"/>
-              </a:buClr>
-              <a:buNone/>
+              <a:t>CLIENT SIDE</a:t>
+            </a:r>
+          </a:p>
+          <a:p>
+            <a:pPr marL="12700">
+              <a:lnSpc>
+                <a:spcPts val="2160"/>
+              </a:lnSpc>
+              <a:spcBef>
+                <a:spcPts val="1750"/>
+              </a:spcBef>
             </a:pPr>
             <a:r>
-              <a:rPr lang="en-US" dirty="0">
+              <a:rPr lang="en-US" sz="2000" dirty="0">
+                <a:solidFill>
+                  <a:srgbClr val="404040"/>
+                </a:solidFill>
                 <a:latin typeface="Verdana" panose="020B0604030504040204" pitchFamily="34" charset="0"/>
                 <a:ea typeface="Verdana" panose="020B0604030504040204" pitchFamily="34" charset="0"/>
                 <a:cs typeface="Verdana" panose="020B0604030504040204" pitchFamily="34" charset="0"/>
               </a:rPr>
-              <a:t>You can set cookies by using the </a:t>
-            </a:r>
-            <a:r>
-              <a:rPr lang="en-US" b="1" i="1" dirty="0" err="1">
+              <a:t>You can set by setting </a:t>
+            </a:r>
+            <a:r>
+              <a:rPr lang="en-US" sz="2000" i="1" dirty="0" err="1">
                 <a:solidFill>
-                  <a:srgbClr val="001080"/>
+                  <a:srgbClr val="404040"/>
                 </a:solidFill>
-                <a:latin typeface="Courier New" panose="02070309020205020404" pitchFamily="49" charset="0"/>
-                <a:cs typeface="Courier New" panose="02070309020205020404" pitchFamily="49" charset="0"/>
-              </a:rPr>
-              <a:t>req</a:t>
-            </a:r>
-            <a:r>
-              <a:rPr lang="en-US" b="1" i="1" dirty="0" err="1">
-                <a:solidFill>
-                  <a:srgbClr val="000000"/>
-                </a:solidFill>
-                <a:latin typeface="Courier New" panose="02070309020205020404" pitchFamily="49" charset="0"/>
-                <a:cs typeface="Courier New" panose="02070309020205020404" pitchFamily="49" charset="0"/>
-              </a:rPr>
-              <a:t>.</a:t>
-            </a:r>
-            <a:r>
-              <a:rPr lang="en-US" b="1" i="1" dirty="0" err="1">
-                <a:solidFill>
-                  <a:srgbClr val="001080"/>
-                </a:solidFill>
-                <a:latin typeface="Courier New" panose="02070309020205020404" pitchFamily="49" charset="0"/>
-                <a:cs typeface="Courier New" panose="02070309020205020404" pitchFamily="49" charset="0"/>
-              </a:rPr>
-              <a:t>session</a:t>
-            </a:r>
-            <a:r>
-              <a:rPr lang="en-US" b="1" i="1" dirty="0">
-                <a:solidFill>
-                  <a:srgbClr val="001080"/>
-                </a:solidFill>
-                <a:latin typeface="Courier New" panose="02070309020205020404" pitchFamily="49" charset="0"/>
-                <a:cs typeface="Courier New" panose="02070309020205020404" pitchFamily="49" charset="0"/>
-              </a:rPr>
-              <a:t> </a:t>
-            </a:r>
-            <a:r>
-              <a:rPr lang="en-US" dirty="0">
                 <a:latin typeface="Verdana" panose="020B0604030504040204" pitchFamily="34" charset="0"/>
                 <a:ea typeface="Verdana" panose="020B0604030504040204" pitchFamily="34" charset="0"/>
                 <a:cs typeface="Verdana" panose="020B0604030504040204" pitchFamily="34" charset="0"/>
               </a:rPr>
-              <a:t>object .</a:t>
-            </a:r>
-          </a:p>
-          <a:p>
-            <a:pPr marL="0" indent="0">
-              <a:buClr>
-                <a:srgbClr val="C00000"/>
-              </a:buClr>
-              <a:buNone/>
-            </a:pPr>
-            <a:r>
-              <a:rPr lang="en-US" dirty="0">
+              <a:t>document.cookies</a:t>
+            </a:r>
+            <a:r>
+              <a:rPr lang="en-US" sz="2000" i="1" dirty="0">
+                <a:solidFill>
+                  <a:srgbClr val="404040"/>
+                </a:solidFill>
                 <a:latin typeface="Verdana" panose="020B0604030504040204" pitchFamily="34" charset="0"/>
                 <a:ea typeface="Verdana" panose="020B0604030504040204" pitchFamily="34" charset="0"/>
                 <a:cs typeface="Verdana" panose="020B0604030504040204" pitchFamily="34" charset="0"/>
               </a:rPr>
-              <a:t>You can get cookies by referencing the </a:t>
-            </a:r>
-            <a:r>
-              <a:rPr lang="en-US" b="1" i="1" dirty="0" err="1">
+              <a:t> </a:t>
+            </a:r>
+            <a:r>
+              <a:rPr lang="en-US" sz="2000" dirty="0">
                 <a:solidFill>
-                  <a:srgbClr val="001080"/>
+                  <a:srgbClr val="404040"/>
                 </a:solidFill>
-                <a:latin typeface="Courier New" panose="02070309020205020404" pitchFamily="49" charset="0"/>
-                <a:cs typeface="Courier New" panose="02070309020205020404" pitchFamily="49" charset="0"/>
-              </a:rPr>
-              <a:t>req</a:t>
-            </a:r>
-            <a:r>
-              <a:rPr lang="en-US" b="1" i="1" dirty="0" err="1">
-                <a:solidFill>
-                  <a:srgbClr val="000000"/>
-                </a:solidFill>
-                <a:latin typeface="Courier New" panose="02070309020205020404" pitchFamily="49" charset="0"/>
-                <a:cs typeface="Courier New" panose="02070309020205020404" pitchFamily="49" charset="0"/>
-              </a:rPr>
-              <a:t>.</a:t>
-            </a:r>
-            <a:r>
-              <a:rPr lang="en-US" b="1" i="1" dirty="0" err="1">
-                <a:solidFill>
-                  <a:srgbClr val="001080"/>
-                </a:solidFill>
-                <a:latin typeface="Courier New" panose="02070309020205020404" pitchFamily="49" charset="0"/>
-                <a:cs typeface="Courier New" panose="02070309020205020404" pitchFamily="49" charset="0"/>
-              </a:rPr>
-              <a:t>session</a:t>
-            </a:r>
-            <a:r>
-              <a:rPr lang="en-US" b="1" i="1" dirty="0">
-                <a:solidFill>
-                  <a:srgbClr val="001080"/>
-                </a:solidFill>
-                <a:latin typeface="Courier New" panose="02070309020205020404" pitchFamily="49" charset="0"/>
-                <a:cs typeface="Courier New" panose="02070309020205020404" pitchFamily="49" charset="0"/>
-              </a:rPr>
-              <a:t> </a:t>
-            </a:r>
-            <a:r>
-              <a:rPr lang="en-US" dirty="0">
                 <a:latin typeface="Verdana" panose="020B0604030504040204" pitchFamily="34" charset="0"/>
                 <a:ea typeface="Verdana" panose="020B0604030504040204" pitchFamily="34" charset="0"/>
                 <a:cs typeface="Verdana" panose="020B0604030504040204" pitchFamily="34" charset="0"/>
               </a:rPr>
-              <a:t>object, which will have cookies  keyed by name. For example: </a:t>
-            </a:r>
-            <a:r>
-              <a:rPr lang="en-US" b="1" i="1" dirty="0" err="1">
+              <a:t>=</a:t>
+            </a:r>
+            <a:r>
+              <a:rPr lang="en-US" sz="2000" i="1" dirty="0">
                 <a:solidFill>
-                  <a:srgbClr val="001080"/>
+                  <a:srgbClr val="404040"/>
                 </a:solidFill>
-                <a:latin typeface="Courier New" panose="02070309020205020404" pitchFamily="49" charset="0"/>
-                <a:cs typeface="Courier New" panose="02070309020205020404" pitchFamily="49" charset="0"/>
-              </a:rPr>
-              <a:t>req</a:t>
-            </a:r>
-            <a:r>
-              <a:rPr lang="en-US" b="1" i="1" dirty="0" err="1">
+                <a:latin typeface="Verdana" panose="020B0604030504040204" pitchFamily="34" charset="0"/>
+                <a:ea typeface="Verdana" panose="020B0604030504040204" pitchFamily="34" charset="0"/>
+                <a:cs typeface="Verdana" panose="020B0604030504040204" pitchFamily="34" charset="0"/>
+              </a:rPr>
+              <a:t>“key=value”</a:t>
+            </a:r>
+          </a:p>
+          <a:p>
+            <a:pPr marL="12700" marR="33655">
+              <a:lnSpc>
+                <a:spcPct val="80000"/>
+              </a:lnSpc>
+              <a:spcBef>
+                <a:spcPts val="1395"/>
+              </a:spcBef>
+            </a:pPr>
+            <a:r>
+              <a:rPr lang="en-US" sz="2000" dirty="0">
                 <a:solidFill>
-                  <a:srgbClr val="000000"/>
+                  <a:srgbClr val="404040"/>
                 </a:solidFill>
-                <a:latin typeface="Courier New" panose="02070309020205020404" pitchFamily="49" charset="0"/>
-                <a:cs typeface="Courier New" panose="02070309020205020404" pitchFamily="49" charset="0"/>
-              </a:rPr>
-              <a:t>.</a:t>
-            </a:r>
-            <a:r>
-              <a:rPr lang="en-US" b="1" i="1" dirty="0" err="1">
+                <a:latin typeface="Verdana" panose="020B0604030504040204" pitchFamily="34" charset="0"/>
+                <a:ea typeface="Verdana" panose="020B0604030504040204" pitchFamily="34" charset="0"/>
+                <a:cs typeface="Verdana" panose="020B0604030504040204" pitchFamily="34" charset="0"/>
+              </a:rPr>
+              <a:t>Even though you are re-assigning, it will simply add it to your list of cookies.</a:t>
+            </a:r>
+          </a:p>
+          <a:p>
+            <a:pPr marL="12700" marR="24130">
+              <a:lnSpc>
+                <a:spcPct val="80000"/>
+              </a:lnSpc>
+              <a:spcBef>
+                <a:spcPts val="1415"/>
+              </a:spcBef>
+            </a:pPr>
+            <a:r>
+              <a:rPr lang="en-US" sz="2000" dirty="0">
                 <a:solidFill>
-                  <a:srgbClr val="001080"/>
+                  <a:srgbClr val="404040"/>
                 </a:solidFill>
-                <a:latin typeface="Courier New" panose="02070309020205020404" pitchFamily="49" charset="0"/>
-                <a:cs typeface="Courier New" panose="02070309020205020404" pitchFamily="49" charset="0"/>
-              </a:rPr>
-              <a:t>session.user</a:t>
-            </a:r>
-            <a:endParaRPr lang="en-US" dirty="0">
+                <a:latin typeface="Verdana" panose="020B0604030504040204" pitchFamily="34" charset="0"/>
+                <a:ea typeface="Verdana" panose="020B0604030504040204" pitchFamily="34" charset="0"/>
+                <a:cs typeface="Verdana" panose="020B0604030504040204" pitchFamily="34" charset="0"/>
+              </a:rPr>
+              <a:t>You can get a list of all your cookies and their  values using the </a:t>
+            </a:r>
+            <a:r>
+              <a:rPr lang="en-US" sz="2000" i="1" dirty="0" err="1">
+                <a:solidFill>
+                  <a:srgbClr val="404040"/>
+                </a:solidFill>
+                <a:latin typeface="Verdana" panose="020B0604030504040204" pitchFamily="34" charset="0"/>
+                <a:ea typeface="Verdana" panose="020B0604030504040204" pitchFamily="34" charset="0"/>
+                <a:cs typeface="Verdana" panose="020B0604030504040204" pitchFamily="34" charset="0"/>
+              </a:rPr>
+              <a:t>document.cookies</a:t>
+            </a:r>
+            <a:r>
+              <a:rPr lang="en-US" sz="2000" i="1" dirty="0">
+                <a:solidFill>
+                  <a:srgbClr val="404040"/>
+                </a:solidFill>
+                <a:latin typeface="Verdana" panose="020B0604030504040204" pitchFamily="34" charset="0"/>
+                <a:ea typeface="Verdana" panose="020B0604030504040204" pitchFamily="34" charset="0"/>
+                <a:cs typeface="Verdana" panose="020B0604030504040204" pitchFamily="34" charset="0"/>
+              </a:rPr>
+              <a:t> </a:t>
+            </a:r>
+            <a:r>
+              <a:rPr lang="en-US" sz="2000" dirty="0">
+                <a:solidFill>
+                  <a:srgbClr val="404040"/>
+                </a:solidFill>
+                <a:latin typeface="Verdana" panose="020B0604030504040204" pitchFamily="34" charset="0"/>
+                <a:ea typeface="Verdana" panose="020B0604030504040204" pitchFamily="34" charset="0"/>
+                <a:cs typeface="Verdana" panose="020B0604030504040204" pitchFamily="34" charset="0"/>
+              </a:rPr>
+              <a:t>and parsing it to find the cookie of your choice.</a:t>
+            </a:r>
+          </a:p>
+          <a:p>
+            <a:pPr marL="12700" marR="5080">
+              <a:lnSpc>
+                <a:spcPts val="1920"/>
+              </a:lnSpc>
+              <a:spcBef>
+                <a:spcPts val="1375"/>
+              </a:spcBef>
+            </a:pPr>
+            <a:r>
+              <a:rPr lang="en-US" sz="2000" dirty="0">
+                <a:solidFill>
+                  <a:srgbClr val="404040"/>
+                </a:solidFill>
+                <a:latin typeface="Verdana" panose="020B0604030504040204" pitchFamily="34" charset="0"/>
+                <a:ea typeface="Verdana" panose="020B0604030504040204" pitchFamily="34" charset="0"/>
+                <a:cs typeface="Verdana" panose="020B0604030504040204" pitchFamily="34" charset="0"/>
+              </a:rPr>
+              <a:t>Deleting cookies requires that you set the  cookie with an expiration; </a:t>
+            </a:r>
+            <a:r>
+              <a:rPr lang="en-US" sz="2000" dirty="0" err="1">
+                <a:solidFill>
+                  <a:srgbClr val="404040"/>
+                </a:solidFill>
+                <a:latin typeface="Verdana" panose="020B0604030504040204" pitchFamily="34" charset="0"/>
+                <a:ea typeface="Verdana" panose="020B0604030504040204" pitchFamily="34" charset="0"/>
+                <a:cs typeface="Verdana" panose="020B0604030504040204" pitchFamily="34" charset="0"/>
+              </a:rPr>
+              <a:t>ie</a:t>
+            </a:r>
+            <a:r>
+              <a:rPr lang="en-US" sz="2000" dirty="0">
+                <a:solidFill>
+                  <a:srgbClr val="404040"/>
+                </a:solidFill>
+                <a:latin typeface="Verdana" panose="020B0604030504040204" pitchFamily="34" charset="0"/>
+                <a:ea typeface="Verdana" panose="020B0604030504040204" pitchFamily="34" charset="0"/>
+                <a:cs typeface="Verdana" panose="020B0604030504040204" pitchFamily="34" charset="0"/>
+              </a:rPr>
+              <a:t>:  </a:t>
+            </a:r>
+            <a:r>
+              <a:rPr lang="en-US" sz="2000" i="1" dirty="0" err="1">
+                <a:solidFill>
+                  <a:srgbClr val="404040"/>
+                </a:solidFill>
+                <a:latin typeface="Verdana" panose="020B0604030504040204" pitchFamily="34" charset="0"/>
+                <a:ea typeface="Verdana" panose="020B0604030504040204" pitchFamily="34" charset="0"/>
+                <a:cs typeface="Verdana" panose="020B0604030504040204" pitchFamily="34" charset="0"/>
+              </a:rPr>
+              <a:t>document.cookies</a:t>
+            </a:r>
+            <a:r>
+              <a:rPr lang="en-US" sz="2000" i="1" dirty="0">
+                <a:solidFill>
+                  <a:srgbClr val="404040"/>
+                </a:solidFill>
+                <a:latin typeface="Verdana" panose="020B0604030504040204" pitchFamily="34" charset="0"/>
+                <a:ea typeface="Verdana" panose="020B0604030504040204" pitchFamily="34" charset="0"/>
+                <a:cs typeface="Verdana" panose="020B0604030504040204" pitchFamily="34" charset="0"/>
+              </a:rPr>
+              <a:t>=“key=value; expires=Thu, 01 Jan 1970 00:00:00 UTC";</a:t>
+            </a:r>
+          </a:p>
+        </p:txBody>
+      </p:sp>
+      <p:sp>
+        <p:nvSpPr>
+          <p:cNvPr id="8" name="object 4">
+            <a:extLst>
+              <a:ext uri="{FF2B5EF4-FFF2-40B4-BE49-F238E27FC236}">
+                <a16:creationId xmlns:a16="http://schemas.microsoft.com/office/drawing/2014/main" id="{222977A2-9C66-F24E-A660-67DD473B08A8}"/>
+              </a:ext>
+            </a:extLst>
+          </p:cNvPr>
+          <p:cNvSpPr txBox="1">
+            <a:spLocks/>
+          </p:cNvSpPr>
+          <p:nvPr/>
+        </p:nvSpPr>
+        <p:spPr>
+          <a:xfrm>
+            <a:off x="6006727" y="1353432"/>
+            <a:ext cx="5346956" cy="4151136"/>
+          </a:xfrm>
+          <a:prstGeom prst="rect">
+            <a:avLst/>
+          </a:prstGeom>
+        </p:spPr>
+        <p:txBody>
+          <a:bodyPr vert="horz" wrap="square" lIns="0" tIns="11430" rIns="0" bIns="0" rtlCol="0">
+            <a:spAutoFit/>
+          </a:bodyPr>
+          <a:lstStyle>
+            <a:lvl1pPr marL="342900" indent="-342900" algn="l" defTabSz="457200" rtl="0" eaLnBrk="1" latinLnBrk="0" hangingPunct="1">
+              <a:spcBef>
+                <a:spcPct val="20000"/>
+              </a:spcBef>
+              <a:buFont typeface="Arial"/>
+              <a:buChar char="•"/>
+              <a:defRPr sz="2400" kern="1200">
+                <a:solidFill>
+                  <a:schemeClr val="tx1"/>
+                </a:solidFill>
+                <a:latin typeface="Century Gothic"/>
+                <a:ea typeface="+mn-ea"/>
+                <a:cs typeface="Century Gothic"/>
+              </a:defRPr>
+            </a:lvl1pPr>
+            <a:lvl2pPr marL="742950" indent="-285750" algn="l" defTabSz="457200" rtl="0" eaLnBrk="1" latinLnBrk="0" hangingPunct="1">
+              <a:spcBef>
+                <a:spcPct val="20000"/>
+              </a:spcBef>
+              <a:buFont typeface="Arial"/>
+              <a:buChar char="–"/>
+              <a:defRPr sz="2200" kern="1200">
+                <a:solidFill>
+                  <a:schemeClr val="tx1"/>
+                </a:solidFill>
+                <a:latin typeface="Century Gothic"/>
+                <a:ea typeface="+mn-ea"/>
+                <a:cs typeface="Century Gothic"/>
+              </a:defRPr>
+            </a:lvl2pPr>
+            <a:lvl3pPr marL="1143000" indent="-228600" algn="l" defTabSz="457200" rtl="0" eaLnBrk="1" latinLnBrk="0" hangingPunct="1">
+              <a:spcBef>
+                <a:spcPct val="20000"/>
+              </a:spcBef>
+              <a:buFont typeface="Arial"/>
+              <a:buChar char="•"/>
+              <a:defRPr sz="2000" kern="1200">
+                <a:solidFill>
+                  <a:schemeClr val="tx1"/>
+                </a:solidFill>
+                <a:latin typeface="Century Gothic"/>
+                <a:ea typeface="+mn-ea"/>
+                <a:cs typeface="Century Gothic"/>
+              </a:defRPr>
+            </a:lvl3pPr>
+            <a:lvl4pPr marL="1600200" indent="-228600" algn="l" defTabSz="457200" rtl="0" eaLnBrk="1" latinLnBrk="0" hangingPunct="1">
+              <a:spcBef>
+                <a:spcPct val="20000"/>
+              </a:spcBef>
+              <a:buFont typeface="Arial"/>
+              <a:buChar char="–"/>
+              <a:defRPr sz="1800" kern="1200">
+                <a:solidFill>
+                  <a:schemeClr val="tx1"/>
+                </a:solidFill>
+                <a:latin typeface="Century Gothic"/>
+                <a:ea typeface="+mn-ea"/>
+                <a:cs typeface="Century Gothic"/>
+              </a:defRPr>
+            </a:lvl4pPr>
+            <a:lvl5pPr marL="2057400" indent="-228600" algn="l" defTabSz="457200" rtl="0" eaLnBrk="1" latinLnBrk="0" hangingPunct="1">
+              <a:spcBef>
+                <a:spcPct val="20000"/>
+              </a:spcBef>
+              <a:buFont typeface="Arial"/>
+              <a:buChar char="»"/>
+              <a:defRPr sz="1600" kern="1200">
+                <a:solidFill>
+                  <a:schemeClr val="tx1"/>
+                </a:solidFill>
+                <a:latin typeface="Century Gothic"/>
+                <a:ea typeface="+mn-ea"/>
+                <a:cs typeface="Century Gothic"/>
+              </a:defRPr>
+            </a:lvl5pPr>
+            <a:lvl6pPr marL="2514600" indent="-228600" algn="l" defTabSz="457200" rtl="0" eaLnBrk="1" latinLnBrk="0" hangingPunct="1">
+              <a:spcBef>
+                <a:spcPct val="20000"/>
+              </a:spcBef>
+              <a:buFont typeface="Arial"/>
+              <a:buChar char="•"/>
+              <a:defRPr sz="2000" kern="1200">
+                <a:solidFill>
+                  <a:schemeClr val="tx1"/>
+                </a:solidFill>
+                <a:latin typeface="+mn-lt"/>
+                <a:ea typeface="+mn-ea"/>
+                <a:cs typeface="+mn-cs"/>
+              </a:defRPr>
+            </a:lvl6pPr>
+            <a:lvl7pPr marL="2971800" indent="-228600" algn="l" defTabSz="457200" rtl="0" eaLnBrk="1" latinLnBrk="0" hangingPunct="1">
+              <a:spcBef>
+                <a:spcPct val="20000"/>
+              </a:spcBef>
+              <a:buFont typeface="Arial"/>
+              <a:buChar char="•"/>
+              <a:defRPr sz="2000" kern="1200">
+                <a:solidFill>
+                  <a:schemeClr val="tx1"/>
+                </a:solidFill>
+                <a:latin typeface="+mn-lt"/>
+                <a:ea typeface="+mn-ea"/>
+                <a:cs typeface="+mn-cs"/>
+              </a:defRPr>
+            </a:lvl7pPr>
+            <a:lvl8pPr marL="3429000" indent="-228600" algn="l" defTabSz="457200" rtl="0" eaLnBrk="1" latinLnBrk="0" hangingPunct="1">
+              <a:spcBef>
+                <a:spcPct val="20000"/>
+              </a:spcBef>
+              <a:buFont typeface="Arial"/>
+              <a:buChar char="•"/>
+              <a:defRPr sz="2000" kern="1200">
+                <a:solidFill>
+                  <a:schemeClr val="tx1"/>
+                </a:solidFill>
+                <a:latin typeface="+mn-lt"/>
+                <a:ea typeface="+mn-ea"/>
+                <a:cs typeface="+mn-cs"/>
+              </a:defRPr>
+            </a:lvl8pPr>
+            <a:lvl9pPr marL="3886200" indent="-228600" algn="l" defTabSz="457200" rtl="0" eaLnBrk="1" latinLnBrk="0" hangingPunct="1">
+              <a:spcBef>
+                <a:spcPct val="20000"/>
+              </a:spcBef>
+              <a:buFont typeface="Arial"/>
+              <a:buChar char="•"/>
+              <a:defRPr sz="2000" kern="1200">
+                <a:solidFill>
+                  <a:schemeClr val="tx1"/>
+                </a:solidFill>
+                <a:latin typeface="+mn-lt"/>
+                <a:ea typeface="+mn-ea"/>
+                <a:cs typeface="+mn-cs"/>
+              </a:defRPr>
+            </a:lvl9pPr>
+          </a:lstStyle>
+          <a:p>
+            <a:pPr marL="0" indent="0">
+              <a:spcBef>
+                <a:spcPts val="90"/>
+              </a:spcBef>
+              <a:buNone/>
+            </a:pPr>
+            <a:r>
+              <a:rPr lang="en-US" sz="2000" b="1" dirty="0">
+                <a:solidFill>
+                  <a:srgbClr val="AB263D"/>
+                </a:solidFill>
+                <a:latin typeface="Verdana" panose="020B0604030504040204" pitchFamily="34" charset="0"/>
+                <a:ea typeface="Verdana" panose="020B0604030504040204" pitchFamily="34" charset="0"/>
+                <a:cs typeface="Verdana" panose="020B0604030504040204" pitchFamily="34" charset="0"/>
+              </a:rPr>
+              <a:t>SERVER SIDE</a:t>
+            </a:r>
+          </a:p>
+          <a:p>
+            <a:pPr>
+              <a:spcBef>
+                <a:spcPts val="30"/>
+              </a:spcBef>
+            </a:pPr>
+            <a:endParaRPr lang="en-US" sz="2000" dirty="0">
               <a:latin typeface="Verdana" panose="020B0604030504040204" pitchFamily="34" charset="0"/>
               <a:ea typeface="Verdana" panose="020B0604030504040204" pitchFamily="34" charset="0"/>
               <a:cs typeface="Verdana" panose="020B0604030504040204" pitchFamily="34" charset="0"/>
             </a:endParaRPr>
           </a:p>
           <a:p>
-            <a:pPr marL="0" indent="0">
-              <a:buNone/>
+            <a:pPr marL="12700" marR="798830">
+              <a:lnSpc>
+                <a:spcPts val="2160"/>
+              </a:lnSpc>
             </a:pPr>
             <a:r>
-              <a:rPr lang="en-US" dirty="0">
+              <a:rPr lang="en-US" sz="2000" dirty="0">
+                <a:solidFill>
+                  <a:srgbClr val="404040"/>
+                </a:solidFill>
                 <a:latin typeface="Verdana" panose="020B0604030504040204" pitchFamily="34" charset="0"/>
                 <a:ea typeface="Verdana" panose="020B0604030504040204" pitchFamily="34" charset="0"/>
                 <a:cs typeface="Verdana" panose="020B0604030504040204" pitchFamily="34" charset="0"/>
               </a:rPr>
-              <a:t>Deleting cookies requires you to expire the  cookies, which we can do by setting the cookie  with the expires option set to any time in the  past, then calling </a:t>
-            </a:r>
-            <a:r>
-              <a:rPr lang="en-US" b="1" i="1" dirty="0" err="1">
+              <a:t>You can set cookies by calling the </a:t>
+            </a:r>
+            <a:r>
+              <a:rPr lang="en-US" sz="2000" i="1" dirty="0" err="1">
                 <a:solidFill>
-                  <a:srgbClr val="001080"/>
+                  <a:srgbClr val="404040"/>
                 </a:solidFill>
-                <a:latin typeface="Courier New" panose="02070309020205020404" pitchFamily="49" charset="0"/>
-                <a:cs typeface="Courier New" panose="02070309020205020404" pitchFamily="49" charset="0"/>
-              </a:rPr>
-              <a:t>req</a:t>
-            </a:r>
-            <a:r>
-              <a:rPr lang="en-US" b="1" i="1" dirty="0" err="1">
-                <a:solidFill>
-                  <a:srgbClr val="000000"/>
-                </a:solidFill>
-                <a:latin typeface="Courier New" panose="02070309020205020404" pitchFamily="49" charset="0"/>
-                <a:cs typeface="Courier New" panose="02070309020205020404" pitchFamily="49" charset="0"/>
-              </a:rPr>
-              <a:t>.</a:t>
-            </a:r>
-            <a:r>
-              <a:rPr lang="en-US" b="1" i="1" dirty="0" err="1">
-                <a:solidFill>
-                  <a:srgbClr val="001080"/>
-                </a:solidFill>
-                <a:latin typeface="Courier New" panose="02070309020205020404" pitchFamily="49" charset="0"/>
-                <a:cs typeface="Courier New" panose="02070309020205020404" pitchFamily="49" charset="0"/>
-              </a:rPr>
-              <a:t>session</a:t>
-            </a:r>
-            <a:r>
-              <a:rPr lang="en-US" b="1" i="1" dirty="0" err="1">
-                <a:solidFill>
-                  <a:srgbClr val="000000"/>
-                </a:solidFill>
-                <a:latin typeface="Courier New" panose="02070309020205020404" pitchFamily="49" charset="0"/>
-                <a:cs typeface="Courier New" panose="02070309020205020404" pitchFamily="49" charset="0"/>
-              </a:rPr>
-              <a:t>.</a:t>
-            </a:r>
-            <a:r>
-              <a:rPr lang="en-US" b="1" i="1" dirty="0" err="1">
-                <a:solidFill>
-                  <a:srgbClr val="795E26"/>
-                </a:solidFill>
-                <a:latin typeface="Courier New" panose="02070309020205020404" pitchFamily="49" charset="0"/>
-                <a:cs typeface="Courier New" panose="02070309020205020404" pitchFamily="49" charset="0"/>
-              </a:rPr>
-              <a:t>destroy</a:t>
-            </a:r>
-            <a:r>
-              <a:rPr lang="en-US" b="1" i="1" dirty="0">
-                <a:solidFill>
-                  <a:srgbClr val="000000"/>
-                </a:solidFill>
-                <a:latin typeface="Courier New" panose="02070309020205020404" pitchFamily="49" charset="0"/>
-                <a:cs typeface="Courier New" panose="02070309020205020404" pitchFamily="49" charset="0"/>
-              </a:rPr>
-              <a:t>(); </a:t>
-            </a:r>
-            <a:r>
-              <a:rPr lang="en-US" dirty="0">
                 <a:latin typeface="Verdana" panose="020B0604030504040204" pitchFamily="34" charset="0"/>
                 <a:ea typeface="Verdana" panose="020B0604030504040204" pitchFamily="34" charset="0"/>
                 <a:cs typeface="Verdana" panose="020B0604030504040204" pitchFamily="34" charset="0"/>
               </a:rPr>
-              <a:t>This will clear all cookies for the domain.  If you want to remove a specific cookie, you can use:</a:t>
-            </a:r>
-            <a:br>
-              <a:rPr lang="en-US" dirty="0">
+              <a:t>response.cookies</a:t>
+            </a:r>
+            <a:r>
+              <a:rPr lang="en-US" sz="2000" i="1" dirty="0">
+                <a:solidFill>
+                  <a:srgbClr val="404040"/>
+                </a:solidFill>
                 <a:latin typeface="Verdana" panose="020B0604030504040204" pitchFamily="34" charset="0"/>
                 <a:ea typeface="Verdana" panose="020B0604030504040204" pitchFamily="34" charset="0"/>
                 <a:cs typeface="Verdana" panose="020B0604030504040204" pitchFamily="34" charset="0"/>
               </a:rPr>
-            </a:br>
-            <a:r>
-              <a:rPr lang="en-US" b="1" i="1" dirty="0" err="1">
+              <a:t>(name, value, options)  </a:t>
+            </a:r>
+            <a:r>
+              <a:rPr lang="en-US" sz="2000" dirty="0">
                 <a:solidFill>
-                  <a:srgbClr val="001080"/>
+                  <a:srgbClr val="404040"/>
                 </a:solidFill>
-                <a:latin typeface="Courier New" panose="02070309020205020404" pitchFamily="49" charset="0"/>
-                <a:cs typeface="Courier New" panose="02070309020205020404" pitchFamily="49" charset="0"/>
-              </a:rPr>
-              <a:t>res</a:t>
-            </a:r>
-            <a:r>
-              <a:rPr lang="en-US" b="1" i="1" dirty="0" err="1">
-                <a:solidFill>
-                  <a:srgbClr val="000000"/>
-                </a:solidFill>
-                <a:latin typeface="Courier New" panose="02070309020205020404" pitchFamily="49" charset="0"/>
-                <a:cs typeface="Courier New" panose="02070309020205020404" pitchFamily="49" charset="0"/>
-              </a:rPr>
-              <a:t>.</a:t>
-            </a:r>
-            <a:r>
-              <a:rPr lang="en-US" b="1" i="1" dirty="0" err="1">
-                <a:solidFill>
-                  <a:srgbClr val="795E26"/>
-                </a:solidFill>
-                <a:latin typeface="Courier New" panose="02070309020205020404" pitchFamily="49" charset="0"/>
-                <a:cs typeface="Courier New" panose="02070309020205020404" pitchFamily="49" charset="0"/>
-              </a:rPr>
-              <a:t>clearCookie</a:t>
-            </a:r>
-            <a:r>
-              <a:rPr lang="en-US" b="1" i="1" dirty="0">
-                <a:solidFill>
-                  <a:srgbClr val="000000"/>
-                </a:solidFill>
-                <a:latin typeface="Courier New" panose="02070309020205020404" pitchFamily="49" charset="0"/>
-                <a:cs typeface="Courier New" panose="02070309020205020404" pitchFamily="49" charset="0"/>
-              </a:rPr>
-              <a:t>(</a:t>
-            </a:r>
-            <a:r>
-              <a:rPr lang="en-US" b="1" i="1" dirty="0">
-                <a:solidFill>
-                  <a:srgbClr val="A31515"/>
-                </a:solidFill>
-                <a:latin typeface="Courier New" panose="02070309020205020404" pitchFamily="49" charset="0"/>
-                <a:cs typeface="Courier New" panose="02070309020205020404" pitchFamily="49" charset="0"/>
-              </a:rPr>
-              <a:t>'COOKIE_NAME'</a:t>
-            </a:r>
-            <a:r>
-              <a:rPr lang="en-US" b="1" i="1" dirty="0">
-                <a:solidFill>
-                  <a:srgbClr val="000000"/>
-                </a:solidFill>
-                <a:latin typeface="Courier New" panose="02070309020205020404" pitchFamily="49" charset="0"/>
-                <a:cs typeface="Courier New" panose="02070309020205020404" pitchFamily="49" charset="0"/>
-              </a:rPr>
-              <a:t>);</a:t>
-            </a:r>
-          </a:p>
-          <a:p>
-            <a:pPr marL="0" indent="0">
-              <a:buClr>
-                <a:srgbClr val="C00000"/>
-              </a:buClr>
-              <a:buNone/>
-            </a:pPr>
-            <a:endParaRPr lang="en-US" b="1" i="1" dirty="0">
-              <a:solidFill>
-                <a:srgbClr val="AB263D"/>
-              </a:solidFill>
-              <a:latin typeface="Courier New" panose="02070309020205020404" pitchFamily="49" charset="0"/>
-              <a:ea typeface="Verdana" panose="020B0604030504040204" pitchFamily="34" charset="0"/>
-              <a:cs typeface="Courier New" panose="02070309020205020404" pitchFamily="49" charset="0"/>
-            </a:endParaRPr>
-          </a:p>
-        </p:txBody>
-      </p:sp>
-      <p:sp>
-        <p:nvSpPr>
-          <p:cNvPr id="6" name="TextBox 5">
-            <a:extLst>
-              <a:ext uri="{FF2B5EF4-FFF2-40B4-BE49-F238E27FC236}">
-                <a16:creationId xmlns:a16="http://schemas.microsoft.com/office/drawing/2014/main" id="{B7C7CDC6-7E3B-4C4F-93A6-CA4148622B6D}"/>
-              </a:ext>
-            </a:extLst>
-          </p:cNvPr>
-          <p:cNvSpPr txBox="1"/>
-          <p:nvPr/>
-        </p:nvSpPr>
-        <p:spPr>
-          <a:xfrm>
-            <a:off x="2190061" y="5816241"/>
-            <a:ext cx="9263269" cy="369332"/>
-          </a:xfrm>
-          <a:prstGeom prst="rect">
-            <a:avLst/>
-          </a:prstGeom>
-          <a:noFill/>
-        </p:spPr>
-        <p:txBody>
-          <a:bodyPr wrap="square" rtlCol="0">
-            <a:spAutoFit/>
-          </a:bodyPr>
-          <a:lstStyle/>
-          <a:p>
-            <a:r>
-              <a:rPr lang="en-US" dirty="0">
                 <a:latin typeface="Verdana" panose="020B0604030504040204" pitchFamily="34" charset="0"/>
                 <a:ea typeface="Verdana" panose="020B0604030504040204" pitchFamily="34" charset="0"/>
                 <a:cs typeface="Verdana" panose="020B0604030504040204" pitchFamily="34" charset="0"/>
               </a:rPr>
-              <a:t>We will take a look at using cookies in the lecture code today</a:t>
+              <a:t>function.</a:t>
+            </a:r>
+          </a:p>
+          <a:p>
+            <a:pPr marL="12700" marR="5080">
+              <a:lnSpc>
+                <a:spcPts val="2160"/>
+              </a:lnSpc>
+              <a:spcBef>
+                <a:spcPts val="1395"/>
+              </a:spcBef>
+            </a:pPr>
+            <a:r>
+              <a:rPr lang="en-US" sz="2000" dirty="0">
+                <a:solidFill>
+                  <a:srgbClr val="404040"/>
+                </a:solidFill>
+                <a:latin typeface="Verdana" panose="020B0604030504040204" pitchFamily="34" charset="0"/>
+                <a:ea typeface="Verdana" panose="020B0604030504040204" pitchFamily="34" charset="0"/>
+                <a:cs typeface="Verdana" panose="020B0604030504040204" pitchFamily="34" charset="0"/>
+              </a:rPr>
+              <a:t>You can get cookies by referencing the  </a:t>
+            </a:r>
+            <a:r>
+              <a:rPr lang="en-US" sz="2000" i="1" dirty="0" err="1">
+                <a:solidFill>
+                  <a:srgbClr val="404040"/>
+                </a:solidFill>
+                <a:latin typeface="Verdana" panose="020B0604030504040204" pitchFamily="34" charset="0"/>
+                <a:ea typeface="Verdana" panose="020B0604030504040204" pitchFamily="34" charset="0"/>
+                <a:cs typeface="Verdana" panose="020B0604030504040204" pitchFamily="34" charset="0"/>
+              </a:rPr>
+              <a:t>request.cookies</a:t>
+            </a:r>
+            <a:r>
+              <a:rPr lang="en-US" sz="2000" i="1" dirty="0">
+                <a:solidFill>
+                  <a:srgbClr val="404040"/>
+                </a:solidFill>
+                <a:latin typeface="Verdana" panose="020B0604030504040204" pitchFamily="34" charset="0"/>
+                <a:ea typeface="Verdana" panose="020B0604030504040204" pitchFamily="34" charset="0"/>
+                <a:cs typeface="Verdana" panose="020B0604030504040204" pitchFamily="34" charset="0"/>
+              </a:rPr>
+              <a:t> </a:t>
+            </a:r>
+            <a:r>
+              <a:rPr lang="en-US" sz="2000" dirty="0">
+                <a:solidFill>
+                  <a:srgbClr val="404040"/>
+                </a:solidFill>
+                <a:latin typeface="Verdana" panose="020B0604030504040204" pitchFamily="34" charset="0"/>
+                <a:ea typeface="Verdana" panose="020B0604030504040204" pitchFamily="34" charset="0"/>
+                <a:cs typeface="Verdana" panose="020B0604030504040204" pitchFamily="34" charset="0"/>
+              </a:rPr>
+              <a:t>object, which will have cookies  keyed by name.</a:t>
+            </a:r>
+          </a:p>
+          <a:p>
+            <a:pPr marL="12700" marR="12700">
+              <a:lnSpc>
+                <a:spcPts val="2160"/>
+              </a:lnSpc>
+              <a:spcBef>
+                <a:spcPts val="1415"/>
+              </a:spcBef>
+            </a:pPr>
+            <a:r>
+              <a:rPr lang="en-US" sz="2000" dirty="0">
+                <a:solidFill>
+                  <a:srgbClr val="404040"/>
+                </a:solidFill>
+                <a:latin typeface="Verdana" panose="020B0604030504040204" pitchFamily="34" charset="0"/>
+                <a:ea typeface="Verdana" panose="020B0604030504040204" pitchFamily="34" charset="0"/>
+                <a:cs typeface="Verdana" panose="020B0604030504040204" pitchFamily="34" charset="0"/>
+              </a:rPr>
+              <a:t>Deleting cookies requires you to expire the  cookies, which we can do by setting the cookie  with the </a:t>
+            </a:r>
+            <a:r>
+              <a:rPr lang="en-US" sz="2000" i="1" dirty="0">
+                <a:solidFill>
+                  <a:srgbClr val="404040"/>
+                </a:solidFill>
+                <a:latin typeface="Verdana" panose="020B0604030504040204" pitchFamily="34" charset="0"/>
+                <a:ea typeface="Verdana" panose="020B0604030504040204" pitchFamily="34" charset="0"/>
+                <a:cs typeface="Verdana" panose="020B0604030504040204" pitchFamily="34" charset="0"/>
+              </a:rPr>
+              <a:t>expires </a:t>
+            </a:r>
+            <a:r>
+              <a:rPr lang="en-US" sz="2000" dirty="0">
+                <a:solidFill>
+                  <a:srgbClr val="404040"/>
+                </a:solidFill>
+                <a:latin typeface="Verdana" panose="020B0604030504040204" pitchFamily="34" charset="0"/>
+                <a:ea typeface="Verdana" panose="020B0604030504040204" pitchFamily="34" charset="0"/>
+                <a:cs typeface="Verdana" panose="020B0604030504040204" pitchFamily="34" charset="0"/>
+              </a:rPr>
+              <a:t>option set to any time in the  past, then calling </a:t>
+            </a:r>
+            <a:r>
+              <a:rPr lang="en-US" sz="2000" i="1" dirty="0" err="1">
+                <a:solidFill>
+                  <a:srgbClr val="404040"/>
+                </a:solidFill>
+                <a:latin typeface="Verdana" panose="020B0604030504040204" pitchFamily="34" charset="0"/>
+                <a:ea typeface="Verdana" panose="020B0604030504040204" pitchFamily="34" charset="0"/>
+                <a:cs typeface="Verdana" panose="020B0604030504040204" pitchFamily="34" charset="0"/>
+              </a:rPr>
+              <a:t>response.clearCookie</a:t>
+            </a:r>
+            <a:r>
+              <a:rPr lang="en-US" sz="2000" i="1" dirty="0">
+                <a:solidFill>
+                  <a:srgbClr val="404040"/>
+                </a:solidFill>
+                <a:latin typeface="Verdana" panose="020B0604030504040204" pitchFamily="34" charset="0"/>
+                <a:ea typeface="Verdana" panose="020B0604030504040204" pitchFamily="34" charset="0"/>
+                <a:cs typeface="Verdana" panose="020B0604030504040204" pitchFamily="34" charset="0"/>
+              </a:rPr>
+              <a:t>(name)</a:t>
             </a:r>
           </a:p>
         </p:txBody>
@@ -19641,117 +22044,7 @@
     </p:spTree>
     <p:extLst>
       <p:ext uri="{BB962C8B-B14F-4D97-AF65-F5344CB8AC3E}">
-        <p14:creationId xmlns:p14="http://schemas.microsoft.com/office/powerpoint/2010/main" val="3402863740"/>
-      </p:ext>
-    </p:extLst>
-  </p:cSld>
-  <p:clrMapOvr>
-    <a:masterClrMapping/>
-  </p:clrMapOvr>
-</p:sld>
-</file>
-
-<file path=ppt/slides/slide17.xml><?xml version="1.0" encoding="utf-8"?>
-<p:sld xmlns:a="http://schemas.openxmlformats.org/drawingml/2006/main" xmlns:r="http://schemas.openxmlformats.org/officeDocument/2006/relationships" xmlns:p="http://schemas.openxmlformats.org/presentationml/2006/main">
-  <p:cSld>
-    <p:spTree>
-      <p:nvGrpSpPr>
-        <p:cNvPr id="1" name=""/>
-        <p:cNvGrpSpPr/>
-        <p:nvPr/>
-      </p:nvGrpSpPr>
-      <p:grpSpPr>
-        <a:xfrm>
-          <a:off x="0" y="0"/>
-          <a:ext cx="0" cy="0"/>
-          <a:chOff x="0" y="0"/>
-          <a:chExt cx="0" cy="0"/>
-        </a:xfrm>
-      </p:grpSpPr>
-      <p:sp>
-        <p:nvSpPr>
-          <p:cNvPr id="2" name="Slide Number Placeholder 1"/>
-          <p:cNvSpPr>
-            <a:spLocks noGrp="1"/>
-          </p:cNvSpPr>
-          <p:nvPr>
-            <p:ph type="sldNum" sz="quarter" idx="14"/>
-          </p:nvPr>
-        </p:nvSpPr>
-        <p:spPr/>
-        <p:txBody>
-          <a:bodyPr/>
-          <a:lstStyle/>
-          <a:p>
-            <a:fld id="{12342C3A-DD85-7843-B416-BD52AB030D59}" type="slidenum">
-              <a:rPr lang="en-US" smtClean="0"/>
-              <a:pPr/>
-              <a:t>17</a:t>
-            </a:fld>
-            <a:endParaRPr lang="en-US" dirty="0"/>
-          </a:p>
-        </p:txBody>
-      </p:sp>
-      <p:sp>
-        <p:nvSpPr>
-          <p:cNvPr id="4" name="Text Placeholder 3"/>
-          <p:cNvSpPr>
-            <a:spLocks noGrp="1"/>
-          </p:cNvSpPr>
-          <p:nvPr>
-            <p:ph type="body" sz="quarter" idx="12"/>
-          </p:nvPr>
-        </p:nvSpPr>
-        <p:spPr>
-          <a:xfrm>
-            <a:off x="466343" y="2138947"/>
-            <a:ext cx="11522671" cy="1099553"/>
-          </a:xfrm>
-        </p:spPr>
-        <p:txBody>
-          <a:bodyPr/>
-          <a:lstStyle/>
-          <a:p>
-            <a:pPr algn="ctr"/>
-            <a:r>
-              <a:rPr lang="en-US" sz="3800" b="1" dirty="0">
-                <a:latin typeface="Verdana" panose="020B0604030504040204" pitchFamily="34" charset="0"/>
-                <a:ea typeface="Verdana" panose="020B0604030504040204" pitchFamily="34" charset="0"/>
-                <a:cs typeface="Verdana" panose="020B0604030504040204" pitchFamily="34" charset="0"/>
-              </a:rPr>
-              <a:t>Cookie Based Authentication using Express, Middleware, and MongoDB</a:t>
-            </a:r>
-            <a:endParaRPr lang="en-US" dirty="0"/>
-          </a:p>
-        </p:txBody>
-      </p:sp>
-      <p:pic>
-        <p:nvPicPr>
-          <p:cNvPr id="6" name="Picture Placeholder 5" descr="nanotechnology-173305070.jpg"/>
-          <p:cNvPicPr>
-            <a:picLocks noGrp="1" noChangeAspect="1"/>
-          </p:cNvPicPr>
-          <p:nvPr>
-            <p:ph type="pic" sz="quarter" idx="13"/>
-          </p:nvPr>
-        </p:nvPicPr>
-        <p:blipFill rotWithShape="1">
-          <a:blip r:embed="rId2" cstate="screen">
-            <a:extLst>
-              <a:ext uri="{28A0092B-C50C-407E-A947-70E740481C1C}">
-                <a14:useLocalDpi xmlns:a14="http://schemas.microsoft.com/office/drawing/2010/main"/>
-              </a:ext>
-            </a:extLst>
-          </a:blip>
-          <a:srcRect/>
-          <a:stretch/>
-        </p:blipFill>
-        <p:spPr/>
-      </p:pic>
-    </p:spTree>
-    <p:extLst>
-      <p:ext uri="{BB962C8B-B14F-4D97-AF65-F5344CB8AC3E}">
-        <p14:creationId xmlns:p14="http://schemas.microsoft.com/office/powerpoint/2010/main" val="4142024012"/>
+        <p14:creationId xmlns:p14="http://schemas.microsoft.com/office/powerpoint/2010/main" val="718079171"/>
       </p:ext>
     </p:extLst>
   </p:cSld>
@@ -19780,167 +22073,7 @@
       </p:grpSpPr>
       <p:sp>
         <p:nvSpPr>
-          <p:cNvPr id="2" name="Text Placeholder 1"/>
-          <p:cNvSpPr>
-            <a:spLocks noGrp="1"/>
-          </p:cNvSpPr>
-          <p:nvPr>
-            <p:ph type="body" sz="quarter" idx="12"/>
-          </p:nvPr>
-        </p:nvSpPr>
-        <p:spPr>
-          <a:xfrm>
-            <a:off x="302605" y="1288317"/>
-            <a:ext cx="11585731" cy="4385167"/>
-          </a:xfrm>
-        </p:spPr>
-        <p:txBody>
-          <a:bodyPr/>
-          <a:lstStyle/>
-          <a:p>
-            <a:pPr marL="0" indent="0">
-              <a:buClr>
-                <a:srgbClr val="C00000"/>
-              </a:buClr>
-              <a:buNone/>
-            </a:pPr>
-            <a:r>
-              <a:rPr lang="en-US" sz="2000" dirty="0">
-                <a:latin typeface="Verdana" panose="020B0604030504040204" pitchFamily="34" charset="0"/>
-                <a:ea typeface="Verdana" panose="020B0604030504040204" pitchFamily="34" charset="0"/>
-                <a:cs typeface="Verdana" panose="020B0604030504040204" pitchFamily="34" charset="0"/>
-              </a:rPr>
-              <a:t>Authentication is the act of confirming the identity of a person, group, or entity.  In web technology, this often means creating a </a:t>
-            </a:r>
-            <a:r>
-              <a:rPr lang="en-US" sz="2000" b="1" dirty="0">
-                <a:solidFill>
-                  <a:srgbClr val="AB263D"/>
-                </a:solidFill>
-                <a:latin typeface="Verdana" panose="020B0604030504040204" pitchFamily="34" charset="0"/>
-                <a:ea typeface="Verdana" panose="020B0604030504040204" pitchFamily="34" charset="0"/>
-                <a:cs typeface="Verdana" panose="020B0604030504040204" pitchFamily="34" charset="0"/>
-              </a:rPr>
-              <a:t>user login system</a:t>
-            </a:r>
-          </a:p>
-          <a:p>
-            <a:pPr lvl="1">
-              <a:buClr>
-                <a:srgbClr val="C00000"/>
-              </a:buClr>
-            </a:pPr>
-            <a:r>
-              <a:rPr lang="en-US" sz="1800" dirty="0">
-                <a:latin typeface="Verdana" panose="020B0604030504040204" pitchFamily="34" charset="0"/>
-                <a:ea typeface="Verdana" panose="020B0604030504040204" pitchFamily="34" charset="0"/>
-                <a:cs typeface="Verdana" panose="020B0604030504040204" pitchFamily="34" charset="0"/>
-              </a:rPr>
-              <a:t>You will use a combination of data in order to identify a user.</a:t>
-            </a:r>
-          </a:p>
-          <a:p>
-            <a:pPr marL="0" indent="0">
-              <a:buClr>
-                <a:srgbClr val="C00000"/>
-              </a:buClr>
-              <a:buNone/>
-            </a:pPr>
-            <a:endParaRPr lang="en-US" sz="2000" dirty="0">
-              <a:latin typeface="Verdana" panose="020B0604030504040204" pitchFamily="34" charset="0"/>
-              <a:ea typeface="Verdana" panose="020B0604030504040204" pitchFamily="34" charset="0"/>
-              <a:cs typeface="Verdana" panose="020B0604030504040204" pitchFamily="34" charset="0"/>
-            </a:endParaRPr>
-          </a:p>
-          <a:p>
-            <a:pPr marL="0" indent="0">
-              <a:buClr>
-                <a:srgbClr val="C00000"/>
-              </a:buClr>
-              <a:buNone/>
-            </a:pPr>
-            <a:r>
-              <a:rPr lang="en-US" sz="2000" dirty="0">
-                <a:latin typeface="Verdana" panose="020B0604030504040204" pitchFamily="34" charset="0"/>
-                <a:ea typeface="Verdana" panose="020B0604030504040204" pitchFamily="34" charset="0"/>
-                <a:cs typeface="Verdana" panose="020B0604030504040204" pitchFamily="34" charset="0"/>
-              </a:rPr>
-              <a:t>There are many other forms of authentication in web technology:</a:t>
-            </a:r>
-          </a:p>
-          <a:p>
-            <a:pPr lvl="1">
-              <a:buClr>
-                <a:srgbClr val="C00000"/>
-              </a:buClr>
-            </a:pPr>
-            <a:r>
-              <a:rPr lang="en-US" sz="1800" dirty="0">
-                <a:latin typeface="Verdana" panose="020B0604030504040204" pitchFamily="34" charset="0"/>
-                <a:ea typeface="Verdana" panose="020B0604030504040204" pitchFamily="34" charset="0"/>
-                <a:cs typeface="Verdana" panose="020B0604030504040204" pitchFamily="34" charset="0"/>
-              </a:rPr>
-              <a:t>You can make an authentication system that allows you to limit API Access</a:t>
-            </a:r>
-          </a:p>
-          <a:p>
-            <a:pPr lvl="2">
-              <a:buClr>
-                <a:srgbClr val="C00000"/>
-              </a:buClr>
-            </a:pPr>
-            <a:r>
-              <a:rPr lang="en-US" sz="1600" dirty="0">
-                <a:latin typeface="Verdana" panose="020B0604030504040204" pitchFamily="34" charset="0"/>
-                <a:ea typeface="Verdana" panose="020B0604030504040204" pitchFamily="34" charset="0"/>
-                <a:cs typeface="Verdana" panose="020B0604030504040204" pitchFamily="34" charset="0"/>
-              </a:rPr>
-              <a:t>Force users to have a token</a:t>
-            </a:r>
-          </a:p>
-          <a:p>
-            <a:pPr lvl="2">
-              <a:buClr>
-                <a:srgbClr val="C00000"/>
-              </a:buClr>
-            </a:pPr>
-            <a:r>
-              <a:rPr lang="en-US" sz="1600" dirty="0">
-                <a:latin typeface="Verdana" panose="020B0604030504040204" pitchFamily="34" charset="0"/>
-                <a:ea typeface="Verdana" panose="020B0604030504040204" pitchFamily="34" charset="0"/>
-                <a:cs typeface="Verdana" panose="020B0604030504040204" pitchFamily="34" charset="0"/>
-              </a:rPr>
-              <a:t>Allow users a certain number of access hits a month</a:t>
-            </a:r>
-          </a:p>
-          <a:p>
-            <a:pPr lvl="1">
-              <a:buClr>
-                <a:srgbClr val="C00000"/>
-              </a:buClr>
-            </a:pPr>
-            <a:r>
-              <a:rPr lang="en-US" sz="1800" dirty="0">
-                <a:latin typeface="Verdana" panose="020B0604030504040204" pitchFamily="34" charset="0"/>
-                <a:ea typeface="Verdana" panose="020B0604030504040204" pitchFamily="34" charset="0"/>
-                <a:cs typeface="Verdana" panose="020B0604030504040204" pitchFamily="34" charset="0"/>
-              </a:rPr>
-              <a:t>You can selectively allow or dis-allow access to resources based on user login state</a:t>
-            </a:r>
-            <a:endParaRPr lang="en-US" b="1" dirty="0">
-              <a:solidFill>
-                <a:srgbClr val="AB263D"/>
-              </a:solidFill>
-              <a:latin typeface="Verdana" panose="020B0604030504040204" pitchFamily="34" charset="0"/>
-              <a:ea typeface="Verdana" panose="020B0604030504040204" pitchFamily="34" charset="0"/>
-              <a:cs typeface="Verdana" panose="020B0604030504040204" pitchFamily="34" charset="0"/>
-            </a:endParaRPr>
-          </a:p>
-        </p:txBody>
-      </p:sp>
-      <p:sp>
-        <p:nvSpPr>
-          <p:cNvPr id="3" name="Slide Number Placeholder 2"/>
+          <p:cNvPr id="2" name="Slide Number Placeholder 1"/>
           <p:cNvSpPr>
             <a:spLocks noGrp="1"/>
           </p:cNvSpPr>
@@ -19964,37 +22097,64 @@
       </p:sp>
       <p:sp>
         <p:nvSpPr>
-          <p:cNvPr id="4" name="Title 3"/>
+          <p:cNvPr id="4" name="Text Placeholder 3"/>
           <p:cNvSpPr>
             <a:spLocks noGrp="1"/>
           </p:cNvSpPr>
           <p:nvPr>
-            <p:ph type="title"/>
-          </p:nvPr>
-        </p:nvSpPr>
-        <p:spPr/>
+            <p:ph type="body" sz="quarter" idx="12"/>
+          </p:nvPr>
+        </p:nvSpPr>
+        <p:spPr>
+          <a:xfrm>
+            <a:off x="854765" y="2138947"/>
+            <a:ext cx="9944299" cy="1099553"/>
+          </a:xfrm>
+        </p:spPr>
         <p:txBody>
           <a:bodyPr/>
           <a:lstStyle/>
           <a:p>
-            <a:r>
-              <a:rPr lang="en-US" dirty="0">
-                <a:solidFill>
-                  <a:srgbClr val="AB262E"/>
-                </a:solidFill>
+            <a:pPr algn="ctr"/>
+            <a:r>
+              <a:rPr lang="en-US" sz="3800" b="1" dirty="0">
                 <a:latin typeface="Verdana" panose="020B0604030504040204" pitchFamily="34" charset="0"/>
                 <a:ea typeface="Verdana" panose="020B0604030504040204" pitchFamily="34" charset="0"/>
                 <a:cs typeface="Verdana" panose="020B0604030504040204" pitchFamily="34" charset="0"/>
               </a:rPr>
-              <a:t>Authentication </a:t>
-            </a:r>
+              <a:t>Express-session</a:t>
+            </a:r>
+            <a:endParaRPr lang="en-US" dirty="0"/>
           </a:p>
         </p:txBody>
       </p:sp>
+      <p:pic>
+        <p:nvPicPr>
+          <p:cNvPr id="6" name="Picture Placeholder 5" descr="nanotechnology-173305070.jpg"/>
+          <p:cNvPicPr>
+            <a:picLocks noGrp="1" noChangeAspect="1"/>
+          </p:cNvPicPr>
+          <p:nvPr>
+            <p:ph type="pic" sz="quarter" idx="13"/>
+          </p:nvPr>
+        </p:nvPicPr>
+        <p:blipFill rotWithShape="1">
+          <a:blip r:embed="rId3" cstate="screen">
+            <a:extLst>
+              <a:ext uri="{28A0092B-C50C-407E-A947-70E740481C1C}">
+                <a14:useLocalDpi xmlns:a14="http://schemas.microsoft.com/office/drawing/2010/main"/>
+              </a:ext>
+            </a:extLst>
+          </a:blip>
+          <a:srcRect/>
+          <a:stretch/>
+        </p:blipFill>
+        <p:spPr/>
+      </p:pic>
     </p:spTree>
     <p:extLst>
       <p:ext uri="{BB962C8B-B14F-4D97-AF65-F5344CB8AC3E}">
-        <p14:creationId xmlns:p14="http://schemas.microsoft.com/office/powerpoint/2010/main" val="1635776368"/>
+        <p14:creationId xmlns:p14="http://schemas.microsoft.com/office/powerpoint/2010/main" val="1754847241"/>
       </p:ext>
     </p:extLst>
   </p:cSld>
@@ -20053,82 +22213,26 @@
                 <a:ea typeface="Verdana" panose="020B0604030504040204" pitchFamily="34" charset="0"/>
                 <a:cs typeface="Verdana" panose="020B0604030504040204" pitchFamily="34" charset="0"/>
               </a:rPr>
-              <a:t>In order to implement authentication and create a user login system, we will be breaking down  the task into several steps:</a:t>
-            </a:r>
-          </a:p>
-          <a:p>
-            <a:pPr lvl="1">
-              <a:buClr>
-                <a:srgbClr val="C00000"/>
-              </a:buClr>
-            </a:pPr>
-            <a:r>
-              <a:rPr lang="en-US" sz="1800" dirty="0">
+              <a:t>You will be using the </a:t>
+            </a:r>
+            <a:r>
+              <a:rPr lang="en-US" sz="2000" b="1" i="1" dirty="0">
+                <a:solidFill>
+                  <a:srgbClr val="AB263D"/>
+                </a:solidFill>
                 <a:latin typeface="Verdana" panose="020B0604030504040204" pitchFamily="34" charset="0"/>
                 <a:ea typeface="Verdana" panose="020B0604030504040204" pitchFamily="34" charset="0"/>
                 <a:cs typeface="Verdana" panose="020B0604030504040204" pitchFamily="34" charset="0"/>
               </a:rPr>
-              <a:t>Creating and storing users</a:t>
-            </a:r>
-          </a:p>
-          <a:p>
-            <a:pPr lvl="1">
-              <a:buClr>
-                <a:srgbClr val="C00000"/>
-              </a:buClr>
-            </a:pPr>
-            <a:r>
-              <a:rPr lang="en-US" sz="1800" dirty="0">
+              <a:t>express-session</a:t>
+            </a:r>
+            <a:r>
+              <a:rPr lang="en-US" sz="2000" dirty="0">
                 <a:latin typeface="Verdana" panose="020B0604030504040204" pitchFamily="34" charset="0"/>
                 <a:ea typeface="Verdana" panose="020B0604030504040204" pitchFamily="34" charset="0"/>
                 <a:cs typeface="Verdana" panose="020B0604030504040204" pitchFamily="34" charset="0"/>
               </a:rPr>
-              <a:t>Allowing users to login via a form</a:t>
-            </a:r>
-          </a:p>
-          <a:p>
-            <a:pPr lvl="1">
-              <a:buClr>
-                <a:srgbClr val="C00000"/>
-              </a:buClr>
-            </a:pPr>
-            <a:r>
-              <a:rPr lang="en-US" sz="1800" dirty="0">
-                <a:latin typeface="Verdana" panose="020B0604030504040204" pitchFamily="34" charset="0"/>
-                <a:ea typeface="Verdana" panose="020B0604030504040204" pitchFamily="34" charset="0"/>
-                <a:cs typeface="Verdana" panose="020B0604030504040204" pitchFamily="34" charset="0"/>
-              </a:rPr>
-              <a:t>Storing session data in a cookie</a:t>
-            </a:r>
-          </a:p>
-          <a:p>
-            <a:pPr lvl="1">
-              <a:buClr>
-                <a:srgbClr val="C00000"/>
-              </a:buClr>
-            </a:pPr>
-            <a:r>
-              <a:rPr lang="en-US" sz="1800" dirty="0">
-                <a:latin typeface="Verdana" panose="020B0604030504040204" pitchFamily="34" charset="0"/>
-                <a:ea typeface="Verdana" panose="020B0604030504040204" pitchFamily="34" charset="0"/>
-                <a:cs typeface="Verdana" panose="020B0604030504040204" pitchFamily="34" charset="0"/>
-              </a:rPr>
-              <a:t>Validating the data stored in the cookie</a:t>
-            </a:r>
-          </a:p>
-          <a:p>
-            <a:pPr lvl="1">
-              <a:buClr>
-                <a:srgbClr val="C00000"/>
-              </a:buClr>
-            </a:pPr>
-            <a:r>
-              <a:rPr lang="en-US" sz="1800" dirty="0">
-                <a:latin typeface="Verdana" panose="020B0604030504040204" pitchFamily="34" charset="0"/>
-                <a:ea typeface="Verdana" panose="020B0604030504040204" pitchFamily="34" charset="0"/>
-                <a:cs typeface="Verdana" panose="020B0604030504040204" pitchFamily="34" charset="0"/>
-              </a:rPr>
-              <a:t>Storing the user as part of the request object.</a:t>
+              <a:t> middleware for lab 10 in order to easily handle our cookies.</a:t>
             </a:r>
           </a:p>
           <a:p>
@@ -20138,11 +22242,391 @@
               </a:buClr>
               <a:buNone/>
             </a:pPr>
-            <a:endParaRPr lang="en-US" sz="2000" dirty="0">
-              <a:latin typeface="Verdana" panose="020B0604030504040204" pitchFamily="34" charset="0"/>
+            <a:r>
+              <a:rPr lang="en-US" sz="2000" b="1" i="1" dirty="0" err="1">
+                <a:solidFill>
+                  <a:srgbClr val="AB263D"/>
+                </a:solidFill>
+                <a:latin typeface="Courier New" panose="02070309020205020404" pitchFamily="49" charset="0"/>
+                <a:ea typeface="Verdana" panose="020B0604030504040204" pitchFamily="34" charset="0"/>
+                <a:cs typeface="Courier New" panose="02070309020205020404" pitchFamily="49" charset="0"/>
+              </a:rPr>
+              <a:t>npm</a:t>
+            </a:r>
+            <a:r>
+              <a:rPr lang="en-US" sz="2000" b="1" i="1" dirty="0">
+                <a:solidFill>
+                  <a:srgbClr val="AB263D"/>
+                </a:solidFill>
+                <a:latin typeface="Courier New" panose="02070309020205020404" pitchFamily="49" charset="0"/>
+                <a:ea typeface="Verdana" panose="020B0604030504040204" pitchFamily="34" charset="0"/>
+                <a:cs typeface="Courier New" panose="02070309020205020404" pitchFamily="49" charset="0"/>
+              </a:rPr>
+              <a:t> install express-session </a:t>
+            </a:r>
+            <a:r>
+              <a:rPr lang="en-US" sz="2000" dirty="0">
+                <a:latin typeface="Verdana" panose="020B0604030504040204" pitchFamily="34" charset="0"/>
+                <a:ea typeface="Verdana" panose="020B0604030504040204" pitchFamily="34" charset="0"/>
+                <a:cs typeface="Verdana" panose="020B0604030504040204" pitchFamily="34" charset="0"/>
+              </a:rPr>
+              <a:t>We then use it in our </a:t>
+            </a:r>
+            <a:r>
+              <a:rPr lang="en-US" sz="2000" b="1" i="1" dirty="0" err="1">
+                <a:solidFill>
+                  <a:srgbClr val="AB263D"/>
+                </a:solidFill>
+                <a:latin typeface="Verdana" panose="020B0604030504040204" pitchFamily="34" charset="0"/>
+                <a:ea typeface="Verdana" panose="020B0604030504040204" pitchFamily="34" charset="0"/>
+                <a:cs typeface="Verdana" panose="020B0604030504040204" pitchFamily="34" charset="0"/>
+              </a:rPr>
+              <a:t>app.js</a:t>
+            </a:r>
+            <a:r>
+              <a:rPr lang="en-US" sz="2000" b="1" i="1" dirty="0">
+                <a:solidFill>
+                  <a:srgbClr val="AB263D"/>
+                </a:solidFill>
+                <a:latin typeface="Verdana" panose="020B0604030504040204" pitchFamily="34" charset="0"/>
+                <a:ea typeface="Verdana" panose="020B0604030504040204" pitchFamily="34" charset="0"/>
+                <a:cs typeface="Verdana" panose="020B0604030504040204" pitchFamily="34" charset="0"/>
+              </a:rPr>
+              <a:t> </a:t>
+            </a:r>
+            <a:r>
+              <a:rPr lang="en-US" sz="2000" dirty="0">
+                <a:latin typeface="Verdana" panose="020B0604030504040204" pitchFamily="34" charset="0"/>
+                <a:ea typeface="Verdana" panose="020B0604030504040204" pitchFamily="34" charset="0"/>
+                <a:cs typeface="Verdana" panose="020B0604030504040204" pitchFamily="34" charset="0"/>
+              </a:rPr>
+              <a:t>like so:</a:t>
+            </a:r>
+            <a:endParaRPr lang="en-US" sz="2000" b="1" i="1" dirty="0">
+              <a:solidFill>
+                <a:srgbClr val="AB263D"/>
+              </a:solidFill>
+              <a:latin typeface="Courier New" panose="02070309020205020404" pitchFamily="49" charset="0"/>
               <a:ea typeface="Verdana" panose="020B0604030504040204" pitchFamily="34" charset="0"/>
-              <a:cs typeface="Verdana" panose="020B0604030504040204" pitchFamily="34" charset="0"/>
+              <a:cs typeface="Courier New" panose="02070309020205020404" pitchFamily="49" charset="0"/>
             </a:endParaRPr>
+          </a:p>
+          <a:p>
+            <a:pPr marL="0" indent="0">
+              <a:buNone/>
+            </a:pPr>
+            <a:r>
+              <a:rPr lang="en-US" b="1" dirty="0" err="1">
+                <a:solidFill>
+                  <a:srgbClr val="001080"/>
+                </a:solidFill>
+                <a:latin typeface="Courier New" panose="02070309020205020404" pitchFamily="49" charset="0"/>
+                <a:cs typeface="Courier New" panose="02070309020205020404" pitchFamily="49" charset="0"/>
+              </a:rPr>
+              <a:t>app</a:t>
+            </a:r>
+            <a:r>
+              <a:rPr lang="en-US" b="1" dirty="0" err="1">
+                <a:solidFill>
+                  <a:srgbClr val="000000"/>
+                </a:solidFill>
+                <a:latin typeface="Courier New" panose="02070309020205020404" pitchFamily="49" charset="0"/>
+                <a:cs typeface="Courier New" panose="02070309020205020404" pitchFamily="49" charset="0"/>
+              </a:rPr>
+              <a:t>.</a:t>
+            </a:r>
+            <a:r>
+              <a:rPr lang="en-US" b="1" dirty="0" err="1">
+                <a:solidFill>
+                  <a:srgbClr val="795E26"/>
+                </a:solidFill>
+                <a:latin typeface="Courier New" panose="02070309020205020404" pitchFamily="49" charset="0"/>
+                <a:cs typeface="Courier New" panose="02070309020205020404" pitchFamily="49" charset="0"/>
+              </a:rPr>
+              <a:t>use</a:t>
+            </a:r>
+            <a:r>
+              <a:rPr lang="en-US" b="1" dirty="0">
+                <a:solidFill>
+                  <a:srgbClr val="000000"/>
+                </a:solidFill>
+                <a:latin typeface="Courier New" panose="02070309020205020404" pitchFamily="49" charset="0"/>
+                <a:cs typeface="Courier New" panose="02070309020205020404" pitchFamily="49" charset="0"/>
+              </a:rPr>
+              <a:t>(</a:t>
+            </a:r>
+          </a:p>
+          <a:p>
+            <a:pPr marL="0" indent="0">
+              <a:buNone/>
+            </a:pPr>
+            <a:r>
+              <a:rPr lang="en-US" b="1" dirty="0">
+                <a:solidFill>
+                  <a:srgbClr val="795E26"/>
+                </a:solidFill>
+                <a:latin typeface="Courier New" panose="02070309020205020404" pitchFamily="49" charset="0"/>
+                <a:cs typeface="Courier New" panose="02070309020205020404" pitchFamily="49" charset="0"/>
+              </a:rPr>
+              <a:t>  session</a:t>
+            </a:r>
+            <a:r>
+              <a:rPr lang="en-US" b="1" dirty="0">
+                <a:solidFill>
+                  <a:srgbClr val="000000"/>
+                </a:solidFill>
+                <a:latin typeface="Courier New" panose="02070309020205020404" pitchFamily="49" charset="0"/>
+                <a:cs typeface="Courier New" panose="02070309020205020404" pitchFamily="49" charset="0"/>
+              </a:rPr>
+              <a:t>({</a:t>
+            </a:r>
+          </a:p>
+          <a:p>
+            <a:pPr marL="0" indent="0">
+              <a:buNone/>
+            </a:pPr>
+            <a:r>
+              <a:rPr lang="en-US" b="1" dirty="0">
+                <a:solidFill>
+                  <a:srgbClr val="001080"/>
+                </a:solidFill>
+                <a:latin typeface="Courier New" panose="02070309020205020404" pitchFamily="49" charset="0"/>
+                <a:cs typeface="Courier New" panose="02070309020205020404" pitchFamily="49" charset="0"/>
+              </a:rPr>
+              <a:t>    name:</a:t>
+            </a:r>
+            <a:r>
+              <a:rPr lang="en-US" b="1" dirty="0">
+                <a:solidFill>
+                  <a:srgbClr val="000000"/>
+                </a:solidFill>
+                <a:latin typeface="Courier New" panose="02070309020205020404" pitchFamily="49" charset="0"/>
+                <a:cs typeface="Courier New" panose="02070309020205020404" pitchFamily="49" charset="0"/>
+              </a:rPr>
+              <a:t> </a:t>
+            </a:r>
+            <a:r>
+              <a:rPr lang="en-US" b="1" dirty="0">
+                <a:solidFill>
+                  <a:srgbClr val="A31515"/>
+                </a:solidFill>
+                <a:latin typeface="Courier New" panose="02070309020205020404" pitchFamily="49" charset="0"/>
+                <a:cs typeface="Courier New" panose="02070309020205020404" pitchFamily="49" charset="0"/>
+              </a:rPr>
+              <a:t>"</a:t>
+            </a:r>
+            <a:r>
+              <a:rPr lang="en-US" b="1" dirty="0" err="1">
+                <a:solidFill>
+                  <a:srgbClr val="A31515"/>
+                </a:solidFill>
+                <a:latin typeface="Courier New" panose="02070309020205020404" pitchFamily="49" charset="0"/>
+                <a:cs typeface="Courier New" panose="02070309020205020404" pitchFamily="49" charset="0"/>
+              </a:rPr>
+              <a:t>AuthCookie</a:t>
+            </a:r>
+            <a:r>
+              <a:rPr lang="en-US" b="1" dirty="0">
+                <a:solidFill>
+                  <a:srgbClr val="A31515"/>
+                </a:solidFill>
+                <a:latin typeface="Courier New" panose="02070309020205020404" pitchFamily="49" charset="0"/>
+                <a:cs typeface="Courier New" panose="02070309020205020404" pitchFamily="49" charset="0"/>
+              </a:rPr>
+              <a:t>"</a:t>
+            </a:r>
+            <a:r>
+              <a:rPr lang="en-US" b="1" dirty="0">
+                <a:solidFill>
+                  <a:srgbClr val="000000"/>
+                </a:solidFill>
+                <a:latin typeface="Courier New" panose="02070309020205020404" pitchFamily="49" charset="0"/>
+                <a:cs typeface="Courier New" panose="02070309020205020404" pitchFamily="49" charset="0"/>
+              </a:rPr>
+              <a:t>,</a:t>
+            </a:r>
+          </a:p>
+          <a:p>
+            <a:pPr marL="0" indent="0">
+              <a:buNone/>
+            </a:pPr>
+            <a:r>
+              <a:rPr lang="en-US" b="1" dirty="0">
+                <a:solidFill>
+                  <a:srgbClr val="001080"/>
+                </a:solidFill>
+                <a:latin typeface="Courier New" panose="02070309020205020404" pitchFamily="49" charset="0"/>
+                <a:cs typeface="Courier New" panose="02070309020205020404" pitchFamily="49" charset="0"/>
+              </a:rPr>
+              <a:t>    secret:</a:t>
+            </a:r>
+            <a:r>
+              <a:rPr lang="en-US" b="1" dirty="0">
+                <a:solidFill>
+                  <a:srgbClr val="000000"/>
+                </a:solidFill>
+                <a:latin typeface="Courier New" panose="02070309020205020404" pitchFamily="49" charset="0"/>
+                <a:cs typeface="Courier New" panose="02070309020205020404" pitchFamily="49" charset="0"/>
+              </a:rPr>
+              <a:t> </a:t>
+            </a:r>
+            <a:r>
+              <a:rPr lang="en-US" b="1" dirty="0">
+                <a:solidFill>
+                  <a:srgbClr val="A31515"/>
+                </a:solidFill>
+                <a:latin typeface="Courier New" panose="02070309020205020404" pitchFamily="49" charset="0"/>
+                <a:cs typeface="Courier New" panose="02070309020205020404" pitchFamily="49" charset="0"/>
+              </a:rPr>
+              <a:t>"some secret string!"</a:t>
+            </a:r>
+            <a:r>
+              <a:rPr lang="en-US" b="1" dirty="0">
+                <a:solidFill>
+                  <a:srgbClr val="000000"/>
+                </a:solidFill>
+                <a:latin typeface="Courier New" panose="02070309020205020404" pitchFamily="49" charset="0"/>
+                <a:cs typeface="Courier New" panose="02070309020205020404" pitchFamily="49" charset="0"/>
+              </a:rPr>
+              <a:t>,</a:t>
+            </a:r>
+          </a:p>
+          <a:p>
+            <a:pPr marL="0" indent="0">
+              <a:buNone/>
+            </a:pPr>
+            <a:r>
+              <a:rPr lang="en-US" b="1" dirty="0">
+                <a:solidFill>
+                  <a:srgbClr val="001080"/>
+                </a:solidFill>
+                <a:latin typeface="Courier New" panose="02070309020205020404" pitchFamily="49" charset="0"/>
+                <a:cs typeface="Courier New" panose="02070309020205020404" pitchFamily="49" charset="0"/>
+              </a:rPr>
+              <a:t>    resave:</a:t>
+            </a:r>
+            <a:r>
+              <a:rPr lang="en-US" b="1" dirty="0">
+                <a:solidFill>
+                  <a:srgbClr val="000000"/>
+                </a:solidFill>
+                <a:latin typeface="Courier New" panose="02070309020205020404" pitchFamily="49" charset="0"/>
+                <a:cs typeface="Courier New" panose="02070309020205020404" pitchFamily="49" charset="0"/>
+              </a:rPr>
+              <a:t> </a:t>
+            </a:r>
+            <a:r>
+              <a:rPr lang="en-US" b="1" dirty="0">
+                <a:solidFill>
+                  <a:srgbClr val="0000FF"/>
+                </a:solidFill>
+                <a:latin typeface="Courier New" panose="02070309020205020404" pitchFamily="49" charset="0"/>
+                <a:cs typeface="Courier New" panose="02070309020205020404" pitchFamily="49" charset="0"/>
+              </a:rPr>
+              <a:t>false</a:t>
+            </a:r>
+            <a:r>
+              <a:rPr lang="en-US" b="1" dirty="0">
+                <a:solidFill>
+                  <a:srgbClr val="000000"/>
+                </a:solidFill>
+                <a:latin typeface="Courier New" panose="02070309020205020404" pitchFamily="49" charset="0"/>
+                <a:cs typeface="Courier New" panose="02070309020205020404" pitchFamily="49" charset="0"/>
+              </a:rPr>
+              <a:t>,</a:t>
+            </a:r>
+          </a:p>
+          <a:p>
+            <a:pPr marL="0" indent="0">
+              <a:buNone/>
+            </a:pPr>
+            <a:r>
+              <a:rPr lang="en-US" b="1" dirty="0">
+                <a:solidFill>
+                  <a:srgbClr val="001080"/>
+                </a:solidFill>
+                <a:latin typeface="Courier New" panose="02070309020205020404" pitchFamily="49" charset="0"/>
+                <a:cs typeface="Courier New" panose="02070309020205020404" pitchFamily="49" charset="0"/>
+              </a:rPr>
+              <a:t>    </a:t>
+            </a:r>
+            <a:r>
+              <a:rPr lang="en-US" b="1" dirty="0" err="1">
+                <a:solidFill>
+                  <a:srgbClr val="001080"/>
+                </a:solidFill>
+                <a:latin typeface="Courier New" panose="02070309020205020404" pitchFamily="49" charset="0"/>
+                <a:cs typeface="Courier New" panose="02070309020205020404" pitchFamily="49" charset="0"/>
+              </a:rPr>
+              <a:t>saveUninitialized</a:t>
+            </a:r>
+            <a:r>
+              <a:rPr lang="en-US" b="1" dirty="0">
+                <a:solidFill>
+                  <a:srgbClr val="001080"/>
+                </a:solidFill>
+                <a:latin typeface="Courier New" panose="02070309020205020404" pitchFamily="49" charset="0"/>
+                <a:cs typeface="Courier New" panose="02070309020205020404" pitchFamily="49" charset="0"/>
+              </a:rPr>
+              <a:t>:</a:t>
+            </a:r>
+            <a:r>
+              <a:rPr lang="en-US" b="1" dirty="0">
+                <a:solidFill>
+                  <a:srgbClr val="000000"/>
+                </a:solidFill>
+                <a:latin typeface="Courier New" panose="02070309020205020404" pitchFamily="49" charset="0"/>
+                <a:cs typeface="Courier New" panose="02070309020205020404" pitchFamily="49" charset="0"/>
+              </a:rPr>
+              <a:t> </a:t>
+            </a:r>
+            <a:r>
+              <a:rPr lang="en-US" b="1" dirty="0">
+                <a:solidFill>
+                  <a:srgbClr val="0000FF"/>
+                </a:solidFill>
+                <a:latin typeface="Courier New" panose="02070309020205020404" pitchFamily="49" charset="0"/>
+                <a:cs typeface="Courier New" panose="02070309020205020404" pitchFamily="49" charset="0"/>
+              </a:rPr>
+              <a:t>true</a:t>
+            </a:r>
+            <a:endParaRPr lang="en-US" b="1" dirty="0">
+              <a:solidFill>
+                <a:srgbClr val="000000"/>
+              </a:solidFill>
+              <a:latin typeface="Courier New" panose="02070309020205020404" pitchFamily="49" charset="0"/>
+              <a:cs typeface="Courier New" panose="02070309020205020404" pitchFamily="49" charset="0"/>
+            </a:endParaRPr>
+          </a:p>
+          <a:p>
+            <a:pPr marL="0" indent="0">
+              <a:buNone/>
+            </a:pPr>
+            <a:r>
+              <a:rPr lang="en-US" b="1" dirty="0">
+                <a:solidFill>
+                  <a:srgbClr val="000000"/>
+                </a:solidFill>
+                <a:latin typeface="Courier New" panose="02070309020205020404" pitchFamily="49" charset="0"/>
+                <a:cs typeface="Courier New" panose="02070309020205020404" pitchFamily="49" charset="0"/>
+              </a:rPr>
+              <a:t>  })</a:t>
+            </a:r>
+          </a:p>
+          <a:p>
+            <a:pPr marL="0" indent="0">
+              <a:buNone/>
+            </a:pPr>
+            <a:r>
+              <a:rPr lang="en-US" b="1" dirty="0">
+                <a:solidFill>
+                  <a:srgbClr val="000000"/>
+                </a:solidFill>
+                <a:latin typeface="Courier New" panose="02070309020205020404" pitchFamily="49" charset="0"/>
+                <a:cs typeface="Courier New" panose="02070309020205020404" pitchFamily="49" charset="0"/>
+              </a:rPr>
+              <a:t>);</a:t>
+            </a:r>
           </a:p>
           <a:p>
             <a:pPr marL="0" indent="0">
@@ -20151,21 +22635,29 @@
               </a:buClr>
               <a:buNone/>
             </a:pPr>
-            <a:r>
-              <a:rPr lang="en-US" sz="2000" dirty="0">
-                <a:latin typeface="Verdana" panose="020B0604030504040204" pitchFamily="34" charset="0"/>
-                <a:ea typeface="Verdana" panose="020B0604030504040204" pitchFamily="34" charset="0"/>
-                <a:cs typeface="Verdana" panose="020B0604030504040204" pitchFamily="34" charset="0"/>
-              </a:rPr>
-              <a:t>Let’s walk through this process.</a:t>
-            </a:r>
-            <a:endParaRPr lang="en-US" b="1" dirty="0">
+            <a:endParaRPr lang="en-US" sz="2000" b="1" i="1" dirty="0">
               <a:solidFill>
                 <a:srgbClr val="AB263D"/>
               </a:solidFill>
-              <a:latin typeface="Verdana" panose="020B0604030504040204" pitchFamily="34" charset="0"/>
+              <a:latin typeface="Courier New" panose="02070309020205020404" pitchFamily="49" charset="0"/>
               <a:ea typeface="Verdana" panose="020B0604030504040204" pitchFamily="34" charset="0"/>
-              <a:cs typeface="Verdana" panose="020B0604030504040204" pitchFamily="34" charset="0"/>
+              <a:cs typeface="Courier New" panose="02070309020205020404" pitchFamily="49" charset="0"/>
+            </a:endParaRPr>
+          </a:p>
+          <a:p>
+            <a:pPr marL="0" indent="0">
+              <a:buClr>
+                <a:srgbClr val="C00000"/>
+              </a:buClr>
+              <a:buNone/>
+            </a:pPr>
+            <a:endParaRPr lang="en-US" sz="2000" b="1" i="1" dirty="0">
+              <a:solidFill>
+                <a:srgbClr val="AB263D"/>
+              </a:solidFill>
+              <a:latin typeface="Courier New" panose="02070309020205020404" pitchFamily="49" charset="0"/>
+              <a:ea typeface="Verdana" panose="020B0604030504040204" pitchFamily="34" charset="0"/>
+              <a:cs typeface="Courier New" panose="02070309020205020404" pitchFamily="49" charset="0"/>
             </a:endParaRPr>
           </a:p>
         </p:txBody>
@@ -20218,7 +22710,7 @@
                 <a:ea typeface="Verdana" panose="020B0604030504040204" pitchFamily="34" charset="0"/>
                 <a:cs typeface="Verdana" panose="020B0604030504040204" pitchFamily="34" charset="0"/>
               </a:rPr>
-              <a:t>Implementing Authentication </a:t>
+              <a:t>Using express-session to Handle Cookies</a:t>
             </a:r>
           </a:p>
         </p:txBody>
@@ -20226,7 +22718,7 @@
     </p:spTree>
     <p:extLst>
       <p:ext uri="{BB962C8B-B14F-4D97-AF65-F5344CB8AC3E}">
-        <p14:creationId xmlns:p14="http://schemas.microsoft.com/office/powerpoint/2010/main" val="3539097831"/>
+        <p14:creationId xmlns:p14="http://schemas.microsoft.com/office/powerpoint/2010/main" val="206641713"/>
       </p:ext>
     </p:extLst>
   </p:cSld>
@@ -20311,7 +22803,7 @@
                 <a:latin typeface="Verdana" panose="020B0604030504040204" pitchFamily="34" charset="0"/>
                 <a:ea typeface="Verdana" panose="020B0604030504040204" pitchFamily="34" charset="0"/>
                 <a:cs typeface="Verdana" panose="020B0604030504040204" pitchFamily="34" charset="0"/>
-                <a:hlinkClick r:id="rId2">
+                <a:hlinkClick r:id="rId3">
                   <a:extLst>
                     <a:ext uri="{A12FA001-AC4F-418D-AE19-62706E023703}">
                       <ahyp:hlinkClr xmlns:ahyp="http://schemas.microsoft.com/office/drawing/2018/hyperlinkcolor" val="tx"/>
@@ -20374,8 +22866,8 @@
         </p:nvSpPr>
         <p:spPr>
           <a:xfrm>
-            <a:off x="301546" y="1159108"/>
-            <a:ext cx="11585731" cy="5280538"/>
+            <a:off x="302605" y="1288317"/>
+            <a:ext cx="11585731" cy="4385167"/>
           </a:xfrm>
         </p:spPr>
         <p:txBody>
@@ -20394,7 +22886,39 @@
                 <a:ea typeface="Verdana" panose="020B0604030504040204" pitchFamily="34" charset="0"/>
                 <a:cs typeface="Verdana" panose="020B0604030504040204" pitchFamily="34" charset="0"/>
               </a:rPr>
-              <a:t>The first step of authentication is very, very easy; you have to create, and store users.</a:t>
+              <a:t>Express-session allows us to easily handle cookies.  We just use the </a:t>
+            </a:r>
+            <a:r>
+              <a:rPr lang="en-US" sz="2000" dirty="0" err="1">
+                <a:latin typeface="Verdana" panose="020B0604030504040204" pitchFamily="34" charset="0"/>
+                <a:ea typeface="Verdana" panose="020B0604030504040204" pitchFamily="34" charset="0"/>
+                <a:cs typeface="Verdana" panose="020B0604030504040204" pitchFamily="34" charset="0"/>
+              </a:rPr>
+              <a:t>req.session</a:t>
+            </a:r>
+            <a:r>
+              <a:rPr lang="en-US" sz="2000" dirty="0">
+                <a:latin typeface="Verdana" panose="020B0604030504040204" pitchFamily="34" charset="0"/>
+                <a:ea typeface="Verdana" panose="020B0604030504040204" pitchFamily="34" charset="0"/>
+                <a:cs typeface="Verdana" panose="020B0604030504040204" pitchFamily="34" charset="0"/>
+              </a:rPr>
+              <a:t> and </a:t>
+            </a:r>
+            <a:r>
+              <a:rPr lang="en-US" sz="2000" dirty="0" err="1">
+                <a:latin typeface="Verdana" panose="020B0604030504040204" pitchFamily="34" charset="0"/>
+                <a:ea typeface="Verdana" panose="020B0604030504040204" pitchFamily="34" charset="0"/>
+                <a:cs typeface="Verdana" panose="020B0604030504040204" pitchFamily="34" charset="0"/>
+              </a:rPr>
+              <a:t>res.session</a:t>
+            </a:r>
+            <a:r>
+              <a:rPr lang="en-US" sz="2000" dirty="0">
+                <a:latin typeface="Verdana" panose="020B0604030504040204" pitchFamily="34" charset="0"/>
+                <a:ea typeface="Verdana" panose="020B0604030504040204" pitchFamily="34" charset="0"/>
+                <a:cs typeface="Verdana" panose="020B0604030504040204" pitchFamily="34" charset="0"/>
+              </a:rPr>
+              <a:t> objects.  </a:t>
             </a:r>
           </a:p>
           <a:p>
@@ -20410,53 +22934,7 @@
                 <a:ea typeface="Verdana" panose="020B0604030504040204" pitchFamily="34" charset="0"/>
                 <a:cs typeface="Verdana" panose="020B0604030504040204" pitchFamily="34" charset="0"/>
               </a:rPr>
-              <a:t>There are some things you’ll be storing, and some things you’ll be storing in a very specific way</a:t>
-            </a:r>
-          </a:p>
-          <a:p>
-            <a:pPr lvl="1">
-              <a:buClr>
-                <a:srgbClr val="C00000"/>
-              </a:buClr>
-            </a:pPr>
-            <a:r>
-              <a:rPr lang="en-US" sz="1800" dirty="0">
-                <a:latin typeface="Verdana" panose="020B0604030504040204" pitchFamily="34" charset="0"/>
-                <a:ea typeface="Verdana" panose="020B0604030504040204" pitchFamily="34" charset="0"/>
-                <a:cs typeface="Verdana" panose="020B0604030504040204" pitchFamily="34" charset="0"/>
-              </a:rPr>
-              <a:t>First off, you will never store a plaintext password. You will be using the </a:t>
-            </a:r>
-            <a:r>
-              <a:rPr lang="en-US" sz="1800" dirty="0" err="1">
-                <a:latin typeface="Verdana" panose="020B0604030504040204" pitchFamily="34" charset="0"/>
-                <a:ea typeface="Verdana" panose="020B0604030504040204" pitchFamily="34" charset="0"/>
-                <a:cs typeface="Verdana" panose="020B0604030504040204" pitchFamily="34" charset="0"/>
-              </a:rPr>
-              <a:t>bcrypt</a:t>
-            </a:r>
-            <a:r>
-              <a:rPr lang="en-US" sz="1800" dirty="0">
-                <a:latin typeface="Verdana" panose="020B0604030504040204" pitchFamily="34" charset="0"/>
-                <a:ea typeface="Verdana" panose="020B0604030504040204" pitchFamily="34" charset="0"/>
-                <a:cs typeface="Verdana" panose="020B0604030504040204" pitchFamily="34" charset="0"/>
-              </a:rPr>
-              <a:t> package in order to create a hash of the password</a:t>
-            </a:r>
-          </a:p>
-          <a:p>
-            <a:pPr lvl="1">
-              <a:buClr>
-                <a:srgbClr val="C00000"/>
-              </a:buClr>
-            </a:pPr>
-            <a:r>
-              <a:rPr lang="en-US" sz="1800" dirty="0">
-                <a:latin typeface="Verdana" panose="020B0604030504040204" pitchFamily="34" charset="0"/>
-                <a:ea typeface="Verdana" panose="020B0604030504040204" pitchFamily="34" charset="0"/>
-                <a:cs typeface="Verdana" panose="020B0604030504040204" pitchFamily="34" charset="0"/>
-              </a:rPr>
-              <a:t>For the sake of authentication, you’re going to be adding an array for users that will keep track of multiple session identifiers. These session identifiers will allow you to keep track of logged in browser  sessions</a:t>
+              <a:t>When we use express-session, we can add things very easily to the cookie. </a:t>
             </a:r>
           </a:p>
           <a:p>
@@ -20466,155 +22944,7 @@
               </a:buClr>
               <a:buNone/>
             </a:pPr>
-            <a:r>
-              <a:rPr lang="en-US" sz="2000" dirty="0">
-                <a:latin typeface="Verdana" panose="020B0604030504040204" pitchFamily="34" charset="0"/>
-                <a:ea typeface="Verdana" panose="020B0604030504040204" pitchFamily="34" charset="0"/>
-                <a:cs typeface="Verdana" panose="020B0604030504040204" pitchFamily="34" charset="0"/>
-              </a:rPr>
-              <a:t>You will need to create a form to allow users to signup, where you will need to check for:</a:t>
-            </a:r>
-          </a:p>
-          <a:p>
-            <a:pPr lvl="1">
-              <a:buClr>
-                <a:srgbClr val="C00000"/>
-              </a:buClr>
-            </a:pPr>
-            <a:r>
-              <a:rPr lang="en-US" sz="1800" dirty="0">
-                <a:latin typeface="Verdana" panose="020B0604030504040204" pitchFamily="34" charset="0"/>
-                <a:ea typeface="Verdana" panose="020B0604030504040204" pitchFamily="34" charset="0"/>
-                <a:cs typeface="Verdana" panose="020B0604030504040204" pitchFamily="34" charset="0"/>
-              </a:rPr>
-              <a:t>Duplicate username/emails/other non-duplicatable data</a:t>
-            </a:r>
-          </a:p>
-          <a:p>
-            <a:pPr lvl="1">
-              <a:buClr>
-                <a:srgbClr val="C00000"/>
-              </a:buClr>
-            </a:pPr>
-            <a:r>
-              <a:rPr lang="en-US" sz="1800" dirty="0">
-                <a:latin typeface="Verdana" panose="020B0604030504040204" pitchFamily="34" charset="0"/>
-                <a:ea typeface="Verdana" panose="020B0604030504040204" pitchFamily="34" charset="0"/>
-                <a:cs typeface="Verdana" panose="020B0604030504040204" pitchFamily="34" charset="0"/>
-              </a:rPr>
-              <a:t>Mixed case of username/email addresses </a:t>
-            </a:r>
-          </a:p>
-          <a:p>
-            <a:pPr lvl="2">
-              <a:buClr>
-                <a:srgbClr val="C00000"/>
-              </a:buClr>
-            </a:pPr>
-            <a:r>
-              <a:rPr lang="en-US" sz="1600" dirty="0">
-                <a:latin typeface="Verdana" panose="020B0604030504040204" pitchFamily="34" charset="0"/>
-                <a:ea typeface="Verdana" panose="020B0604030504040204" pitchFamily="34" charset="0"/>
-                <a:cs typeface="Verdana" panose="020B0604030504040204" pitchFamily="34" charset="0"/>
-                <a:hlinkClick r:id="rId2"/>
-              </a:rPr>
-              <a:t>patrickhill@stevens.edu</a:t>
-            </a:r>
-            <a:r>
-              <a:rPr lang="en-US" sz="1600" dirty="0">
-                <a:latin typeface="Verdana" panose="020B0604030504040204" pitchFamily="34" charset="0"/>
-                <a:ea typeface="Verdana" panose="020B0604030504040204" pitchFamily="34" charset="0"/>
-                <a:cs typeface="Verdana" panose="020B0604030504040204" pitchFamily="34" charset="0"/>
-              </a:rPr>
-              <a:t> should be treated the same as </a:t>
-            </a:r>
-            <a:r>
-              <a:rPr lang="en-US" sz="1600" dirty="0">
-                <a:latin typeface="Verdana" panose="020B0604030504040204" pitchFamily="34" charset="0"/>
-                <a:ea typeface="Verdana" panose="020B0604030504040204" pitchFamily="34" charset="0"/>
-                <a:cs typeface="Verdana" panose="020B0604030504040204" pitchFamily="34" charset="0"/>
-                <a:hlinkClick r:id="rId3"/>
-              </a:rPr>
-              <a:t>PaTriCkHill@stevens.edu</a:t>
-            </a:r>
-            <a:r>
-              <a:rPr lang="en-US" sz="1600" dirty="0">
-                <a:latin typeface="Verdana" panose="020B0604030504040204" pitchFamily="34" charset="0"/>
-                <a:ea typeface="Verdana" panose="020B0604030504040204" pitchFamily="34" charset="0"/>
-                <a:cs typeface="Verdana" panose="020B0604030504040204" pitchFamily="34" charset="0"/>
-              </a:rPr>
-              <a:t> and </a:t>
-            </a:r>
-            <a:r>
-              <a:rPr lang="en-US" sz="1600" dirty="0">
-                <a:latin typeface="Verdana" panose="020B0604030504040204" pitchFamily="34" charset="0"/>
-                <a:ea typeface="Verdana" panose="020B0604030504040204" pitchFamily="34" charset="0"/>
-                <a:cs typeface="Verdana" panose="020B0604030504040204" pitchFamily="34" charset="0"/>
-                <a:hlinkClick r:id="rId4"/>
-              </a:rPr>
-              <a:t>PATRICKHILL@steVens.edu</a:t>
-            </a:r>
-            <a:r>
-              <a:rPr lang="en-US" sz="1600" dirty="0">
-                <a:latin typeface="Verdana" panose="020B0604030504040204" pitchFamily="34" charset="0"/>
-                <a:ea typeface="Verdana" panose="020B0604030504040204" pitchFamily="34" charset="0"/>
-                <a:cs typeface="Verdana" panose="020B0604030504040204" pitchFamily="34" charset="0"/>
-              </a:rPr>
-              <a:t> same for usernames: </a:t>
-            </a:r>
-            <a:r>
-              <a:rPr lang="en-US" sz="1600" dirty="0" err="1">
-                <a:latin typeface="Verdana" panose="020B0604030504040204" pitchFamily="34" charset="0"/>
-                <a:ea typeface="Verdana" panose="020B0604030504040204" pitchFamily="34" charset="0"/>
-                <a:cs typeface="Verdana" panose="020B0604030504040204" pitchFamily="34" charset="0"/>
-              </a:rPr>
-              <a:t>phill</a:t>
-            </a:r>
-            <a:r>
-              <a:rPr lang="en-US" sz="1600" dirty="0">
-                <a:latin typeface="Verdana" panose="020B0604030504040204" pitchFamily="34" charset="0"/>
-                <a:ea typeface="Verdana" panose="020B0604030504040204" pitchFamily="34" charset="0"/>
-                <a:cs typeface="Verdana" panose="020B0604030504040204" pitchFamily="34" charset="0"/>
-              </a:rPr>
-              <a:t>, PHILL, </a:t>
-            </a:r>
-            <a:r>
-              <a:rPr lang="en-US" sz="1600" dirty="0" err="1">
-                <a:latin typeface="Verdana" panose="020B0604030504040204" pitchFamily="34" charset="0"/>
-                <a:ea typeface="Verdana" panose="020B0604030504040204" pitchFamily="34" charset="0"/>
-                <a:cs typeface="Verdana" panose="020B0604030504040204" pitchFamily="34" charset="0"/>
-              </a:rPr>
-              <a:t>Phill</a:t>
-            </a:r>
-            <a:r>
-              <a:rPr lang="en-US" sz="1600" dirty="0">
-                <a:latin typeface="Verdana" panose="020B0604030504040204" pitchFamily="34" charset="0"/>
-                <a:ea typeface="Verdana" panose="020B0604030504040204" pitchFamily="34" charset="0"/>
-                <a:cs typeface="Verdana" panose="020B0604030504040204" pitchFamily="34" charset="0"/>
-              </a:rPr>
-              <a:t> should be treated as equal. </a:t>
-            </a:r>
-            <a:endParaRPr lang="en-US" sz="1800" dirty="0">
-              <a:latin typeface="Verdana" panose="020B0604030504040204" pitchFamily="34" charset="0"/>
-              <a:ea typeface="Verdana" panose="020B0604030504040204" pitchFamily="34" charset="0"/>
-              <a:cs typeface="Verdana" panose="020B0604030504040204" pitchFamily="34" charset="0"/>
-            </a:endParaRPr>
-          </a:p>
-          <a:p>
-            <a:pPr lvl="1">
-              <a:buClr>
-                <a:srgbClr val="C00000"/>
-              </a:buClr>
-            </a:pPr>
-            <a:r>
-              <a:rPr lang="en-US" sz="1800" dirty="0">
-                <a:latin typeface="Verdana" panose="020B0604030504040204" pitchFamily="34" charset="0"/>
-                <a:ea typeface="Verdana" panose="020B0604030504040204" pitchFamily="34" charset="0"/>
-                <a:cs typeface="Verdana" panose="020B0604030504040204" pitchFamily="34" charset="0"/>
-              </a:rPr>
-              <a:t>Existence of passwords</a:t>
-            </a:r>
-            <a:endParaRPr lang="en-US" b="1" dirty="0">
+            <a:endParaRPr lang="en-US" sz="2000" b="1" i="1" dirty="0">
               <a:solidFill>
                 <a:srgbClr val="AB263D"/>
               </a:solidFill>
@@ -20623,6 +22953,83 @@
               <a:cs typeface="Verdana" panose="020B0604030504040204" pitchFamily="34" charset="0"/>
             </a:endParaRPr>
           </a:p>
+          <a:p>
+            <a:pPr marL="0" indent="0">
+              <a:buClr>
+                <a:srgbClr val="C00000"/>
+              </a:buClr>
+              <a:buNone/>
+            </a:pPr>
+            <a:r>
+              <a:rPr lang="en-US" sz="2000" dirty="0">
+                <a:latin typeface="Verdana" panose="020B0604030504040204" pitchFamily="34" charset="0"/>
+                <a:ea typeface="Verdana" panose="020B0604030504040204" pitchFamily="34" charset="0"/>
+                <a:cs typeface="Verdana" panose="020B0604030504040204" pitchFamily="34" charset="0"/>
+              </a:rPr>
+              <a:t>It’s very easy to set a cookie using express-session. You would simply do </a:t>
+            </a:r>
+            <a:r>
+              <a:rPr lang="en-US" sz="2000" dirty="0" err="1">
+                <a:latin typeface="Verdana" panose="020B0604030504040204" pitchFamily="34" charset="0"/>
+                <a:ea typeface="Verdana" panose="020B0604030504040204" pitchFamily="34" charset="0"/>
+                <a:cs typeface="Verdana" panose="020B0604030504040204" pitchFamily="34" charset="0"/>
+              </a:rPr>
+              <a:t>req.session.field_name</a:t>
+            </a:r>
+            <a:r>
+              <a:rPr lang="en-US" sz="2000" dirty="0">
+                <a:latin typeface="Verdana" panose="020B0604030504040204" pitchFamily="34" charset="0"/>
+                <a:ea typeface="Verdana" panose="020B0604030504040204" pitchFamily="34" charset="0"/>
+                <a:cs typeface="Verdana" panose="020B0604030504040204" pitchFamily="34" charset="0"/>
+              </a:rPr>
+              <a:t> = ‘foo’.  You can also invalidate a piece of data by setting it to be undefined: </a:t>
+            </a:r>
+            <a:r>
+              <a:rPr lang="en-US" sz="2000" dirty="0" err="1">
+                <a:latin typeface="Verdana" panose="020B0604030504040204" pitchFamily="34" charset="0"/>
+                <a:ea typeface="Verdana" panose="020B0604030504040204" pitchFamily="34" charset="0"/>
+                <a:cs typeface="Verdana" panose="020B0604030504040204" pitchFamily="34" charset="0"/>
+              </a:rPr>
+              <a:t>req.session.field_name</a:t>
+            </a:r>
+            <a:r>
+              <a:rPr lang="en-US" sz="2000" dirty="0">
+                <a:latin typeface="Verdana" panose="020B0604030504040204" pitchFamily="34" charset="0"/>
+                <a:ea typeface="Verdana" panose="020B0604030504040204" pitchFamily="34" charset="0"/>
+                <a:cs typeface="Verdana" panose="020B0604030504040204" pitchFamily="34" charset="0"/>
+              </a:rPr>
+              <a:t> = undefined</a:t>
+            </a:r>
+          </a:p>
+          <a:p>
+            <a:pPr marL="0" indent="0">
+              <a:buClr>
+                <a:srgbClr val="C00000"/>
+              </a:buClr>
+              <a:buNone/>
+            </a:pPr>
+            <a:endParaRPr lang="en-US" sz="2000" dirty="0">
+              <a:latin typeface="Verdana" panose="020B0604030504040204" pitchFamily="34" charset="0"/>
+              <a:ea typeface="Verdana" panose="020B0604030504040204" pitchFamily="34" charset="0"/>
+              <a:cs typeface="Verdana" panose="020B0604030504040204" pitchFamily="34" charset="0"/>
+            </a:endParaRPr>
+          </a:p>
+          <a:p>
+            <a:pPr marL="0" indent="0">
+              <a:buClr>
+                <a:srgbClr val="C00000"/>
+              </a:buClr>
+              <a:buNone/>
+            </a:pPr>
+            <a:endParaRPr lang="en-US" sz="2000" b="1" i="1" dirty="0">
+              <a:solidFill>
+                <a:srgbClr val="AB263D"/>
+              </a:solidFill>
+              <a:latin typeface="Courier New" panose="02070309020205020404" pitchFamily="49" charset="0"/>
+              <a:ea typeface="Verdana" panose="020B0604030504040204" pitchFamily="34" charset="0"/>
+              <a:cs typeface="Courier New" panose="02070309020205020404" pitchFamily="49" charset="0"/>
+            </a:endParaRPr>
+          </a:p>
         </p:txBody>
       </p:sp>
       <p:sp>
@@ -20673,7 +23080,7 @@
                 <a:ea typeface="Verdana" panose="020B0604030504040204" pitchFamily="34" charset="0"/>
                 <a:cs typeface="Verdana" panose="020B0604030504040204" pitchFamily="34" charset="0"/>
               </a:rPr>
-              <a:t>Creating and Storing Users</a:t>
+              <a:t>Using express-session to Handle Cookies</a:t>
             </a:r>
           </a:p>
         </p:txBody>
@@ -20681,7 +23088,7 @@
     </p:spTree>
     <p:extLst>
       <p:ext uri="{BB962C8B-B14F-4D97-AF65-F5344CB8AC3E}">
-        <p14:creationId xmlns:p14="http://schemas.microsoft.com/office/powerpoint/2010/main" val="3107730865"/>
+        <p14:creationId xmlns:p14="http://schemas.microsoft.com/office/powerpoint/2010/main" val="27421143"/>
       </p:ext>
     </p:extLst>
   </p:cSld>
@@ -20720,7 +23127,7 @@
         </p:nvSpPr>
         <p:spPr>
           <a:xfrm>
-            <a:off x="301546" y="1536795"/>
+            <a:off x="302605" y="1288317"/>
             <a:ext cx="11585731" cy="4385167"/>
           </a:xfrm>
         </p:spPr>
@@ -20740,7 +23147,23 @@
                 <a:ea typeface="Verdana" panose="020B0604030504040204" pitchFamily="34" charset="0"/>
                 <a:cs typeface="Verdana" panose="020B0604030504040204" pitchFamily="34" charset="0"/>
               </a:rPr>
-              <a:t>This step is extremely easy!</a:t>
+              <a:t>On the server side, if you need to set a cookie, in your route, you would do the same thing.  </a:t>
+            </a:r>
+            <a:r>
+              <a:rPr lang="en-US" sz="2000" dirty="0" err="1">
+                <a:latin typeface="Verdana" panose="020B0604030504040204" pitchFamily="34" charset="0"/>
+                <a:ea typeface="Verdana" panose="020B0604030504040204" pitchFamily="34" charset="0"/>
+                <a:cs typeface="Verdana" panose="020B0604030504040204" pitchFamily="34" charset="0"/>
+              </a:rPr>
+              <a:t>req.session.field_name</a:t>
+            </a:r>
+            <a:r>
+              <a:rPr lang="en-US" sz="2000" dirty="0">
+                <a:latin typeface="Verdana" panose="020B0604030504040204" pitchFamily="34" charset="0"/>
+                <a:ea typeface="Verdana" panose="020B0604030504040204" pitchFamily="34" charset="0"/>
+                <a:cs typeface="Verdana" panose="020B0604030504040204" pitchFamily="34" charset="0"/>
+              </a:rPr>
+              <a:t> = ‘bar’</a:t>
             </a:r>
           </a:p>
           <a:p>
@@ -20750,16 +23173,21 @@
               </a:buClr>
               <a:buNone/>
             </a:pPr>
-            <a:r>
-              <a:rPr lang="en-US" sz="2000" dirty="0">
-                <a:latin typeface="Verdana" panose="020B0604030504040204" pitchFamily="34" charset="0"/>
-                <a:ea typeface="Verdana" panose="020B0604030504040204" pitchFamily="34" charset="0"/>
-                <a:cs typeface="Verdana" panose="020B0604030504040204" pitchFamily="34" charset="0"/>
-              </a:rPr>
-              <a:t>You will need to provide users with some way to actually perform a login. You will need to setup a form that allows users to </a:t>
-            </a:r>
-            <a:r>
-              <a:rPr lang="en-US" sz="2000" b="1" dirty="0">
+            <a:endParaRPr lang="en-US" sz="2000" i="1" dirty="0">
+              <a:latin typeface="Verdana" panose="020B0604030504040204" pitchFamily="34" charset="0"/>
+              <a:ea typeface="Verdana" panose="020B0604030504040204" pitchFamily="34" charset="0"/>
+              <a:cs typeface="Verdana" panose="020B0604030504040204" pitchFamily="34" charset="0"/>
+            </a:endParaRPr>
+          </a:p>
+          <a:p>
+            <a:pPr marL="0" indent="0">
+              <a:buClr>
+                <a:srgbClr val="C00000"/>
+              </a:buClr>
+              <a:buNone/>
+            </a:pPr>
+            <a:r>
+              <a:rPr lang="en-US" sz="2000" b="1" i="1" dirty="0">
                 <a:solidFill>
                   <a:srgbClr val="AB263D"/>
                 </a:solidFill>
@@ -20767,15 +23195,7 @@
                 <a:ea typeface="Verdana" panose="020B0604030504040204" pitchFamily="34" charset="0"/>
                 <a:cs typeface="Verdana" panose="020B0604030504040204" pitchFamily="34" charset="0"/>
               </a:rPr>
-              <a:t>POST</a:t>
-            </a:r>
-            <a:r>
-              <a:rPr lang="en-US" sz="2000" dirty="0">
-                <a:latin typeface="Verdana" panose="020B0604030504040204" pitchFamily="34" charset="0"/>
-                <a:ea typeface="Verdana" panose="020B0604030504040204" pitchFamily="34" charset="0"/>
-                <a:cs typeface="Verdana" panose="020B0604030504040204" pitchFamily="34" charset="0"/>
-              </a:rPr>
-              <a:t> their username and password to a route.</a:t>
+              <a:t>Important Note:  ALL sessions are destroyed when/if the server reboots/restarts</a:t>
             </a:r>
           </a:p>
           <a:p>
@@ -20785,150 +23205,13 @@
               </a:buClr>
               <a:buNone/>
             </a:pPr>
-            <a:r>
-              <a:rPr lang="en-US" sz="2000" dirty="0">
-                <a:latin typeface="Verdana" panose="020B0604030504040204" pitchFamily="34" charset="0"/>
-                <a:ea typeface="Verdana" panose="020B0604030504040204" pitchFamily="34" charset="0"/>
-                <a:cs typeface="Verdana" panose="020B0604030504040204" pitchFamily="34" charset="0"/>
-              </a:rPr>
-              <a:t>This route will need to validate the username and password provided against entries in the database.</a:t>
-            </a:r>
-          </a:p>
-          <a:p>
-            <a:pPr lvl="1">
-              <a:buClr>
-                <a:srgbClr val="C00000"/>
-              </a:buClr>
-            </a:pPr>
-            <a:r>
-              <a:rPr lang="en-US" sz="1800" dirty="0">
-                <a:latin typeface="Verdana" panose="020B0604030504040204" pitchFamily="34" charset="0"/>
-                <a:ea typeface="Verdana" panose="020B0604030504040204" pitchFamily="34" charset="0"/>
-                <a:cs typeface="Verdana" panose="020B0604030504040204" pitchFamily="34" charset="0"/>
-              </a:rPr>
-              <a:t>You will retrieve the user with that matching username</a:t>
-            </a:r>
-          </a:p>
-          <a:p>
-            <a:pPr lvl="1">
-              <a:buClr>
-                <a:srgbClr val="C00000"/>
-              </a:buClr>
-            </a:pPr>
-            <a:r>
-              <a:rPr lang="en-US" sz="1800" dirty="0">
-                <a:latin typeface="Verdana" panose="020B0604030504040204" pitchFamily="34" charset="0"/>
-                <a:ea typeface="Verdana" panose="020B0604030504040204" pitchFamily="34" charset="0"/>
-                <a:cs typeface="Verdana" panose="020B0604030504040204" pitchFamily="34" charset="0"/>
-              </a:rPr>
-              <a:t>You will use </a:t>
-            </a:r>
-            <a:r>
-              <a:rPr lang="en-US" sz="1800" b="1" i="1" dirty="0" err="1">
-                <a:solidFill>
-                  <a:srgbClr val="AB263D"/>
-                </a:solidFill>
-                <a:latin typeface="Verdana" panose="020B0604030504040204" pitchFamily="34" charset="0"/>
-                <a:ea typeface="Verdana" panose="020B0604030504040204" pitchFamily="34" charset="0"/>
-                <a:cs typeface="Verdana" panose="020B0604030504040204" pitchFamily="34" charset="0"/>
-              </a:rPr>
-              <a:t>bcrypt</a:t>
-            </a:r>
-            <a:r>
-              <a:rPr lang="en-US" sz="1800" dirty="0">
-                <a:latin typeface="Verdana" panose="020B0604030504040204" pitchFamily="34" charset="0"/>
-                <a:ea typeface="Verdana" panose="020B0604030504040204" pitchFamily="34" charset="0"/>
-                <a:cs typeface="Verdana" panose="020B0604030504040204" pitchFamily="34" charset="0"/>
-              </a:rPr>
-              <a:t> to compare if their supplied password is a match to their hashed password that is stored in the database</a:t>
-            </a:r>
-          </a:p>
-          <a:p>
-            <a:pPr lvl="2">
-              <a:buClr>
-                <a:srgbClr val="C00000"/>
-              </a:buClr>
-            </a:pPr>
-            <a:r>
-              <a:rPr lang="en-US" sz="1600" dirty="0">
-                <a:latin typeface="Verdana" panose="020B0604030504040204" pitchFamily="34" charset="0"/>
-                <a:ea typeface="Verdana" panose="020B0604030504040204" pitchFamily="34" charset="0"/>
-                <a:cs typeface="Verdana" panose="020B0604030504040204" pitchFamily="34" charset="0"/>
-              </a:rPr>
-              <a:t>I have created a simple file, </a:t>
-            </a:r>
-            <a:r>
-              <a:rPr lang="en-US" sz="1600" b="1" i="1" dirty="0" err="1">
-                <a:solidFill>
-                  <a:srgbClr val="AB263D"/>
-                </a:solidFill>
-                <a:latin typeface="Verdana" panose="020B0604030504040204" pitchFamily="34" charset="0"/>
-                <a:ea typeface="Verdana" panose="020B0604030504040204" pitchFamily="34" charset="0"/>
-                <a:cs typeface="Verdana" panose="020B0604030504040204" pitchFamily="34" charset="0"/>
-              </a:rPr>
-              <a:t>bcrypt_example.js</a:t>
-            </a:r>
-            <a:r>
-              <a:rPr lang="en-US" sz="1600" b="1" i="1" dirty="0">
-                <a:solidFill>
-                  <a:srgbClr val="AB263D"/>
-                </a:solidFill>
-                <a:latin typeface="Verdana" panose="020B0604030504040204" pitchFamily="34" charset="0"/>
-                <a:ea typeface="Verdana" panose="020B0604030504040204" pitchFamily="34" charset="0"/>
-                <a:cs typeface="Verdana" panose="020B0604030504040204" pitchFamily="34" charset="0"/>
-              </a:rPr>
-              <a:t> </a:t>
-            </a:r>
-            <a:r>
-              <a:rPr lang="en-US" sz="1600" dirty="0">
-                <a:latin typeface="Verdana" panose="020B0604030504040204" pitchFamily="34" charset="0"/>
-                <a:ea typeface="Verdana" panose="020B0604030504040204" pitchFamily="34" charset="0"/>
-                <a:cs typeface="Verdana" panose="020B0604030504040204" pitchFamily="34" charset="0"/>
-              </a:rPr>
-              <a:t>to demonstrate how to use </a:t>
-            </a:r>
-            <a:r>
-              <a:rPr lang="en-US" sz="1600" b="1" i="1" dirty="0" err="1">
-                <a:solidFill>
-                  <a:srgbClr val="AB263D"/>
-                </a:solidFill>
-                <a:latin typeface="Verdana" panose="020B0604030504040204" pitchFamily="34" charset="0"/>
-                <a:ea typeface="Verdana" panose="020B0604030504040204" pitchFamily="34" charset="0"/>
-                <a:cs typeface="Verdana" panose="020B0604030504040204" pitchFamily="34" charset="0"/>
-              </a:rPr>
-              <a:t>bcrypt</a:t>
-            </a:r>
-            <a:r>
-              <a:rPr lang="en-US" sz="1600" dirty="0">
-                <a:latin typeface="Verdana" panose="020B0604030504040204" pitchFamily="34" charset="0"/>
-                <a:ea typeface="Verdana" panose="020B0604030504040204" pitchFamily="34" charset="0"/>
-                <a:cs typeface="Verdana" panose="020B0604030504040204" pitchFamily="34" charset="0"/>
-              </a:rPr>
-              <a:t> to create and compare hashes.</a:t>
-            </a:r>
-          </a:p>
-          <a:p>
-            <a:pPr marL="0" indent="0">
-              <a:buClr>
-                <a:srgbClr val="C00000"/>
-              </a:buClr>
-              <a:buNone/>
-            </a:pPr>
-            <a:r>
-              <a:rPr lang="en-US" sz="2000" dirty="0">
-                <a:latin typeface="Verdana" panose="020B0604030504040204" pitchFamily="34" charset="0"/>
-                <a:ea typeface="Verdana" panose="020B0604030504040204" pitchFamily="34" charset="0"/>
-                <a:cs typeface="Verdana" panose="020B0604030504040204" pitchFamily="34" charset="0"/>
-              </a:rPr>
-              <a:t>If there is a match, you can proceed; if not, you will simply not allow the request to continue and display an error to the user.</a:t>
-            </a:r>
-            <a:endParaRPr lang="en-US" b="1" dirty="0">
+            <a:endParaRPr lang="en-US" sz="2000" b="1" i="1" dirty="0">
               <a:solidFill>
                 <a:srgbClr val="AB263D"/>
               </a:solidFill>
-              <a:latin typeface="Verdana" panose="020B0604030504040204" pitchFamily="34" charset="0"/>
+              <a:latin typeface="Courier New" panose="02070309020205020404" pitchFamily="49" charset="0"/>
               <a:ea typeface="Verdana" panose="020B0604030504040204" pitchFamily="34" charset="0"/>
-              <a:cs typeface="Verdana" panose="020B0604030504040204" pitchFamily="34" charset="0"/>
+              <a:cs typeface="Courier New" panose="02070309020205020404" pitchFamily="49" charset="0"/>
             </a:endParaRPr>
           </a:p>
         </p:txBody>
@@ -20981,15 +23264,51 @@
                 <a:ea typeface="Verdana" panose="020B0604030504040204" pitchFamily="34" charset="0"/>
                 <a:cs typeface="Verdana" panose="020B0604030504040204" pitchFamily="34" charset="0"/>
               </a:rPr>
-              <a:t>Allowing Users to Login via a Form</a:t>
+              <a:t>Using express-session to Handle Cookies</a:t>
             </a:r>
           </a:p>
         </p:txBody>
       </p:sp>
+      <p:pic>
+        <p:nvPicPr>
+          <p:cNvPr id="6" name="Picture 5" descr="A close up of a sign&#10;&#10;Description automatically generated">
+            <a:extLst>
+              <a:ext uri="{FF2B5EF4-FFF2-40B4-BE49-F238E27FC236}">
+                <a16:creationId xmlns:a16="http://schemas.microsoft.com/office/drawing/2014/main" id="{BA895F64-B4DE-5646-8C40-B7C4ED04E222}"/>
+              </a:ext>
+            </a:extLst>
+          </p:cNvPr>
+          <p:cNvPicPr>
+            <a:picLocks noChangeAspect="1"/>
+          </p:cNvPicPr>
+          <p:nvPr/>
+        </p:nvPicPr>
+        <p:blipFill>
+          <a:blip r:embed="rId3">
+            <a:extLst>
+              <a:ext uri="{28A0092B-C50C-407E-A947-70E740481C1C}">
+                <a14:useLocalDpi xmlns:a14="http://schemas.microsoft.com/office/drawing/2010/main" val="0"/>
+              </a:ext>
+            </a:extLst>
+          </a:blip>
+          <a:stretch>
+            <a:fillRect/>
+          </a:stretch>
+        </p:blipFill>
+        <p:spPr>
+          <a:xfrm>
+            <a:off x="2598651" y="3711497"/>
+            <a:ext cx="6090539" cy="1450848"/>
+          </a:xfrm>
+          <a:prstGeom prst="rect">
+            <a:avLst/>
+          </a:prstGeom>
+        </p:spPr>
+      </p:pic>
     </p:spTree>
     <p:extLst>
       <p:ext uri="{BB962C8B-B14F-4D97-AF65-F5344CB8AC3E}">
-        <p14:creationId xmlns:p14="http://schemas.microsoft.com/office/powerpoint/2010/main" val="512644906"/>
+        <p14:creationId xmlns:p14="http://schemas.microsoft.com/office/powerpoint/2010/main" val="2050696022"/>
       </p:ext>
     </p:extLst>
   </p:cSld>
@@ -21028,7 +23347,7 @@
         </p:nvSpPr>
         <p:spPr>
           <a:xfrm>
-            <a:off x="301546" y="1536795"/>
+            <a:off x="302605" y="1288317"/>
             <a:ext cx="11585731" cy="4385167"/>
           </a:xfrm>
         </p:spPr>
@@ -21048,7 +23367,23 @@
                 <a:ea typeface="Verdana" panose="020B0604030504040204" pitchFamily="34" charset="0"/>
                 <a:cs typeface="Verdana" panose="020B0604030504040204" pitchFamily="34" charset="0"/>
               </a:rPr>
-              <a:t>If the user logged in with proper credentials, you will then create a session id!  This session ID should be some sort of very long identifier, such as a GUID.</a:t>
+              <a:t>Expiring a cookie with express-session.  As mentioned in the previous slide, we can just set the data for that cookie to be undefined.  We can also set it to expire using </a:t>
+            </a:r>
+            <a:r>
+              <a:rPr lang="en-US" sz="2000" dirty="0" err="1">
+                <a:latin typeface="Verdana" panose="020B0604030504040204" pitchFamily="34" charset="0"/>
+                <a:ea typeface="Verdana" panose="020B0604030504040204" pitchFamily="34" charset="0"/>
+                <a:cs typeface="Verdana" panose="020B0604030504040204" pitchFamily="34" charset="0"/>
+              </a:rPr>
+              <a:t>req.session.cookie.expires</a:t>
+            </a:r>
+            <a:r>
+              <a:rPr lang="en-US" sz="2000" dirty="0">
+                <a:latin typeface="Verdana" panose="020B0604030504040204" pitchFamily="34" charset="0"/>
+                <a:ea typeface="Verdana" panose="020B0604030504040204" pitchFamily="34" charset="0"/>
+                <a:cs typeface="Verdana" panose="020B0604030504040204" pitchFamily="34" charset="0"/>
+              </a:rPr>
+              <a:t> and setting that to a date/time.</a:t>
             </a:r>
           </a:p>
           <a:p>
@@ -21058,31 +23393,7 @@
               </a:buClr>
               <a:buNone/>
             </a:pPr>
-            <a:r>
-              <a:rPr lang="en-US" sz="2000" dirty="0">
-                <a:latin typeface="Verdana" panose="020B0604030504040204" pitchFamily="34" charset="0"/>
-                <a:ea typeface="Verdana" panose="020B0604030504040204" pitchFamily="34" charset="0"/>
-                <a:cs typeface="Verdana" panose="020B0604030504040204" pitchFamily="34" charset="0"/>
-              </a:rPr>
-              <a:t>Rather than storing the user ID or username, and password in cookies, we instead are opting to store a session ID so that the username or password cannot be intercepted.</a:t>
-            </a:r>
-          </a:p>
-          <a:p>
-            <a:pPr marL="0" indent="0">
-              <a:buClr>
-                <a:srgbClr val="C00000"/>
-              </a:buClr>
-              <a:buNone/>
-            </a:pPr>
-            <a:r>
-              <a:rPr lang="en-US" sz="2000" dirty="0">
-                <a:latin typeface="Verdana" panose="020B0604030504040204" pitchFamily="34" charset="0"/>
-                <a:ea typeface="Verdana" panose="020B0604030504040204" pitchFamily="34" charset="0"/>
-                <a:cs typeface="Verdana" panose="020B0604030504040204" pitchFamily="34" charset="0"/>
-              </a:rPr>
-              <a:t>This session ID will be passed to the user via-cookie and will also be stored as one of many session ID’s on the user in the database. So when the user logins in, the server can generate the GUID, store that in an array of session ID’s in the user document and send that back as a cookie to the client in response. </a:t>
-            </a:r>
-            <a:endParaRPr lang="en-US" b="1" dirty="0">
+            <a:endParaRPr lang="en-US" sz="2000" b="1" i="1" dirty="0">
               <a:solidFill>
                 <a:srgbClr val="AB263D"/>
               </a:solidFill>
@@ -21091,6 +23402,111 @@
               <a:cs typeface="Verdana" panose="020B0604030504040204" pitchFamily="34" charset="0"/>
             </a:endParaRPr>
           </a:p>
+          <a:p>
+            <a:pPr marL="0" indent="0">
+              <a:buClr>
+                <a:srgbClr val="C00000"/>
+              </a:buClr>
+              <a:buNone/>
+            </a:pPr>
+            <a:endParaRPr lang="en-US" sz="2000" b="1" i="1" dirty="0">
+              <a:solidFill>
+                <a:srgbClr val="AB263D"/>
+              </a:solidFill>
+              <a:latin typeface="Verdana" panose="020B0604030504040204" pitchFamily="34" charset="0"/>
+              <a:ea typeface="Verdana" panose="020B0604030504040204" pitchFamily="34" charset="0"/>
+              <a:cs typeface="Verdana" panose="020B0604030504040204" pitchFamily="34" charset="0"/>
+            </a:endParaRPr>
+          </a:p>
+          <a:p>
+            <a:pPr marL="0" indent="0">
+              <a:buClr>
+                <a:srgbClr val="C00000"/>
+              </a:buClr>
+              <a:buNone/>
+            </a:pPr>
+            <a:endParaRPr lang="en-US" sz="2000" b="1" i="1" dirty="0">
+              <a:solidFill>
+                <a:srgbClr val="AB263D"/>
+              </a:solidFill>
+              <a:latin typeface="Verdana" panose="020B0604030504040204" pitchFamily="34" charset="0"/>
+              <a:ea typeface="Verdana" panose="020B0604030504040204" pitchFamily="34" charset="0"/>
+              <a:cs typeface="Verdana" panose="020B0604030504040204" pitchFamily="34" charset="0"/>
+            </a:endParaRPr>
+          </a:p>
+          <a:p>
+            <a:pPr marL="0" indent="0">
+              <a:buClr>
+                <a:srgbClr val="C00000"/>
+              </a:buClr>
+              <a:buNone/>
+            </a:pPr>
+            <a:endParaRPr lang="en-US" sz="2000" b="1" i="1" dirty="0">
+              <a:solidFill>
+                <a:srgbClr val="AB263D"/>
+              </a:solidFill>
+              <a:latin typeface="Verdana" panose="020B0604030504040204" pitchFamily="34" charset="0"/>
+              <a:ea typeface="Verdana" panose="020B0604030504040204" pitchFamily="34" charset="0"/>
+              <a:cs typeface="Verdana" panose="020B0604030504040204" pitchFamily="34" charset="0"/>
+            </a:endParaRPr>
+          </a:p>
+          <a:p>
+            <a:pPr marL="0" indent="0">
+              <a:buClr>
+                <a:srgbClr val="C00000"/>
+              </a:buClr>
+              <a:buNone/>
+            </a:pPr>
+            <a:r>
+              <a:rPr lang="en-US" sz="2000" b="1" i="1" dirty="0">
+                <a:solidFill>
+                  <a:srgbClr val="AB263D"/>
+                </a:solidFill>
+                <a:latin typeface="Verdana" panose="020B0604030504040204" pitchFamily="34" charset="0"/>
+                <a:ea typeface="Verdana" panose="020B0604030504040204" pitchFamily="34" charset="0"/>
+                <a:cs typeface="Verdana" panose="020B0604030504040204" pitchFamily="34" charset="0"/>
+              </a:rPr>
+              <a:t>You can also destroy the session completely by using </a:t>
+            </a:r>
+            <a:r>
+              <a:rPr lang="en-US" sz="2000" b="1" i="1" dirty="0" err="1">
+                <a:solidFill>
+                  <a:srgbClr val="AB263D"/>
+                </a:solidFill>
+                <a:latin typeface="Verdana" panose="020B0604030504040204" pitchFamily="34" charset="0"/>
+                <a:ea typeface="Verdana" panose="020B0604030504040204" pitchFamily="34" charset="0"/>
+                <a:cs typeface="Verdana" panose="020B0604030504040204" pitchFamily="34" charset="0"/>
+              </a:rPr>
+              <a:t>req.session.destroy</a:t>
+            </a:r>
+            <a:r>
+              <a:rPr lang="en-US" sz="2000" b="1" i="1" dirty="0">
+                <a:solidFill>
+                  <a:srgbClr val="AB263D"/>
+                </a:solidFill>
+                <a:latin typeface="Verdana" panose="020B0604030504040204" pitchFamily="34" charset="0"/>
+                <a:ea typeface="Verdana" panose="020B0604030504040204" pitchFamily="34" charset="0"/>
+                <a:cs typeface="Verdana" panose="020B0604030504040204" pitchFamily="34" charset="0"/>
+              </a:rPr>
+              <a:t>()</a:t>
+            </a:r>
+          </a:p>
+          <a:p>
+            <a:pPr marL="0" indent="0">
+              <a:buClr>
+                <a:srgbClr val="C00000"/>
+              </a:buClr>
+              <a:buNone/>
+            </a:pPr>
+            <a:endParaRPr lang="en-US" sz="2000" b="1" i="1" dirty="0">
+              <a:solidFill>
+                <a:srgbClr val="AB263D"/>
+              </a:solidFill>
+              <a:latin typeface="Courier New" panose="02070309020205020404" pitchFamily="49" charset="0"/>
+              <a:ea typeface="Verdana" panose="020B0604030504040204" pitchFamily="34" charset="0"/>
+              <a:cs typeface="Courier New" panose="02070309020205020404" pitchFamily="49" charset="0"/>
+            </a:endParaRPr>
+          </a:p>
         </p:txBody>
       </p:sp>
       <p:sp>
@@ -21141,15 +23557,51 @@
                 <a:ea typeface="Verdana" panose="020B0604030504040204" pitchFamily="34" charset="0"/>
                 <a:cs typeface="Verdana" panose="020B0604030504040204" pitchFamily="34" charset="0"/>
               </a:rPr>
-              <a:t>Storing Session Data in a Cookie</a:t>
+              <a:t>Using express-session to Handle Cookies</a:t>
             </a:r>
           </a:p>
         </p:txBody>
       </p:sp>
+      <p:pic>
+        <p:nvPicPr>
+          <p:cNvPr id="6" name="Picture 5" descr="A screen shot of a computer&#10;&#10;Description automatically generated">
+            <a:extLst>
+              <a:ext uri="{FF2B5EF4-FFF2-40B4-BE49-F238E27FC236}">
+                <a16:creationId xmlns:a16="http://schemas.microsoft.com/office/drawing/2014/main" id="{EA9D6CF2-B921-3543-9597-6894B1EABE20}"/>
+              </a:ext>
+            </a:extLst>
+          </p:cNvPr>
+          <p:cNvPicPr>
+            <a:picLocks noChangeAspect="1"/>
+          </p:cNvPicPr>
+          <p:nvPr/>
+        </p:nvPicPr>
+        <p:blipFill>
+          <a:blip r:embed="rId3">
+            <a:extLst>
+              <a:ext uri="{28A0092B-C50C-407E-A947-70E740481C1C}">
+                <a14:useLocalDpi xmlns:a14="http://schemas.microsoft.com/office/drawing/2010/main" val="0"/>
+              </a:ext>
+            </a:extLst>
+          </a:blip>
+          <a:stretch>
+            <a:fillRect/>
+          </a:stretch>
+        </p:blipFill>
+        <p:spPr>
+          <a:xfrm>
+            <a:off x="2721932" y="2324890"/>
+            <a:ext cx="5607939" cy="1499616"/>
+          </a:xfrm>
+          <a:prstGeom prst="rect">
+            <a:avLst/>
+          </a:prstGeom>
+        </p:spPr>
+      </p:pic>
     </p:spTree>
     <p:extLst>
       <p:ext uri="{BB962C8B-B14F-4D97-AF65-F5344CB8AC3E}">
-        <p14:creationId xmlns:p14="http://schemas.microsoft.com/office/powerpoint/2010/main" val="516340808"/>
+        <p14:creationId xmlns:p14="http://schemas.microsoft.com/office/powerpoint/2010/main" val="1568720549"/>
       </p:ext>
     </p:extLst>
   </p:cSld>
@@ -21178,7 +23630,31 @@
       </p:grpSpPr>
       <p:sp>
         <p:nvSpPr>
-          <p:cNvPr id="2" name="Text Placeholder 1"/>
+          <p:cNvPr id="2" name="Slide Number Placeholder 1"/>
+          <p:cNvSpPr>
+            <a:spLocks noGrp="1"/>
+          </p:cNvSpPr>
+          <p:nvPr>
+            <p:ph type="sldNum" sz="quarter" idx="14"/>
+          </p:nvPr>
+        </p:nvSpPr>
+        <p:spPr/>
+        <p:txBody>
+          <a:bodyPr/>
+          <a:lstStyle/>
+          <a:p>
+            <a:fld id="{12342C3A-DD85-7843-B416-BD52AB030D59}" type="slidenum">
+              <a:rPr lang="en-US" smtClean="0"/>
+              <a:pPr/>
+              <a:t>23</a:t>
+            </a:fld>
+            <a:endParaRPr lang="en-US" dirty="0"/>
+          </a:p>
+        </p:txBody>
+      </p:sp>
+      <p:sp>
+        <p:nvSpPr>
+          <p:cNvPr id="4" name="Text Placeholder 3"/>
           <p:cNvSpPr>
             <a:spLocks noGrp="1"/>
           </p:cNvSpPr>
@@ -21188,185 +23664,54 @@
         </p:nvSpPr>
         <p:spPr>
           <a:xfrm>
-            <a:off x="301546" y="1536795"/>
-            <a:ext cx="11585731" cy="4385167"/>
+            <a:off x="466343" y="2138947"/>
+            <a:ext cx="11522671" cy="1099553"/>
           </a:xfrm>
         </p:spPr>
         <p:txBody>
           <a:bodyPr/>
           <a:lstStyle/>
           <a:p>
-            <a:pPr marL="0" indent="0">
-              <a:buClr>
-                <a:srgbClr val="C00000"/>
-              </a:buClr>
-              <a:buNone/>
-            </a:pPr>
-            <a:r>
-              <a:rPr lang="en-US" sz="2000" dirty="0">
+            <a:pPr algn="ctr"/>
+            <a:r>
+              <a:rPr lang="en-US" sz="3800" b="1" dirty="0">
                 <a:latin typeface="Verdana" panose="020B0604030504040204" pitchFamily="34" charset="0"/>
                 <a:ea typeface="Verdana" panose="020B0604030504040204" pitchFamily="34" charset="0"/>
                 <a:cs typeface="Verdana" panose="020B0604030504040204" pitchFamily="34" charset="0"/>
               </a:rPr>
-              <a:t>It is now time to make your middleware!</a:t>
-            </a:r>
-          </a:p>
-          <a:p>
-            <a:pPr marL="0" indent="0">
-              <a:buClr>
-                <a:srgbClr val="C00000"/>
-              </a:buClr>
-              <a:buNone/>
-            </a:pPr>
-            <a:r>
-              <a:rPr lang="en-US" sz="2000" dirty="0">
-                <a:latin typeface="Verdana" panose="020B0604030504040204" pitchFamily="34" charset="0"/>
-                <a:ea typeface="Verdana" panose="020B0604030504040204" pitchFamily="34" charset="0"/>
-                <a:cs typeface="Verdana" panose="020B0604030504040204" pitchFamily="34" charset="0"/>
-              </a:rPr>
-              <a:t>Your middleware should run on each request, and will check for a cookie containing a session ID</a:t>
-            </a:r>
-          </a:p>
-          <a:p>
-            <a:pPr lvl="1">
-              <a:buClr>
-                <a:srgbClr val="C00000"/>
-              </a:buClr>
-            </a:pPr>
-            <a:r>
-              <a:rPr lang="en-US" sz="1800" dirty="0">
-                <a:latin typeface="Verdana" panose="020B0604030504040204" pitchFamily="34" charset="0"/>
-                <a:ea typeface="Verdana" panose="020B0604030504040204" pitchFamily="34" charset="0"/>
-                <a:cs typeface="Verdana" panose="020B0604030504040204" pitchFamily="34" charset="0"/>
-              </a:rPr>
-              <a:t>If it contains a session ID, you will check the database for a single user that has that session ID stored in their session ID field</a:t>
-            </a:r>
-          </a:p>
-          <a:p>
-            <a:pPr lvl="2">
-              <a:buClr>
-                <a:srgbClr val="C00000"/>
-              </a:buClr>
-            </a:pPr>
-            <a:r>
-              <a:rPr lang="en-US" sz="1600" dirty="0">
-                <a:latin typeface="Verdana" panose="020B0604030504040204" pitchFamily="34" charset="0"/>
-                <a:ea typeface="Verdana" panose="020B0604030504040204" pitchFamily="34" charset="0"/>
-                <a:cs typeface="Verdana" panose="020B0604030504040204" pitchFamily="34" charset="0"/>
-              </a:rPr>
-              <a:t>If there is a match, you’ve found your user!</a:t>
-            </a:r>
-          </a:p>
-          <a:p>
-            <a:pPr lvl="2">
-              <a:buClr>
-                <a:srgbClr val="C00000"/>
-              </a:buClr>
-            </a:pPr>
-            <a:r>
-              <a:rPr lang="en-US" sz="1600" dirty="0">
-                <a:latin typeface="Verdana" panose="020B0604030504040204" pitchFamily="34" charset="0"/>
-                <a:ea typeface="Verdana" panose="020B0604030504040204" pitchFamily="34" charset="0"/>
-                <a:cs typeface="Verdana" panose="020B0604030504040204" pitchFamily="34" charset="0"/>
-              </a:rPr>
-              <a:t>If not, your request is coming from an unauthenticated source; expire their cookie.</a:t>
-            </a:r>
-          </a:p>
-          <a:p>
-            <a:pPr marL="0" indent="0">
-              <a:buClr>
-                <a:srgbClr val="C00000"/>
-              </a:buClr>
-              <a:buNone/>
-            </a:pPr>
-            <a:endParaRPr lang="en-US" sz="2000" dirty="0">
-              <a:latin typeface="Verdana" panose="020B0604030504040204" pitchFamily="34" charset="0"/>
-              <a:ea typeface="Verdana" panose="020B0604030504040204" pitchFamily="34" charset="0"/>
-              <a:cs typeface="Verdana" panose="020B0604030504040204" pitchFamily="34" charset="0"/>
-            </a:endParaRPr>
-          </a:p>
-          <a:p>
-            <a:pPr lvl="1">
-              <a:buClr>
-                <a:srgbClr val="C00000"/>
-              </a:buClr>
-            </a:pPr>
-            <a:r>
-              <a:rPr lang="en-US" sz="1800" dirty="0">
-                <a:latin typeface="Verdana" panose="020B0604030504040204" pitchFamily="34" charset="0"/>
-                <a:ea typeface="Verdana" panose="020B0604030504040204" pitchFamily="34" charset="0"/>
-                <a:cs typeface="Verdana" panose="020B0604030504040204" pitchFamily="34" charset="0"/>
-              </a:rPr>
-              <a:t>If not, your request is coming from an unauthenticated source.</a:t>
-            </a:r>
-            <a:endParaRPr lang="en-US" b="1" dirty="0">
-              <a:solidFill>
-                <a:srgbClr val="AB263D"/>
-              </a:solidFill>
-              <a:latin typeface="Verdana" panose="020B0604030504040204" pitchFamily="34" charset="0"/>
-              <a:ea typeface="Verdana" panose="020B0604030504040204" pitchFamily="34" charset="0"/>
-              <a:cs typeface="Verdana" panose="020B0604030504040204" pitchFamily="34" charset="0"/>
-            </a:endParaRPr>
+              <a:t>Session Based Authentication using Express, Middleware, and MongoDB</a:t>
+            </a:r>
+            <a:endParaRPr lang="en-US" dirty="0"/>
           </a:p>
         </p:txBody>
       </p:sp>
-      <p:sp>
-        <p:nvSpPr>
-          <p:cNvPr id="3" name="Slide Number Placeholder 2"/>
-          <p:cNvSpPr>
-            <a:spLocks noGrp="1"/>
-          </p:cNvSpPr>
-          <p:nvPr>
-            <p:ph type="sldNum" sz="quarter" idx="14"/>
-          </p:nvPr>
-        </p:nvSpPr>
+      <p:pic>
+        <p:nvPicPr>
+          <p:cNvPr id="6" name="Picture Placeholder 5" descr="nanotechnology-173305070.jpg"/>
+          <p:cNvPicPr>
+            <a:picLocks noGrp="1" noChangeAspect="1"/>
+          </p:cNvPicPr>
+          <p:nvPr>
+            <p:ph type="pic" sz="quarter" idx="13"/>
+          </p:nvPr>
+        </p:nvPicPr>
+        <p:blipFill rotWithShape="1">
+          <a:blip r:embed="rId3" cstate="screen">
+            <a:extLst>
+              <a:ext uri="{28A0092B-C50C-407E-A947-70E740481C1C}">
+                <a14:useLocalDpi xmlns:a14="http://schemas.microsoft.com/office/drawing/2010/main"/>
+              </a:ext>
+            </a:extLst>
+          </a:blip>
+          <a:srcRect/>
+          <a:stretch/>
+        </p:blipFill>
         <p:spPr/>
-        <p:txBody>
-          <a:bodyPr/>
-          <a:lstStyle/>
-          <a:p>
-            <a:fld id="{12342C3A-DD85-7843-B416-BD52AB030D59}" type="slidenum">
-              <a:rPr lang="en-US" smtClean="0"/>
-              <a:pPr/>
-              <a:t>23</a:t>
-            </a:fld>
-            <a:endParaRPr lang="en-US"/>
-          </a:p>
-        </p:txBody>
-      </p:sp>
-      <p:sp>
-        <p:nvSpPr>
-          <p:cNvPr id="4" name="Title 3"/>
-          <p:cNvSpPr>
-            <a:spLocks noGrp="1"/>
-          </p:cNvSpPr>
-          <p:nvPr>
-            <p:ph type="title"/>
-          </p:nvPr>
-        </p:nvSpPr>
-        <p:spPr/>
-        <p:txBody>
-          <a:bodyPr/>
-          <a:lstStyle/>
-          <a:p>
-            <a:r>
-              <a:rPr lang="en-US" dirty="0">
-                <a:solidFill>
-                  <a:srgbClr val="AB262E"/>
-                </a:solidFill>
-                <a:latin typeface="Verdana" panose="020B0604030504040204" pitchFamily="34" charset="0"/>
-                <a:ea typeface="Verdana" panose="020B0604030504040204" pitchFamily="34" charset="0"/>
-                <a:cs typeface="Verdana" panose="020B0604030504040204" pitchFamily="34" charset="0"/>
-              </a:rPr>
-              <a:t>Validating the Data Stored in the Cookie</a:t>
-            </a:r>
-          </a:p>
-        </p:txBody>
-      </p:sp>
+      </p:pic>
     </p:spTree>
     <p:extLst>
       <p:ext uri="{BB962C8B-B14F-4D97-AF65-F5344CB8AC3E}">
-        <p14:creationId xmlns:p14="http://schemas.microsoft.com/office/powerpoint/2010/main" val="3804716203"/>
+        <p14:creationId xmlns:p14="http://schemas.microsoft.com/office/powerpoint/2010/main" val="4142024012"/>
       </p:ext>
     </p:extLst>
   </p:cSld>
@@ -21405,7 +23750,7 @@
         </p:nvSpPr>
         <p:spPr>
           <a:xfrm>
-            <a:off x="301546" y="1536795"/>
+            <a:off x="302605" y="1288317"/>
             <a:ext cx="11585731" cy="4385167"/>
           </a:xfrm>
         </p:spPr>
@@ -21425,104 +23770,10 @@
                 <a:ea typeface="Verdana" panose="020B0604030504040204" pitchFamily="34" charset="0"/>
                 <a:cs typeface="Verdana" panose="020B0604030504040204" pitchFamily="34" charset="0"/>
               </a:rPr>
-              <a:t>In your middleware, you have access to the request and the response objects, and you can add properties to them easily.</a:t>
-            </a:r>
-          </a:p>
-          <a:p>
-            <a:pPr marL="0" indent="0">
-              <a:buClr>
-                <a:srgbClr val="C00000"/>
-              </a:buClr>
-              <a:buNone/>
-            </a:pPr>
-            <a:r>
-              <a:rPr lang="en-US" sz="2000" dirty="0">
-                <a:latin typeface="Verdana" panose="020B0604030504040204" pitchFamily="34" charset="0"/>
-                <a:ea typeface="Verdana" panose="020B0604030504040204" pitchFamily="34" charset="0"/>
-                <a:cs typeface="Verdana" panose="020B0604030504040204" pitchFamily="34" charset="0"/>
-              </a:rPr>
-              <a:t>If you are able to associate a session ID with a user, you may define a property on the request (or response!) object that stores the user, or some representation of them (</a:t>
-            </a:r>
-            <a:r>
-              <a:rPr lang="en-US" sz="2000" dirty="0" err="1">
-                <a:latin typeface="Verdana" panose="020B0604030504040204" pitchFamily="34" charset="0"/>
-                <a:ea typeface="Verdana" panose="020B0604030504040204" pitchFamily="34" charset="0"/>
-                <a:cs typeface="Verdana" panose="020B0604030504040204" pitchFamily="34" charset="0"/>
-              </a:rPr>
-              <a:t>ie</a:t>
-            </a:r>
-            <a:r>
-              <a:rPr lang="en-US" sz="2000" dirty="0">
-                <a:latin typeface="Verdana" panose="020B0604030504040204" pitchFamily="34" charset="0"/>
-                <a:ea typeface="Verdana" panose="020B0604030504040204" pitchFamily="34" charset="0"/>
-                <a:cs typeface="Verdana" panose="020B0604030504040204" pitchFamily="34" charset="0"/>
-              </a:rPr>
-              <a:t>: just storing the user ID).</a:t>
-            </a:r>
-          </a:p>
-          <a:p>
-            <a:pPr marL="0" indent="0">
-              <a:buClr>
-                <a:srgbClr val="C00000"/>
-              </a:buClr>
-              <a:buNone/>
-            </a:pPr>
-            <a:r>
-              <a:rPr lang="en-US" sz="2000" dirty="0">
-                <a:latin typeface="Verdana" panose="020B0604030504040204" pitchFamily="34" charset="0"/>
-                <a:ea typeface="Verdana" panose="020B0604030504040204" pitchFamily="34" charset="0"/>
-                <a:cs typeface="Verdana" panose="020B0604030504040204" pitchFamily="34" charset="0"/>
-              </a:rPr>
-              <a:t>The data you store will be accessible:</a:t>
-            </a:r>
-          </a:p>
-          <a:p>
-            <a:pPr lvl="1">
-              <a:buClr>
-                <a:srgbClr val="C00000"/>
-              </a:buClr>
-            </a:pPr>
-            <a:r>
-              <a:rPr lang="en-US" sz="1800" dirty="0">
-                <a:latin typeface="Verdana" panose="020B0604030504040204" pitchFamily="34" charset="0"/>
-                <a:ea typeface="Verdana" panose="020B0604030504040204" pitchFamily="34" charset="0"/>
-                <a:cs typeface="Verdana" panose="020B0604030504040204" pitchFamily="34" charset="0"/>
-              </a:rPr>
-              <a:t>In middleware that are defined after the authentication middleware</a:t>
-            </a:r>
-          </a:p>
-          <a:p>
-            <a:pPr lvl="1">
-              <a:buClr>
-                <a:srgbClr val="C00000"/>
-              </a:buClr>
-            </a:pPr>
-            <a:r>
-              <a:rPr lang="en-US" sz="1800" dirty="0">
-                <a:latin typeface="Verdana" panose="020B0604030504040204" pitchFamily="34" charset="0"/>
-                <a:ea typeface="Verdana" panose="020B0604030504040204" pitchFamily="34" charset="0"/>
-                <a:cs typeface="Verdana" panose="020B0604030504040204" pitchFamily="34" charset="0"/>
-              </a:rPr>
-              <a:t>In your routes</a:t>
-            </a:r>
-          </a:p>
-          <a:p>
-            <a:pPr marL="0" indent="0">
-              <a:buClr>
-                <a:srgbClr val="C00000"/>
-              </a:buClr>
-              <a:buNone/>
-            </a:pPr>
-            <a:r>
-              <a:rPr lang="en-US" sz="2000" dirty="0">
-                <a:latin typeface="Verdana" panose="020B0604030504040204" pitchFamily="34" charset="0"/>
-                <a:ea typeface="Verdana" panose="020B0604030504040204" pitchFamily="34" charset="0"/>
-                <a:cs typeface="Verdana" panose="020B0604030504040204" pitchFamily="34" charset="0"/>
-              </a:rPr>
-              <a:t>If you define middleware after your authentication middleware, you can attach them to  particular paths (such as </a:t>
-            </a:r>
-            <a:r>
-              <a:rPr lang="en-US" sz="2000" b="1" i="1" dirty="0">
+              <a:t>Authentication is the act of confirming the identity of a person, group, or entity.  In web technology, this often means creating a </a:t>
+            </a:r>
+            <a:r>
+              <a:rPr lang="en-US" sz="2000" b="1" dirty="0">
                 <a:solidFill>
                   <a:srgbClr val="AB263D"/>
                 </a:solidFill>
@@ -21530,50 +23781,111 @@
                 <a:ea typeface="Verdana" panose="020B0604030504040204" pitchFamily="34" charset="0"/>
                 <a:cs typeface="Verdana" panose="020B0604030504040204" pitchFamily="34" charset="0"/>
               </a:rPr>
-              <a:t>/user</a:t>
-            </a:r>
+              <a:t>user login system</a:t>
+            </a:r>
+          </a:p>
+          <a:p>
+            <a:pPr lvl="1">
+              <a:buClr>
+                <a:srgbClr val="C00000"/>
+              </a:buClr>
+            </a:pPr>
+            <a:r>
+              <a:rPr lang="en-US" sz="1800" dirty="0">
+                <a:latin typeface="Verdana" panose="020B0604030504040204" pitchFamily="34" charset="0"/>
+                <a:ea typeface="Verdana" panose="020B0604030504040204" pitchFamily="34" charset="0"/>
+                <a:cs typeface="Verdana" panose="020B0604030504040204" pitchFamily="34" charset="0"/>
+              </a:rPr>
+              <a:t>You will use a combination of data in order to identify a user.</a:t>
+            </a:r>
+          </a:p>
+          <a:p>
+            <a:pPr marL="0" indent="0">
+              <a:buClr>
+                <a:srgbClr val="C00000"/>
+              </a:buClr>
+              <a:buNone/>
+            </a:pPr>
+            <a:endParaRPr lang="en-US" sz="2000" dirty="0">
+              <a:latin typeface="Verdana" panose="020B0604030504040204" pitchFamily="34" charset="0"/>
+              <a:ea typeface="Verdana" panose="020B0604030504040204" pitchFamily="34" charset="0"/>
+              <a:cs typeface="Verdana" panose="020B0604030504040204" pitchFamily="34" charset="0"/>
+            </a:endParaRPr>
+          </a:p>
+          <a:p>
+            <a:pPr marL="0" indent="0">
+              <a:buClr>
+                <a:srgbClr val="C00000"/>
+              </a:buClr>
+              <a:buNone/>
+            </a:pPr>
             <a:r>
               <a:rPr lang="en-US" sz="2000" dirty="0">
                 <a:latin typeface="Verdana" panose="020B0604030504040204" pitchFamily="34" charset="0"/>
                 <a:ea typeface="Verdana" panose="020B0604030504040204" pitchFamily="34" charset="0"/>
                 <a:cs typeface="Verdana" panose="020B0604030504040204" pitchFamily="34" charset="0"/>
               </a:rPr>
-              <a:t>) and, if a user is not logged in, you can redirect them. You can also do things such as check on other paths (</a:t>
-            </a:r>
-            <a:r>
-              <a:rPr lang="en-US" sz="2000" dirty="0" err="1">
+              <a:t>There are many other forms of authentication in web technology:</a:t>
+            </a:r>
+          </a:p>
+          <a:p>
+            <a:pPr lvl="1">
+              <a:buClr>
+                <a:srgbClr val="C00000"/>
+              </a:buClr>
+            </a:pPr>
+            <a:r>
+              <a:rPr lang="en-US" sz="1800" dirty="0">
                 <a:latin typeface="Verdana" panose="020B0604030504040204" pitchFamily="34" charset="0"/>
                 <a:ea typeface="Verdana" panose="020B0604030504040204" pitchFamily="34" charset="0"/>
                 <a:cs typeface="Verdana" panose="020B0604030504040204" pitchFamily="34" charset="0"/>
               </a:rPr>
-              <a:t>ie</a:t>
-            </a:r>
-            <a:r>
-              <a:rPr lang="en-US" sz="2000" dirty="0">
+              <a:t>You can make an authentication system that allows you to limit API Access</a:t>
+            </a:r>
+          </a:p>
+          <a:p>
+            <a:pPr lvl="2">
+              <a:buClr>
+                <a:srgbClr val="C00000"/>
+              </a:buClr>
+            </a:pPr>
+            <a:r>
+              <a:rPr lang="en-US" sz="1600" dirty="0">
                 <a:latin typeface="Verdana" panose="020B0604030504040204" pitchFamily="34" charset="0"/>
                 <a:ea typeface="Verdana" panose="020B0604030504040204" pitchFamily="34" charset="0"/>
                 <a:cs typeface="Verdana" panose="020B0604030504040204" pitchFamily="34" charset="0"/>
               </a:rPr>
-              <a:t>: </a:t>
-            </a:r>
-            <a:r>
-              <a:rPr lang="en-US" sz="2000" b="1" i="1" dirty="0">
-                <a:solidFill>
-                  <a:srgbClr val="AB263D"/>
-                </a:solidFill>
+              <a:t>Force users to have a token</a:t>
+            </a:r>
+          </a:p>
+          <a:p>
+            <a:pPr lvl="2">
+              <a:buClr>
+                <a:srgbClr val="C00000"/>
+              </a:buClr>
+            </a:pPr>
+            <a:r>
+              <a:rPr lang="en-US" sz="1600" dirty="0">
                 <a:latin typeface="Verdana" panose="020B0604030504040204" pitchFamily="34" charset="0"/>
                 <a:ea typeface="Verdana" panose="020B0604030504040204" pitchFamily="34" charset="0"/>
                 <a:cs typeface="Verdana" panose="020B0604030504040204" pitchFamily="34" charset="0"/>
               </a:rPr>
-              <a:t>/admin</a:t>
-            </a:r>
-            <a:r>
-              <a:rPr lang="en-US" sz="2000" dirty="0">
+              <a:t>Allow users a certain number of access hits a month</a:t>
+            </a:r>
+          </a:p>
+          <a:p>
+            <a:pPr lvl="1">
+              <a:buClr>
+                <a:srgbClr val="C00000"/>
+              </a:buClr>
+            </a:pPr>
+            <a:r>
+              <a:rPr lang="en-US" sz="1800" dirty="0">
                 <a:latin typeface="Verdana" panose="020B0604030504040204" pitchFamily="34" charset="0"/>
                 <a:ea typeface="Verdana" panose="020B0604030504040204" pitchFamily="34" charset="0"/>
                 <a:cs typeface="Verdana" panose="020B0604030504040204" pitchFamily="34" charset="0"/>
               </a:rPr>
-              <a:t>) to see if the user has permission to access those paths, and redirect if not.</a:t>
+              <a:t>You can selectively allow or dis-allow access to resources based on user login state</a:t>
             </a:r>
             <a:endParaRPr lang="en-US" b="1" dirty="0">
               <a:solidFill>
@@ -21634,7 +23946,7 @@
                 <a:ea typeface="Verdana" panose="020B0604030504040204" pitchFamily="34" charset="0"/>
                 <a:cs typeface="Verdana" panose="020B0604030504040204" pitchFamily="34" charset="0"/>
               </a:rPr>
-              <a:t>Storing the User in the Request Object</a:t>
+              <a:t>Authentication </a:t>
             </a:r>
           </a:p>
         </p:txBody>
@@ -21642,7 +23954,7 @@
     </p:spTree>
     <p:extLst>
       <p:ext uri="{BB962C8B-B14F-4D97-AF65-F5344CB8AC3E}">
-        <p14:creationId xmlns:p14="http://schemas.microsoft.com/office/powerpoint/2010/main" val="1388964172"/>
+        <p14:creationId xmlns:p14="http://schemas.microsoft.com/office/powerpoint/2010/main" val="1635776368"/>
       </p:ext>
     </p:extLst>
   </p:cSld>
@@ -21681,7 +23993,7 @@
         </p:nvSpPr>
         <p:spPr>
           <a:xfrm>
-            <a:off x="301546" y="1536795"/>
+            <a:off x="302605" y="1288317"/>
             <a:ext cx="11585731" cy="4385167"/>
           </a:xfrm>
         </p:spPr>
@@ -21701,7 +24013,7 @@
                 <a:ea typeface="Verdana" panose="020B0604030504040204" pitchFamily="34" charset="0"/>
                 <a:cs typeface="Verdana" panose="020B0604030504040204" pitchFamily="34" charset="0"/>
               </a:rPr>
-              <a:t>Logging out is extremely easy, and only has two steps!</a:t>
+              <a:t>In order to implement authentication and create a user login system, we will be breaking down  the task into several steps:</a:t>
             </a:r>
           </a:p>
           <a:p>
@@ -21716,7 +24028,7 @@
                 <a:ea typeface="Verdana" panose="020B0604030504040204" pitchFamily="34" charset="0"/>
                 <a:cs typeface="Verdana" panose="020B0604030504040204" pitchFamily="34" charset="0"/>
               </a:rPr>
-              <a:t>After hitting a logout route, you will expire the cookie for the session ID</a:t>
+              <a:t>Creating and storing users</a:t>
             </a:r>
           </a:p>
           <a:p>
@@ -21731,7 +24043,7 @@
                 <a:ea typeface="Verdana" panose="020B0604030504040204" pitchFamily="34" charset="0"/>
                 <a:cs typeface="Verdana" panose="020B0604030504040204" pitchFamily="34" charset="0"/>
               </a:rPr>
-              <a:t>You will remove the session ID from the user’s session ID list</a:t>
+              <a:t>Allowing users to login via a form</a:t>
             </a:r>
           </a:p>
           <a:p>
@@ -21746,7 +24058,37 @@
                 <a:ea typeface="Verdana" panose="020B0604030504040204" pitchFamily="34" charset="0"/>
                 <a:cs typeface="Verdana" panose="020B0604030504040204" pitchFamily="34" charset="0"/>
               </a:rPr>
-              <a:t>You will invalidate any other cookies that are relevant to the user.</a:t>
+              <a:t>Storing session data in a cookie</a:t>
+            </a:r>
+          </a:p>
+          <a:p>
+            <a:pPr lvl="1">
+              <a:buClr>
+                <a:srgbClr val="C00000"/>
+              </a:buClr>
+            </a:pPr>
+            <a:r>
+              <a:rPr lang="en-US" sz="1800" dirty="0">
+                <a:latin typeface="Verdana" panose="020B0604030504040204" pitchFamily="34" charset="0"/>
+                <a:ea typeface="Verdana" panose="020B0604030504040204" pitchFamily="34" charset="0"/>
+                <a:cs typeface="Verdana" panose="020B0604030504040204" pitchFamily="34" charset="0"/>
+              </a:rPr>
+              <a:t>Validating the data stored in the cookie</a:t>
+            </a:r>
+          </a:p>
+          <a:p>
+            <a:pPr lvl="1">
+              <a:buClr>
+                <a:srgbClr val="C00000"/>
+              </a:buClr>
+            </a:pPr>
+            <a:r>
+              <a:rPr lang="en-US" sz="1800" dirty="0">
+                <a:latin typeface="Verdana" panose="020B0604030504040204" pitchFamily="34" charset="0"/>
+                <a:ea typeface="Verdana" panose="020B0604030504040204" pitchFamily="34" charset="0"/>
+                <a:cs typeface="Verdana" panose="020B0604030504040204" pitchFamily="34" charset="0"/>
+              </a:rPr>
+              <a:t>Storing the user as part of the request object.</a:t>
             </a:r>
           </a:p>
           <a:p>
@@ -21756,13 +24098,26 @@
               </a:buClr>
               <a:buNone/>
             </a:pPr>
+            <a:endParaRPr lang="en-US" sz="2000" dirty="0">
+              <a:latin typeface="Verdana" panose="020B0604030504040204" pitchFamily="34" charset="0"/>
+              <a:ea typeface="Verdana" panose="020B0604030504040204" pitchFamily="34" charset="0"/>
+              <a:cs typeface="Verdana" panose="020B0604030504040204" pitchFamily="34" charset="0"/>
+            </a:endParaRPr>
+          </a:p>
+          <a:p>
+            <a:pPr marL="0" indent="0">
+              <a:buClr>
+                <a:srgbClr val="C00000"/>
+              </a:buClr>
+              <a:buNone/>
+            </a:pPr>
             <a:r>
               <a:rPr lang="en-US" sz="2000" dirty="0">
                 <a:latin typeface="Verdana" panose="020B0604030504040204" pitchFamily="34" charset="0"/>
                 <a:ea typeface="Verdana" panose="020B0604030504040204" pitchFamily="34" charset="0"/>
                 <a:cs typeface="Verdana" panose="020B0604030504040204" pitchFamily="34" charset="0"/>
               </a:rPr>
-              <a:t>By doing both of those, you will have successfully invalidated the session and the user will no longer be authenticated.</a:t>
+              <a:t>Let’s walk through this process.</a:t>
             </a:r>
             <a:endParaRPr lang="en-US" b="1" dirty="0">
               <a:solidFill>
@@ -21823,7 +24178,7 @@
                 <a:ea typeface="Verdana" panose="020B0604030504040204" pitchFamily="34" charset="0"/>
                 <a:cs typeface="Verdana" panose="020B0604030504040204" pitchFamily="34" charset="0"/>
               </a:rPr>
-              <a:t>Logging Out</a:t>
+              <a:t>Implementing Authentication </a:t>
             </a:r>
           </a:p>
         </p:txBody>
@@ -21831,7 +24186,7 @@
     </p:spTree>
     <p:extLst>
       <p:ext uri="{BB962C8B-B14F-4D97-AF65-F5344CB8AC3E}">
-        <p14:creationId xmlns:p14="http://schemas.microsoft.com/office/powerpoint/2010/main" val="131458676"/>
+        <p14:creationId xmlns:p14="http://schemas.microsoft.com/office/powerpoint/2010/main" val="3539097831"/>
       </p:ext>
     </p:extLst>
   </p:cSld>
@@ -21860,7 +24215,270 @@
       </p:grpSpPr>
       <p:sp>
         <p:nvSpPr>
-          <p:cNvPr id="2" name="Slide Number Placeholder 1"/>
+          <p:cNvPr id="2" name="Text Placeholder 1"/>
+          <p:cNvSpPr>
+            <a:spLocks noGrp="1"/>
+          </p:cNvSpPr>
+          <p:nvPr>
+            <p:ph type="body" sz="quarter" idx="12"/>
+          </p:nvPr>
+        </p:nvSpPr>
+        <p:spPr>
+          <a:xfrm>
+            <a:off x="301546" y="1159108"/>
+            <a:ext cx="11585731" cy="5280538"/>
+          </a:xfrm>
+        </p:spPr>
+        <p:txBody>
+          <a:bodyPr/>
+          <a:lstStyle/>
+          <a:p>
+            <a:pPr marL="0" indent="0">
+              <a:buClr>
+                <a:srgbClr val="C00000"/>
+              </a:buClr>
+              <a:buNone/>
+            </a:pPr>
+            <a:r>
+              <a:rPr lang="en-US" sz="2000" dirty="0">
+                <a:latin typeface="Verdana" panose="020B0604030504040204" pitchFamily="34" charset="0"/>
+                <a:ea typeface="Verdana" panose="020B0604030504040204" pitchFamily="34" charset="0"/>
+                <a:cs typeface="Verdana" panose="020B0604030504040204" pitchFamily="34" charset="0"/>
+              </a:rPr>
+              <a:t>The first step of authentication is very, very easy; you have to create, and store users.</a:t>
+            </a:r>
+          </a:p>
+          <a:p>
+            <a:pPr marL="0" indent="0">
+              <a:buClr>
+                <a:srgbClr val="C00000"/>
+              </a:buClr>
+              <a:buNone/>
+            </a:pPr>
+            <a:r>
+              <a:rPr lang="en-US" sz="2000" dirty="0">
+                <a:latin typeface="Verdana" panose="020B0604030504040204" pitchFamily="34" charset="0"/>
+                <a:ea typeface="Verdana" panose="020B0604030504040204" pitchFamily="34" charset="0"/>
+                <a:cs typeface="Verdana" panose="020B0604030504040204" pitchFamily="34" charset="0"/>
+              </a:rPr>
+              <a:t>There are some things you’ll be storing, and some things you’ll be storing in a very specific way</a:t>
+            </a:r>
+          </a:p>
+          <a:p>
+            <a:pPr lvl="1">
+              <a:buClr>
+                <a:srgbClr val="C00000"/>
+              </a:buClr>
+            </a:pPr>
+            <a:r>
+              <a:rPr lang="en-US" sz="1800" dirty="0">
+                <a:latin typeface="Verdana" panose="020B0604030504040204" pitchFamily="34" charset="0"/>
+                <a:ea typeface="Verdana" panose="020B0604030504040204" pitchFamily="34" charset="0"/>
+                <a:cs typeface="Verdana" panose="020B0604030504040204" pitchFamily="34" charset="0"/>
+              </a:rPr>
+              <a:t>First off, you will never store a plaintext password. You will be using the </a:t>
+            </a:r>
+            <a:r>
+              <a:rPr lang="en-US" sz="1800" dirty="0" err="1">
+                <a:latin typeface="Verdana" panose="020B0604030504040204" pitchFamily="34" charset="0"/>
+                <a:ea typeface="Verdana" panose="020B0604030504040204" pitchFamily="34" charset="0"/>
+                <a:cs typeface="Verdana" panose="020B0604030504040204" pitchFamily="34" charset="0"/>
+              </a:rPr>
+              <a:t>bcrypt</a:t>
+            </a:r>
+            <a:r>
+              <a:rPr lang="en-US" sz="1800" dirty="0">
+                <a:latin typeface="Verdana" panose="020B0604030504040204" pitchFamily="34" charset="0"/>
+                <a:ea typeface="Verdana" panose="020B0604030504040204" pitchFamily="34" charset="0"/>
+                <a:cs typeface="Verdana" panose="020B0604030504040204" pitchFamily="34" charset="0"/>
+              </a:rPr>
+              <a:t> package in order to create a hash of the password</a:t>
+            </a:r>
+          </a:p>
+          <a:p>
+            <a:pPr lvl="1">
+              <a:buClr>
+                <a:srgbClr val="C00000"/>
+              </a:buClr>
+            </a:pPr>
+            <a:r>
+              <a:rPr lang="en-US" sz="1800" dirty="0">
+                <a:latin typeface="Verdana" panose="020B0604030504040204" pitchFamily="34" charset="0"/>
+                <a:ea typeface="Verdana" panose="020B0604030504040204" pitchFamily="34" charset="0"/>
+                <a:cs typeface="Verdana" panose="020B0604030504040204" pitchFamily="34" charset="0"/>
+              </a:rPr>
+              <a:t>For the sake of authentication, you’re going to be adding an array for users that will keep track of multiple session identifiers. These session identifiers will allow you to keep track of logged in browser  sessions</a:t>
+            </a:r>
+          </a:p>
+          <a:p>
+            <a:pPr marL="0" indent="0">
+              <a:buClr>
+                <a:srgbClr val="C00000"/>
+              </a:buClr>
+              <a:buNone/>
+            </a:pPr>
+            <a:r>
+              <a:rPr lang="en-US" sz="2000" dirty="0">
+                <a:latin typeface="Verdana" panose="020B0604030504040204" pitchFamily="34" charset="0"/>
+                <a:ea typeface="Verdana" panose="020B0604030504040204" pitchFamily="34" charset="0"/>
+                <a:cs typeface="Verdana" panose="020B0604030504040204" pitchFamily="34" charset="0"/>
+              </a:rPr>
+              <a:t>You will need to create a form to allow users to signup, where you will need to check for:</a:t>
+            </a:r>
+          </a:p>
+          <a:p>
+            <a:pPr lvl="1">
+              <a:buClr>
+                <a:srgbClr val="C00000"/>
+              </a:buClr>
+            </a:pPr>
+            <a:r>
+              <a:rPr lang="en-US" sz="1800" dirty="0">
+                <a:latin typeface="Verdana" panose="020B0604030504040204" pitchFamily="34" charset="0"/>
+                <a:ea typeface="Verdana" panose="020B0604030504040204" pitchFamily="34" charset="0"/>
+                <a:cs typeface="Verdana" panose="020B0604030504040204" pitchFamily="34" charset="0"/>
+              </a:rPr>
+              <a:t>Duplicate username/emails/other non-duplicatable data</a:t>
+            </a:r>
+          </a:p>
+          <a:p>
+            <a:pPr lvl="1">
+              <a:buClr>
+                <a:srgbClr val="C00000"/>
+              </a:buClr>
+            </a:pPr>
+            <a:r>
+              <a:rPr lang="en-US" sz="1800" dirty="0">
+                <a:latin typeface="Verdana" panose="020B0604030504040204" pitchFamily="34" charset="0"/>
+                <a:ea typeface="Verdana" panose="020B0604030504040204" pitchFamily="34" charset="0"/>
+                <a:cs typeface="Verdana" panose="020B0604030504040204" pitchFamily="34" charset="0"/>
+              </a:rPr>
+              <a:t>Mixed case of username/email addresses </a:t>
+            </a:r>
+          </a:p>
+          <a:p>
+            <a:pPr lvl="2">
+              <a:buClr>
+                <a:srgbClr val="C00000"/>
+              </a:buClr>
+            </a:pPr>
+            <a:r>
+              <a:rPr lang="en-US" sz="1600" dirty="0">
+                <a:latin typeface="Verdana" panose="020B0604030504040204" pitchFamily="34" charset="0"/>
+                <a:ea typeface="Verdana" panose="020B0604030504040204" pitchFamily="34" charset="0"/>
+                <a:cs typeface="Verdana" panose="020B0604030504040204" pitchFamily="34" charset="0"/>
+                <a:hlinkClick r:id="rId3"/>
+              </a:rPr>
+              <a:t>patrickhill@stevens.edu</a:t>
+            </a:r>
+            <a:r>
+              <a:rPr lang="en-US" sz="1600" dirty="0">
+                <a:latin typeface="Verdana" panose="020B0604030504040204" pitchFamily="34" charset="0"/>
+                <a:ea typeface="Verdana" panose="020B0604030504040204" pitchFamily="34" charset="0"/>
+                <a:cs typeface="Verdana" panose="020B0604030504040204" pitchFamily="34" charset="0"/>
+              </a:rPr>
+              <a:t> should be treated the same as </a:t>
+            </a:r>
+            <a:r>
+              <a:rPr lang="en-US" sz="1600" dirty="0">
+                <a:latin typeface="Verdana" panose="020B0604030504040204" pitchFamily="34" charset="0"/>
+                <a:ea typeface="Verdana" panose="020B0604030504040204" pitchFamily="34" charset="0"/>
+                <a:cs typeface="Verdana" panose="020B0604030504040204" pitchFamily="34" charset="0"/>
+                <a:hlinkClick r:id="rId4"/>
+              </a:rPr>
+              <a:t>PaTriCkHill@stevens.edu</a:t>
+            </a:r>
+            <a:r>
+              <a:rPr lang="en-US" sz="1600" dirty="0">
+                <a:latin typeface="Verdana" panose="020B0604030504040204" pitchFamily="34" charset="0"/>
+                <a:ea typeface="Verdana" panose="020B0604030504040204" pitchFamily="34" charset="0"/>
+                <a:cs typeface="Verdana" panose="020B0604030504040204" pitchFamily="34" charset="0"/>
+              </a:rPr>
+              <a:t> and </a:t>
+            </a:r>
+            <a:r>
+              <a:rPr lang="en-US" sz="1600" dirty="0">
+                <a:latin typeface="Verdana" panose="020B0604030504040204" pitchFamily="34" charset="0"/>
+                <a:ea typeface="Verdana" panose="020B0604030504040204" pitchFamily="34" charset="0"/>
+                <a:cs typeface="Verdana" panose="020B0604030504040204" pitchFamily="34" charset="0"/>
+                <a:hlinkClick r:id="rId5"/>
+              </a:rPr>
+              <a:t>PATRICKHILL@steVens.edu</a:t>
+            </a:r>
+            <a:r>
+              <a:rPr lang="en-US" sz="1600" dirty="0">
+                <a:latin typeface="Verdana" panose="020B0604030504040204" pitchFamily="34" charset="0"/>
+                <a:ea typeface="Verdana" panose="020B0604030504040204" pitchFamily="34" charset="0"/>
+                <a:cs typeface="Verdana" panose="020B0604030504040204" pitchFamily="34" charset="0"/>
+              </a:rPr>
+              <a:t> same for usernames: </a:t>
+            </a:r>
+            <a:r>
+              <a:rPr lang="en-US" sz="1600" dirty="0" err="1">
+                <a:latin typeface="Verdana" panose="020B0604030504040204" pitchFamily="34" charset="0"/>
+                <a:ea typeface="Verdana" panose="020B0604030504040204" pitchFamily="34" charset="0"/>
+                <a:cs typeface="Verdana" panose="020B0604030504040204" pitchFamily="34" charset="0"/>
+              </a:rPr>
+              <a:t>phill</a:t>
+            </a:r>
+            <a:r>
+              <a:rPr lang="en-US" sz="1600" dirty="0">
+                <a:latin typeface="Verdana" panose="020B0604030504040204" pitchFamily="34" charset="0"/>
+                <a:ea typeface="Verdana" panose="020B0604030504040204" pitchFamily="34" charset="0"/>
+                <a:cs typeface="Verdana" panose="020B0604030504040204" pitchFamily="34" charset="0"/>
+              </a:rPr>
+              <a:t>, PHILL, </a:t>
+            </a:r>
+            <a:r>
+              <a:rPr lang="en-US" sz="1600" dirty="0" err="1">
+                <a:latin typeface="Verdana" panose="020B0604030504040204" pitchFamily="34" charset="0"/>
+                <a:ea typeface="Verdana" panose="020B0604030504040204" pitchFamily="34" charset="0"/>
+                <a:cs typeface="Verdana" panose="020B0604030504040204" pitchFamily="34" charset="0"/>
+              </a:rPr>
+              <a:t>Phill</a:t>
+            </a:r>
+            <a:r>
+              <a:rPr lang="en-US" sz="1600" dirty="0">
+                <a:latin typeface="Verdana" panose="020B0604030504040204" pitchFamily="34" charset="0"/>
+                <a:ea typeface="Verdana" panose="020B0604030504040204" pitchFamily="34" charset="0"/>
+                <a:cs typeface="Verdana" panose="020B0604030504040204" pitchFamily="34" charset="0"/>
+              </a:rPr>
+              <a:t> should be treated as equal. </a:t>
+            </a:r>
+            <a:endParaRPr lang="en-US" sz="1800" dirty="0">
+              <a:latin typeface="Verdana" panose="020B0604030504040204" pitchFamily="34" charset="0"/>
+              <a:ea typeface="Verdana" panose="020B0604030504040204" pitchFamily="34" charset="0"/>
+              <a:cs typeface="Verdana" panose="020B0604030504040204" pitchFamily="34" charset="0"/>
+            </a:endParaRPr>
+          </a:p>
+          <a:p>
+            <a:pPr lvl="1">
+              <a:buClr>
+                <a:srgbClr val="C00000"/>
+              </a:buClr>
+            </a:pPr>
+            <a:r>
+              <a:rPr lang="en-US" sz="1800" dirty="0">
+                <a:latin typeface="Verdana" panose="020B0604030504040204" pitchFamily="34" charset="0"/>
+                <a:ea typeface="Verdana" panose="020B0604030504040204" pitchFamily="34" charset="0"/>
+                <a:cs typeface="Verdana" panose="020B0604030504040204" pitchFamily="34" charset="0"/>
+              </a:rPr>
+              <a:t>Existence of passwords</a:t>
+            </a:r>
+            <a:endParaRPr lang="en-US" b="1" dirty="0">
+              <a:solidFill>
+                <a:srgbClr val="AB263D"/>
+              </a:solidFill>
+              <a:latin typeface="Verdana" panose="020B0604030504040204" pitchFamily="34" charset="0"/>
+              <a:ea typeface="Verdana" panose="020B0604030504040204" pitchFamily="34" charset="0"/>
+              <a:cs typeface="Verdana" panose="020B0604030504040204" pitchFamily="34" charset="0"/>
+            </a:endParaRPr>
+          </a:p>
+        </p:txBody>
+      </p:sp>
+      <p:sp>
+        <p:nvSpPr>
+          <p:cNvPr id="3" name="Slide Number Placeholder 2"/>
           <p:cNvSpPr>
             <a:spLocks noGrp="1"/>
           </p:cNvSpPr>
@@ -21878,13 +24496,72 @@
               <a:pPr/>
               <a:t>26</a:t>
             </a:fld>
-            <a:endParaRPr lang="en-US" dirty="0"/>
+            <a:endParaRPr lang="en-US"/>
           </a:p>
         </p:txBody>
       </p:sp>
       <p:sp>
         <p:nvSpPr>
-          <p:cNvPr id="4" name="Text Placeholder 3"/>
+          <p:cNvPr id="4" name="Title 3"/>
+          <p:cNvSpPr>
+            <a:spLocks noGrp="1"/>
+          </p:cNvSpPr>
+          <p:nvPr>
+            <p:ph type="title"/>
+          </p:nvPr>
+        </p:nvSpPr>
+        <p:spPr/>
+        <p:txBody>
+          <a:bodyPr/>
+          <a:lstStyle/>
+          <a:p>
+            <a:r>
+              <a:rPr lang="en-US" dirty="0">
+                <a:solidFill>
+                  <a:srgbClr val="AB262E"/>
+                </a:solidFill>
+                <a:latin typeface="Verdana" panose="020B0604030504040204" pitchFamily="34" charset="0"/>
+                <a:ea typeface="Verdana" panose="020B0604030504040204" pitchFamily="34" charset="0"/>
+                <a:cs typeface="Verdana" panose="020B0604030504040204" pitchFamily="34" charset="0"/>
+              </a:rPr>
+              <a:t>Creating and Storing Users</a:t>
+            </a:r>
+          </a:p>
+        </p:txBody>
+      </p:sp>
+    </p:spTree>
+    <p:extLst>
+      <p:ext uri="{BB962C8B-B14F-4D97-AF65-F5344CB8AC3E}">
+        <p14:creationId xmlns:p14="http://schemas.microsoft.com/office/powerpoint/2010/main" val="3107730865"/>
+      </p:ext>
+    </p:extLst>
+  </p:cSld>
+  <p:clrMapOvr>
+    <a:masterClrMapping/>
+  </p:clrMapOvr>
+</p:sld>
+</file>
+
+<file path=ppt/slides/slide27.xml><?xml version="1.0" encoding="utf-8"?>
+<p:sld xmlns:a="http://schemas.openxmlformats.org/drawingml/2006/main" xmlns:r="http://schemas.openxmlformats.org/officeDocument/2006/relationships" xmlns:p="http://schemas.openxmlformats.org/presentationml/2006/main">
+  <p:cSld>
+    <p:spTree>
+      <p:nvGrpSpPr>
+        <p:cNvPr id="1" name=""/>
+        <p:cNvGrpSpPr/>
+        <p:nvPr/>
+      </p:nvGrpSpPr>
+      <p:grpSpPr>
+        <a:xfrm>
+          <a:off x="0" y="0"/>
+          <a:ext cx="0" cy="0"/>
+          <a:chOff x="0" y="0"/>
+          <a:chExt cx="0" cy="0"/>
+        </a:xfrm>
+      </p:grpSpPr>
+      <p:sp>
+        <p:nvSpPr>
+          <p:cNvPr id="2" name="Text Placeholder 1"/>
           <p:cNvSpPr>
             <a:spLocks noGrp="1"/>
           </p:cNvSpPr>
@@ -21894,57 +24571,674 @@
         </p:nvSpPr>
         <p:spPr>
           <a:xfrm>
-            <a:off x="466343" y="2138947"/>
-            <a:ext cx="11522671" cy="1099553"/>
+            <a:off x="301546" y="1536795"/>
+            <a:ext cx="11585731" cy="4385167"/>
           </a:xfrm>
         </p:spPr>
         <p:txBody>
           <a:bodyPr/>
           <a:lstStyle/>
           <a:p>
-            <a:pPr algn="ctr"/>
-            <a:r>
-              <a:rPr lang="en-US" sz="3800" b="1" dirty="0">
+            <a:pPr marL="0" indent="0">
+              <a:buClr>
+                <a:srgbClr val="C00000"/>
+              </a:buClr>
+              <a:buNone/>
+            </a:pPr>
+            <a:r>
+              <a:rPr lang="en-US" sz="2000" dirty="0">
                 <a:latin typeface="Verdana" panose="020B0604030504040204" pitchFamily="34" charset="0"/>
                 <a:ea typeface="Verdana" panose="020B0604030504040204" pitchFamily="34" charset="0"/>
                 <a:cs typeface="Verdana" panose="020B0604030504040204" pitchFamily="34" charset="0"/>
               </a:rPr>
-              <a:t>Questions?</a:t>
-            </a:r>
-          </a:p>
-          <a:p>
-            <a:pPr algn="ctr"/>
-            <a:endParaRPr lang="en-US" dirty="0"/>
+              <a:t>This step is extremely easy!</a:t>
+            </a:r>
+          </a:p>
+          <a:p>
+            <a:pPr marL="0" indent="0">
+              <a:buClr>
+                <a:srgbClr val="C00000"/>
+              </a:buClr>
+              <a:buNone/>
+            </a:pPr>
+            <a:r>
+              <a:rPr lang="en-US" sz="2000" dirty="0">
+                <a:latin typeface="Verdana" panose="020B0604030504040204" pitchFamily="34" charset="0"/>
+                <a:ea typeface="Verdana" panose="020B0604030504040204" pitchFamily="34" charset="0"/>
+                <a:cs typeface="Verdana" panose="020B0604030504040204" pitchFamily="34" charset="0"/>
+              </a:rPr>
+              <a:t>You will need to provide users with some way to actually perform a login. You will need to setup a form that allows users to </a:t>
+            </a:r>
+            <a:r>
+              <a:rPr lang="en-US" sz="2000" b="1" dirty="0">
+                <a:solidFill>
+                  <a:srgbClr val="AB263D"/>
+                </a:solidFill>
+                <a:latin typeface="Verdana" panose="020B0604030504040204" pitchFamily="34" charset="0"/>
+                <a:ea typeface="Verdana" panose="020B0604030504040204" pitchFamily="34" charset="0"/>
+                <a:cs typeface="Verdana" panose="020B0604030504040204" pitchFamily="34" charset="0"/>
+              </a:rPr>
+              <a:t>POST</a:t>
+            </a:r>
+            <a:r>
+              <a:rPr lang="en-US" sz="2000" dirty="0">
+                <a:latin typeface="Verdana" panose="020B0604030504040204" pitchFamily="34" charset="0"/>
+                <a:ea typeface="Verdana" panose="020B0604030504040204" pitchFamily="34" charset="0"/>
+                <a:cs typeface="Verdana" panose="020B0604030504040204" pitchFamily="34" charset="0"/>
+              </a:rPr>
+              <a:t> their username and password to a route.</a:t>
+            </a:r>
+          </a:p>
+          <a:p>
+            <a:pPr marL="0" indent="0">
+              <a:buClr>
+                <a:srgbClr val="C00000"/>
+              </a:buClr>
+              <a:buNone/>
+            </a:pPr>
+            <a:r>
+              <a:rPr lang="en-US" sz="2000" dirty="0">
+                <a:latin typeface="Verdana" panose="020B0604030504040204" pitchFamily="34" charset="0"/>
+                <a:ea typeface="Verdana" panose="020B0604030504040204" pitchFamily="34" charset="0"/>
+                <a:cs typeface="Verdana" panose="020B0604030504040204" pitchFamily="34" charset="0"/>
+              </a:rPr>
+              <a:t>This route will need to validate the username and password provided against entries in the database.</a:t>
+            </a:r>
+          </a:p>
+          <a:p>
+            <a:pPr lvl="1">
+              <a:buClr>
+                <a:srgbClr val="C00000"/>
+              </a:buClr>
+            </a:pPr>
+            <a:r>
+              <a:rPr lang="en-US" sz="1800" dirty="0">
+                <a:latin typeface="Verdana" panose="020B0604030504040204" pitchFamily="34" charset="0"/>
+                <a:ea typeface="Verdana" panose="020B0604030504040204" pitchFamily="34" charset="0"/>
+                <a:cs typeface="Verdana" panose="020B0604030504040204" pitchFamily="34" charset="0"/>
+              </a:rPr>
+              <a:t>You will retrieve the user with that matching username</a:t>
+            </a:r>
+          </a:p>
+          <a:p>
+            <a:pPr lvl="1">
+              <a:buClr>
+                <a:srgbClr val="C00000"/>
+              </a:buClr>
+            </a:pPr>
+            <a:r>
+              <a:rPr lang="en-US" sz="1800" dirty="0">
+                <a:latin typeface="Verdana" panose="020B0604030504040204" pitchFamily="34" charset="0"/>
+                <a:ea typeface="Verdana" panose="020B0604030504040204" pitchFamily="34" charset="0"/>
+                <a:cs typeface="Verdana" panose="020B0604030504040204" pitchFamily="34" charset="0"/>
+              </a:rPr>
+              <a:t>You will use </a:t>
+            </a:r>
+            <a:r>
+              <a:rPr lang="en-US" sz="1800" b="1" i="1" dirty="0" err="1">
+                <a:solidFill>
+                  <a:srgbClr val="AB263D"/>
+                </a:solidFill>
+                <a:latin typeface="Verdana" panose="020B0604030504040204" pitchFamily="34" charset="0"/>
+                <a:ea typeface="Verdana" panose="020B0604030504040204" pitchFamily="34" charset="0"/>
+                <a:cs typeface="Verdana" panose="020B0604030504040204" pitchFamily="34" charset="0"/>
+              </a:rPr>
+              <a:t>bcrypt</a:t>
+            </a:r>
+            <a:r>
+              <a:rPr lang="en-US" sz="1800" dirty="0">
+                <a:latin typeface="Verdana" panose="020B0604030504040204" pitchFamily="34" charset="0"/>
+                <a:ea typeface="Verdana" panose="020B0604030504040204" pitchFamily="34" charset="0"/>
+                <a:cs typeface="Verdana" panose="020B0604030504040204" pitchFamily="34" charset="0"/>
+              </a:rPr>
+              <a:t> to compare if their supplied password is a match to their hashed password that is stored in the database</a:t>
+            </a:r>
+          </a:p>
+          <a:p>
+            <a:pPr lvl="2">
+              <a:buClr>
+                <a:srgbClr val="C00000"/>
+              </a:buClr>
+            </a:pPr>
+            <a:r>
+              <a:rPr lang="en-US" sz="1600" dirty="0">
+                <a:latin typeface="Verdana" panose="020B0604030504040204" pitchFamily="34" charset="0"/>
+                <a:ea typeface="Verdana" panose="020B0604030504040204" pitchFamily="34" charset="0"/>
+                <a:cs typeface="Verdana" panose="020B0604030504040204" pitchFamily="34" charset="0"/>
+              </a:rPr>
+              <a:t>I have created a simple file, </a:t>
+            </a:r>
+            <a:r>
+              <a:rPr lang="en-US" sz="1600" b="1" i="1" dirty="0" err="1">
+                <a:solidFill>
+                  <a:srgbClr val="AB263D"/>
+                </a:solidFill>
+                <a:latin typeface="Verdana" panose="020B0604030504040204" pitchFamily="34" charset="0"/>
+                <a:ea typeface="Verdana" panose="020B0604030504040204" pitchFamily="34" charset="0"/>
+                <a:cs typeface="Verdana" panose="020B0604030504040204" pitchFamily="34" charset="0"/>
+              </a:rPr>
+              <a:t>bcrypt_example.js</a:t>
+            </a:r>
+            <a:r>
+              <a:rPr lang="en-US" sz="1600" b="1" i="1" dirty="0">
+                <a:solidFill>
+                  <a:srgbClr val="AB263D"/>
+                </a:solidFill>
+                <a:latin typeface="Verdana" panose="020B0604030504040204" pitchFamily="34" charset="0"/>
+                <a:ea typeface="Verdana" panose="020B0604030504040204" pitchFamily="34" charset="0"/>
+                <a:cs typeface="Verdana" panose="020B0604030504040204" pitchFamily="34" charset="0"/>
+              </a:rPr>
+              <a:t> </a:t>
+            </a:r>
+            <a:r>
+              <a:rPr lang="en-US" sz="1600" dirty="0">
+                <a:latin typeface="Verdana" panose="020B0604030504040204" pitchFamily="34" charset="0"/>
+                <a:ea typeface="Verdana" panose="020B0604030504040204" pitchFamily="34" charset="0"/>
+                <a:cs typeface="Verdana" panose="020B0604030504040204" pitchFamily="34" charset="0"/>
+              </a:rPr>
+              <a:t>to demonstrate how to use </a:t>
+            </a:r>
+            <a:r>
+              <a:rPr lang="en-US" sz="1600" b="1" i="1" dirty="0" err="1">
+                <a:solidFill>
+                  <a:srgbClr val="AB263D"/>
+                </a:solidFill>
+                <a:latin typeface="Verdana" panose="020B0604030504040204" pitchFamily="34" charset="0"/>
+                <a:ea typeface="Verdana" panose="020B0604030504040204" pitchFamily="34" charset="0"/>
+                <a:cs typeface="Verdana" panose="020B0604030504040204" pitchFamily="34" charset="0"/>
+              </a:rPr>
+              <a:t>bcrypt</a:t>
+            </a:r>
+            <a:r>
+              <a:rPr lang="en-US" sz="1600" dirty="0">
+                <a:latin typeface="Verdana" panose="020B0604030504040204" pitchFamily="34" charset="0"/>
+                <a:ea typeface="Verdana" panose="020B0604030504040204" pitchFamily="34" charset="0"/>
+                <a:cs typeface="Verdana" panose="020B0604030504040204" pitchFamily="34" charset="0"/>
+              </a:rPr>
+              <a:t> to create and compare hashes.</a:t>
+            </a:r>
+          </a:p>
+          <a:p>
+            <a:pPr marL="0" indent="0">
+              <a:buClr>
+                <a:srgbClr val="C00000"/>
+              </a:buClr>
+              <a:buNone/>
+            </a:pPr>
+            <a:r>
+              <a:rPr lang="en-US" sz="2000" dirty="0">
+                <a:latin typeface="Verdana" panose="020B0604030504040204" pitchFamily="34" charset="0"/>
+                <a:ea typeface="Verdana" panose="020B0604030504040204" pitchFamily="34" charset="0"/>
+                <a:cs typeface="Verdana" panose="020B0604030504040204" pitchFamily="34" charset="0"/>
+              </a:rPr>
+              <a:t>If there is a match, you can proceed; if not, you will simply not allow the request to continue and display an error to the user.</a:t>
+            </a:r>
+            <a:endParaRPr lang="en-US" b="1" dirty="0">
+              <a:solidFill>
+                <a:srgbClr val="AB263D"/>
+              </a:solidFill>
+              <a:latin typeface="Verdana" panose="020B0604030504040204" pitchFamily="34" charset="0"/>
+              <a:ea typeface="Verdana" panose="020B0604030504040204" pitchFamily="34" charset="0"/>
+              <a:cs typeface="Verdana" panose="020B0604030504040204" pitchFamily="34" charset="0"/>
+            </a:endParaRPr>
           </a:p>
         </p:txBody>
       </p:sp>
-      <p:pic>
-        <p:nvPicPr>
-          <p:cNvPr id="6" name="Picture Placeholder 5" descr="nanotechnology-173305070.jpg"/>
-          <p:cNvPicPr>
-            <a:picLocks noGrp="1" noChangeAspect="1"/>
-          </p:cNvPicPr>
-          <p:nvPr>
-            <p:ph type="pic" sz="quarter" idx="13"/>
-          </p:nvPr>
-        </p:nvPicPr>
-        <p:blipFill rotWithShape="1">
-          <a:blip r:embed="rId2" cstate="screen">
-            <a:extLst>
-              <a:ext uri="{28A0092B-C50C-407E-A947-70E740481C1C}">
-                <a14:useLocalDpi xmlns:a14="http://schemas.microsoft.com/office/drawing/2010/main"/>
-              </a:ext>
-            </a:extLst>
-          </a:blip>
-          <a:srcRect/>
-          <a:stretch/>
-        </p:blipFill>
+      <p:sp>
+        <p:nvSpPr>
+          <p:cNvPr id="3" name="Slide Number Placeholder 2"/>
+          <p:cNvSpPr>
+            <a:spLocks noGrp="1"/>
+          </p:cNvSpPr>
+          <p:nvPr>
+            <p:ph type="sldNum" sz="quarter" idx="14"/>
+          </p:nvPr>
+        </p:nvSpPr>
         <p:spPr/>
-      </p:pic>
+        <p:txBody>
+          <a:bodyPr/>
+          <a:lstStyle/>
+          <a:p>
+            <a:fld id="{12342C3A-DD85-7843-B416-BD52AB030D59}" type="slidenum">
+              <a:rPr lang="en-US" smtClean="0"/>
+              <a:pPr/>
+              <a:t>27</a:t>
+            </a:fld>
+            <a:endParaRPr lang="en-US"/>
+          </a:p>
+        </p:txBody>
+      </p:sp>
+      <p:sp>
+        <p:nvSpPr>
+          <p:cNvPr id="4" name="Title 3"/>
+          <p:cNvSpPr>
+            <a:spLocks noGrp="1"/>
+          </p:cNvSpPr>
+          <p:nvPr>
+            <p:ph type="title"/>
+          </p:nvPr>
+        </p:nvSpPr>
+        <p:spPr/>
+        <p:txBody>
+          <a:bodyPr/>
+          <a:lstStyle/>
+          <a:p>
+            <a:r>
+              <a:rPr lang="en-US" dirty="0">
+                <a:solidFill>
+                  <a:srgbClr val="AB262E"/>
+                </a:solidFill>
+                <a:latin typeface="Verdana" panose="020B0604030504040204" pitchFamily="34" charset="0"/>
+                <a:ea typeface="Verdana" panose="020B0604030504040204" pitchFamily="34" charset="0"/>
+                <a:cs typeface="Verdana" panose="020B0604030504040204" pitchFamily="34" charset="0"/>
+              </a:rPr>
+              <a:t>Allowing Users to Login via a Form</a:t>
+            </a:r>
+          </a:p>
+        </p:txBody>
+      </p:sp>
     </p:spTree>
     <p:extLst>
       <p:ext uri="{BB962C8B-B14F-4D97-AF65-F5344CB8AC3E}">
-        <p14:creationId xmlns:p14="http://schemas.microsoft.com/office/powerpoint/2010/main" val="3323458859"/>
+        <p14:creationId xmlns:p14="http://schemas.microsoft.com/office/powerpoint/2010/main" val="512644906"/>
+      </p:ext>
+    </p:extLst>
+  </p:cSld>
+  <p:clrMapOvr>
+    <a:masterClrMapping/>
+  </p:clrMapOvr>
+</p:sld>
+</file>
+
+<file path=ppt/slides/slide28.xml><?xml version="1.0" encoding="utf-8"?>
+<p:sld xmlns:a="http://schemas.openxmlformats.org/drawingml/2006/main" xmlns:r="http://schemas.openxmlformats.org/officeDocument/2006/relationships" xmlns:p="http://schemas.openxmlformats.org/presentationml/2006/main">
+  <p:cSld>
+    <p:spTree>
+      <p:nvGrpSpPr>
+        <p:cNvPr id="1" name=""/>
+        <p:cNvGrpSpPr/>
+        <p:nvPr/>
+      </p:nvGrpSpPr>
+      <p:grpSpPr>
+        <a:xfrm>
+          <a:off x="0" y="0"/>
+          <a:ext cx="0" cy="0"/>
+          <a:chOff x="0" y="0"/>
+          <a:chExt cx="0" cy="0"/>
+        </a:xfrm>
+      </p:grpSpPr>
+      <p:sp>
+        <p:nvSpPr>
+          <p:cNvPr id="2" name="Text Placeholder 1"/>
+          <p:cNvSpPr>
+            <a:spLocks noGrp="1"/>
+          </p:cNvSpPr>
+          <p:nvPr>
+            <p:ph type="body" sz="quarter" idx="12"/>
+          </p:nvPr>
+        </p:nvSpPr>
+        <p:spPr>
+          <a:xfrm>
+            <a:off x="301546" y="1536795"/>
+            <a:ext cx="11585731" cy="4385167"/>
+          </a:xfrm>
+        </p:spPr>
+        <p:txBody>
+          <a:bodyPr/>
+          <a:lstStyle/>
+          <a:p>
+            <a:pPr marL="0" indent="0">
+              <a:buClr>
+                <a:srgbClr val="C00000"/>
+              </a:buClr>
+              <a:buNone/>
+            </a:pPr>
+            <a:r>
+              <a:rPr lang="en-US" sz="2000" dirty="0">
+                <a:latin typeface="Verdana" panose="020B0604030504040204" pitchFamily="34" charset="0"/>
+                <a:ea typeface="Verdana" panose="020B0604030504040204" pitchFamily="34" charset="0"/>
+                <a:cs typeface="Verdana" panose="020B0604030504040204" pitchFamily="34" charset="0"/>
+              </a:rPr>
+              <a:t>If the user logged in with proper credentials, you will then create a session ID (is using normal cookies, if using express-session there is an id property that contains the session ID </a:t>
+            </a:r>
+            <a:r>
+              <a:rPr lang="en-US" sz="2000" dirty="0" err="1">
+                <a:latin typeface="Verdana" panose="020B0604030504040204" pitchFamily="34" charset="0"/>
+                <a:ea typeface="Verdana" panose="020B0604030504040204" pitchFamily="34" charset="0"/>
+                <a:cs typeface="Verdana" panose="020B0604030504040204" pitchFamily="34" charset="0"/>
+              </a:rPr>
+              <a:t>req.session.id</a:t>
+            </a:r>
+            <a:r>
+              <a:rPr lang="en-US" sz="2000" dirty="0">
+                <a:latin typeface="Verdana" panose="020B0604030504040204" pitchFamily="34" charset="0"/>
+                <a:ea typeface="Verdana" panose="020B0604030504040204" pitchFamily="34" charset="0"/>
+                <a:cs typeface="Verdana" panose="020B0604030504040204" pitchFamily="34" charset="0"/>
+              </a:rPr>
+              <a:t>)  This session ID should be some sort of very long identifier, such as a GUID.</a:t>
+            </a:r>
+          </a:p>
+          <a:p>
+            <a:pPr marL="0" indent="0">
+              <a:buClr>
+                <a:srgbClr val="C00000"/>
+              </a:buClr>
+              <a:buNone/>
+            </a:pPr>
+            <a:r>
+              <a:rPr lang="en-US" sz="2000" dirty="0">
+                <a:latin typeface="Verdana" panose="020B0604030504040204" pitchFamily="34" charset="0"/>
+                <a:ea typeface="Verdana" panose="020B0604030504040204" pitchFamily="34" charset="0"/>
+                <a:cs typeface="Verdana" panose="020B0604030504040204" pitchFamily="34" charset="0"/>
+              </a:rPr>
+              <a:t>Rather than storing the user ID or username, and password in cookies, we instead are opting to store a session ID so that the username or password cannot be intercepted.</a:t>
+            </a:r>
+          </a:p>
+          <a:p>
+            <a:pPr marL="0" indent="0">
+              <a:buClr>
+                <a:srgbClr val="C00000"/>
+              </a:buClr>
+              <a:buNone/>
+            </a:pPr>
+            <a:r>
+              <a:rPr lang="en-US" sz="2000" dirty="0">
+                <a:latin typeface="Verdana" panose="020B0604030504040204" pitchFamily="34" charset="0"/>
+                <a:ea typeface="Verdana" panose="020B0604030504040204" pitchFamily="34" charset="0"/>
+                <a:cs typeface="Verdana" panose="020B0604030504040204" pitchFamily="34" charset="0"/>
+              </a:rPr>
+              <a:t>This session ID will be passed to the user via-cookie and will also be stored as one of many session ID’s on the user in the database. So when the user logins in, the server can generate the GUID, store that in an array of session ID’s in the user document and send that back as a cookie to the client in response. </a:t>
+            </a:r>
+            <a:endParaRPr lang="en-US" b="1" dirty="0">
+              <a:solidFill>
+                <a:srgbClr val="AB263D"/>
+              </a:solidFill>
+              <a:latin typeface="Verdana" panose="020B0604030504040204" pitchFamily="34" charset="0"/>
+              <a:ea typeface="Verdana" panose="020B0604030504040204" pitchFamily="34" charset="0"/>
+              <a:cs typeface="Verdana" panose="020B0604030504040204" pitchFamily="34" charset="0"/>
+            </a:endParaRPr>
+          </a:p>
+        </p:txBody>
+      </p:sp>
+      <p:sp>
+        <p:nvSpPr>
+          <p:cNvPr id="3" name="Slide Number Placeholder 2"/>
+          <p:cNvSpPr>
+            <a:spLocks noGrp="1"/>
+          </p:cNvSpPr>
+          <p:nvPr>
+            <p:ph type="sldNum" sz="quarter" idx="14"/>
+          </p:nvPr>
+        </p:nvSpPr>
+        <p:spPr/>
+        <p:txBody>
+          <a:bodyPr/>
+          <a:lstStyle/>
+          <a:p>
+            <a:fld id="{12342C3A-DD85-7843-B416-BD52AB030D59}" type="slidenum">
+              <a:rPr lang="en-US" smtClean="0"/>
+              <a:pPr/>
+              <a:t>28</a:t>
+            </a:fld>
+            <a:endParaRPr lang="en-US"/>
+          </a:p>
+        </p:txBody>
+      </p:sp>
+      <p:sp>
+        <p:nvSpPr>
+          <p:cNvPr id="4" name="Title 3"/>
+          <p:cNvSpPr>
+            <a:spLocks noGrp="1"/>
+          </p:cNvSpPr>
+          <p:nvPr>
+            <p:ph type="title"/>
+          </p:nvPr>
+        </p:nvSpPr>
+        <p:spPr/>
+        <p:txBody>
+          <a:bodyPr/>
+          <a:lstStyle/>
+          <a:p>
+            <a:r>
+              <a:rPr lang="en-US" dirty="0">
+                <a:solidFill>
+                  <a:srgbClr val="AB262E"/>
+                </a:solidFill>
+                <a:latin typeface="Verdana" panose="020B0604030504040204" pitchFamily="34" charset="0"/>
+                <a:ea typeface="Verdana" panose="020B0604030504040204" pitchFamily="34" charset="0"/>
+                <a:cs typeface="Verdana" panose="020B0604030504040204" pitchFamily="34" charset="0"/>
+              </a:rPr>
+              <a:t>Storing Session Data in a Cookie</a:t>
+            </a:r>
+          </a:p>
+        </p:txBody>
+      </p:sp>
+    </p:spTree>
+    <p:extLst>
+      <p:ext uri="{BB962C8B-B14F-4D97-AF65-F5344CB8AC3E}">
+        <p14:creationId xmlns:p14="http://schemas.microsoft.com/office/powerpoint/2010/main" val="516340808"/>
+      </p:ext>
+    </p:extLst>
+  </p:cSld>
+  <p:clrMapOvr>
+    <a:masterClrMapping/>
+  </p:clrMapOvr>
+</p:sld>
+</file>
+
+<file path=ppt/slides/slide29.xml><?xml version="1.0" encoding="utf-8"?>
+<p:sld xmlns:a="http://schemas.openxmlformats.org/drawingml/2006/main" xmlns:r="http://schemas.openxmlformats.org/officeDocument/2006/relationships" xmlns:p="http://schemas.openxmlformats.org/presentationml/2006/main">
+  <p:cSld>
+    <p:spTree>
+      <p:nvGrpSpPr>
+        <p:cNvPr id="1" name=""/>
+        <p:cNvGrpSpPr/>
+        <p:nvPr/>
+      </p:nvGrpSpPr>
+      <p:grpSpPr>
+        <a:xfrm>
+          <a:off x="0" y="0"/>
+          <a:ext cx="0" cy="0"/>
+          <a:chOff x="0" y="0"/>
+          <a:chExt cx="0" cy="0"/>
+        </a:xfrm>
+      </p:grpSpPr>
+      <p:sp>
+        <p:nvSpPr>
+          <p:cNvPr id="2" name="Text Placeholder 1"/>
+          <p:cNvSpPr>
+            <a:spLocks noGrp="1"/>
+          </p:cNvSpPr>
+          <p:nvPr>
+            <p:ph type="body" sz="quarter" idx="12"/>
+          </p:nvPr>
+        </p:nvSpPr>
+        <p:spPr>
+          <a:xfrm>
+            <a:off x="301546" y="1536795"/>
+            <a:ext cx="11585731" cy="4385167"/>
+          </a:xfrm>
+        </p:spPr>
+        <p:txBody>
+          <a:bodyPr/>
+          <a:lstStyle/>
+          <a:p>
+            <a:pPr marL="0" indent="0">
+              <a:buClr>
+                <a:srgbClr val="C00000"/>
+              </a:buClr>
+              <a:buNone/>
+            </a:pPr>
+            <a:r>
+              <a:rPr lang="en-US" sz="2000" dirty="0">
+                <a:latin typeface="Verdana" panose="020B0604030504040204" pitchFamily="34" charset="0"/>
+                <a:ea typeface="Verdana" panose="020B0604030504040204" pitchFamily="34" charset="0"/>
+                <a:cs typeface="Verdana" panose="020B0604030504040204" pitchFamily="34" charset="0"/>
+              </a:rPr>
+              <a:t>It is now time to make your middleware!</a:t>
+            </a:r>
+          </a:p>
+          <a:p>
+            <a:pPr marL="0" indent="0">
+              <a:buClr>
+                <a:srgbClr val="C00000"/>
+              </a:buClr>
+              <a:buNone/>
+            </a:pPr>
+            <a:r>
+              <a:rPr lang="en-US" sz="2000" dirty="0">
+                <a:latin typeface="Verdana" panose="020B0604030504040204" pitchFamily="34" charset="0"/>
+                <a:ea typeface="Verdana" panose="020B0604030504040204" pitchFamily="34" charset="0"/>
+                <a:cs typeface="Verdana" panose="020B0604030504040204" pitchFamily="34" charset="0"/>
+              </a:rPr>
+              <a:t>Your middleware should run on each request, and will check for a cookie containing a session ID</a:t>
+            </a:r>
+          </a:p>
+          <a:p>
+            <a:pPr lvl="1">
+              <a:buClr>
+                <a:srgbClr val="C00000"/>
+              </a:buClr>
+            </a:pPr>
+            <a:r>
+              <a:rPr lang="en-US" sz="1800" dirty="0">
+                <a:latin typeface="Verdana" panose="020B0604030504040204" pitchFamily="34" charset="0"/>
+                <a:ea typeface="Verdana" panose="020B0604030504040204" pitchFamily="34" charset="0"/>
+                <a:cs typeface="Verdana" panose="020B0604030504040204" pitchFamily="34" charset="0"/>
+              </a:rPr>
+              <a:t>If it contains a session ID, you will check the database for a single user that has that session ID stored in their session ID field</a:t>
+            </a:r>
+          </a:p>
+          <a:p>
+            <a:pPr lvl="2">
+              <a:buClr>
+                <a:srgbClr val="C00000"/>
+              </a:buClr>
+            </a:pPr>
+            <a:r>
+              <a:rPr lang="en-US" sz="1600" dirty="0">
+                <a:latin typeface="Verdana" panose="020B0604030504040204" pitchFamily="34" charset="0"/>
+                <a:ea typeface="Verdana" panose="020B0604030504040204" pitchFamily="34" charset="0"/>
+                <a:cs typeface="Verdana" panose="020B0604030504040204" pitchFamily="34" charset="0"/>
+              </a:rPr>
+              <a:t>If there is a match, you’ve found your user!</a:t>
+            </a:r>
+          </a:p>
+          <a:p>
+            <a:pPr lvl="2">
+              <a:buClr>
+                <a:srgbClr val="C00000"/>
+              </a:buClr>
+            </a:pPr>
+            <a:r>
+              <a:rPr lang="en-US" sz="1600" dirty="0">
+                <a:latin typeface="Verdana" panose="020B0604030504040204" pitchFamily="34" charset="0"/>
+                <a:ea typeface="Verdana" panose="020B0604030504040204" pitchFamily="34" charset="0"/>
+                <a:cs typeface="Verdana" panose="020B0604030504040204" pitchFamily="34" charset="0"/>
+              </a:rPr>
+              <a:t>If not, your request is coming from an unauthenticated source; expire their cookie.</a:t>
+            </a:r>
+          </a:p>
+          <a:p>
+            <a:pPr marL="0" indent="0">
+              <a:buClr>
+                <a:srgbClr val="C00000"/>
+              </a:buClr>
+              <a:buNone/>
+            </a:pPr>
+            <a:endParaRPr lang="en-US" sz="2000" dirty="0">
+              <a:latin typeface="Verdana" panose="020B0604030504040204" pitchFamily="34" charset="0"/>
+              <a:ea typeface="Verdana" panose="020B0604030504040204" pitchFamily="34" charset="0"/>
+              <a:cs typeface="Verdana" panose="020B0604030504040204" pitchFamily="34" charset="0"/>
+            </a:endParaRPr>
+          </a:p>
+          <a:p>
+            <a:pPr lvl="1">
+              <a:buClr>
+                <a:srgbClr val="C00000"/>
+              </a:buClr>
+            </a:pPr>
+            <a:r>
+              <a:rPr lang="en-US" sz="1800" dirty="0">
+                <a:latin typeface="Verdana" panose="020B0604030504040204" pitchFamily="34" charset="0"/>
+                <a:ea typeface="Verdana" panose="020B0604030504040204" pitchFamily="34" charset="0"/>
+                <a:cs typeface="Verdana" panose="020B0604030504040204" pitchFamily="34" charset="0"/>
+              </a:rPr>
+              <a:t>If not, your request is coming from an unauthenticated source.</a:t>
+            </a:r>
+            <a:endParaRPr lang="en-US" b="1" dirty="0">
+              <a:solidFill>
+                <a:srgbClr val="AB263D"/>
+              </a:solidFill>
+              <a:latin typeface="Verdana" panose="020B0604030504040204" pitchFamily="34" charset="0"/>
+              <a:ea typeface="Verdana" panose="020B0604030504040204" pitchFamily="34" charset="0"/>
+              <a:cs typeface="Verdana" panose="020B0604030504040204" pitchFamily="34" charset="0"/>
+            </a:endParaRPr>
+          </a:p>
+        </p:txBody>
+      </p:sp>
+      <p:sp>
+        <p:nvSpPr>
+          <p:cNvPr id="3" name="Slide Number Placeholder 2"/>
+          <p:cNvSpPr>
+            <a:spLocks noGrp="1"/>
+          </p:cNvSpPr>
+          <p:nvPr>
+            <p:ph type="sldNum" sz="quarter" idx="14"/>
+          </p:nvPr>
+        </p:nvSpPr>
+        <p:spPr/>
+        <p:txBody>
+          <a:bodyPr/>
+          <a:lstStyle/>
+          <a:p>
+            <a:fld id="{12342C3A-DD85-7843-B416-BD52AB030D59}" type="slidenum">
+              <a:rPr lang="en-US" smtClean="0"/>
+              <a:pPr/>
+              <a:t>29</a:t>
+            </a:fld>
+            <a:endParaRPr lang="en-US"/>
+          </a:p>
+        </p:txBody>
+      </p:sp>
+      <p:sp>
+        <p:nvSpPr>
+          <p:cNvPr id="4" name="Title 3"/>
+          <p:cNvSpPr>
+            <a:spLocks noGrp="1"/>
+          </p:cNvSpPr>
+          <p:nvPr>
+            <p:ph type="title"/>
+          </p:nvPr>
+        </p:nvSpPr>
+        <p:spPr>
+          <a:xfrm>
+            <a:off x="302605" y="418354"/>
+            <a:ext cx="11051078" cy="535863"/>
+          </a:xfrm>
+        </p:spPr>
+        <p:txBody>
+          <a:bodyPr/>
+          <a:lstStyle/>
+          <a:p>
+            <a:r>
+              <a:rPr lang="en-US" dirty="0">
+                <a:solidFill>
+                  <a:srgbClr val="AB262E"/>
+                </a:solidFill>
+                <a:latin typeface="Verdana" panose="020B0604030504040204" pitchFamily="34" charset="0"/>
+                <a:ea typeface="Verdana" panose="020B0604030504040204" pitchFamily="34" charset="0"/>
+                <a:cs typeface="Verdana" panose="020B0604030504040204" pitchFamily="34" charset="0"/>
+              </a:rPr>
+              <a:t>Validating the Data Stored in the Cookie/Session</a:t>
+            </a:r>
+          </a:p>
+        </p:txBody>
+      </p:sp>
+    </p:spTree>
+    <p:extLst>
+      <p:ext uri="{BB962C8B-B14F-4D97-AF65-F5344CB8AC3E}">
+        <p14:creationId xmlns:p14="http://schemas.microsoft.com/office/powerpoint/2010/main" val="3804716203"/>
       </p:ext>
     </p:extLst>
   </p:cSld>
@@ -22042,7 +25336,7 @@
           </p:nvPr>
         </p:nvPicPr>
         <p:blipFill rotWithShape="1">
-          <a:blip r:embed="rId2" cstate="screen">
+          <a:blip r:embed="rId3" cstate="screen">
             <a:extLst>
               <a:ext uri="{28A0092B-C50C-407E-A947-70E740481C1C}">
                 <a14:useLocalDpi xmlns:a14="http://schemas.microsoft.com/office/drawing/2010/main"/>
@@ -22058,6 +25352,597 @@
     <p:extLst>
       <p:ext uri="{BB962C8B-B14F-4D97-AF65-F5344CB8AC3E}">
         <p14:creationId xmlns:p14="http://schemas.microsoft.com/office/powerpoint/2010/main" val="2552493801"/>
+      </p:ext>
+    </p:extLst>
+  </p:cSld>
+  <p:clrMapOvr>
+    <a:masterClrMapping/>
+  </p:clrMapOvr>
+</p:sld>
+</file>
+
+<file path=ppt/slides/slide30.xml><?xml version="1.0" encoding="utf-8"?>
+<p:sld xmlns:a="http://schemas.openxmlformats.org/drawingml/2006/main" xmlns:r="http://schemas.openxmlformats.org/officeDocument/2006/relationships" xmlns:p="http://schemas.openxmlformats.org/presentationml/2006/main">
+  <p:cSld>
+    <p:spTree>
+      <p:nvGrpSpPr>
+        <p:cNvPr id="1" name=""/>
+        <p:cNvGrpSpPr/>
+        <p:nvPr/>
+      </p:nvGrpSpPr>
+      <p:grpSpPr>
+        <a:xfrm>
+          <a:off x="0" y="0"/>
+          <a:ext cx="0" cy="0"/>
+          <a:chOff x="0" y="0"/>
+          <a:chExt cx="0" cy="0"/>
+        </a:xfrm>
+      </p:grpSpPr>
+      <p:sp>
+        <p:nvSpPr>
+          <p:cNvPr id="2" name="Text Placeholder 1"/>
+          <p:cNvSpPr>
+            <a:spLocks noGrp="1"/>
+          </p:cNvSpPr>
+          <p:nvPr>
+            <p:ph type="body" sz="quarter" idx="12"/>
+          </p:nvPr>
+        </p:nvSpPr>
+        <p:spPr>
+          <a:xfrm>
+            <a:off x="301546" y="1536795"/>
+            <a:ext cx="11585731" cy="4385167"/>
+          </a:xfrm>
+        </p:spPr>
+        <p:txBody>
+          <a:bodyPr/>
+          <a:lstStyle/>
+          <a:p>
+            <a:pPr marL="0" indent="0">
+              <a:buClr>
+                <a:srgbClr val="C00000"/>
+              </a:buClr>
+              <a:buNone/>
+            </a:pPr>
+            <a:r>
+              <a:rPr lang="en-US" sz="2000" dirty="0">
+                <a:latin typeface="Verdana" panose="020B0604030504040204" pitchFamily="34" charset="0"/>
+                <a:ea typeface="Verdana" panose="020B0604030504040204" pitchFamily="34" charset="0"/>
+                <a:cs typeface="Verdana" panose="020B0604030504040204" pitchFamily="34" charset="0"/>
+              </a:rPr>
+              <a:t>In your middleware, you have access to the request and the response objects, and you can add properties to them easily.</a:t>
+            </a:r>
+          </a:p>
+          <a:p>
+            <a:pPr marL="0" indent="0">
+              <a:buClr>
+                <a:srgbClr val="C00000"/>
+              </a:buClr>
+              <a:buNone/>
+            </a:pPr>
+            <a:r>
+              <a:rPr lang="en-US" sz="2000" dirty="0">
+                <a:latin typeface="Verdana" panose="020B0604030504040204" pitchFamily="34" charset="0"/>
+                <a:ea typeface="Verdana" panose="020B0604030504040204" pitchFamily="34" charset="0"/>
+                <a:cs typeface="Verdana" panose="020B0604030504040204" pitchFamily="34" charset="0"/>
+              </a:rPr>
+              <a:t>If you are able to associate a session ID with a user, you may define a property on the request (or response!) object that stores the user, or some representation of them (</a:t>
+            </a:r>
+            <a:r>
+              <a:rPr lang="en-US" sz="2000" dirty="0" err="1">
+                <a:latin typeface="Verdana" panose="020B0604030504040204" pitchFamily="34" charset="0"/>
+                <a:ea typeface="Verdana" panose="020B0604030504040204" pitchFamily="34" charset="0"/>
+                <a:cs typeface="Verdana" panose="020B0604030504040204" pitchFamily="34" charset="0"/>
+              </a:rPr>
+              <a:t>ie</a:t>
+            </a:r>
+            <a:r>
+              <a:rPr lang="en-US" sz="2000" dirty="0">
+                <a:latin typeface="Verdana" panose="020B0604030504040204" pitchFamily="34" charset="0"/>
+                <a:ea typeface="Verdana" panose="020B0604030504040204" pitchFamily="34" charset="0"/>
+                <a:cs typeface="Verdana" panose="020B0604030504040204" pitchFamily="34" charset="0"/>
+              </a:rPr>
+              <a:t>: just storing the user ID).</a:t>
+            </a:r>
+          </a:p>
+          <a:p>
+            <a:pPr marL="0" indent="0">
+              <a:buClr>
+                <a:srgbClr val="C00000"/>
+              </a:buClr>
+              <a:buNone/>
+            </a:pPr>
+            <a:r>
+              <a:rPr lang="en-US" sz="2000" dirty="0">
+                <a:latin typeface="Verdana" panose="020B0604030504040204" pitchFamily="34" charset="0"/>
+                <a:ea typeface="Verdana" panose="020B0604030504040204" pitchFamily="34" charset="0"/>
+                <a:cs typeface="Verdana" panose="020B0604030504040204" pitchFamily="34" charset="0"/>
+              </a:rPr>
+              <a:t>The data you store will be accessible:</a:t>
+            </a:r>
+          </a:p>
+          <a:p>
+            <a:pPr lvl="1">
+              <a:buClr>
+                <a:srgbClr val="C00000"/>
+              </a:buClr>
+            </a:pPr>
+            <a:r>
+              <a:rPr lang="en-US" sz="1800" dirty="0">
+                <a:latin typeface="Verdana" panose="020B0604030504040204" pitchFamily="34" charset="0"/>
+                <a:ea typeface="Verdana" panose="020B0604030504040204" pitchFamily="34" charset="0"/>
+                <a:cs typeface="Verdana" panose="020B0604030504040204" pitchFamily="34" charset="0"/>
+              </a:rPr>
+              <a:t>In middleware that are defined after the authentication middleware</a:t>
+            </a:r>
+          </a:p>
+          <a:p>
+            <a:pPr lvl="1">
+              <a:buClr>
+                <a:srgbClr val="C00000"/>
+              </a:buClr>
+            </a:pPr>
+            <a:r>
+              <a:rPr lang="en-US" sz="1800" dirty="0">
+                <a:latin typeface="Verdana" panose="020B0604030504040204" pitchFamily="34" charset="0"/>
+                <a:ea typeface="Verdana" panose="020B0604030504040204" pitchFamily="34" charset="0"/>
+                <a:cs typeface="Verdana" panose="020B0604030504040204" pitchFamily="34" charset="0"/>
+              </a:rPr>
+              <a:t>In your routes</a:t>
+            </a:r>
+          </a:p>
+          <a:p>
+            <a:pPr marL="0" indent="0">
+              <a:buClr>
+                <a:srgbClr val="C00000"/>
+              </a:buClr>
+              <a:buNone/>
+            </a:pPr>
+            <a:r>
+              <a:rPr lang="en-US" sz="2000" dirty="0">
+                <a:latin typeface="Verdana" panose="020B0604030504040204" pitchFamily="34" charset="0"/>
+                <a:ea typeface="Verdana" panose="020B0604030504040204" pitchFamily="34" charset="0"/>
+                <a:cs typeface="Verdana" panose="020B0604030504040204" pitchFamily="34" charset="0"/>
+              </a:rPr>
+              <a:t>If you define middleware after your authentication middleware, you can attach them to  particular paths (such as </a:t>
+            </a:r>
+            <a:r>
+              <a:rPr lang="en-US" sz="2000" b="1" i="1" dirty="0">
+                <a:solidFill>
+                  <a:srgbClr val="AB263D"/>
+                </a:solidFill>
+                <a:latin typeface="Verdana" panose="020B0604030504040204" pitchFamily="34" charset="0"/>
+                <a:ea typeface="Verdana" panose="020B0604030504040204" pitchFamily="34" charset="0"/>
+                <a:cs typeface="Verdana" panose="020B0604030504040204" pitchFamily="34" charset="0"/>
+              </a:rPr>
+              <a:t>/user</a:t>
+            </a:r>
+            <a:r>
+              <a:rPr lang="en-US" sz="2000" dirty="0">
+                <a:latin typeface="Verdana" panose="020B0604030504040204" pitchFamily="34" charset="0"/>
+                <a:ea typeface="Verdana" panose="020B0604030504040204" pitchFamily="34" charset="0"/>
+                <a:cs typeface="Verdana" panose="020B0604030504040204" pitchFamily="34" charset="0"/>
+              </a:rPr>
+              <a:t>) and, if a user is not logged in, you can redirect them. You can also do things such as check on other paths (</a:t>
+            </a:r>
+            <a:r>
+              <a:rPr lang="en-US" sz="2000" dirty="0" err="1">
+                <a:latin typeface="Verdana" panose="020B0604030504040204" pitchFamily="34" charset="0"/>
+                <a:ea typeface="Verdana" panose="020B0604030504040204" pitchFamily="34" charset="0"/>
+                <a:cs typeface="Verdana" panose="020B0604030504040204" pitchFamily="34" charset="0"/>
+              </a:rPr>
+              <a:t>ie</a:t>
+            </a:r>
+            <a:r>
+              <a:rPr lang="en-US" sz="2000" dirty="0">
+                <a:latin typeface="Verdana" panose="020B0604030504040204" pitchFamily="34" charset="0"/>
+                <a:ea typeface="Verdana" panose="020B0604030504040204" pitchFamily="34" charset="0"/>
+                <a:cs typeface="Verdana" panose="020B0604030504040204" pitchFamily="34" charset="0"/>
+              </a:rPr>
+              <a:t>: </a:t>
+            </a:r>
+            <a:r>
+              <a:rPr lang="en-US" sz="2000" b="1" i="1" dirty="0">
+                <a:solidFill>
+                  <a:srgbClr val="AB263D"/>
+                </a:solidFill>
+                <a:latin typeface="Verdana" panose="020B0604030504040204" pitchFamily="34" charset="0"/>
+                <a:ea typeface="Verdana" panose="020B0604030504040204" pitchFamily="34" charset="0"/>
+                <a:cs typeface="Verdana" panose="020B0604030504040204" pitchFamily="34" charset="0"/>
+              </a:rPr>
+              <a:t>/admin</a:t>
+            </a:r>
+            <a:r>
+              <a:rPr lang="en-US" sz="2000" dirty="0">
+                <a:latin typeface="Verdana" panose="020B0604030504040204" pitchFamily="34" charset="0"/>
+                <a:ea typeface="Verdana" panose="020B0604030504040204" pitchFamily="34" charset="0"/>
+                <a:cs typeface="Verdana" panose="020B0604030504040204" pitchFamily="34" charset="0"/>
+              </a:rPr>
+              <a:t>) to see if the user has permission to access those paths, and redirect if not.</a:t>
+            </a:r>
+            <a:endParaRPr lang="en-US" b="1" dirty="0">
+              <a:solidFill>
+                <a:srgbClr val="AB263D"/>
+              </a:solidFill>
+              <a:latin typeface="Verdana" panose="020B0604030504040204" pitchFamily="34" charset="0"/>
+              <a:ea typeface="Verdana" panose="020B0604030504040204" pitchFamily="34" charset="0"/>
+              <a:cs typeface="Verdana" panose="020B0604030504040204" pitchFamily="34" charset="0"/>
+            </a:endParaRPr>
+          </a:p>
+        </p:txBody>
+      </p:sp>
+      <p:sp>
+        <p:nvSpPr>
+          <p:cNvPr id="3" name="Slide Number Placeholder 2"/>
+          <p:cNvSpPr>
+            <a:spLocks noGrp="1"/>
+          </p:cNvSpPr>
+          <p:nvPr>
+            <p:ph type="sldNum" sz="quarter" idx="14"/>
+          </p:nvPr>
+        </p:nvSpPr>
+        <p:spPr/>
+        <p:txBody>
+          <a:bodyPr/>
+          <a:lstStyle/>
+          <a:p>
+            <a:fld id="{12342C3A-DD85-7843-B416-BD52AB030D59}" type="slidenum">
+              <a:rPr lang="en-US" smtClean="0"/>
+              <a:pPr/>
+              <a:t>30</a:t>
+            </a:fld>
+            <a:endParaRPr lang="en-US"/>
+          </a:p>
+        </p:txBody>
+      </p:sp>
+      <p:sp>
+        <p:nvSpPr>
+          <p:cNvPr id="4" name="Title 3"/>
+          <p:cNvSpPr>
+            <a:spLocks noGrp="1"/>
+          </p:cNvSpPr>
+          <p:nvPr>
+            <p:ph type="title"/>
+          </p:nvPr>
+        </p:nvSpPr>
+        <p:spPr/>
+        <p:txBody>
+          <a:bodyPr/>
+          <a:lstStyle/>
+          <a:p>
+            <a:r>
+              <a:rPr lang="en-US" dirty="0">
+                <a:solidFill>
+                  <a:srgbClr val="AB262E"/>
+                </a:solidFill>
+                <a:latin typeface="Verdana" panose="020B0604030504040204" pitchFamily="34" charset="0"/>
+                <a:ea typeface="Verdana" panose="020B0604030504040204" pitchFamily="34" charset="0"/>
+                <a:cs typeface="Verdana" panose="020B0604030504040204" pitchFamily="34" charset="0"/>
+              </a:rPr>
+              <a:t>Storing the User in the Request Object</a:t>
+            </a:r>
+          </a:p>
+        </p:txBody>
+      </p:sp>
+    </p:spTree>
+    <p:extLst>
+      <p:ext uri="{BB962C8B-B14F-4D97-AF65-F5344CB8AC3E}">
+        <p14:creationId xmlns:p14="http://schemas.microsoft.com/office/powerpoint/2010/main" val="1388964172"/>
+      </p:ext>
+    </p:extLst>
+  </p:cSld>
+  <p:clrMapOvr>
+    <a:masterClrMapping/>
+  </p:clrMapOvr>
+</p:sld>
+</file>
+
+<file path=ppt/slides/slide31.xml><?xml version="1.0" encoding="utf-8"?>
+<p:sld xmlns:a="http://schemas.openxmlformats.org/drawingml/2006/main" xmlns:r="http://schemas.openxmlformats.org/officeDocument/2006/relationships" xmlns:p="http://schemas.openxmlformats.org/presentationml/2006/main">
+  <p:cSld>
+    <p:spTree>
+      <p:nvGrpSpPr>
+        <p:cNvPr id="1" name=""/>
+        <p:cNvGrpSpPr/>
+        <p:nvPr/>
+      </p:nvGrpSpPr>
+      <p:grpSpPr>
+        <a:xfrm>
+          <a:off x="0" y="0"/>
+          <a:ext cx="0" cy="0"/>
+          <a:chOff x="0" y="0"/>
+          <a:chExt cx="0" cy="0"/>
+        </a:xfrm>
+      </p:grpSpPr>
+      <p:sp>
+        <p:nvSpPr>
+          <p:cNvPr id="2" name="Text Placeholder 1"/>
+          <p:cNvSpPr>
+            <a:spLocks noGrp="1"/>
+          </p:cNvSpPr>
+          <p:nvPr>
+            <p:ph type="body" sz="quarter" idx="12"/>
+          </p:nvPr>
+        </p:nvSpPr>
+        <p:spPr>
+          <a:xfrm>
+            <a:off x="301546" y="1536795"/>
+            <a:ext cx="11585731" cy="4385167"/>
+          </a:xfrm>
+        </p:spPr>
+        <p:txBody>
+          <a:bodyPr/>
+          <a:lstStyle/>
+          <a:p>
+            <a:pPr marL="0" indent="0">
+              <a:buClr>
+                <a:srgbClr val="C00000"/>
+              </a:buClr>
+              <a:buNone/>
+            </a:pPr>
+            <a:r>
+              <a:rPr lang="en-US" sz="2000" dirty="0">
+                <a:latin typeface="Verdana" panose="020B0604030504040204" pitchFamily="34" charset="0"/>
+                <a:ea typeface="Verdana" panose="020B0604030504040204" pitchFamily="34" charset="0"/>
+                <a:cs typeface="Verdana" panose="020B0604030504040204" pitchFamily="34" charset="0"/>
+              </a:rPr>
+              <a:t>Logging out is extremely easy, and only has two steps!</a:t>
+            </a:r>
+          </a:p>
+          <a:p>
+            <a:pPr lvl="1">
+              <a:buClr>
+                <a:srgbClr val="C00000"/>
+              </a:buClr>
+            </a:pPr>
+            <a:r>
+              <a:rPr lang="en-US" sz="1800" dirty="0">
+                <a:latin typeface="Verdana" panose="020B0604030504040204" pitchFamily="34" charset="0"/>
+                <a:ea typeface="Verdana" panose="020B0604030504040204" pitchFamily="34" charset="0"/>
+                <a:cs typeface="Verdana" panose="020B0604030504040204" pitchFamily="34" charset="0"/>
+              </a:rPr>
+              <a:t>After hitting a logout route, you will expire the cookie for the session ID (or set it to undefined when using express-session, or simply destroy </a:t>
+            </a:r>
+            <a:r>
+              <a:rPr lang="en-US" sz="1800">
+                <a:latin typeface="Verdana" panose="020B0604030504040204" pitchFamily="34" charset="0"/>
+                <a:ea typeface="Verdana" panose="020B0604030504040204" pitchFamily="34" charset="0"/>
+                <a:cs typeface="Verdana" panose="020B0604030504040204" pitchFamily="34" charset="0"/>
+              </a:rPr>
+              <a:t>the session)</a:t>
+            </a:r>
+            <a:endParaRPr lang="en-US" sz="1800" dirty="0">
+              <a:latin typeface="Verdana" panose="020B0604030504040204" pitchFamily="34" charset="0"/>
+              <a:ea typeface="Verdana" panose="020B0604030504040204" pitchFamily="34" charset="0"/>
+              <a:cs typeface="Verdana" panose="020B0604030504040204" pitchFamily="34" charset="0"/>
+            </a:endParaRPr>
+          </a:p>
+          <a:p>
+            <a:pPr lvl="1">
+              <a:buClr>
+                <a:srgbClr val="C00000"/>
+              </a:buClr>
+            </a:pPr>
+            <a:r>
+              <a:rPr lang="en-US" sz="1800" dirty="0">
+                <a:latin typeface="Verdana" panose="020B0604030504040204" pitchFamily="34" charset="0"/>
+                <a:ea typeface="Verdana" panose="020B0604030504040204" pitchFamily="34" charset="0"/>
+                <a:cs typeface="Verdana" panose="020B0604030504040204" pitchFamily="34" charset="0"/>
+              </a:rPr>
+              <a:t>You will remove the session ID from the user’s session ID list</a:t>
+            </a:r>
+          </a:p>
+          <a:p>
+            <a:pPr lvl="1">
+              <a:buClr>
+                <a:srgbClr val="C00000"/>
+              </a:buClr>
+            </a:pPr>
+            <a:r>
+              <a:rPr lang="en-US" sz="1800" dirty="0">
+                <a:latin typeface="Verdana" panose="020B0604030504040204" pitchFamily="34" charset="0"/>
+                <a:ea typeface="Verdana" panose="020B0604030504040204" pitchFamily="34" charset="0"/>
+                <a:cs typeface="Verdana" panose="020B0604030504040204" pitchFamily="34" charset="0"/>
+              </a:rPr>
+              <a:t>You will invalidate any other cookies that are relevant to the user.</a:t>
+            </a:r>
+          </a:p>
+          <a:p>
+            <a:pPr marL="0" indent="0">
+              <a:buClr>
+                <a:srgbClr val="C00000"/>
+              </a:buClr>
+              <a:buNone/>
+            </a:pPr>
+            <a:r>
+              <a:rPr lang="en-US" sz="2000" dirty="0">
+                <a:latin typeface="Verdana" panose="020B0604030504040204" pitchFamily="34" charset="0"/>
+                <a:ea typeface="Verdana" panose="020B0604030504040204" pitchFamily="34" charset="0"/>
+                <a:cs typeface="Verdana" panose="020B0604030504040204" pitchFamily="34" charset="0"/>
+              </a:rPr>
+              <a:t>By doing both of those, you will have successfully invalidated the session and the user will no longer be authenticated.</a:t>
+            </a:r>
+            <a:endParaRPr lang="en-US" b="1" dirty="0">
+              <a:solidFill>
+                <a:srgbClr val="AB263D"/>
+              </a:solidFill>
+              <a:latin typeface="Verdana" panose="020B0604030504040204" pitchFamily="34" charset="0"/>
+              <a:ea typeface="Verdana" panose="020B0604030504040204" pitchFamily="34" charset="0"/>
+              <a:cs typeface="Verdana" panose="020B0604030504040204" pitchFamily="34" charset="0"/>
+            </a:endParaRPr>
+          </a:p>
+        </p:txBody>
+      </p:sp>
+      <p:sp>
+        <p:nvSpPr>
+          <p:cNvPr id="3" name="Slide Number Placeholder 2"/>
+          <p:cNvSpPr>
+            <a:spLocks noGrp="1"/>
+          </p:cNvSpPr>
+          <p:nvPr>
+            <p:ph type="sldNum" sz="quarter" idx="14"/>
+          </p:nvPr>
+        </p:nvSpPr>
+        <p:spPr/>
+        <p:txBody>
+          <a:bodyPr/>
+          <a:lstStyle/>
+          <a:p>
+            <a:fld id="{12342C3A-DD85-7843-B416-BD52AB030D59}" type="slidenum">
+              <a:rPr lang="en-US" smtClean="0"/>
+              <a:pPr/>
+              <a:t>31</a:t>
+            </a:fld>
+            <a:endParaRPr lang="en-US"/>
+          </a:p>
+        </p:txBody>
+      </p:sp>
+      <p:sp>
+        <p:nvSpPr>
+          <p:cNvPr id="4" name="Title 3"/>
+          <p:cNvSpPr>
+            <a:spLocks noGrp="1"/>
+          </p:cNvSpPr>
+          <p:nvPr>
+            <p:ph type="title"/>
+          </p:nvPr>
+        </p:nvSpPr>
+        <p:spPr/>
+        <p:txBody>
+          <a:bodyPr/>
+          <a:lstStyle/>
+          <a:p>
+            <a:r>
+              <a:rPr lang="en-US" dirty="0">
+                <a:solidFill>
+                  <a:srgbClr val="AB262E"/>
+                </a:solidFill>
+                <a:latin typeface="Verdana" panose="020B0604030504040204" pitchFamily="34" charset="0"/>
+                <a:ea typeface="Verdana" panose="020B0604030504040204" pitchFamily="34" charset="0"/>
+                <a:cs typeface="Verdana" panose="020B0604030504040204" pitchFamily="34" charset="0"/>
+              </a:rPr>
+              <a:t>Logging Out</a:t>
+            </a:r>
+          </a:p>
+        </p:txBody>
+      </p:sp>
+    </p:spTree>
+    <p:extLst>
+      <p:ext uri="{BB962C8B-B14F-4D97-AF65-F5344CB8AC3E}">
+        <p14:creationId xmlns:p14="http://schemas.microsoft.com/office/powerpoint/2010/main" val="131458676"/>
+      </p:ext>
+    </p:extLst>
+  </p:cSld>
+  <p:clrMapOvr>
+    <a:masterClrMapping/>
+  </p:clrMapOvr>
+</p:sld>
+</file>
+
+<file path=ppt/slides/slide32.xml><?xml version="1.0" encoding="utf-8"?>
+<p:sld xmlns:a="http://schemas.openxmlformats.org/drawingml/2006/main" xmlns:r="http://schemas.openxmlformats.org/officeDocument/2006/relationships" xmlns:p="http://schemas.openxmlformats.org/presentationml/2006/main">
+  <p:cSld>
+    <p:spTree>
+      <p:nvGrpSpPr>
+        <p:cNvPr id="1" name=""/>
+        <p:cNvGrpSpPr/>
+        <p:nvPr/>
+      </p:nvGrpSpPr>
+      <p:grpSpPr>
+        <a:xfrm>
+          <a:off x="0" y="0"/>
+          <a:ext cx="0" cy="0"/>
+          <a:chOff x="0" y="0"/>
+          <a:chExt cx="0" cy="0"/>
+        </a:xfrm>
+      </p:grpSpPr>
+      <p:sp>
+        <p:nvSpPr>
+          <p:cNvPr id="2" name="Slide Number Placeholder 1"/>
+          <p:cNvSpPr>
+            <a:spLocks noGrp="1"/>
+          </p:cNvSpPr>
+          <p:nvPr>
+            <p:ph type="sldNum" sz="quarter" idx="14"/>
+          </p:nvPr>
+        </p:nvSpPr>
+        <p:spPr/>
+        <p:txBody>
+          <a:bodyPr/>
+          <a:lstStyle/>
+          <a:p>
+            <a:fld id="{12342C3A-DD85-7843-B416-BD52AB030D59}" type="slidenum">
+              <a:rPr lang="en-US" smtClean="0"/>
+              <a:pPr/>
+              <a:t>32</a:t>
+            </a:fld>
+            <a:endParaRPr lang="en-US" dirty="0"/>
+          </a:p>
+        </p:txBody>
+      </p:sp>
+      <p:sp>
+        <p:nvSpPr>
+          <p:cNvPr id="4" name="Text Placeholder 3"/>
+          <p:cNvSpPr>
+            <a:spLocks noGrp="1"/>
+          </p:cNvSpPr>
+          <p:nvPr>
+            <p:ph type="body" sz="quarter" idx="12"/>
+          </p:nvPr>
+        </p:nvSpPr>
+        <p:spPr>
+          <a:xfrm>
+            <a:off x="466343" y="2138947"/>
+            <a:ext cx="11522671" cy="1099553"/>
+          </a:xfrm>
+        </p:spPr>
+        <p:txBody>
+          <a:bodyPr/>
+          <a:lstStyle/>
+          <a:p>
+            <a:pPr algn="ctr"/>
+            <a:r>
+              <a:rPr lang="en-US" sz="3800" b="1" dirty="0">
+                <a:latin typeface="Verdana" panose="020B0604030504040204" pitchFamily="34" charset="0"/>
+                <a:ea typeface="Verdana" panose="020B0604030504040204" pitchFamily="34" charset="0"/>
+                <a:cs typeface="Verdana" panose="020B0604030504040204" pitchFamily="34" charset="0"/>
+              </a:rPr>
+              <a:t>Questions?</a:t>
+            </a:r>
+          </a:p>
+          <a:p>
+            <a:pPr algn="ctr"/>
+            <a:endParaRPr lang="en-US" dirty="0"/>
+          </a:p>
+        </p:txBody>
+      </p:sp>
+      <p:pic>
+        <p:nvPicPr>
+          <p:cNvPr id="6" name="Picture Placeholder 5" descr="nanotechnology-173305070.jpg"/>
+          <p:cNvPicPr>
+            <a:picLocks noGrp="1" noChangeAspect="1"/>
+          </p:cNvPicPr>
+          <p:nvPr>
+            <p:ph type="pic" sz="quarter" idx="13"/>
+          </p:nvPr>
+        </p:nvPicPr>
+        <p:blipFill rotWithShape="1">
+          <a:blip r:embed="rId3" cstate="screen">
+            <a:extLst>
+              <a:ext uri="{28A0092B-C50C-407E-A947-70E740481C1C}">
+                <a14:useLocalDpi xmlns:a14="http://schemas.microsoft.com/office/drawing/2010/main"/>
+              </a:ext>
+            </a:extLst>
+          </a:blip>
+          <a:srcRect/>
+          <a:stretch/>
+        </p:blipFill>
+        <p:spPr/>
+      </p:pic>
+    </p:spTree>
+    <p:extLst>
+      <p:ext uri="{BB962C8B-B14F-4D97-AF65-F5344CB8AC3E}">
+        <p14:creationId xmlns:p14="http://schemas.microsoft.com/office/powerpoint/2010/main" val="3323458859"/>
       </p:ext>
     </p:extLst>
   </p:cSld>
@@ -22916,7 +26801,7 @@
           </p:nvPr>
         </p:nvPicPr>
         <p:blipFill rotWithShape="1">
-          <a:blip r:embed="rId2" cstate="screen">
+          <a:blip r:embed="rId3" cstate="screen">
             <a:extLst>
               <a:ext uri="{28A0092B-C50C-407E-A947-70E740481C1C}">
                 <a14:useLocalDpi xmlns:a14="http://schemas.microsoft.com/office/drawing/2010/main"/>
